--- a/VectorNetworkAnalyzer/8 - Модуль демультиплексирования векторного анализатора сигналов.pptx
+++ b/VectorNetworkAnalyzer/8 - Модуль демультиплексирования векторного анализатора сигналов.pptx
@@ -5,7 +5,7 @@
     <p:sldMasterId id="2147483648" r:id="rId1"/>
   </p:sldMasterIdLst>
   <p:notesMasterIdLst>
-    <p:notesMasterId r:id="rId8"/>
+    <p:notesMasterId r:id="rId9"/>
   </p:notesMasterIdLst>
   <p:sldIdLst>
     <p:sldId id="256" r:id="rId2"/>
@@ -14,6 +14,7 @@
     <p:sldId id="264" r:id="rId5"/>
     <p:sldId id="259" r:id="rId6"/>
     <p:sldId id="260" r:id="rId7"/>
+    <p:sldId id="265" r:id="rId8"/>
   </p:sldIdLst>
   <p:sldSz cx="12192000" cy="6858000"/>
   <p:notesSz cx="6858000" cy="9144000"/>
@@ -202,7 +203,7 @@
           <a:p>
             <a:fld id="{F2F87AD7-7896-4C32-9524-1DA4C2DE611D}" type="datetimeFigureOut">
               <a:rPr lang="en-GB" smtClean="0"/>
-              <a:t>15/11/2022</a:t>
+              <a:t>22/11/2022</a:t>
             </a:fld>
             <a:endParaRPr lang="en-GB"/>
           </a:p>
@@ -935,7 +936,7 @@
           <a:p>
             <a:fld id="{6DFD69E5-3894-4ECD-8F7D-EC77EB4E9697}" type="datetimeFigureOut">
               <a:rPr lang="en-GB" smtClean="0"/>
-              <a:t>15/11/2022</a:t>
+              <a:t>22/11/2022</a:t>
             </a:fld>
             <a:endParaRPr lang="en-GB"/>
           </a:p>
@@ -1133,7 +1134,7 @@
           <a:p>
             <a:fld id="{6DFD69E5-3894-4ECD-8F7D-EC77EB4E9697}" type="datetimeFigureOut">
               <a:rPr lang="en-GB" smtClean="0"/>
-              <a:t>15/11/2022</a:t>
+              <a:t>22/11/2022</a:t>
             </a:fld>
             <a:endParaRPr lang="en-GB"/>
           </a:p>
@@ -1341,7 +1342,7 @@
           <a:p>
             <a:fld id="{6DFD69E5-3894-4ECD-8F7D-EC77EB4E9697}" type="datetimeFigureOut">
               <a:rPr lang="en-GB" smtClean="0"/>
-              <a:t>15/11/2022</a:t>
+              <a:t>22/11/2022</a:t>
             </a:fld>
             <a:endParaRPr lang="en-GB"/>
           </a:p>
@@ -1539,7 +1540,7 @@
           <a:p>
             <a:fld id="{6DFD69E5-3894-4ECD-8F7D-EC77EB4E9697}" type="datetimeFigureOut">
               <a:rPr lang="en-GB" smtClean="0"/>
-              <a:t>15/11/2022</a:t>
+              <a:t>22/11/2022</a:t>
             </a:fld>
             <a:endParaRPr lang="en-GB"/>
           </a:p>
@@ -1814,7 +1815,7 @@
           <a:p>
             <a:fld id="{6DFD69E5-3894-4ECD-8F7D-EC77EB4E9697}" type="datetimeFigureOut">
               <a:rPr lang="en-GB" smtClean="0"/>
-              <a:t>15/11/2022</a:t>
+              <a:t>22/11/2022</a:t>
             </a:fld>
             <a:endParaRPr lang="en-GB"/>
           </a:p>
@@ -2079,7 +2080,7 @@
           <a:p>
             <a:fld id="{6DFD69E5-3894-4ECD-8F7D-EC77EB4E9697}" type="datetimeFigureOut">
               <a:rPr lang="en-GB" smtClean="0"/>
-              <a:t>15/11/2022</a:t>
+              <a:t>22/11/2022</a:t>
             </a:fld>
             <a:endParaRPr lang="en-GB"/>
           </a:p>
@@ -2491,7 +2492,7 @@
           <a:p>
             <a:fld id="{6DFD69E5-3894-4ECD-8F7D-EC77EB4E9697}" type="datetimeFigureOut">
               <a:rPr lang="en-GB" smtClean="0"/>
-              <a:t>15/11/2022</a:t>
+              <a:t>22/11/2022</a:t>
             </a:fld>
             <a:endParaRPr lang="en-GB"/>
           </a:p>
@@ -2632,7 +2633,7 @@
           <a:p>
             <a:fld id="{6DFD69E5-3894-4ECD-8F7D-EC77EB4E9697}" type="datetimeFigureOut">
               <a:rPr lang="en-GB" smtClean="0"/>
-              <a:t>15/11/2022</a:t>
+              <a:t>22/11/2022</a:t>
             </a:fld>
             <a:endParaRPr lang="en-GB"/>
           </a:p>
@@ -2745,7 +2746,7 @@
           <a:p>
             <a:fld id="{6DFD69E5-3894-4ECD-8F7D-EC77EB4E9697}" type="datetimeFigureOut">
               <a:rPr lang="en-GB" smtClean="0"/>
-              <a:t>15/11/2022</a:t>
+              <a:t>22/11/2022</a:t>
             </a:fld>
             <a:endParaRPr lang="en-GB"/>
           </a:p>
@@ -3056,7 +3057,7 @@
           <a:p>
             <a:fld id="{6DFD69E5-3894-4ECD-8F7D-EC77EB4E9697}" type="datetimeFigureOut">
               <a:rPr lang="en-GB" smtClean="0"/>
-              <a:t>15/11/2022</a:t>
+              <a:t>22/11/2022</a:t>
             </a:fld>
             <a:endParaRPr lang="en-GB"/>
           </a:p>
@@ -3344,7 +3345,7 @@
           <a:p>
             <a:fld id="{6DFD69E5-3894-4ECD-8F7D-EC77EB4E9697}" type="datetimeFigureOut">
               <a:rPr lang="en-GB" smtClean="0"/>
-              <a:t>15/11/2022</a:t>
+              <a:t>22/11/2022</a:t>
             </a:fld>
             <a:endParaRPr lang="en-GB"/>
           </a:p>
@@ -3585,7 +3586,7 @@
           <a:p>
             <a:fld id="{6DFD69E5-3894-4ECD-8F7D-EC77EB4E9697}" type="datetimeFigureOut">
               <a:rPr lang="en-GB" smtClean="0"/>
-              <a:t>15/11/2022</a:t>
+              <a:t>22/11/2022</a:t>
             </a:fld>
             <a:endParaRPr lang="en-GB"/>
           </a:p>
@@ -4497,7 +4498,7 @@
 </file>
 
 <file path=ppt/slides/slide6.xml><?xml version="1.0" encoding="utf-8"?>
-<p:sld xmlns:a="http://schemas.openxmlformats.org/drawingml/2006/main" xmlns:r="http://schemas.openxmlformats.org/officeDocument/2006/relationships" xmlns:p="http://schemas.openxmlformats.org/presentationml/2006/main">
+<p:sld xmlns:a="http://schemas.openxmlformats.org/drawingml/2006/main" xmlns:r="http://schemas.openxmlformats.org/officeDocument/2006/relationships" xmlns:p="http://schemas.openxmlformats.org/presentationml/2006/main" show="0">
   <p:cSld>
     <p:spTree>
       <p:nvGrpSpPr>
@@ -4547,6 +4548,2120 @@
     <p:extLst>
       <p:ext uri="{BB962C8B-B14F-4D97-AF65-F5344CB8AC3E}">
         <p14:creationId xmlns:p14="http://schemas.microsoft.com/office/powerpoint/2010/main" val="381701392"/>
+      </p:ext>
+    </p:extLst>
+  </p:cSld>
+  <p:clrMapOvr>
+    <a:masterClrMapping/>
+  </p:clrMapOvr>
+</p:sld>
+</file>
+
+<file path=ppt/slides/slide7.xml><?xml version="1.0" encoding="utf-8"?>
+<p:sld xmlns:a="http://schemas.openxmlformats.org/drawingml/2006/main" xmlns:r="http://schemas.openxmlformats.org/officeDocument/2006/relationships" xmlns:p="http://schemas.openxmlformats.org/presentationml/2006/main">
+  <p:cSld>
+    <p:bg>
+      <p:bgPr>
+        <a:solidFill>
+          <a:schemeClr val="tx1"/>
+        </a:solidFill>
+        <a:effectLst/>
+      </p:bgPr>
+    </p:bg>
+    <p:spTree>
+      <p:nvGrpSpPr>
+        <p:cNvPr id="1" name=""/>
+        <p:cNvGrpSpPr/>
+        <p:nvPr/>
+      </p:nvGrpSpPr>
+      <p:grpSpPr>
+        <a:xfrm>
+          <a:off x="0" y="0"/>
+          <a:ext cx="0" cy="0"/>
+          <a:chOff x="0" y="0"/>
+          <a:chExt cx="0" cy="0"/>
+        </a:xfrm>
+      </p:grpSpPr>
+      <p:sp>
+        <p:nvSpPr>
+          <p:cNvPr id="7" name="TextBox 6">
+            <a:extLst>
+              <a:ext uri="{FF2B5EF4-FFF2-40B4-BE49-F238E27FC236}">
+                <a16:creationId xmlns:a16="http://schemas.microsoft.com/office/drawing/2014/main" id="{C09E9367-21F0-CD67-9921-E0F25EBCF266}"/>
+              </a:ext>
+            </a:extLst>
+          </p:cNvPr>
+          <p:cNvSpPr txBox="1"/>
+          <p:nvPr/>
+        </p:nvSpPr>
+        <p:spPr>
+          <a:xfrm>
+            <a:off x="267462" y="244870"/>
+            <a:ext cx="6094476" cy="2308324"/>
+          </a:xfrm>
+          <a:prstGeom prst="rect">
+            <a:avLst/>
+          </a:prstGeom>
+          <a:noFill/>
+        </p:spPr>
+        <p:txBody>
+          <a:bodyPr wrap="square">
+            <a:spAutoFit/>
+          </a:bodyPr>
+          <a:lstStyle/>
+          <a:p>
+            <a:r>
+              <a:rPr lang="en-GB" b="0" dirty="0" err="1">
+                <a:solidFill>
+                  <a:srgbClr val="569CD6"/>
+                </a:solidFill>
+                <a:effectLst/>
+                <a:latin typeface="Consolas" panose="020B0609020204030204" pitchFamily="49" charset="0"/>
+              </a:rPr>
+              <a:t>ADC_coversion_start_p</a:t>
+            </a:r>
+            <a:r>
+              <a:rPr lang="en-GB" b="0" dirty="0">
+                <a:solidFill>
+                  <a:srgbClr val="D4D4D4"/>
+                </a:solidFill>
+                <a:effectLst/>
+                <a:latin typeface="Consolas" panose="020B0609020204030204" pitchFamily="49" charset="0"/>
+              </a:rPr>
+              <a:t>: </a:t>
+            </a:r>
+            <a:r>
+              <a:rPr lang="en-GB" b="0" dirty="0">
+                <a:solidFill>
+                  <a:srgbClr val="569CD6"/>
+                </a:solidFill>
+                <a:effectLst/>
+                <a:latin typeface="Consolas" panose="020B0609020204030204" pitchFamily="49" charset="0"/>
+              </a:rPr>
+              <a:t>process</a:t>
+            </a:r>
+            <a:r>
+              <a:rPr lang="en-GB" b="0" dirty="0">
+                <a:solidFill>
+                  <a:srgbClr val="D4D4D4"/>
+                </a:solidFill>
+                <a:effectLst/>
+                <a:latin typeface="Consolas" panose="020B0609020204030204" pitchFamily="49" charset="0"/>
+              </a:rPr>
+              <a:t> (</a:t>
+            </a:r>
+            <a:r>
+              <a:rPr lang="en-GB" b="0" dirty="0" err="1">
+                <a:solidFill>
+                  <a:srgbClr val="D4D4D4"/>
+                </a:solidFill>
+                <a:effectLst/>
+                <a:latin typeface="Consolas" panose="020B0609020204030204" pitchFamily="49" charset="0"/>
+              </a:rPr>
+              <a:t>nRst</a:t>
+            </a:r>
+            <a:r>
+              <a:rPr lang="en-GB" b="0" dirty="0">
+                <a:solidFill>
+                  <a:srgbClr val="D4D4D4"/>
+                </a:solidFill>
+                <a:effectLst/>
+                <a:latin typeface="Consolas" panose="020B0609020204030204" pitchFamily="49" charset="0"/>
+              </a:rPr>
+              <a:t>, </a:t>
+            </a:r>
+            <a:r>
+              <a:rPr lang="en-GB" b="0" dirty="0" err="1">
+                <a:solidFill>
+                  <a:srgbClr val="D4D4D4"/>
+                </a:solidFill>
+                <a:effectLst/>
+                <a:latin typeface="Consolas" panose="020B0609020204030204" pitchFamily="49" charset="0"/>
+              </a:rPr>
+              <a:t>Clk_ADC</a:t>
+            </a:r>
+            <a:r>
+              <a:rPr lang="en-GB" b="0" dirty="0">
+                <a:solidFill>
+                  <a:srgbClr val="D4D4D4"/>
+                </a:solidFill>
+                <a:effectLst/>
+                <a:latin typeface="Consolas" panose="020B0609020204030204" pitchFamily="49" charset="0"/>
+              </a:rPr>
+              <a:t>)</a:t>
+            </a:r>
+          </a:p>
+          <a:p>
+            <a:r>
+              <a:rPr lang="en-GB" b="0" dirty="0">
+                <a:solidFill>
+                  <a:srgbClr val="D4D4D4"/>
+                </a:solidFill>
+                <a:effectLst/>
+                <a:latin typeface="Consolas" panose="020B0609020204030204" pitchFamily="49" charset="0"/>
+              </a:rPr>
+              <a:t>    </a:t>
+            </a:r>
+            <a:r>
+              <a:rPr lang="en-GB" b="0" dirty="0">
+                <a:solidFill>
+                  <a:srgbClr val="569CD6"/>
+                </a:solidFill>
+                <a:effectLst/>
+                <a:latin typeface="Consolas" panose="020B0609020204030204" pitchFamily="49" charset="0"/>
+              </a:rPr>
+              <a:t>begin</a:t>
+            </a:r>
+            <a:endParaRPr lang="en-GB" b="0" dirty="0">
+              <a:solidFill>
+                <a:srgbClr val="D4D4D4"/>
+              </a:solidFill>
+              <a:effectLst/>
+              <a:latin typeface="Consolas" panose="020B0609020204030204" pitchFamily="49" charset="0"/>
+            </a:endParaRPr>
+          </a:p>
+          <a:p>
+            <a:r>
+              <a:rPr lang="en-GB" b="0" dirty="0">
+                <a:solidFill>
+                  <a:srgbClr val="D4D4D4"/>
+                </a:solidFill>
+                <a:effectLst/>
+                <a:latin typeface="Consolas" panose="020B0609020204030204" pitchFamily="49" charset="0"/>
+              </a:rPr>
+              <a:t>        </a:t>
+            </a:r>
+            <a:r>
+              <a:rPr lang="en-GB" b="0" dirty="0">
+                <a:solidFill>
+                  <a:srgbClr val="569CD6"/>
+                </a:solidFill>
+                <a:effectLst/>
+                <a:latin typeface="Consolas" panose="020B0609020204030204" pitchFamily="49" charset="0"/>
+              </a:rPr>
+              <a:t>if</a:t>
+            </a:r>
+            <a:r>
+              <a:rPr lang="en-GB" b="0" dirty="0">
+                <a:solidFill>
+                  <a:srgbClr val="D4D4D4"/>
+                </a:solidFill>
+                <a:effectLst/>
+                <a:latin typeface="Consolas" panose="020B0609020204030204" pitchFamily="49" charset="0"/>
+              </a:rPr>
+              <a:t> (</a:t>
+            </a:r>
+            <a:r>
+              <a:rPr lang="en-GB" b="0" dirty="0" err="1">
+                <a:solidFill>
+                  <a:srgbClr val="D4D4D4"/>
+                </a:solidFill>
+                <a:effectLst/>
+                <a:latin typeface="Consolas" panose="020B0609020204030204" pitchFamily="49" charset="0"/>
+              </a:rPr>
+              <a:t>nRst</a:t>
+            </a:r>
+            <a:r>
+              <a:rPr lang="en-GB" b="0" dirty="0">
+                <a:solidFill>
+                  <a:srgbClr val="D4D4D4"/>
+                </a:solidFill>
+                <a:effectLst/>
+                <a:latin typeface="Consolas" panose="020B0609020204030204" pitchFamily="49" charset="0"/>
+              </a:rPr>
+              <a:t> = </a:t>
+            </a:r>
+            <a:r>
+              <a:rPr lang="en-GB" b="0" dirty="0">
+                <a:solidFill>
+                  <a:srgbClr val="CE9178"/>
+                </a:solidFill>
+                <a:effectLst/>
+                <a:latin typeface="Consolas" panose="020B0609020204030204" pitchFamily="49" charset="0"/>
+              </a:rPr>
+              <a:t>'0'</a:t>
+            </a:r>
+            <a:r>
+              <a:rPr lang="en-GB" b="0" dirty="0">
+                <a:solidFill>
+                  <a:srgbClr val="D4D4D4"/>
+                </a:solidFill>
+                <a:effectLst/>
+                <a:latin typeface="Consolas" panose="020B0609020204030204" pitchFamily="49" charset="0"/>
+              </a:rPr>
+              <a:t>) </a:t>
+            </a:r>
+            <a:r>
+              <a:rPr lang="en-GB" b="0" dirty="0">
+                <a:solidFill>
+                  <a:srgbClr val="569CD6"/>
+                </a:solidFill>
+                <a:effectLst/>
+                <a:latin typeface="Consolas" panose="020B0609020204030204" pitchFamily="49" charset="0"/>
+              </a:rPr>
+              <a:t>then</a:t>
+            </a:r>
+            <a:endParaRPr lang="en-GB" b="0" dirty="0">
+              <a:solidFill>
+                <a:srgbClr val="D4D4D4"/>
+              </a:solidFill>
+              <a:effectLst/>
+              <a:latin typeface="Consolas" panose="020B0609020204030204" pitchFamily="49" charset="0"/>
+            </a:endParaRPr>
+          </a:p>
+          <a:p>
+            <a:r>
+              <a:rPr lang="en-GB" b="0" dirty="0">
+                <a:solidFill>
+                  <a:srgbClr val="D4D4D4"/>
+                </a:solidFill>
+                <a:effectLst/>
+                <a:latin typeface="Consolas" panose="020B0609020204030204" pitchFamily="49" charset="0"/>
+              </a:rPr>
+              <a:t>            </a:t>
+            </a:r>
+            <a:r>
+              <a:rPr lang="en-GB" b="0" dirty="0" err="1">
+                <a:solidFill>
+                  <a:srgbClr val="D4D4D4"/>
+                </a:solidFill>
+                <a:effectLst/>
+                <a:latin typeface="Consolas" panose="020B0609020204030204" pitchFamily="49" charset="0"/>
+              </a:rPr>
+              <a:t>ConversionStarted_r</a:t>
+            </a:r>
+            <a:r>
+              <a:rPr lang="en-GB" b="0" dirty="0">
+                <a:solidFill>
+                  <a:srgbClr val="D4D4D4"/>
+                </a:solidFill>
+                <a:effectLst/>
+                <a:latin typeface="Consolas" panose="020B0609020204030204" pitchFamily="49" charset="0"/>
+              </a:rPr>
+              <a:t> &lt;= </a:t>
+            </a:r>
+            <a:r>
+              <a:rPr lang="en-GB" b="0" dirty="0">
+                <a:solidFill>
+                  <a:srgbClr val="CE9178"/>
+                </a:solidFill>
+                <a:effectLst/>
+                <a:latin typeface="Consolas" panose="020B0609020204030204" pitchFamily="49" charset="0"/>
+              </a:rPr>
+              <a:t>'0'</a:t>
+            </a:r>
+            <a:r>
+              <a:rPr lang="en-GB" b="0" dirty="0">
+                <a:solidFill>
+                  <a:srgbClr val="D4D4D4"/>
+                </a:solidFill>
+                <a:effectLst/>
+                <a:latin typeface="Consolas" panose="020B0609020204030204" pitchFamily="49" charset="0"/>
+              </a:rPr>
+              <a:t>;</a:t>
+            </a:r>
+          </a:p>
+          <a:p>
+            <a:r>
+              <a:rPr lang="en-GB" b="0" dirty="0">
+                <a:solidFill>
+                  <a:srgbClr val="D4D4D4"/>
+                </a:solidFill>
+                <a:effectLst/>
+                <a:latin typeface="Consolas" panose="020B0609020204030204" pitchFamily="49" charset="0"/>
+              </a:rPr>
+              <a:t>        </a:t>
+            </a:r>
+            <a:r>
+              <a:rPr lang="en-GB" b="0" dirty="0" err="1">
+                <a:solidFill>
+                  <a:srgbClr val="569CD6"/>
+                </a:solidFill>
+                <a:effectLst/>
+                <a:latin typeface="Consolas" panose="020B0609020204030204" pitchFamily="49" charset="0"/>
+              </a:rPr>
+              <a:t>elsif</a:t>
+            </a:r>
+            <a:r>
+              <a:rPr lang="en-GB" b="0" dirty="0">
+                <a:solidFill>
+                  <a:srgbClr val="D4D4D4"/>
+                </a:solidFill>
+                <a:effectLst/>
+                <a:latin typeface="Consolas" panose="020B0609020204030204" pitchFamily="49" charset="0"/>
+              </a:rPr>
+              <a:t> </a:t>
+            </a:r>
+            <a:r>
+              <a:rPr lang="en-GB" b="0" dirty="0" err="1">
+                <a:solidFill>
+                  <a:srgbClr val="DCDCAA"/>
+                </a:solidFill>
+                <a:effectLst/>
+                <a:latin typeface="Consolas" panose="020B0609020204030204" pitchFamily="49" charset="0"/>
+              </a:rPr>
+              <a:t>falling_edge</a:t>
+            </a:r>
+            <a:r>
+              <a:rPr lang="en-GB" b="0" dirty="0">
+                <a:solidFill>
+                  <a:srgbClr val="D4D4D4"/>
+                </a:solidFill>
+                <a:effectLst/>
+                <a:latin typeface="Consolas" panose="020B0609020204030204" pitchFamily="49" charset="0"/>
+              </a:rPr>
+              <a:t>(</a:t>
+            </a:r>
+            <a:r>
+              <a:rPr lang="en-GB" b="0" dirty="0" err="1">
+                <a:solidFill>
+                  <a:srgbClr val="D4D4D4"/>
+                </a:solidFill>
+                <a:effectLst/>
+                <a:latin typeface="Consolas" panose="020B0609020204030204" pitchFamily="49" charset="0"/>
+              </a:rPr>
+              <a:t>Clk_ADC</a:t>
+            </a:r>
+            <a:r>
+              <a:rPr lang="en-GB" b="0" dirty="0">
+                <a:solidFill>
+                  <a:srgbClr val="D4D4D4"/>
+                </a:solidFill>
+                <a:effectLst/>
+                <a:latin typeface="Consolas" panose="020B0609020204030204" pitchFamily="49" charset="0"/>
+              </a:rPr>
+              <a:t>) </a:t>
+            </a:r>
+            <a:r>
+              <a:rPr lang="en-GB" b="0" dirty="0">
+                <a:solidFill>
+                  <a:srgbClr val="569CD6"/>
+                </a:solidFill>
+                <a:effectLst/>
+                <a:latin typeface="Consolas" panose="020B0609020204030204" pitchFamily="49" charset="0"/>
+              </a:rPr>
+              <a:t>then</a:t>
+            </a:r>
+            <a:endParaRPr lang="en-GB" b="0" dirty="0">
+              <a:solidFill>
+                <a:srgbClr val="D4D4D4"/>
+              </a:solidFill>
+              <a:effectLst/>
+              <a:latin typeface="Consolas" panose="020B0609020204030204" pitchFamily="49" charset="0"/>
+            </a:endParaRPr>
+          </a:p>
+          <a:p>
+            <a:r>
+              <a:rPr lang="en-GB" b="0" dirty="0">
+                <a:solidFill>
+                  <a:srgbClr val="D4D4D4"/>
+                </a:solidFill>
+                <a:effectLst/>
+                <a:latin typeface="Consolas" panose="020B0609020204030204" pitchFamily="49" charset="0"/>
+              </a:rPr>
+              <a:t>            </a:t>
+            </a:r>
+            <a:r>
+              <a:rPr lang="en-GB" b="0" dirty="0" err="1">
+                <a:solidFill>
+                  <a:srgbClr val="D4D4D4"/>
+                </a:solidFill>
+                <a:effectLst/>
+                <a:latin typeface="Consolas" panose="020B0609020204030204" pitchFamily="49" charset="0"/>
+              </a:rPr>
+              <a:t>ConversionStarted_r</a:t>
+            </a:r>
+            <a:r>
+              <a:rPr lang="en-GB" b="0" dirty="0">
+                <a:solidFill>
+                  <a:srgbClr val="D4D4D4"/>
+                </a:solidFill>
+                <a:effectLst/>
+                <a:latin typeface="Consolas" panose="020B0609020204030204" pitchFamily="49" charset="0"/>
+              </a:rPr>
+              <a:t> &lt;= </a:t>
+            </a:r>
+            <a:r>
+              <a:rPr lang="en-GB" b="0" dirty="0">
+                <a:solidFill>
+                  <a:srgbClr val="CE9178"/>
+                </a:solidFill>
+                <a:effectLst/>
+                <a:latin typeface="Consolas" panose="020B0609020204030204" pitchFamily="49" charset="0"/>
+              </a:rPr>
+              <a:t>'1'</a:t>
+            </a:r>
+            <a:r>
+              <a:rPr lang="en-GB" b="0" dirty="0">
+                <a:solidFill>
+                  <a:srgbClr val="D4D4D4"/>
+                </a:solidFill>
+                <a:effectLst/>
+                <a:latin typeface="Consolas" panose="020B0609020204030204" pitchFamily="49" charset="0"/>
+              </a:rPr>
+              <a:t>;        </a:t>
+            </a:r>
+          </a:p>
+          <a:p>
+            <a:r>
+              <a:rPr lang="en-GB" b="0" dirty="0">
+                <a:solidFill>
+                  <a:srgbClr val="D4D4D4"/>
+                </a:solidFill>
+                <a:effectLst/>
+                <a:latin typeface="Consolas" panose="020B0609020204030204" pitchFamily="49" charset="0"/>
+              </a:rPr>
+              <a:t>        </a:t>
+            </a:r>
+            <a:r>
+              <a:rPr lang="en-GB" b="0" dirty="0">
+                <a:solidFill>
+                  <a:srgbClr val="569CD6"/>
+                </a:solidFill>
+                <a:effectLst/>
+                <a:latin typeface="Consolas" panose="020B0609020204030204" pitchFamily="49" charset="0"/>
+              </a:rPr>
+              <a:t>end if</a:t>
+            </a:r>
+            <a:r>
+              <a:rPr lang="en-GB" b="0" dirty="0">
+                <a:solidFill>
+                  <a:srgbClr val="D4D4D4"/>
+                </a:solidFill>
+                <a:effectLst/>
+                <a:latin typeface="Consolas" panose="020B0609020204030204" pitchFamily="49" charset="0"/>
+              </a:rPr>
+              <a:t>;    </a:t>
+            </a:r>
+          </a:p>
+          <a:p>
+            <a:r>
+              <a:rPr lang="en-GB" b="0" dirty="0">
+                <a:solidFill>
+                  <a:srgbClr val="D4D4D4"/>
+                </a:solidFill>
+                <a:effectLst/>
+                <a:latin typeface="Consolas" panose="020B0609020204030204" pitchFamily="49" charset="0"/>
+              </a:rPr>
+              <a:t>    </a:t>
+            </a:r>
+            <a:r>
+              <a:rPr lang="en-GB" b="0" dirty="0">
+                <a:solidFill>
+                  <a:srgbClr val="569CD6"/>
+                </a:solidFill>
+                <a:effectLst/>
+                <a:latin typeface="Consolas" panose="020B0609020204030204" pitchFamily="49" charset="0"/>
+              </a:rPr>
+              <a:t>end</a:t>
+            </a:r>
+            <a:r>
+              <a:rPr lang="en-GB" b="0" dirty="0">
+                <a:solidFill>
+                  <a:srgbClr val="D4D4D4"/>
+                </a:solidFill>
+                <a:effectLst/>
+                <a:latin typeface="Consolas" panose="020B0609020204030204" pitchFamily="49" charset="0"/>
+              </a:rPr>
+              <a:t> </a:t>
+            </a:r>
+            <a:r>
+              <a:rPr lang="en-GB" b="0" dirty="0">
+                <a:solidFill>
+                  <a:srgbClr val="569CD6"/>
+                </a:solidFill>
+                <a:effectLst/>
+                <a:latin typeface="Consolas" panose="020B0609020204030204" pitchFamily="49" charset="0"/>
+              </a:rPr>
+              <a:t>process</a:t>
+            </a:r>
+            <a:r>
+              <a:rPr lang="en-GB" b="0" dirty="0">
+                <a:solidFill>
+                  <a:srgbClr val="D4D4D4"/>
+                </a:solidFill>
+                <a:effectLst/>
+                <a:latin typeface="Consolas" panose="020B0609020204030204" pitchFamily="49" charset="0"/>
+              </a:rPr>
+              <a:t>;</a:t>
+            </a:r>
+          </a:p>
+        </p:txBody>
+      </p:sp>
+      <p:sp>
+        <p:nvSpPr>
+          <p:cNvPr id="9" name="TextBox 8">
+            <a:extLst>
+              <a:ext uri="{FF2B5EF4-FFF2-40B4-BE49-F238E27FC236}">
+                <a16:creationId xmlns:a16="http://schemas.microsoft.com/office/drawing/2014/main" id="{41893F3F-4DCC-CDAE-FB84-BDD434A7B7B7}"/>
+              </a:ext>
+            </a:extLst>
+          </p:cNvPr>
+          <p:cNvSpPr txBox="1"/>
+          <p:nvPr/>
+        </p:nvSpPr>
+        <p:spPr>
+          <a:xfrm>
+            <a:off x="7526771" y="244871"/>
+            <a:ext cx="4656377" cy="4893647"/>
+          </a:xfrm>
+          <a:prstGeom prst="rect">
+            <a:avLst/>
+          </a:prstGeom>
+          <a:noFill/>
+        </p:spPr>
+        <p:txBody>
+          <a:bodyPr wrap="square">
+            <a:spAutoFit/>
+          </a:bodyPr>
+          <a:lstStyle/>
+          <a:p>
+            <a:r>
+              <a:rPr lang="en-GB" sz="1200" b="0" dirty="0" err="1">
+                <a:solidFill>
+                  <a:srgbClr val="569CD6"/>
+                </a:solidFill>
+                <a:effectLst/>
+                <a:latin typeface="Consolas" panose="020B0609020204030204" pitchFamily="49" charset="0"/>
+              </a:rPr>
+              <a:t>Dataflow_p</a:t>
+            </a:r>
+            <a:r>
+              <a:rPr lang="en-GB" sz="1200" b="0" dirty="0">
+                <a:solidFill>
+                  <a:srgbClr val="D4D4D4"/>
+                </a:solidFill>
+                <a:effectLst/>
+                <a:latin typeface="Consolas" panose="020B0609020204030204" pitchFamily="49" charset="0"/>
+              </a:rPr>
+              <a:t>: </a:t>
+            </a:r>
+            <a:r>
+              <a:rPr lang="en-GB" sz="1200" b="0" dirty="0">
+                <a:solidFill>
+                  <a:srgbClr val="569CD6"/>
+                </a:solidFill>
+                <a:effectLst/>
+                <a:latin typeface="Consolas" panose="020B0609020204030204" pitchFamily="49" charset="0"/>
+              </a:rPr>
+              <a:t>process</a:t>
+            </a:r>
+            <a:r>
+              <a:rPr lang="en-GB" sz="1200" b="0" dirty="0">
+                <a:solidFill>
+                  <a:srgbClr val="D4D4D4"/>
+                </a:solidFill>
+                <a:effectLst/>
+                <a:latin typeface="Consolas" panose="020B0609020204030204" pitchFamily="49" charset="0"/>
+              </a:rPr>
+              <a:t> (</a:t>
+            </a:r>
+            <a:r>
+              <a:rPr lang="en-GB" sz="1200" b="0" dirty="0" err="1">
+                <a:solidFill>
+                  <a:srgbClr val="D4D4D4"/>
+                </a:solidFill>
+                <a:effectLst/>
+                <a:latin typeface="Consolas" panose="020B0609020204030204" pitchFamily="49" charset="0"/>
+              </a:rPr>
+              <a:t>nRst</a:t>
+            </a:r>
+            <a:r>
+              <a:rPr lang="en-GB" sz="1200" b="0" dirty="0">
+                <a:solidFill>
+                  <a:srgbClr val="D4D4D4"/>
+                </a:solidFill>
+                <a:effectLst/>
+                <a:latin typeface="Consolas" panose="020B0609020204030204" pitchFamily="49" charset="0"/>
+              </a:rPr>
+              <a:t>, </a:t>
+            </a:r>
+            <a:r>
+              <a:rPr lang="en-GB" sz="1200" b="0" dirty="0" err="1">
+                <a:solidFill>
+                  <a:srgbClr val="D4D4D4"/>
+                </a:solidFill>
+                <a:effectLst/>
+                <a:latin typeface="Consolas" panose="020B0609020204030204" pitchFamily="49" charset="0"/>
+              </a:rPr>
+              <a:t>Clk_DataFlow</a:t>
+            </a:r>
+            <a:r>
+              <a:rPr lang="en-GB" sz="1200" b="0" dirty="0">
+                <a:solidFill>
+                  <a:srgbClr val="D4D4D4"/>
+                </a:solidFill>
+                <a:effectLst/>
+                <a:latin typeface="Consolas" panose="020B0609020204030204" pitchFamily="49" charset="0"/>
+              </a:rPr>
+              <a:t>)</a:t>
+            </a:r>
+          </a:p>
+          <a:p>
+            <a:r>
+              <a:rPr lang="en-GB" sz="1200" b="0" dirty="0">
+                <a:solidFill>
+                  <a:srgbClr val="D4D4D4"/>
+                </a:solidFill>
+                <a:effectLst/>
+                <a:latin typeface="Consolas" panose="020B0609020204030204" pitchFamily="49" charset="0"/>
+              </a:rPr>
+              <a:t>    </a:t>
+            </a:r>
+            <a:r>
+              <a:rPr lang="en-GB" sz="1200" b="0" dirty="0">
+                <a:solidFill>
+                  <a:srgbClr val="569CD6"/>
+                </a:solidFill>
+                <a:effectLst/>
+                <a:latin typeface="Consolas" panose="020B0609020204030204" pitchFamily="49" charset="0"/>
+              </a:rPr>
+              <a:t>begin</a:t>
+            </a:r>
+            <a:endParaRPr lang="en-GB" sz="1200" b="0" dirty="0">
+              <a:solidFill>
+                <a:srgbClr val="D4D4D4"/>
+              </a:solidFill>
+              <a:effectLst/>
+              <a:latin typeface="Consolas" panose="020B0609020204030204" pitchFamily="49" charset="0"/>
+            </a:endParaRPr>
+          </a:p>
+          <a:p>
+            <a:r>
+              <a:rPr lang="en-GB" sz="1200" b="0" dirty="0">
+                <a:solidFill>
+                  <a:srgbClr val="D4D4D4"/>
+                </a:solidFill>
+                <a:effectLst/>
+                <a:latin typeface="Consolas" panose="020B0609020204030204" pitchFamily="49" charset="0"/>
+              </a:rPr>
+              <a:t>        </a:t>
+            </a:r>
+            <a:r>
+              <a:rPr lang="en-GB" sz="1200" b="0" dirty="0">
+                <a:solidFill>
+                  <a:srgbClr val="569CD6"/>
+                </a:solidFill>
+                <a:effectLst/>
+                <a:latin typeface="Consolas" panose="020B0609020204030204" pitchFamily="49" charset="0"/>
+              </a:rPr>
+              <a:t>if</a:t>
+            </a:r>
+            <a:r>
+              <a:rPr lang="en-GB" sz="1200" b="0" dirty="0">
+                <a:solidFill>
+                  <a:srgbClr val="D4D4D4"/>
+                </a:solidFill>
+                <a:effectLst/>
+                <a:latin typeface="Consolas" panose="020B0609020204030204" pitchFamily="49" charset="0"/>
+              </a:rPr>
+              <a:t> (</a:t>
+            </a:r>
+            <a:r>
+              <a:rPr lang="en-GB" sz="1200" b="0" dirty="0" err="1">
+                <a:solidFill>
+                  <a:srgbClr val="D4D4D4"/>
+                </a:solidFill>
+                <a:effectLst/>
+                <a:latin typeface="Consolas" panose="020B0609020204030204" pitchFamily="49" charset="0"/>
+              </a:rPr>
+              <a:t>nRst</a:t>
+            </a:r>
+            <a:r>
+              <a:rPr lang="en-GB" sz="1200" b="0" dirty="0">
+                <a:solidFill>
+                  <a:srgbClr val="D4D4D4"/>
+                </a:solidFill>
+                <a:effectLst/>
+                <a:latin typeface="Consolas" panose="020B0609020204030204" pitchFamily="49" charset="0"/>
+              </a:rPr>
+              <a:t> = </a:t>
+            </a:r>
+            <a:r>
+              <a:rPr lang="en-GB" sz="1200" b="0" dirty="0">
+                <a:solidFill>
+                  <a:srgbClr val="CE9178"/>
+                </a:solidFill>
+                <a:effectLst/>
+                <a:latin typeface="Consolas" panose="020B0609020204030204" pitchFamily="49" charset="0"/>
+              </a:rPr>
+              <a:t>'0'</a:t>
+            </a:r>
+            <a:r>
+              <a:rPr lang="en-GB" sz="1200" b="0" dirty="0">
+                <a:solidFill>
+                  <a:srgbClr val="D4D4D4"/>
+                </a:solidFill>
+                <a:effectLst/>
+                <a:latin typeface="Consolas" panose="020B0609020204030204" pitchFamily="49" charset="0"/>
+              </a:rPr>
+              <a:t>) </a:t>
+            </a:r>
+            <a:r>
+              <a:rPr lang="en-GB" sz="1200" b="0" dirty="0">
+                <a:solidFill>
+                  <a:srgbClr val="569CD6"/>
+                </a:solidFill>
+                <a:effectLst/>
+                <a:latin typeface="Consolas" panose="020B0609020204030204" pitchFamily="49" charset="0"/>
+              </a:rPr>
+              <a:t>then</a:t>
+            </a:r>
+            <a:endParaRPr lang="en-GB" sz="1200" b="0" dirty="0">
+              <a:solidFill>
+                <a:srgbClr val="D4D4D4"/>
+              </a:solidFill>
+              <a:effectLst/>
+              <a:latin typeface="Consolas" panose="020B0609020204030204" pitchFamily="49" charset="0"/>
+            </a:endParaRPr>
+          </a:p>
+          <a:p>
+            <a:r>
+              <a:rPr lang="en-GB" sz="1200" b="0" dirty="0">
+                <a:solidFill>
+                  <a:srgbClr val="D4D4D4"/>
+                </a:solidFill>
+                <a:effectLst/>
+                <a:latin typeface="Consolas" panose="020B0609020204030204" pitchFamily="49" charset="0"/>
+              </a:rPr>
+              <a:t>            </a:t>
+            </a:r>
+            <a:r>
+              <a:rPr lang="en-GB" sz="1200" b="0" dirty="0" err="1">
+                <a:solidFill>
+                  <a:srgbClr val="D4D4D4"/>
+                </a:solidFill>
+                <a:effectLst/>
+                <a:latin typeface="Consolas" panose="020B0609020204030204" pitchFamily="49" charset="0"/>
+              </a:rPr>
+              <a:t>I_v</a:t>
+            </a:r>
+            <a:r>
+              <a:rPr lang="en-GB" sz="1200" b="0" dirty="0">
+                <a:solidFill>
+                  <a:srgbClr val="D4D4D4"/>
+                </a:solidFill>
+                <a:effectLst/>
+                <a:latin typeface="Consolas" panose="020B0609020204030204" pitchFamily="49" charset="0"/>
+              </a:rPr>
+              <a:t> &lt;= (</a:t>
+            </a:r>
+            <a:r>
+              <a:rPr lang="en-GB" sz="1200" b="0" dirty="0">
+                <a:solidFill>
+                  <a:srgbClr val="569CD6"/>
+                </a:solidFill>
+                <a:effectLst/>
+                <a:latin typeface="Consolas" panose="020B0609020204030204" pitchFamily="49" charset="0"/>
+              </a:rPr>
+              <a:t>others</a:t>
+            </a:r>
+            <a:r>
+              <a:rPr lang="en-GB" sz="1200" b="0" dirty="0">
+                <a:solidFill>
+                  <a:srgbClr val="D4D4D4"/>
+                </a:solidFill>
+                <a:effectLst/>
+                <a:latin typeface="Consolas" panose="020B0609020204030204" pitchFamily="49" charset="0"/>
+              </a:rPr>
+              <a:t> =&gt; </a:t>
+            </a:r>
+            <a:r>
+              <a:rPr lang="en-GB" sz="1200" b="0" dirty="0">
+                <a:solidFill>
+                  <a:srgbClr val="CE9178"/>
+                </a:solidFill>
+                <a:effectLst/>
+                <a:latin typeface="Consolas" panose="020B0609020204030204" pitchFamily="49" charset="0"/>
+              </a:rPr>
+              <a:t>'-'</a:t>
+            </a:r>
+            <a:r>
+              <a:rPr lang="en-GB" sz="1200" b="0" dirty="0">
+                <a:solidFill>
+                  <a:srgbClr val="D4D4D4"/>
+                </a:solidFill>
+                <a:effectLst/>
+                <a:latin typeface="Consolas" panose="020B0609020204030204" pitchFamily="49" charset="0"/>
+              </a:rPr>
+              <a:t>);</a:t>
+            </a:r>
+          </a:p>
+          <a:p>
+            <a:r>
+              <a:rPr lang="en-GB" sz="1200" b="0" dirty="0">
+                <a:solidFill>
+                  <a:srgbClr val="D4D4D4"/>
+                </a:solidFill>
+                <a:effectLst/>
+                <a:latin typeface="Consolas" panose="020B0609020204030204" pitchFamily="49" charset="0"/>
+              </a:rPr>
+              <a:t>            </a:t>
+            </a:r>
+            <a:r>
+              <a:rPr lang="en-GB" sz="1200" b="0" dirty="0" err="1">
+                <a:solidFill>
+                  <a:srgbClr val="D4D4D4"/>
+                </a:solidFill>
+                <a:effectLst/>
+                <a:latin typeface="Consolas" panose="020B0609020204030204" pitchFamily="49" charset="0"/>
+              </a:rPr>
+              <a:t>Q_v</a:t>
+            </a:r>
+            <a:r>
+              <a:rPr lang="en-GB" sz="1200" b="0" dirty="0">
+                <a:solidFill>
+                  <a:srgbClr val="D4D4D4"/>
+                </a:solidFill>
+                <a:effectLst/>
+                <a:latin typeface="Consolas" panose="020B0609020204030204" pitchFamily="49" charset="0"/>
+              </a:rPr>
+              <a:t> &lt;= (</a:t>
+            </a:r>
+            <a:r>
+              <a:rPr lang="en-GB" sz="1200" b="0" dirty="0">
+                <a:solidFill>
+                  <a:srgbClr val="569CD6"/>
+                </a:solidFill>
+                <a:effectLst/>
+                <a:latin typeface="Consolas" panose="020B0609020204030204" pitchFamily="49" charset="0"/>
+              </a:rPr>
+              <a:t>others</a:t>
+            </a:r>
+            <a:r>
+              <a:rPr lang="en-GB" sz="1200" b="0" dirty="0">
+                <a:solidFill>
+                  <a:srgbClr val="D4D4D4"/>
+                </a:solidFill>
+                <a:effectLst/>
+                <a:latin typeface="Consolas" panose="020B0609020204030204" pitchFamily="49" charset="0"/>
+              </a:rPr>
+              <a:t> =&gt; </a:t>
+            </a:r>
+            <a:r>
+              <a:rPr lang="en-GB" sz="1200" b="0" dirty="0">
+                <a:solidFill>
+                  <a:srgbClr val="CE9178"/>
+                </a:solidFill>
+                <a:effectLst/>
+                <a:latin typeface="Consolas" panose="020B0609020204030204" pitchFamily="49" charset="0"/>
+              </a:rPr>
+              <a:t>'-'</a:t>
+            </a:r>
+            <a:r>
+              <a:rPr lang="en-GB" sz="1200" b="0" dirty="0">
+                <a:solidFill>
+                  <a:srgbClr val="D4D4D4"/>
+                </a:solidFill>
+                <a:effectLst/>
+                <a:latin typeface="Consolas" panose="020B0609020204030204" pitchFamily="49" charset="0"/>
+              </a:rPr>
+              <a:t>);</a:t>
+            </a:r>
+          </a:p>
+          <a:p>
+            <a:br>
+              <a:rPr lang="en-GB" sz="1200" b="0" dirty="0">
+                <a:solidFill>
+                  <a:srgbClr val="D4D4D4"/>
+                </a:solidFill>
+                <a:effectLst/>
+                <a:latin typeface="Consolas" panose="020B0609020204030204" pitchFamily="49" charset="0"/>
+              </a:rPr>
+            </a:br>
+            <a:r>
+              <a:rPr lang="en-GB" sz="1200" b="0" dirty="0">
+                <a:solidFill>
+                  <a:srgbClr val="D4D4D4"/>
+                </a:solidFill>
+                <a:effectLst/>
+                <a:latin typeface="Consolas" panose="020B0609020204030204" pitchFamily="49" charset="0"/>
+              </a:rPr>
+              <a:t>            </a:t>
+            </a:r>
+            <a:r>
+              <a:rPr lang="en-GB" sz="1200" b="0" dirty="0" err="1">
+                <a:solidFill>
+                  <a:srgbClr val="D4D4D4"/>
+                </a:solidFill>
+                <a:effectLst/>
+                <a:latin typeface="Consolas" panose="020B0609020204030204" pitchFamily="49" charset="0"/>
+              </a:rPr>
+              <a:t>DataStrobe_r</a:t>
+            </a:r>
+            <a:r>
+              <a:rPr lang="en-GB" sz="1200" b="0" dirty="0">
+                <a:solidFill>
+                  <a:srgbClr val="D4D4D4"/>
+                </a:solidFill>
+                <a:effectLst/>
+                <a:latin typeface="Consolas" panose="020B0609020204030204" pitchFamily="49" charset="0"/>
+              </a:rPr>
+              <a:t> &lt;= </a:t>
+            </a:r>
+            <a:r>
+              <a:rPr lang="en-GB" sz="1200" b="0" dirty="0">
+                <a:solidFill>
+                  <a:srgbClr val="CE9178"/>
+                </a:solidFill>
+                <a:effectLst/>
+                <a:latin typeface="Consolas" panose="020B0609020204030204" pitchFamily="49" charset="0"/>
+              </a:rPr>
+              <a:t>'0'</a:t>
+            </a:r>
+            <a:r>
+              <a:rPr lang="en-GB" sz="1200" b="0" dirty="0">
+                <a:solidFill>
+                  <a:srgbClr val="D4D4D4"/>
+                </a:solidFill>
+                <a:effectLst/>
+                <a:latin typeface="Consolas" panose="020B0609020204030204" pitchFamily="49" charset="0"/>
+              </a:rPr>
+              <a:t>;</a:t>
+            </a:r>
+          </a:p>
+          <a:p>
+            <a:r>
+              <a:rPr lang="en-GB" sz="1200" b="0" dirty="0">
+                <a:solidFill>
+                  <a:srgbClr val="D4D4D4"/>
+                </a:solidFill>
+                <a:effectLst/>
+                <a:latin typeface="Consolas" panose="020B0609020204030204" pitchFamily="49" charset="0"/>
+              </a:rPr>
+              <a:t>            </a:t>
+            </a:r>
+            <a:r>
+              <a:rPr lang="en-GB" sz="1200" b="0" dirty="0" err="1">
+                <a:solidFill>
+                  <a:srgbClr val="D4D4D4"/>
+                </a:solidFill>
+                <a:effectLst/>
+                <a:latin typeface="Consolas" panose="020B0609020204030204" pitchFamily="49" charset="0"/>
+              </a:rPr>
+              <a:t>IReceived_r</a:t>
+            </a:r>
+            <a:r>
+              <a:rPr lang="en-GB" sz="1200" b="0" dirty="0">
+                <a:solidFill>
+                  <a:srgbClr val="D4D4D4"/>
+                </a:solidFill>
+                <a:effectLst/>
+                <a:latin typeface="Consolas" panose="020B0609020204030204" pitchFamily="49" charset="0"/>
+              </a:rPr>
+              <a:t> &lt;= </a:t>
+            </a:r>
+            <a:r>
+              <a:rPr lang="en-GB" sz="1200" b="0" dirty="0">
+                <a:solidFill>
+                  <a:srgbClr val="CE9178"/>
+                </a:solidFill>
+                <a:effectLst/>
+                <a:latin typeface="Consolas" panose="020B0609020204030204" pitchFamily="49" charset="0"/>
+              </a:rPr>
+              <a:t>'0'</a:t>
+            </a:r>
+            <a:r>
+              <a:rPr lang="en-GB" sz="1200" b="0" dirty="0">
+                <a:solidFill>
+                  <a:srgbClr val="D4D4D4"/>
+                </a:solidFill>
+                <a:effectLst/>
+                <a:latin typeface="Consolas" panose="020B0609020204030204" pitchFamily="49" charset="0"/>
+              </a:rPr>
+              <a:t>;</a:t>
+            </a:r>
+          </a:p>
+          <a:p>
+            <a:r>
+              <a:rPr lang="en-GB" sz="1200" b="0" dirty="0">
+                <a:solidFill>
+                  <a:srgbClr val="D4D4D4"/>
+                </a:solidFill>
+                <a:effectLst/>
+                <a:latin typeface="Consolas" panose="020B0609020204030204" pitchFamily="49" charset="0"/>
+              </a:rPr>
+              <a:t>        </a:t>
+            </a:r>
+            <a:r>
+              <a:rPr lang="en-GB" sz="1200" b="0" dirty="0" err="1">
+                <a:solidFill>
+                  <a:srgbClr val="569CD6"/>
+                </a:solidFill>
+                <a:effectLst/>
+                <a:latin typeface="Consolas" panose="020B0609020204030204" pitchFamily="49" charset="0"/>
+              </a:rPr>
+              <a:t>elsif</a:t>
+            </a:r>
+            <a:r>
+              <a:rPr lang="en-GB" sz="1200" b="0" dirty="0">
+                <a:solidFill>
+                  <a:srgbClr val="D4D4D4"/>
+                </a:solidFill>
+                <a:effectLst/>
+                <a:latin typeface="Consolas" panose="020B0609020204030204" pitchFamily="49" charset="0"/>
+              </a:rPr>
+              <a:t> </a:t>
+            </a:r>
+            <a:r>
+              <a:rPr lang="en-GB" sz="1200" b="0" dirty="0" err="1">
+                <a:solidFill>
+                  <a:srgbClr val="DCDCAA"/>
+                </a:solidFill>
+                <a:effectLst/>
+                <a:latin typeface="Consolas" panose="020B0609020204030204" pitchFamily="49" charset="0"/>
+              </a:rPr>
+              <a:t>rising_edge</a:t>
+            </a:r>
+            <a:r>
+              <a:rPr lang="en-GB" sz="1200" b="0" dirty="0">
+                <a:solidFill>
+                  <a:srgbClr val="D4D4D4"/>
+                </a:solidFill>
+                <a:effectLst/>
+                <a:latin typeface="Consolas" panose="020B0609020204030204" pitchFamily="49" charset="0"/>
+              </a:rPr>
+              <a:t>(</a:t>
+            </a:r>
+            <a:r>
+              <a:rPr lang="en-GB" sz="1200" b="0" dirty="0" err="1">
+                <a:solidFill>
+                  <a:srgbClr val="D4D4D4"/>
+                </a:solidFill>
+                <a:effectLst/>
+                <a:latin typeface="Consolas" panose="020B0609020204030204" pitchFamily="49" charset="0"/>
+              </a:rPr>
+              <a:t>Clk_DataFlow</a:t>
+            </a:r>
+            <a:r>
+              <a:rPr lang="en-GB" sz="1200" b="0" dirty="0">
+                <a:solidFill>
+                  <a:srgbClr val="D4D4D4"/>
+                </a:solidFill>
+                <a:effectLst/>
+                <a:latin typeface="Consolas" panose="020B0609020204030204" pitchFamily="49" charset="0"/>
+              </a:rPr>
+              <a:t>) </a:t>
+            </a:r>
+            <a:r>
+              <a:rPr lang="en-GB" sz="1200" b="0" dirty="0">
+                <a:solidFill>
+                  <a:srgbClr val="569CD6"/>
+                </a:solidFill>
+                <a:effectLst/>
+                <a:latin typeface="Consolas" panose="020B0609020204030204" pitchFamily="49" charset="0"/>
+              </a:rPr>
+              <a:t>then</a:t>
+            </a:r>
+            <a:endParaRPr lang="en-GB" sz="1200" b="0" dirty="0">
+              <a:solidFill>
+                <a:srgbClr val="D4D4D4"/>
+              </a:solidFill>
+              <a:effectLst/>
+              <a:latin typeface="Consolas" panose="020B0609020204030204" pitchFamily="49" charset="0"/>
+            </a:endParaRPr>
+          </a:p>
+          <a:p>
+            <a:r>
+              <a:rPr lang="en-GB" sz="1200" b="0" dirty="0">
+                <a:solidFill>
+                  <a:srgbClr val="D4D4D4"/>
+                </a:solidFill>
+                <a:effectLst/>
+                <a:latin typeface="Consolas" panose="020B0609020204030204" pitchFamily="49" charset="0"/>
+              </a:rPr>
+              <a:t>            </a:t>
+            </a:r>
+            <a:r>
+              <a:rPr lang="en-GB" sz="1200" b="0" dirty="0">
+                <a:solidFill>
+                  <a:srgbClr val="569CD6"/>
+                </a:solidFill>
+                <a:effectLst/>
+                <a:latin typeface="Consolas" panose="020B0609020204030204" pitchFamily="49" charset="0"/>
+              </a:rPr>
+              <a:t>if</a:t>
+            </a:r>
+            <a:r>
+              <a:rPr lang="en-GB" sz="1200" b="0" dirty="0">
+                <a:solidFill>
+                  <a:srgbClr val="D4D4D4"/>
+                </a:solidFill>
+                <a:effectLst/>
+                <a:latin typeface="Consolas" panose="020B0609020204030204" pitchFamily="49" charset="0"/>
+              </a:rPr>
+              <a:t> (</a:t>
+            </a:r>
+            <a:r>
+              <a:rPr lang="en-GB" sz="1200" b="0" dirty="0" err="1">
+                <a:solidFill>
+                  <a:srgbClr val="D4D4D4"/>
+                </a:solidFill>
+                <a:effectLst/>
+                <a:latin typeface="Consolas" panose="020B0609020204030204" pitchFamily="49" charset="0"/>
+              </a:rPr>
+              <a:t>ConversionStarted_r</a:t>
+            </a:r>
+            <a:r>
+              <a:rPr lang="en-GB" sz="1200" b="0" dirty="0">
+                <a:solidFill>
+                  <a:srgbClr val="D4D4D4"/>
+                </a:solidFill>
+                <a:effectLst/>
+                <a:latin typeface="Consolas" panose="020B0609020204030204" pitchFamily="49" charset="0"/>
+              </a:rPr>
+              <a:t> = </a:t>
+            </a:r>
+            <a:r>
+              <a:rPr lang="en-GB" sz="1200" b="0" dirty="0">
+                <a:solidFill>
+                  <a:srgbClr val="CE9178"/>
+                </a:solidFill>
+                <a:effectLst/>
+                <a:latin typeface="Consolas" panose="020B0609020204030204" pitchFamily="49" charset="0"/>
+              </a:rPr>
+              <a:t>'0'</a:t>
+            </a:r>
+            <a:r>
+              <a:rPr lang="en-GB" sz="1200" b="0" dirty="0">
+                <a:solidFill>
+                  <a:srgbClr val="D4D4D4"/>
+                </a:solidFill>
+                <a:effectLst/>
+                <a:latin typeface="Consolas" panose="020B0609020204030204" pitchFamily="49" charset="0"/>
+              </a:rPr>
+              <a:t>) </a:t>
+            </a:r>
+            <a:r>
+              <a:rPr lang="en-GB" sz="1200" b="0" dirty="0">
+                <a:solidFill>
+                  <a:srgbClr val="569CD6"/>
+                </a:solidFill>
+                <a:effectLst/>
+                <a:latin typeface="Consolas" panose="020B0609020204030204" pitchFamily="49" charset="0"/>
+              </a:rPr>
+              <a:t>then</a:t>
+            </a:r>
+            <a:endParaRPr lang="en-GB" sz="1200" b="0" dirty="0">
+              <a:solidFill>
+                <a:srgbClr val="D4D4D4"/>
+              </a:solidFill>
+              <a:effectLst/>
+              <a:latin typeface="Consolas" panose="020B0609020204030204" pitchFamily="49" charset="0"/>
+            </a:endParaRPr>
+          </a:p>
+          <a:p>
+            <a:r>
+              <a:rPr lang="en-GB" sz="1200" b="0" dirty="0">
+                <a:solidFill>
+                  <a:srgbClr val="D4D4D4"/>
+                </a:solidFill>
+                <a:effectLst/>
+                <a:latin typeface="Consolas" panose="020B0609020204030204" pitchFamily="49" charset="0"/>
+              </a:rPr>
+              <a:t>                </a:t>
+            </a:r>
+            <a:r>
+              <a:rPr lang="en-GB" sz="1200" b="0" dirty="0" err="1">
+                <a:solidFill>
+                  <a:srgbClr val="D4D4D4"/>
+                </a:solidFill>
+                <a:effectLst/>
+                <a:latin typeface="Consolas" panose="020B0609020204030204" pitchFamily="49" charset="0"/>
+              </a:rPr>
+              <a:t>DataStrobe_r</a:t>
+            </a:r>
+            <a:r>
+              <a:rPr lang="en-GB" sz="1200" b="0" dirty="0">
+                <a:solidFill>
+                  <a:srgbClr val="D4D4D4"/>
+                </a:solidFill>
+                <a:effectLst/>
+                <a:latin typeface="Consolas" panose="020B0609020204030204" pitchFamily="49" charset="0"/>
+              </a:rPr>
+              <a:t> &lt;= </a:t>
+            </a:r>
+            <a:r>
+              <a:rPr lang="en-GB" sz="1200" b="0" dirty="0">
+                <a:solidFill>
+                  <a:srgbClr val="CE9178"/>
+                </a:solidFill>
+                <a:effectLst/>
+                <a:latin typeface="Consolas" panose="020B0609020204030204" pitchFamily="49" charset="0"/>
+              </a:rPr>
+              <a:t>'0'</a:t>
+            </a:r>
+            <a:r>
+              <a:rPr lang="en-GB" sz="1200" b="0" dirty="0">
+                <a:solidFill>
+                  <a:srgbClr val="D4D4D4"/>
+                </a:solidFill>
+                <a:effectLst/>
+                <a:latin typeface="Consolas" panose="020B0609020204030204" pitchFamily="49" charset="0"/>
+              </a:rPr>
+              <a:t>;                </a:t>
+            </a:r>
+          </a:p>
+          <a:p>
+            <a:r>
+              <a:rPr lang="en-GB" sz="1200" b="0" dirty="0">
+                <a:solidFill>
+                  <a:srgbClr val="D4D4D4"/>
+                </a:solidFill>
+                <a:effectLst/>
+                <a:latin typeface="Consolas" panose="020B0609020204030204" pitchFamily="49" charset="0"/>
+              </a:rPr>
+              <a:t>                </a:t>
+            </a:r>
+            <a:r>
+              <a:rPr lang="en-GB" sz="1200" b="0" dirty="0" err="1">
+                <a:solidFill>
+                  <a:srgbClr val="D4D4D4"/>
+                </a:solidFill>
+                <a:effectLst/>
+                <a:latin typeface="Consolas" panose="020B0609020204030204" pitchFamily="49" charset="0"/>
+              </a:rPr>
+              <a:t>IReceived_r</a:t>
+            </a:r>
+            <a:r>
+              <a:rPr lang="en-GB" sz="1200" b="0" dirty="0">
+                <a:solidFill>
+                  <a:srgbClr val="D4D4D4"/>
+                </a:solidFill>
+                <a:effectLst/>
+                <a:latin typeface="Consolas" panose="020B0609020204030204" pitchFamily="49" charset="0"/>
+              </a:rPr>
+              <a:t> &lt;= </a:t>
+            </a:r>
+            <a:r>
+              <a:rPr lang="en-GB" sz="1200" b="0" dirty="0">
+                <a:solidFill>
+                  <a:srgbClr val="CE9178"/>
+                </a:solidFill>
+                <a:effectLst/>
+                <a:latin typeface="Consolas" panose="020B0609020204030204" pitchFamily="49" charset="0"/>
+              </a:rPr>
+              <a:t>'0'</a:t>
+            </a:r>
+            <a:r>
+              <a:rPr lang="en-GB" sz="1200" b="0" dirty="0">
+                <a:solidFill>
+                  <a:srgbClr val="D4D4D4"/>
+                </a:solidFill>
+                <a:effectLst/>
+                <a:latin typeface="Consolas" panose="020B0609020204030204" pitchFamily="49" charset="0"/>
+              </a:rPr>
+              <a:t>;  </a:t>
+            </a:r>
+          </a:p>
+          <a:p>
+            <a:r>
+              <a:rPr lang="en-GB" sz="1200" b="0" dirty="0">
+                <a:solidFill>
+                  <a:srgbClr val="D4D4D4"/>
+                </a:solidFill>
+                <a:effectLst/>
+                <a:latin typeface="Consolas" panose="020B0609020204030204" pitchFamily="49" charset="0"/>
+              </a:rPr>
+              <a:t>            </a:t>
+            </a:r>
+            <a:r>
+              <a:rPr lang="en-GB" sz="1200" b="0" dirty="0" err="1">
+                <a:solidFill>
+                  <a:srgbClr val="569CD6"/>
+                </a:solidFill>
+                <a:effectLst/>
+                <a:latin typeface="Consolas" panose="020B0609020204030204" pitchFamily="49" charset="0"/>
+              </a:rPr>
+              <a:t>elsif</a:t>
+            </a:r>
+            <a:r>
+              <a:rPr lang="en-GB" sz="1200" b="0" dirty="0">
+                <a:solidFill>
+                  <a:srgbClr val="D4D4D4"/>
+                </a:solidFill>
+                <a:effectLst/>
+                <a:latin typeface="Consolas" panose="020B0609020204030204" pitchFamily="49" charset="0"/>
+              </a:rPr>
+              <a:t> (</a:t>
+            </a:r>
+            <a:r>
+              <a:rPr lang="en-GB" sz="1200" b="0" dirty="0" err="1">
+                <a:solidFill>
+                  <a:srgbClr val="D4D4D4"/>
+                </a:solidFill>
+                <a:effectLst/>
+                <a:latin typeface="Consolas" panose="020B0609020204030204" pitchFamily="49" charset="0"/>
+              </a:rPr>
+              <a:t>ReceiveDataMode</a:t>
+            </a:r>
+            <a:r>
+              <a:rPr lang="en-GB" sz="1200" b="0" dirty="0">
+                <a:solidFill>
+                  <a:srgbClr val="D4D4D4"/>
+                </a:solidFill>
+                <a:effectLst/>
+                <a:latin typeface="Consolas" panose="020B0609020204030204" pitchFamily="49" charset="0"/>
+              </a:rPr>
+              <a:t> = </a:t>
+            </a:r>
+            <a:r>
+              <a:rPr lang="en-GB" sz="1200" b="0" dirty="0">
+                <a:solidFill>
+                  <a:srgbClr val="CE9178"/>
+                </a:solidFill>
+                <a:effectLst/>
+                <a:latin typeface="Consolas" panose="020B0609020204030204" pitchFamily="49" charset="0"/>
+              </a:rPr>
+              <a:t>'0'</a:t>
+            </a:r>
+            <a:r>
+              <a:rPr lang="en-GB" sz="1200" b="0" dirty="0">
+                <a:solidFill>
+                  <a:srgbClr val="D4D4D4"/>
+                </a:solidFill>
+                <a:effectLst/>
+                <a:latin typeface="Consolas" panose="020B0609020204030204" pitchFamily="49" charset="0"/>
+              </a:rPr>
+              <a:t>) </a:t>
+            </a:r>
+            <a:r>
+              <a:rPr lang="en-GB" sz="1200" b="0" dirty="0">
+                <a:solidFill>
+                  <a:srgbClr val="569CD6"/>
+                </a:solidFill>
+                <a:effectLst/>
+                <a:latin typeface="Consolas" panose="020B0609020204030204" pitchFamily="49" charset="0"/>
+              </a:rPr>
+              <a:t>then</a:t>
+            </a:r>
+            <a:endParaRPr lang="en-GB" sz="1200" b="0" dirty="0">
+              <a:solidFill>
+                <a:srgbClr val="D4D4D4"/>
+              </a:solidFill>
+              <a:effectLst/>
+              <a:latin typeface="Consolas" panose="020B0609020204030204" pitchFamily="49" charset="0"/>
+            </a:endParaRPr>
+          </a:p>
+          <a:p>
+            <a:r>
+              <a:rPr lang="en-GB" sz="1200" b="0" dirty="0">
+                <a:solidFill>
+                  <a:srgbClr val="D4D4D4"/>
+                </a:solidFill>
+                <a:effectLst/>
+                <a:latin typeface="Consolas" panose="020B0609020204030204" pitchFamily="49" charset="0"/>
+              </a:rPr>
+              <a:t>                </a:t>
+            </a:r>
+            <a:r>
+              <a:rPr lang="en-GB" sz="1200" b="0" dirty="0" err="1">
+                <a:solidFill>
+                  <a:srgbClr val="D4D4D4"/>
+                </a:solidFill>
+                <a:effectLst/>
+                <a:latin typeface="Consolas" panose="020B0609020204030204" pitchFamily="49" charset="0"/>
+              </a:rPr>
+              <a:t>Q_v</a:t>
+            </a:r>
+            <a:r>
+              <a:rPr lang="en-GB" sz="1200" b="0" dirty="0">
+                <a:solidFill>
+                  <a:srgbClr val="D4D4D4"/>
+                </a:solidFill>
+                <a:effectLst/>
+                <a:latin typeface="Consolas" panose="020B0609020204030204" pitchFamily="49" charset="0"/>
+              </a:rPr>
+              <a:t> &lt;= </a:t>
+            </a:r>
+            <a:r>
+              <a:rPr lang="en-GB" sz="1200" b="0" dirty="0" err="1">
+                <a:solidFill>
+                  <a:srgbClr val="D4D4D4"/>
+                </a:solidFill>
+                <a:effectLst/>
+                <a:latin typeface="Consolas" panose="020B0609020204030204" pitchFamily="49" charset="0"/>
+              </a:rPr>
+              <a:t>ADC_SigIn</a:t>
+            </a:r>
+            <a:r>
+              <a:rPr lang="en-GB" sz="1200" b="0" dirty="0">
+                <a:solidFill>
+                  <a:srgbClr val="D4D4D4"/>
+                </a:solidFill>
+                <a:effectLst/>
+                <a:latin typeface="Consolas" panose="020B0609020204030204" pitchFamily="49" charset="0"/>
+              </a:rPr>
+              <a:t>;</a:t>
+            </a:r>
+          </a:p>
+          <a:p>
+            <a:r>
+              <a:rPr lang="en-GB" sz="1200" b="0" dirty="0">
+                <a:solidFill>
+                  <a:srgbClr val="D4D4D4"/>
+                </a:solidFill>
+                <a:effectLst/>
+                <a:latin typeface="Consolas" panose="020B0609020204030204" pitchFamily="49" charset="0"/>
+              </a:rPr>
+              <a:t>                </a:t>
+            </a:r>
+            <a:r>
+              <a:rPr lang="en-GB" sz="1200" b="0" dirty="0" err="1">
+                <a:solidFill>
+                  <a:srgbClr val="D4D4D4"/>
+                </a:solidFill>
+                <a:effectLst/>
+                <a:latin typeface="Consolas" panose="020B0609020204030204" pitchFamily="49" charset="0"/>
+              </a:rPr>
+              <a:t>DataStrobe_r</a:t>
+            </a:r>
+            <a:r>
+              <a:rPr lang="en-GB" sz="1200" b="0" dirty="0">
+                <a:solidFill>
+                  <a:srgbClr val="D4D4D4"/>
+                </a:solidFill>
+                <a:effectLst/>
+                <a:latin typeface="Consolas" panose="020B0609020204030204" pitchFamily="49" charset="0"/>
+              </a:rPr>
+              <a:t> &lt;= </a:t>
+            </a:r>
+            <a:r>
+              <a:rPr lang="en-GB" sz="1200" b="0" dirty="0">
+                <a:solidFill>
+                  <a:srgbClr val="CE9178"/>
+                </a:solidFill>
+                <a:effectLst/>
+                <a:latin typeface="Consolas" panose="020B0609020204030204" pitchFamily="49" charset="0"/>
+              </a:rPr>
+              <a:t>'1'</a:t>
+            </a:r>
+            <a:r>
+              <a:rPr lang="en-GB" sz="1200" b="0" dirty="0">
+                <a:solidFill>
+                  <a:srgbClr val="D4D4D4"/>
+                </a:solidFill>
+                <a:effectLst/>
+                <a:latin typeface="Consolas" panose="020B0609020204030204" pitchFamily="49" charset="0"/>
+              </a:rPr>
+              <a:t>;</a:t>
+            </a:r>
+          </a:p>
+          <a:p>
+            <a:r>
+              <a:rPr lang="en-GB" sz="1200" b="0" dirty="0">
+                <a:solidFill>
+                  <a:srgbClr val="D4D4D4"/>
+                </a:solidFill>
+                <a:effectLst/>
+                <a:latin typeface="Consolas" panose="020B0609020204030204" pitchFamily="49" charset="0"/>
+              </a:rPr>
+              <a:t>            </a:t>
+            </a:r>
+            <a:r>
+              <a:rPr lang="en-GB" sz="1200" b="0" dirty="0" err="1">
+                <a:solidFill>
+                  <a:srgbClr val="569CD6"/>
+                </a:solidFill>
+                <a:effectLst/>
+                <a:latin typeface="Consolas" panose="020B0609020204030204" pitchFamily="49" charset="0"/>
+              </a:rPr>
+              <a:t>elsif</a:t>
+            </a:r>
+            <a:r>
+              <a:rPr lang="en-GB" sz="1200" b="0" dirty="0">
+                <a:solidFill>
+                  <a:srgbClr val="D4D4D4"/>
+                </a:solidFill>
+                <a:effectLst/>
+                <a:latin typeface="Consolas" panose="020B0609020204030204" pitchFamily="49" charset="0"/>
+              </a:rPr>
+              <a:t> (</a:t>
+            </a:r>
+            <a:r>
+              <a:rPr lang="en-GB" sz="1200" b="0" dirty="0" err="1">
+                <a:solidFill>
+                  <a:srgbClr val="D4D4D4"/>
+                </a:solidFill>
+                <a:effectLst/>
+                <a:latin typeface="Consolas" panose="020B0609020204030204" pitchFamily="49" charset="0"/>
+              </a:rPr>
+              <a:t>IReceived_r</a:t>
+            </a:r>
+            <a:r>
+              <a:rPr lang="en-GB" sz="1200" b="0" dirty="0">
+                <a:solidFill>
+                  <a:srgbClr val="D4D4D4"/>
+                </a:solidFill>
+                <a:effectLst/>
+                <a:latin typeface="Consolas" panose="020B0609020204030204" pitchFamily="49" charset="0"/>
+              </a:rPr>
+              <a:t> = </a:t>
+            </a:r>
+            <a:r>
+              <a:rPr lang="en-GB" sz="1200" b="0" dirty="0">
+                <a:solidFill>
+                  <a:srgbClr val="CE9178"/>
+                </a:solidFill>
+                <a:effectLst/>
+                <a:latin typeface="Consolas" panose="020B0609020204030204" pitchFamily="49" charset="0"/>
+              </a:rPr>
+              <a:t>'0'</a:t>
+            </a:r>
+            <a:r>
+              <a:rPr lang="en-GB" sz="1200" b="0" dirty="0">
+                <a:solidFill>
+                  <a:srgbClr val="D4D4D4"/>
+                </a:solidFill>
+                <a:effectLst/>
+                <a:latin typeface="Consolas" panose="020B0609020204030204" pitchFamily="49" charset="0"/>
+              </a:rPr>
+              <a:t>) </a:t>
+            </a:r>
+            <a:r>
+              <a:rPr lang="en-GB" sz="1200" b="0" dirty="0">
+                <a:solidFill>
+                  <a:srgbClr val="569CD6"/>
+                </a:solidFill>
+                <a:effectLst/>
+                <a:latin typeface="Consolas" panose="020B0609020204030204" pitchFamily="49" charset="0"/>
+              </a:rPr>
+              <a:t>then</a:t>
+            </a:r>
+            <a:endParaRPr lang="en-GB" sz="1200" b="0" dirty="0">
+              <a:solidFill>
+                <a:srgbClr val="D4D4D4"/>
+              </a:solidFill>
+              <a:effectLst/>
+              <a:latin typeface="Consolas" panose="020B0609020204030204" pitchFamily="49" charset="0"/>
+            </a:endParaRPr>
+          </a:p>
+          <a:p>
+            <a:r>
+              <a:rPr lang="en-GB" sz="1200" b="0" dirty="0">
+                <a:solidFill>
+                  <a:srgbClr val="D4D4D4"/>
+                </a:solidFill>
+                <a:effectLst/>
+                <a:latin typeface="Consolas" panose="020B0609020204030204" pitchFamily="49" charset="0"/>
+              </a:rPr>
+              <a:t>                </a:t>
+            </a:r>
+            <a:r>
+              <a:rPr lang="en-GB" sz="1200" b="0" dirty="0" err="1">
+                <a:solidFill>
+                  <a:srgbClr val="D4D4D4"/>
+                </a:solidFill>
+                <a:effectLst/>
+                <a:latin typeface="Consolas" panose="020B0609020204030204" pitchFamily="49" charset="0"/>
+              </a:rPr>
+              <a:t>I_v</a:t>
+            </a:r>
+            <a:r>
+              <a:rPr lang="en-GB" sz="1200" b="0" dirty="0">
+                <a:solidFill>
+                  <a:srgbClr val="D4D4D4"/>
+                </a:solidFill>
+                <a:effectLst/>
+                <a:latin typeface="Consolas" panose="020B0609020204030204" pitchFamily="49" charset="0"/>
+              </a:rPr>
+              <a:t> &lt;= </a:t>
+            </a:r>
+            <a:r>
+              <a:rPr lang="en-GB" sz="1200" b="0" dirty="0" err="1">
+                <a:solidFill>
+                  <a:srgbClr val="D4D4D4"/>
+                </a:solidFill>
+                <a:effectLst/>
+                <a:latin typeface="Consolas" panose="020B0609020204030204" pitchFamily="49" charset="0"/>
+              </a:rPr>
+              <a:t>ADC_SigIn</a:t>
+            </a:r>
+            <a:r>
+              <a:rPr lang="en-GB" sz="1200" b="0" dirty="0">
+                <a:solidFill>
+                  <a:srgbClr val="D4D4D4"/>
+                </a:solidFill>
+                <a:effectLst/>
+                <a:latin typeface="Consolas" panose="020B0609020204030204" pitchFamily="49" charset="0"/>
+              </a:rPr>
+              <a:t>;</a:t>
+            </a:r>
+          </a:p>
+          <a:p>
+            <a:r>
+              <a:rPr lang="en-GB" sz="1200" b="0" dirty="0">
+                <a:solidFill>
+                  <a:srgbClr val="D4D4D4"/>
+                </a:solidFill>
+                <a:effectLst/>
+                <a:latin typeface="Consolas" panose="020B0609020204030204" pitchFamily="49" charset="0"/>
+              </a:rPr>
+              <a:t>                </a:t>
+            </a:r>
+            <a:r>
+              <a:rPr lang="en-GB" sz="1200" b="0" dirty="0" err="1">
+                <a:solidFill>
+                  <a:srgbClr val="D4D4D4"/>
+                </a:solidFill>
+                <a:effectLst/>
+                <a:latin typeface="Consolas" panose="020B0609020204030204" pitchFamily="49" charset="0"/>
+              </a:rPr>
+              <a:t>DataStrobe_r</a:t>
+            </a:r>
+            <a:r>
+              <a:rPr lang="en-GB" sz="1200" b="0" dirty="0">
+                <a:solidFill>
+                  <a:srgbClr val="D4D4D4"/>
+                </a:solidFill>
+                <a:effectLst/>
+                <a:latin typeface="Consolas" panose="020B0609020204030204" pitchFamily="49" charset="0"/>
+              </a:rPr>
+              <a:t> &lt;= </a:t>
+            </a:r>
+            <a:r>
+              <a:rPr lang="en-GB" sz="1200" b="0" dirty="0">
+                <a:solidFill>
+                  <a:srgbClr val="CE9178"/>
+                </a:solidFill>
+                <a:effectLst/>
+                <a:latin typeface="Consolas" panose="020B0609020204030204" pitchFamily="49" charset="0"/>
+              </a:rPr>
+              <a:t>'0'</a:t>
+            </a:r>
+            <a:r>
+              <a:rPr lang="en-GB" sz="1200" b="0" dirty="0">
+                <a:solidFill>
+                  <a:srgbClr val="D4D4D4"/>
+                </a:solidFill>
+                <a:effectLst/>
+                <a:latin typeface="Consolas" panose="020B0609020204030204" pitchFamily="49" charset="0"/>
+              </a:rPr>
+              <a:t>;</a:t>
+            </a:r>
+          </a:p>
+          <a:p>
+            <a:r>
+              <a:rPr lang="en-GB" sz="1200" b="0" dirty="0">
+                <a:solidFill>
+                  <a:srgbClr val="D4D4D4"/>
+                </a:solidFill>
+                <a:effectLst/>
+                <a:latin typeface="Consolas" panose="020B0609020204030204" pitchFamily="49" charset="0"/>
+              </a:rPr>
+              <a:t>                </a:t>
+            </a:r>
+            <a:r>
+              <a:rPr lang="en-GB" sz="1200" b="0" dirty="0" err="1">
+                <a:solidFill>
+                  <a:srgbClr val="D4D4D4"/>
+                </a:solidFill>
+                <a:effectLst/>
+                <a:latin typeface="Consolas" panose="020B0609020204030204" pitchFamily="49" charset="0"/>
+              </a:rPr>
+              <a:t>IReceived_r</a:t>
+            </a:r>
+            <a:r>
+              <a:rPr lang="en-GB" sz="1200" b="0" dirty="0">
+                <a:solidFill>
+                  <a:srgbClr val="D4D4D4"/>
+                </a:solidFill>
+                <a:effectLst/>
+                <a:latin typeface="Consolas" panose="020B0609020204030204" pitchFamily="49" charset="0"/>
+              </a:rPr>
+              <a:t> &lt;= </a:t>
+            </a:r>
+            <a:r>
+              <a:rPr lang="en-GB" sz="1200" b="0" dirty="0">
+                <a:solidFill>
+                  <a:srgbClr val="CE9178"/>
+                </a:solidFill>
+                <a:effectLst/>
+                <a:latin typeface="Consolas" panose="020B0609020204030204" pitchFamily="49" charset="0"/>
+              </a:rPr>
+              <a:t>'1'</a:t>
+            </a:r>
+            <a:r>
+              <a:rPr lang="en-GB" sz="1200" b="0" dirty="0">
+                <a:solidFill>
+                  <a:srgbClr val="D4D4D4"/>
+                </a:solidFill>
+                <a:effectLst/>
+                <a:latin typeface="Consolas" panose="020B0609020204030204" pitchFamily="49" charset="0"/>
+              </a:rPr>
+              <a:t>;</a:t>
+            </a:r>
+          </a:p>
+          <a:p>
+            <a:r>
+              <a:rPr lang="en-GB" sz="1200" b="0" dirty="0">
+                <a:solidFill>
+                  <a:srgbClr val="D4D4D4"/>
+                </a:solidFill>
+                <a:effectLst/>
+                <a:latin typeface="Consolas" panose="020B0609020204030204" pitchFamily="49" charset="0"/>
+              </a:rPr>
+              <a:t>            </a:t>
+            </a:r>
+            <a:r>
+              <a:rPr lang="en-GB" sz="1200" b="0" dirty="0">
+                <a:solidFill>
+                  <a:srgbClr val="569CD6"/>
+                </a:solidFill>
+                <a:effectLst/>
+                <a:latin typeface="Consolas" panose="020B0609020204030204" pitchFamily="49" charset="0"/>
+              </a:rPr>
+              <a:t>else</a:t>
+            </a:r>
+            <a:r>
+              <a:rPr lang="en-GB" sz="1200" b="0" dirty="0">
+                <a:solidFill>
+                  <a:srgbClr val="D4D4D4"/>
+                </a:solidFill>
+                <a:effectLst/>
+                <a:latin typeface="Consolas" panose="020B0609020204030204" pitchFamily="49" charset="0"/>
+              </a:rPr>
+              <a:t> </a:t>
+            </a:r>
+          </a:p>
+          <a:p>
+            <a:r>
+              <a:rPr lang="en-GB" sz="1200" b="0" dirty="0">
+                <a:solidFill>
+                  <a:srgbClr val="D4D4D4"/>
+                </a:solidFill>
+                <a:effectLst/>
+                <a:latin typeface="Consolas" panose="020B0609020204030204" pitchFamily="49" charset="0"/>
+              </a:rPr>
+              <a:t>                </a:t>
+            </a:r>
+            <a:r>
+              <a:rPr lang="en-GB" sz="1200" b="0" dirty="0" err="1">
+                <a:solidFill>
+                  <a:srgbClr val="D4D4D4"/>
+                </a:solidFill>
+                <a:effectLst/>
+                <a:latin typeface="Consolas" panose="020B0609020204030204" pitchFamily="49" charset="0"/>
+              </a:rPr>
+              <a:t>Q_v</a:t>
+            </a:r>
+            <a:r>
+              <a:rPr lang="en-GB" sz="1200" b="0" dirty="0">
+                <a:solidFill>
+                  <a:srgbClr val="D4D4D4"/>
+                </a:solidFill>
+                <a:effectLst/>
+                <a:latin typeface="Consolas" panose="020B0609020204030204" pitchFamily="49" charset="0"/>
+              </a:rPr>
+              <a:t> &lt;= </a:t>
+            </a:r>
+            <a:r>
+              <a:rPr lang="en-GB" sz="1200" b="0" dirty="0" err="1">
+                <a:solidFill>
+                  <a:srgbClr val="D4D4D4"/>
+                </a:solidFill>
+                <a:effectLst/>
+                <a:latin typeface="Consolas" panose="020B0609020204030204" pitchFamily="49" charset="0"/>
+              </a:rPr>
+              <a:t>ADC_SigIn</a:t>
+            </a:r>
+            <a:r>
+              <a:rPr lang="en-GB" sz="1200" b="0" dirty="0">
+                <a:solidFill>
+                  <a:srgbClr val="D4D4D4"/>
+                </a:solidFill>
+                <a:effectLst/>
+                <a:latin typeface="Consolas" panose="020B0609020204030204" pitchFamily="49" charset="0"/>
+              </a:rPr>
+              <a:t>;</a:t>
+            </a:r>
+          </a:p>
+          <a:p>
+            <a:r>
+              <a:rPr lang="en-GB" sz="1200" b="0" dirty="0">
+                <a:solidFill>
+                  <a:srgbClr val="D4D4D4"/>
+                </a:solidFill>
+                <a:effectLst/>
+                <a:latin typeface="Consolas" panose="020B0609020204030204" pitchFamily="49" charset="0"/>
+              </a:rPr>
+              <a:t>                </a:t>
+            </a:r>
+            <a:r>
+              <a:rPr lang="en-GB" sz="1200" b="0" dirty="0" err="1">
+                <a:solidFill>
+                  <a:srgbClr val="D4D4D4"/>
+                </a:solidFill>
+                <a:effectLst/>
+                <a:latin typeface="Consolas" panose="020B0609020204030204" pitchFamily="49" charset="0"/>
+              </a:rPr>
+              <a:t>DataStrobe_r</a:t>
+            </a:r>
+            <a:r>
+              <a:rPr lang="en-GB" sz="1200" b="0" dirty="0">
+                <a:solidFill>
+                  <a:srgbClr val="D4D4D4"/>
+                </a:solidFill>
+                <a:effectLst/>
+                <a:latin typeface="Consolas" panose="020B0609020204030204" pitchFamily="49" charset="0"/>
+              </a:rPr>
+              <a:t> &lt;= </a:t>
+            </a:r>
+            <a:r>
+              <a:rPr lang="en-GB" sz="1200" b="0" dirty="0">
+                <a:solidFill>
+                  <a:srgbClr val="CE9178"/>
+                </a:solidFill>
+                <a:effectLst/>
+                <a:latin typeface="Consolas" panose="020B0609020204030204" pitchFamily="49" charset="0"/>
+              </a:rPr>
+              <a:t>'1'</a:t>
+            </a:r>
+            <a:r>
+              <a:rPr lang="en-GB" sz="1200" b="0" dirty="0">
+                <a:solidFill>
+                  <a:srgbClr val="D4D4D4"/>
+                </a:solidFill>
+                <a:effectLst/>
+                <a:latin typeface="Consolas" panose="020B0609020204030204" pitchFamily="49" charset="0"/>
+              </a:rPr>
+              <a:t>;</a:t>
+            </a:r>
+          </a:p>
+          <a:p>
+            <a:r>
+              <a:rPr lang="en-GB" sz="1200" b="0" dirty="0">
+                <a:solidFill>
+                  <a:srgbClr val="D4D4D4"/>
+                </a:solidFill>
+                <a:effectLst/>
+                <a:latin typeface="Consolas" panose="020B0609020204030204" pitchFamily="49" charset="0"/>
+              </a:rPr>
+              <a:t>                </a:t>
+            </a:r>
+            <a:r>
+              <a:rPr lang="en-GB" sz="1200" b="0" dirty="0" err="1">
+                <a:solidFill>
+                  <a:srgbClr val="D4D4D4"/>
+                </a:solidFill>
+                <a:effectLst/>
+                <a:latin typeface="Consolas" panose="020B0609020204030204" pitchFamily="49" charset="0"/>
+              </a:rPr>
+              <a:t>IReceived_r</a:t>
+            </a:r>
+            <a:r>
+              <a:rPr lang="en-GB" sz="1200" b="0" dirty="0">
+                <a:solidFill>
+                  <a:srgbClr val="D4D4D4"/>
+                </a:solidFill>
+                <a:effectLst/>
+                <a:latin typeface="Consolas" panose="020B0609020204030204" pitchFamily="49" charset="0"/>
+              </a:rPr>
+              <a:t> &lt;= </a:t>
+            </a:r>
+            <a:r>
+              <a:rPr lang="en-GB" sz="1200" b="0" dirty="0">
+                <a:solidFill>
+                  <a:srgbClr val="CE9178"/>
+                </a:solidFill>
+                <a:effectLst/>
+                <a:latin typeface="Consolas" panose="020B0609020204030204" pitchFamily="49" charset="0"/>
+              </a:rPr>
+              <a:t>'0'</a:t>
+            </a:r>
+            <a:r>
+              <a:rPr lang="en-GB" sz="1200" b="0" dirty="0">
+                <a:solidFill>
+                  <a:srgbClr val="D4D4D4"/>
+                </a:solidFill>
+                <a:effectLst/>
+                <a:latin typeface="Consolas" panose="020B0609020204030204" pitchFamily="49" charset="0"/>
+              </a:rPr>
+              <a:t>;</a:t>
+            </a:r>
+          </a:p>
+          <a:p>
+            <a:r>
+              <a:rPr lang="en-GB" sz="1200" b="0" dirty="0">
+                <a:solidFill>
+                  <a:srgbClr val="D4D4D4"/>
+                </a:solidFill>
+                <a:effectLst/>
+                <a:latin typeface="Consolas" panose="020B0609020204030204" pitchFamily="49" charset="0"/>
+              </a:rPr>
+              <a:t>            </a:t>
+            </a:r>
+            <a:r>
+              <a:rPr lang="en-GB" sz="1200" b="0" dirty="0">
+                <a:solidFill>
+                  <a:srgbClr val="569CD6"/>
+                </a:solidFill>
+                <a:effectLst/>
+                <a:latin typeface="Consolas" panose="020B0609020204030204" pitchFamily="49" charset="0"/>
+              </a:rPr>
+              <a:t>end if</a:t>
+            </a:r>
+            <a:r>
+              <a:rPr lang="en-GB" sz="1200" b="0" dirty="0">
+                <a:solidFill>
+                  <a:srgbClr val="D4D4D4"/>
+                </a:solidFill>
+                <a:effectLst/>
+                <a:latin typeface="Consolas" panose="020B0609020204030204" pitchFamily="49" charset="0"/>
+              </a:rPr>
+              <a:t>;</a:t>
+            </a:r>
+          </a:p>
+          <a:p>
+            <a:r>
+              <a:rPr lang="en-GB" sz="1200" b="0" dirty="0">
+                <a:solidFill>
+                  <a:srgbClr val="D4D4D4"/>
+                </a:solidFill>
+                <a:effectLst/>
+                <a:latin typeface="Consolas" panose="020B0609020204030204" pitchFamily="49" charset="0"/>
+              </a:rPr>
+              <a:t>        </a:t>
+            </a:r>
+            <a:r>
+              <a:rPr lang="en-GB" sz="1200" b="0" dirty="0">
+                <a:solidFill>
+                  <a:srgbClr val="569CD6"/>
+                </a:solidFill>
+                <a:effectLst/>
+                <a:latin typeface="Consolas" panose="020B0609020204030204" pitchFamily="49" charset="0"/>
+              </a:rPr>
+              <a:t>end if</a:t>
+            </a:r>
+            <a:r>
+              <a:rPr lang="en-GB" sz="1200" b="0" dirty="0">
+                <a:solidFill>
+                  <a:srgbClr val="D4D4D4"/>
+                </a:solidFill>
+                <a:effectLst/>
+                <a:latin typeface="Consolas" panose="020B0609020204030204" pitchFamily="49" charset="0"/>
+              </a:rPr>
+              <a:t>;</a:t>
+            </a:r>
+          </a:p>
+          <a:p>
+            <a:r>
+              <a:rPr lang="en-GB" sz="1200" b="0" dirty="0">
+                <a:solidFill>
+                  <a:srgbClr val="D4D4D4"/>
+                </a:solidFill>
+                <a:effectLst/>
+                <a:latin typeface="Consolas" panose="020B0609020204030204" pitchFamily="49" charset="0"/>
+              </a:rPr>
+              <a:t>    </a:t>
+            </a:r>
+            <a:r>
+              <a:rPr lang="en-GB" sz="1200" b="0" dirty="0">
+                <a:solidFill>
+                  <a:srgbClr val="569CD6"/>
+                </a:solidFill>
+                <a:effectLst/>
+                <a:latin typeface="Consolas" panose="020B0609020204030204" pitchFamily="49" charset="0"/>
+              </a:rPr>
+              <a:t>end</a:t>
+            </a:r>
+            <a:r>
+              <a:rPr lang="en-GB" sz="1200" b="0" dirty="0">
+                <a:solidFill>
+                  <a:srgbClr val="D4D4D4"/>
+                </a:solidFill>
+                <a:effectLst/>
+                <a:latin typeface="Consolas" panose="020B0609020204030204" pitchFamily="49" charset="0"/>
+              </a:rPr>
+              <a:t> </a:t>
+            </a:r>
+            <a:r>
+              <a:rPr lang="en-GB" sz="1200" b="0" dirty="0">
+                <a:solidFill>
+                  <a:srgbClr val="569CD6"/>
+                </a:solidFill>
+                <a:effectLst/>
+                <a:latin typeface="Consolas" panose="020B0609020204030204" pitchFamily="49" charset="0"/>
+              </a:rPr>
+              <a:t>process</a:t>
+            </a:r>
+            <a:r>
+              <a:rPr lang="en-GB" sz="1200" b="0" dirty="0">
+                <a:solidFill>
+                  <a:srgbClr val="D4D4D4"/>
+                </a:solidFill>
+                <a:effectLst/>
+                <a:latin typeface="Consolas" panose="020B0609020204030204" pitchFamily="49" charset="0"/>
+              </a:rPr>
+              <a:t>;</a:t>
+            </a:r>
+          </a:p>
+        </p:txBody>
+      </p:sp>
+      <p:pic>
+        <p:nvPicPr>
+          <p:cNvPr id="5" name="Picture 4">
+            <a:extLst>
+              <a:ext uri="{FF2B5EF4-FFF2-40B4-BE49-F238E27FC236}">
+                <a16:creationId xmlns:a16="http://schemas.microsoft.com/office/drawing/2014/main" id="{F98F7702-B35D-EF29-2C0B-B1192340C37D}"/>
+              </a:ext>
+            </a:extLst>
+          </p:cNvPr>
+          <p:cNvPicPr>
+            <a:picLocks noChangeAspect="1"/>
+          </p:cNvPicPr>
+          <p:nvPr/>
+        </p:nvPicPr>
+        <p:blipFill>
+          <a:blip r:embed="rId2"/>
+          <a:stretch>
+            <a:fillRect/>
+          </a:stretch>
+        </p:blipFill>
+        <p:spPr>
+          <a:xfrm>
+            <a:off x="8852" y="3972770"/>
+            <a:ext cx="7854988" cy="1406007"/>
+          </a:xfrm>
+          <a:prstGeom prst="rect">
+            <a:avLst/>
+          </a:prstGeom>
+        </p:spPr>
+      </p:pic>
+      <p:pic>
+        <p:nvPicPr>
+          <p:cNvPr id="8" name="Picture 7">
+            <a:extLst>
+              <a:ext uri="{FF2B5EF4-FFF2-40B4-BE49-F238E27FC236}">
+                <a16:creationId xmlns:a16="http://schemas.microsoft.com/office/drawing/2014/main" id="{723FAD84-FE7D-AB53-645B-40DB56937809}"/>
+              </a:ext>
+            </a:extLst>
+          </p:cNvPr>
+          <p:cNvPicPr>
+            <a:picLocks noChangeAspect="1"/>
+          </p:cNvPicPr>
+          <p:nvPr/>
+        </p:nvPicPr>
+        <p:blipFill>
+          <a:blip r:embed="rId3"/>
+          <a:stretch>
+            <a:fillRect/>
+          </a:stretch>
+        </p:blipFill>
+        <p:spPr>
+          <a:xfrm>
+            <a:off x="0" y="5392604"/>
+            <a:ext cx="12192000" cy="1431176"/>
+          </a:xfrm>
+          <a:prstGeom prst="rect">
+            <a:avLst/>
+          </a:prstGeom>
+        </p:spPr>
+      </p:pic>
+    </p:spTree>
+    <p:extLst>
+      <p:ext uri="{BB962C8B-B14F-4D97-AF65-F5344CB8AC3E}">
+        <p14:creationId xmlns:p14="http://schemas.microsoft.com/office/powerpoint/2010/main" val="2582917046"/>
       </p:ext>
     </p:extLst>
   </p:cSld>

--- a/VectorNetworkAnalyzer/8 - Модуль демультиплексирования векторного анализатора сигналов.pptx
+++ b/VectorNetworkAnalyzer/8 - Модуль демультиплексирования векторного анализатора сигналов.pptx
@@ -5,16 +5,20 @@
     <p:sldMasterId id="2147483648" r:id="rId1"/>
   </p:sldMasterIdLst>
   <p:notesMasterIdLst>
-    <p:notesMasterId r:id="rId9"/>
+    <p:notesMasterId r:id="rId13"/>
   </p:notesMasterIdLst>
   <p:sldIdLst>
     <p:sldId id="256" r:id="rId2"/>
     <p:sldId id="262" r:id="rId3"/>
     <p:sldId id="263" r:id="rId4"/>
     <p:sldId id="264" r:id="rId5"/>
-    <p:sldId id="259" r:id="rId6"/>
-    <p:sldId id="260" r:id="rId7"/>
-    <p:sldId id="265" r:id="rId8"/>
+    <p:sldId id="270" r:id="rId6"/>
+    <p:sldId id="259" r:id="rId7"/>
+    <p:sldId id="260" r:id="rId8"/>
+    <p:sldId id="265" r:id="rId9"/>
+    <p:sldId id="266" r:id="rId10"/>
+    <p:sldId id="268" r:id="rId11"/>
+    <p:sldId id="269" r:id="rId12"/>
   </p:sldIdLst>
   <p:sldSz cx="12192000" cy="6858000"/>
   <p:notesSz cx="6858000" cy="9144000"/>
@@ -203,7 +207,7 @@
           <a:p>
             <a:fld id="{F2F87AD7-7896-4C32-9524-1DA4C2DE611D}" type="datetimeFigureOut">
               <a:rPr lang="en-GB" smtClean="0"/>
-              <a:t>22/11/2022</a:t>
+              <a:t>20/12/2022</a:t>
             </a:fld>
             <a:endParaRPr lang="en-GB"/>
           </a:p>
@@ -936,7 +940,7 @@
           <a:p>
             <a:fld id="{6DFD69E5-3894-4ECD-8F7D-EC77EB4E9697}" type="datetimeFigureOut">
               <a:rPr lang="en-GB" smtClean="0"/>
-              <a:t>22/11/2022</a:t>
+              <a:t>20/12/2022</a:t>
             </a:fld>
             <a:endParaRPr lang="en-GB"/>
           </a:p>
@@ -1134,7 +1138,7 @@
           <a:p>
             <a:fld id="{6DFD69E5-3894-4ECD-8F7D-EC77EB4E9697}" type="datetimeFigureOut">
               <a:rPr lang="en-GB" smtClean="0"/>
-              <a:t>22/11/2022</a:t>
+              <a:t>20/12/2022</a:t>
             </a:fld>
             <a:endParaRPr lang="en-GB"/>
           </a:p>
@@ -1342,7 +1346,7 @@
           <a:p>
             <a:fld id="{6DFD69E5-3894-4ECD-8F7D-EC77EB4E9697}" type="datetimeFigureOut">
               <a:rPr lang="en-GB" smtClean="0"/>
-              <a:t>22/11/2022</a:t>
+              <a:t>20/12/2022</a:t>
             </a:fld>
             <a:endParaRPr lang="en-GB"/>
           </a:p>
@@ -1540,7 +1544,7 @@
           <a:p>
             <a:fld id="{6DFD69E5-3894-4ECD-8F7D-EC77EB4E9697}" type="datetimeFigureOut">
               <a:rPr lang="en-GB" smtClean="0"/>
-              <a:t>22/11/2022</a:t>
+              <a:t>20/12/2022</a:t>
             </a:fld>
             <a:endParaRPr lang="en-GB"/>
           </a:p>
@@ -1815,7 +1819,7 @@
           <a:p>
             <a:fld id="{6DFD69E5-3894-4ECD-8F7D-EC77EB4E9697}" type="datetimeFigureOut">
               <a:rPr lang="en-GB" smtClean="0"/>
-              <a:t>22/11/2022</a:t>
+              <a:t>20/12/2022</a:t>
             </a:fld>
             <a:endParaRPr lang="en-GB"/>
           </a:p>
@@ -2080,7 +2084,7 @@
           <a:p>
             <a:fld id="{6DFD69E5-3894-4ECD-8F7D-EC77EB4E9697}" type="datetimeFigureOut">
               <a:rPr lang="en-GB" smtClean="0"/>
-              <a:t>22/11/2022</a:t>
+              <a:t>20/12/2022</a:t>
             </a:fld>
             <a:endParaRPr lang="en-GB"/>
           </a:p>
@@ -2492,7 +2496,7 @@
           <a:p>
             <a:fld id="{6DFD69E5-3894-4ECD-8F7D-EC77EB4E9697}" type="datetimeFigureOut">
               <a:rPr lang="en-GB" smtClean="0"/>
-              <a:t>22/11/2022</a:t>
+              <a:t>20/12/2022</a:t>
             </a:fld>
             <a:endParaRPr lang="en-GB"/>
           </a:p>
@@ -2633,7 +2637,7 @@
           <a:p>
             <a:fld id="{6DFD69E5-3894-4ECD-8F7D-EC77EB4E9697}" type="datetimeFigureOut">
               <a:rPr lang="en-GB" smtClean="0"/>
-              <a:t>22/11/2022</a:t>
+              <a:t>20/12/2022</a:t>
             </a:fld>
             <a:endParaRPr lang="en-GB"/>
           </a:p>
@@ -2746,7 +2750,7 @@
           <a:p>
             <a:fld id="{6DFD69E5-3894-4ECD-8F7D-EC77EB4E9697}" type="datetimeFigureOut">
               <a:rPr lang="en-GB" smtClean="0"/>
-              <a:t>22/11/2022</a:t>
+              <a:t>20/12/2022</a:t>
             </a:fld>
             <a:endParaRPr lang="en-GB"/>
           </a:p>
@@ -3057,7 +3061,7 @@
           <a:p>
             <a:fld id="{6DFD69E5-3894-4ECD-8F7D-EC77EB4E9697}" type="datetimeFigureOut">
               <a:rPr lang="en-GB" smtClean="0"/>
-              <a:t>22/11/2022</a:t>
+              <a:t>20/12/2022</a:t>
             </a:fld>
             <a:endParaRPr lang="en-GB"/>
           </a:p>
@@ -3345,7 +3349,7 @@
           <a:p>
             <a:fld id="{6DFD69E5-3894-4ECD-8F7D-EC77EB4E9697}" type="datetimeFigureOut">
               <a:rPr lang="en-GB" smtClean="0"/>
-              <a:t>22/11/2022</a:t>
+              <a:t>20/12/2022</a:t>
             </a:fld>
             <a:endParaRPr lang="en-GB"/>
           </a:p>
@@ -3586,7 +3590,7 @@
           <a:p>
             <a:fld id="{6DFD69E5-3894-4ECD-8F7D-EC77EB4E9697}" type="datetimeFigureOut">
               <a:rPr lang="en-GB" smtClean="0"/>
-              <a:t>22/11/2022</a:t>
+              <a:t>20/12/2022</a:t>
             </a:fld>
             <a:endParaRPr lang="en-GB"/>
           </a:p>
@@ -4093,6 +4097,4698 @@
 </p:sld>
 </file>
 
+<file path=ppt/slides/slide10.xml><?xml version="1.0" encoding="utf-8"?>
+<p:sld xmlns:a="http://schemas.openxmlformats.org/drawingml/2006/main" xmlns:r="http://schemas.openxmlformats.org/officeDocument/2006/relationships" xmlns:p="http://schemas.openxmlformats.org/presentationml/2006/main">
+  <p:cSld>
+    <p:bg>
+      <p:bgPr>
+        <a:solidFill>
+          <a:schemeClr val="tx1"/>
+        </a:solidFill>
+        <a:effectLst/>
+      </p:bgPr>
+    </p:bg>
+    <p:spTree>
+      <p:nvGrpSpPr>
+        <p:cNvPr id="1" name=""/>
+        <p:cNvGrpSpPr/>
+        <p:nvPr/>
+      </p:nvGrpSpPr>
+      <p:grpSpPr>
+        <a:xfrm>
+          <a:off x="0" y="0"/>
+          <a:ext cx="0" cy="0"/>
+          <a:chOff x="0" y="0"/>
+          <a:chExt cx="0" cy="0"/>
+        </a:xfrm>
+      </p:grpSpPr>
+      <p:sp>
+        <p:nvSpPr>
+          <p:cNvPr id="7" name="TextBox 6">
+            <a:extLst>
+              <a:ext uri="{FF2B5EF4-FFF2-40B4-BE49-F238E27FC236}">
+                <a16:creationId xmlns:a16="http://schemas.microsoft.com/office/drawing/2014/main" id="{C09E9367-21F0-CD67-9921-E0F25EBCF266}"/>
+              </a:ext>
+            </a:extLst>
+          </p:cNvPr>
+          <p:cNvSpPr txBox="1"/>
+          <p:nvPr/>
+        </p:nvSpPr>
+        <p:spPr>
+          <a:xfrm>
+            <a:off x="267462" y="244870"/>
+            <a:ext cx="5941314" cy="5293757"/>
+          </a:xfrm>
+          <a:prstGeom prst="rect">
+            <a:avLst/>
+          </a:prstGeom>
+          <a:noFill/>
+        </p:spPr>
+        <p:txBody>
+          <a:bodyPr wrap="square">
+            <a:spAutoFit/>
+          </a:bodyPr>
+          <a:lstStyle/>
+          <a:p>
+            <a:r>
+              <a:rPr lang="en-GB" sz="2000" b="0" dirty="0">
+                <a:solidFill>
+                  <a:srgbClr val="569CD6"/>
+                </a:solidFill>
+                <a:effectLst/>
+                <a:latin typeface="Consolas" panose="020B0609020204030204" pitchFamily="49" charset="0"/>
+              </a:rPr>
+              <a:t>entity</a:t>
+            </a:r>
+            <a:r>
+              <a:rPr lang="en-GB" sz="2000" b="0" dirty="0">
+                <a:solidFill>
+                  <a:srgbClr val="D4D4D4"/>
+                </a:solidFill>
+                <a:effectLst/>
+                <a:latin typeface="Consolas" panose="020B0609020204030204" pitchFamily="49" charset="0"/>
+              </a:rPr>
+              <a:t> </a:t>
+            </a:r>
+            <a:r>
+              <a:rPr lang="en-GB" sz="2000" b="0" dirty="0" err="1">
+                <a:solidFill>
+                  <a:srgbClr val="4EC9B0"/>
+                </a:solidFill>
+                <a:effectLst/>
+                <a:latin typeface="Consolas" panose="020B0609020204030204" pitchFamily="49" charset="0"/>
+              </a:rPr>
+              <a:t>adc_control</a:t>
+            </a:r>
+            <a:r>
+              <a:rPr lang="en-GB" sz="2000" b="0" dirty="0">
+                <a:solidFill>
+                  <a:srgbClr val="D4D4D4"/>
+                </a:solidFill>
+                <a:effectLst/>
+                <a:latin typeface="Consolas" panose="020B0609020204030204" pitchFamily="49" charset="0"/>
+              </a:rPr>
+              <a:t> </a:t>
+            </a:r>
+            <a:r>
+              <a:rPr lang="en-GB" sz="2000" b="0" dirty="0">
+                <a:solidFill>
+                  <a:srgbClr val="569CD6"/>
+                </a:solidFill>
+                <a:effectLst/>
+                <a:latin typeface="Consolas" panose="020B0609020204030204" pitchFamily="49" charset="0"/>
+              </a:rPr>
+              <a:t>is</a:t>
+            </a:r>
+            <a:endParaRPr lang="en-GB" sz="2000" b="0" dirty="0">
+              <a:solidFill>
+                <a:srgbClr val="D4D4D4"/>
+              </a:solidFill>
+              <a:effectLst/>
+              <a:latin typeface="Consolas" panose="020B0609020204030204" pitchFamily="49" charset="0"/>
+            </a:endParaRPr>
+          </a:p>
+          <a:p>
+            <a:r>
+              <a:rPr lang="en-GB" sz="2000" b="0" dirty="0">
+                <a:solidFill>
+                  <a:srgbClr val="D4D4D4"/>
+                </a:solidFill>
+                <a:effectLst/>
+                <a:latin typeface="Consolas" panose="020B0609020204030204" pitchFamily="49" charset="0"/>
+              </a:rPr>
+              <a:t>  </a:t>
+            </a:r>
+            <a:r>
+              <a:rPr lang="en-GB" sz="2000" b="0" dirty="0">
+                <a:solidFill>
+                  <a:srgbClr val="569CD6"/>
+                </a:solidFill>
+                <a:effectLst/>
+                <a:latin typeface="Consolas" panose="020B0609020204030204" pitchFamily="49" charset="0"/>
+              </a:rPr>
+              <a:t>port</a:t>
+            </a:r>
+            <a:r>
+              <a:rPr lang="en-GB" sz="2000" b="0" dirty="0">
+                <a:solidFill>
+                  <a:srgbClr val="D4D4D4"/>
+                </a:solidFill>
+                <a:effectLst/>
+                <a:latin typeface="Consolas" panose="020B0609020204030204" pitchFamily="49" charset="0"/>
+              </a:rPr>
+              <a:t> (</a:t>
+            </a:r>
+          </a:p>
+          <a:p>
+            <a:r>
+              <a:rPr lang="en-GB" sz="2000" b="0" dirty="0">
+                <a:solidFill>
+                  <a:srgbClr val="D4D4D4"/>
+                </a:solidFill>
+                <a:effectLst/>
+                <a:latin typeface="Consolas" panose="020B0609020204030204" pitchFamily="49" charset="0"/>
+              </a:rPr>
+              <a:t>      </a:t>
+            </a:r>
+            <a:r>
+              <a:rPr lang="en-GB" sz="2000" b="0" dirty="0" err="1">
+                <a:solidFill>
+                  <a:srgbClr val="D4D4D4"/>
+                </a:solidFill>
+                <a:effectLst/>
+                <a:latin typeface="Consolas" panose="020B0609020204030204" pitchFamily="49" charset="0"/>
+              </a:rPr>
+              <a:t>Clk_ADC</a:t>
+            </a:r>
+            <a:r>
+              <a:rPr lang="en-GB" sz="2000" b="0" dirty="0">
+                <a:solidFill>
+                  <a:srgbClr val="D4D4D4"/>
+                </a:solidFill>
+                <a:effectLst/>
+                <a:latin typeface="Consolas" panose="020B0609020204030204" pitchFamily="49" charset="0"/>
+              </a:rPr>
+              <a:t>   : </a:t>
+            </a:r>
+            <a:r>
+              <a:rPr lang="en-GB" sz="2000" b="0" dirty="0">
+                <a:solidFill>
+                  <a:srgbClr val="569CD6"/>
+                </a:solidFill>
+                <a:effectLst/>
+                <a:latin typeface="Consolas" panose="020B0609020204030204" pitchFamily="49" charset="0"/>
+              </a:rPr>
+              <a:t>in</a:t>
+            </a:r>
+            <a:r>
+              <a:rPr lang="en-GB" sz="2000" b="0" dirty="0">
+                <a:solidFill>
+                  <a:srgbClr val="D4D4D4"/>
+                </a:solidFill>
+                <a:effectLst/>
+                <a:latin typeface="Consolas" panose="020B0609020204030204" pitchFamily="49" charset="0"/>
+              </a:rPr>
+              <a:t> </a:t>
+            </a:r>
+            <a:r>
+              <a:rPr lang="en-GB" sz="2000" b="0" dirty="0" err="1">
+                <a:solidFill>
+                  <a:srgbClr val="4EC9B0"/>
+                </a:solidFill>
+                <a:effectLst/>
+                <a:latin typeface="Consolas" panose="020B0609020204030204" pitchFamily="49" charset="0"/>
+              </a:rPr>
+              <a:t>std_logic</a:t>
+            </a:r>
+            <a:r>
+              <a:rPr lang="en-GB" sz="2000" b="0" dirty="0">
+                <a:solidFill>
+                  <a:srgbClr val="D4D4D4"/>
+                </a:solidFill>
+                <a:effectLst/>
+                <a:latin typeface="Consolas" panose="020B0609020204030204" pitchFamily="49" charset="0"/>
+              </a:rPr>
+              <a:t>;</a:t>
+            </a:r>
+            <a:r>
+              <a:rPr lang="en-GB" sz="2000" b="0" dirty="0">
+                <a:solidFill>
+                  <a:srgbClr val="6A9955"/>
+                </a:solidFill>
+                <a:effectLst/>
+                <a:latin typeface="Consolas" panose="020B0609020204030204" pitchFamily="49" charset="0"/>
+              </a:rPr>
+              <a:t>-- K2</a:t>
+            </a:r>
+            <a:endParaRPr lang="en-GB" sz="2000" b="0" dirty="0">
+              <a:solidFill>
+                <a:srgbClr val="D4D4D4"/>
+              </a:solidFill>
+              <a:effectLst/>
+              <a:latin typeface="Consolas" panose="020B0609020204030204" pitchFamily="49" charset="0"/>
+            </a:endParaRPr>
+          </a:p>
+          <a:p>
+            <a:r>
+              <a:rPr lang="en-GB" sz="2000" b="0" dirty="0">
+                <a:solidFill>
+                  <a:srgbClr val="D4D4D4"/>
+                </a:solidFill>
+                <a:effectLst/>
+                <a:latin typeface="Consolas" panose="020B0609020204030204" pitchFamily="49" charset="0"/>
+              </a:rPr>
+              <a:t>      </a:t>
+            </a:r>
+            <a:r>
+              <a:rPr lang="en-GB" sz="2000" b="0" dirty="0" err="1">
+                <a:solidFill>
+                  <a:srgbClr val="D4D4D4"/>
+                </a:solidFill>
+                <a:effectLst/>
+                <a:latin typeface="Consolas" panose="020B0609020204030204" pitchFamily="49" charset="0"/>
+              </a:rPr>
+              <a:t>Clk_DataFlow</a:t>
+            </a:r>
+            <a:r>
+              <a:rPr lang="en-GB" sz="2000" b="0" dirty="0">
+                <a:solidFill>
+                  <a:srgbClr val="D4D4D4"/>
+                </a:solidFill>
+                <a:effectLst/>
+                <a:latin typeface="Consolas" panose="020B0609020204030204" pitchFamily="49" charset="0"/>
+              </a:rPr>
+              <a:t> : </a:t>
+            </a:r>
+            <a:r>
+              <a:rPr lang="en-GB" sz="2000" b="0" dirty="0">
+                <a:solidFill>
+                  <a:srgbClr val="569CD6"/>
+                </a:solidFill>
+                <a:effectLst/>
+                <a:latin typeface="Consolas" panose="020B0609020204030204" pitchFamily="49" charset="0"/>
+              </a:rPr>
+              <a:t>in</a:t>
+            </a:r>
+            <a:r>
+              <a:rPr lang="en-GB" sz="2000" b="0" dirty="0">
+                <a:solidFill>
+                  <a:srgbClr val="D4D4D4"/>
+                </a:solidFill>
+                <a:effectLst/>
+                <a:latin typeface="Consolas" panose="020B0609020204030204" pitchFamily="49" charset="0"/>
+              </a:rPr>
+              <a:t> </a:t>
+            </a:r>
+            <a:r>
+              <a:rPr lang="en-GB" sz="2000" b="0" dirty="0" err="1">
+                <a:solidFill>
+                  <a:srgbClr val="4EC9B0"/>
+                </a:solidFill>
+                <a:effectLst/>
+                <a:latin typeface="Consolas" panose="020B0609020204030204" pitchFamily="49" charset="0"/>
+              </a:rPr>
+              <a:t>std_logic</a:t>
+            </a:r>
+            <a:r>
+              <a:rPr lang="en-GB" sz="2000" b="0" dirty="0">
+                <a:solidFill>
+                  <a:srgbClr val="D4D4D4"/>
+                </a:solidFill>
+                <a:effectLst/>
+                <a:latin typeface="Consolas" panose="020B0609020204030204" pitchFamily="49" charset="0"/>
+              </a:rPr>
+              <a:t>;</a:t>
+            </a:r>
+          </a:p>
+          <a:p>
+            <a:r>
+              <a:rPr lang="en-GB" sz="2000" b="0" dirty="0">
+                <a:solidFill>
+                  <a:srgbClr val="D4D4D4"/>
+                </a:solidFill>
+                <a:effectLst/>
+                <a:latin typeface="Consolas" panose="020B0609020204030204" pitchFamily="49" charset="0"/>
+              </a:rPr>
+              <a:t>      </a:t>
+            </a:r>
+            <a:r>
+              <a:rPr lang="en-GB" sz="2000" b="0" dirty="0" err="1">
+                <a:solidFill>
+                  <a:srgbClr val="D4D4D4"/>
+                </a:solidFill>
+                <a:effectLst/>
+                <a:latin typeface="Consolas" panose="020B0609020204030204" pitchFamily="49" charset="0"/>
+              </a:rPr>
+              <a:t>nRst</a:t>
+            </a:r>
+            <a:r>
+              <a:rPr lang="en-GB" sz="2000" b="0" dirty="0">
+                <a:solidFill>
+                  <a:srgbClr val="D4D4D4"/>
+                </a:solidFill>
+                <a:effectLst/>
+                <a:latin typeface="Consolas" panose="020B0609020204030204" pitchFamily="49" charset="0"/>
+              </a:rPr>
+              <a:t>: </a:t>
+            </a:r>
+            <a:r>
+              <a:rPr lang="en-GB" sz="2000" b="0" dirty="0">
+                <a:solidFill>
+                  <a:srgbClr val="569CD6"/>
+                </a:solidFill>
+                <a:effectLst/>
+                <a:latin typeface="Consolas" panose="020B0609020204030204" pitchFamily="49" charset="0"/>
+              </a:rPr>
+              <a:t>in</a:t>
+            </a:r>
+            <a:r>
+              <a:rPr lang="en-GB" sz="2000" b="0" dirty="0">
+                <a:solidFill>
+                  <a:srgbClr val="D4D4D4"/>
+                </a:solidFill>
+                <a:effectLst/>
+                <a:latin typeface="Consolas" panose="020B0609020204030204" pitchFamily="49" charset="0"/>
+              </a:rPr>
+              <a:t> </a:t>
+            </a:r>
+            <a:r>
+              <a:rPr lang="en-GB" sz="2000" b="0" dirty="0" err="1">
+                <a:solidFill>
+                  <a:srgbClr val="4EC9B0"/>
+                </a:solidFill>
+                <a:effectLst/>
+                <a:latin typeface="Consolas" panose="020B0609020204030204" pitchFamily="49" charset="0"/>
+              </a:rPr>
+              <a:t>std_logic</a:t>
+            </a:r>
+            <a:r>
+              <a:rPr lang="en-GB" sz="2000" b="0" dirty="0">
+                <a:solidFill>
+                  <a:srgbClr val="D4D4D4"/>
+                </a:solidFill>
+                <a:effectLst/>
+                <a:latin typeface="Consolas" panose="020B0609020204030204" pitchFamily="49" charset="0"/>
+              </a:rPr>
+              <a:t>;</a:t>
+            </a:r>
+          </a:p>
+          <a:p>
+            <a:r>
+              <a:rPr lang="en-GB" sz="2000" b="0" dirty="0">
+                <a:solidFill>
+                  <a:srgbClr val="D4D4D4"/>
+                </a:solidFill>
+                <a:effectLst/>
+                <a:latin typeface="Consolas" panose="020B0609020204030204" pitchFamily="49" charset="0"/>
+              </a:rPr>
+              <a:t>      </a:t>
+            </a:r>
+            <a:r>
+              <a:rPr lang="en-GB" sz="2000" b="0" dirty="0" err="1">
+                <a:solidFill>
+                  <a:srgbClr val="D4D4D4"/>
+                </a:solidFill>
+                <a:effectLst/>
+                <a:latin typeface="Consolas" panose="020B0609020204030204" pitchFamily="49" charset="0"/>
+              </a:rPr>
+              <a:t>ReceiveDataMode</a:t>
+            </a:r>
+            <a:r>
+              <a:rPr lang="en-GB" sz="2000" b="0" dirty="0">
+                <a:solidFill>
+                  <a:srgbClr val="D4D4D4"/>
+                </a:solidFill>
+                <a:effectLst/>
+                <a:latin typeface="Consolas" panose="020B0609020204030204" pitchFamily="49" charset="0"/>
+              </a:rPr>
+              <a:t>: </a:t>
+            </a:r>
+            <a:r>
+              <a:rPr lang="en-GB" sz="2000" b="0" dirty="0">
+                <a:solidFill>
+                  <a:srgbClr val="569CD6"/>
+                </a:solidFill>
+                <a:effectLst/>
+                <a:latin typeface="Consolas" panose="020B0609020204030204" pitchFamily="49" charset="0"/>
+              </a:rPr>
+              <a:t>in</a:t>
+            </a:r>
+            <a:r>
+              <a:rPr lang="en-GB" sz="2000" b="0" dirty="0">
+                <a:solidFill>
+                  <a:srgbClr val="D4D4D4"/>
+                </a:solidFill>
+                <a:effectLst/>
+                <a:latin typeface="Consolas" panose="020B0609020204030204" pitchFamily="49" charset="0"/>
+              </a:rPr>
+              <a:t> </a:t>
+            </a:r>
+            <a:r>
+              <a:rPr lang="en-GB" sz="2000" b="0" dirty="0" err="1">
+                <a:solidFill>
+                  <a:srgbClr val="4EC9B0"/>
+                </a:solidFill>
+                <a:effectLst/>
+                <a:latin typeface="Consolas" panose="020B0609020204030204" pitchFamily="49" charset="0"/>
+              </a:rPr>
+              <a:t>std_logic</a:t>
+            </a:r>
+            <a:r>
+              <a:rPr lang="en-GB" sz="2000" b="0" dirty="0">
+                <a:solidFill>
+                  <a:srgbClr val="D4D4D4"/>
+                </a:solidFill>
+                <a:effectLst/>
+                <a:latin typeface="Consolas" panose="020B0609020204030204" pitchFamily="49" charset="0"/>
+              </a:rPr>
+              <a:t>; </a:t>
+            </a:r>
+          </a:p>
+          <a:p>
+            <a:br>
+              <a:rPr lang="en-GB" sz="2000" b="0" dirty="0">
+                <a:solidFill>
+                  <a:srgbClr val="D4D4D4"/>
+                </a:solidFill>
+                <a:effectLst/>
+                <a:latin typeface="Consolas" panose="020B0609020204030204" pitchFamily="49" charset="0"/>
+              </a:rPr>
+            </a:br>
+            <a:r>
+              <a:rPr lang="en-GB" sz="2000" b="0" dirty="0">
+                <a:solidFill>
+                  <a:srgbClr val="D4D4D4"/>
+                </a:solidFill>
+                <a:effectLst/>
+                <a:latin typeface="Consolas" panose="020B0609020204030204" pitchFamily="49" charset="0"/>
+              </a:rPr>
+              <a:t>      </a:t>
+            </a:r>
+            <a:r>
+              <a:rPr lang="en-GB" sz="2000" b="0" dirty="0" err="1">
+                <a:solidFill>
+                  <a:srgbClr val="D4D4D4"/>
+                </a:solidFill>
+                <a:effectLst/>
+                <a:latin typeface="Consolas" panose="020B0609020204030204" pitchFamily="49" charset="0"/>
+              </a:rPr>
+              <a:t>Gain_s</a:t>
+            </a:r>
+            <a:r>
+              <a:rPr lang="en-GB" sz="2000" b="0" dirty="0">
+                <a:solidFill>
+                  <a:srgbClr val="D4D4D4"/>
+                </a:solidFill>
+                <a:effectLst/>
+                <a:latin typeface="Consolas" panose="020B0609020204030204" pitchFamily="49" charset="0"/>
+              </a:rPr>
+              <a:t>: </a:t>
+            </a:r>
+            <a:r>
+              <a:rPr lang="en-GB" sz="2000" b="0" dirty="0">
+                <a:solidFill>
+                  <a:srgbClr val="569CD6"/>
+                </a:solidFill>
+                <a:effectLst/>
+                <a:latin typeface="Consolas" panose="020B0609020204030204" pitchFamily="49" charset="0"/>
+              </a:rPr>
+              <a:t>out</a:t>
+            </a:r>
+            <a:r>
+              <a:rPr lang="en-GB" sz="2000" b="0" dirty="0">
+                <a:solidFill>
+                  <a:srgbClr val="D4D4D4"/>
+                </a:solidFill>
+                <a:effectLst/>
+                <a:latin typeface="Consolas" panose="020B0609020204030204" pitchFamily="49" charset="0"/>
+              </a:rPr>
+              <a:t> </a:t>
+            </a:r>
+            <a:r>
+              <a:rPr lang="en-GB" sz="2000" b="0" dirty="0" err="1">
+                <a:solidFill>
+                  <a:srgbClr val="4EC9B0"/>
+                </a:solidFill>
+                <a:effectLst/>
+                <a:latin typeface="Consolas" panose="020B0609020204030204" pitchFamily="49" charset="0"/>
+              </a:rPr>
+              <a:t>std_logic</a:t>
+            </a:r>
+            <a:r>
+              <a:rPr lang="en-GB" sz="2000" b="0" dirty="0">
+                <a:solidFill>
+                  <a:srgbClr val="D4D4D4"/>
+                </a:solidFill>
+                <a:effectLst/>
+                <a:latin typeface="Consolas" panose="020B0609020204030204" pitchFamily="49" charset="0"/>
+              </a:rPr>
+              <a:t>; </a:t>
+            </a:r>
+            <a:r>
+              <a:rPr lang="en-GB" sz="2000" b="0" dirty="0">
+                <a:solidFill>
+                  <a:srgbClr val="6A9955"/>
+                </a:solidFill>
+                <a:effectLst/>
+                <a:latin typeface="Consolas" panose="020B0609020204030204" pitchFamily="49" charset="0"/>
+              </a:rPr>
+              <a:t>-- F13</a:t>
+            </a:r>
+            <a:endParaRPr lang="en-GB" sz="2000" b="0" dirty="0">
+              <a:solidFill>
+                <a:srgbClr val="D4D4D4"/>
+              </a:solidFill>
+              <a:effectLst/>
+              <a:latin typeface="Consolas" panose="020B0609020204030204" pitchFamily="49" charset="0"/>
+            </a:endParaRPr>
+          </a:p>
+          <a:p>
+            <a:r>
+              <a:rPr lang="en-GB" sz="2000" b="0" dirty="0">
+                <a:solidFill>
+                  <a:srgbClr val="D4D4D4"/>
+                </a:solidFill>
+                <a:effectLst/>
+                <a:latin typeface="Consolas" panose="020B0609020204030204" pitchFamily="49" charset="0"/>
+              </a:rPr>
+              <a:t>      </a:t>
+            </a:r>
+            <a:r>
+              <a:rPr lang="en-GB" sz="2000" b="0" dirty="0" err="1">
+                <a:solidFill>
+                  <a:srgbClr val="D4D4D4"/>
+                </a:solidFill>
+                <a:effectLst/>
+                <a:latin typeface="Consolas" panose="020B0609020204030204" pitchFamily="49" charset="0"/>
+              </a:rPr>
+              <a:t>OutputBusSelect_s</a:t>
+            </a:r>
+            <a:r>
+              <a:rPr lang="en-GB" sz="2000" b="0" dirty="0">
+                <a:solidFill>
+                  <a:srgbClr val="D4D4D4"/>
+                </a:solidFill>
+                <a:effectLst/>
+                <a:latin typeface="Consolas" panose="020B0609020204030204" pitchFamily="49" charset="0"/>
+              </a:rPr>
+              <a:t>: </a:t>
+            </a:r>
+            <a:r>
+              <a:rPr lang="en-GB" sz="2000" b="0" dirty="0">
+                <a:solidFill>
+                  <a:srgbClr val="569CD6"/>
+                </a:solidFill>
+                <a:effectLst/>
+                <a:latin typeface="Consolas" panose="020B0609020204030204" pitchFamily="49" charset="0"/>
+              </a:rPr>
+              <a:t>out</a:t>
+            </a:r>
+            <a:r>
+              <a:rPr lang="en-GB" sz="2000" b="0" dirty="0">
+                <a:solidFill>
+                  <a:srgbClr val="D4D4D4"/>
+                </a:solidFill>
+                <a:effectLst/>
+                <a:latin typeface="Consolas" panose="020B0609020204030204" pitchFamily="49" charset="0"/>
+              </a:rPr>
+              <a:t> </a:t>
+            </a:r>
+            <a:r>
+              <a:rPr lang="en-GB" sz="2000" b="0" dirty="0" err="1">
+                <a:solidFill>
+                  <a:srgbClr val="4EC9B0"/>
+                </a:solidFill>
+                <a:effectLst/>
+                <a:latin typeface="Consolas" panose="020B0609020204030204" pitchFamily="49" charset="0"/>
+              </a:rPr>
+              <a:t>std_logic</a:t>
+            </a:r>
+            <a:r>
+              <a:rPr lang="en-GB" sz="2000" b="0" dirty="0">
+                <a:solidFill>
+                  <a:srgbClr val="D4D4D4"/>
+                </a:solidFill>
+                <a:effectLst/>
+                <a:latin typeface="Consolas" panose="020B0609020204030204" pitchFamily="49" charset="0"/>
+              </a:rPr>
+              <a:t>;</a:t>
+            </a:r>
+            <a:r>
+              <a:rPr lang="en-GB" sz="2000" b="0" dirty="0">
+                <a:solidFill>
+                  <a:srgbClr val="6A9955"/>
+                </a:solidFill>
+                <a:effectLst/>
+                <a:latin typeface="Consolas" panose="020B0609020204030204" pitchFamily="49" charset="0"/>
+              </a:rPr>
+              <a:t>--F15</a:t>
+            </a:r>
+            <a:endParaRPr lang="en-GB" sz="2000" b="0" dirty="0">
+              <a:solidFill>
+                <a:srgbClr val="D4D4D4"/>
+              </a:solidFill>
+              <a:effectLst/>
+              <a:latin typeface="Consolas" panose="020B0609020204030204" pitchFamily="49" charset="0"/>
+            </a:endParaRPr>
+          </a:p>
+          <a:p>
+            <a:r>
+              <a:rPr lang="en-GB" sz="2000" b="0" dirty="0">
+                <a:solidFill>
+                  <a:srgbClr val="D4D4D4"/>
+                </a:solidFill>
+                <a:effectLst/>
+                <a:latin typeface="Consolas" panose="020B0609020204030204" pitchFamily="49" charset="0"/>
+              </a:rPr>
+              <a:t>      </a:t>
+            </a:r>
+            <a:r>
+              <a:rPr lang="en-GB" sz="2000" b="0" dirty="0" err="1">
+                <a:solidFill>
+                  <a:srgbClr val="D4D4D4"/>
+                </a:solidFill>
+                <a:effectLst/>
+                <a:latin typeface="Consolas" panose="020B0609020204030204" pitchFamily="49" charset="0"/>
+              </a:rPr>
+              <a:t>Standby_s</a:t>
+            </a:r>
+            <a:r>
+              <a:rPr lang="en-GB" sz="2000" b="0" dirty="0">
+                <a:solidFill>
+                  <a:srgbClr val="D4D4D4"/>
+                </a:solidFill>
+                <a:effectLst/>
+                <a:latin typeface="Consolas" panose="020B0609020204030204" pitchFamily="49" charset="0"/>
+              </a:rPr>
+              <a:t>: </a:t>
+            </a:r>
+            <a:r>
+              <a:rPr lang="en-GB" sz="2000" b="0" dirty="0">
+                <a:solidFill>
+                  <a:srgbClr val="569CD6"/>
+                </a:solidFill>
+                <a:effectLst/>
+                <a:latin typeface="Consolas" panose="020B0609020204030204" pitchFamily="49" charset="0"/>
+              </a:rPr>
+              <a:t>out</a:t>
+            </a:r>
+            <a:r>
+              <a:rPr lang="en-GB" sz="2000" b="0" dirty="0">
+                <a:solidFill>
+                  <a:srgbClr val="D4D4D4"/>
+                </a:solidFill>
+                <a:effectLst/>
+                <a:latin typeface="Consolas" panose="020B0609020204030204" pitchFamily="49" charset="0"/>
+              </a:rPr>
+              <a:t> </a:t>
+            </a:r>
+            <a:r>
+              <a:rPr lang="en-GB" sz="2000" b="0" dirty="0" err="1">
+                <a:solidFill>
+                  <a:srgbClr val="4EC9B0"/>
+                </a:solidFill>
+                <a:effectLst/>
+                <a:latin typeface="Consolas" panose="020B0609020204030204" pitchFamily="49" charset="0"/>
+              </a:rPr>
+              <a:t>std_logic</a:t>
+            </a:r>
+            <a:r>
+              <a:rPr lang="en-GB" sz="2000" b="0" dirty="0">
+                <a:solidFill>
+                  <a:srgbClr val="D4D4D4"/>
+                </a:solidFill>
+                <a:effectLst/>
+                <a:latin typeface="Consolas" panose="020B0609020204030204" pitchFamily="49" charset="0"/>
+              </a:rPr>
+              <a:t>; </a:t>
+            </a:r>
+            <a:r>
+              <a:rPr lang="en-GB" sz="2000" b="0" dirty="0">
+                <a:solidFill>
+                  <a:srgbClr val="6A9955"/>
+                </a:solidFill>
+                <a:effectLst/>
+                <a:latin typeface="Consolas" panose="020B0609020204030204" pitchFamily="49" charset="0"/>
+              </a:rPr>
+              <a:t>-- F16</a:t>
+            </a:r>
+            <a:endParaRPr lang="en-GB" sz="2000" b="0" dirty="0">
+              <a:solidFill>
+                <a:srgbClr val="D4D4D4"/>
+              </a:solidFill>
+              <a:effectLst/>
+              <a:latin typeface="Consolas" panose="020B0609020204030204" pitchFamily="49" charset="0"/>
+            </a:endParaRPr>
+          </a:p>
+          <a:p>
+            <a:r>
+              <a:rPr lang="en-GB" sz="2000" b="0" dirty="0">
+                <a:solidFill>
+                  <a:srgbClr val="D4D4D4"/>
+                </a:solidFill>
+                <a:effectLst/>
+                <a:latin typeface="Consolas" panose="020B0609020204030204" pitchFamily="49" charset="0"/>
+              </a:rPr>
+              <a:t>      </a:t>
+            </a:r>
+            <a:r>
+              <a:rPr lang="en-GB" sz="2000" b="0" dirty="0" err="1">
+                <a:solidFill>
+                  <a:srgbClr val="D4D4D4"/>
+                </a:solidFill>
+                <a:effectLst/>
+                <a:latin typeface="Consolas" panose="020B0609020204030204" pitchFamily="49" charset="0"/>
+              </a:rPr>
+              <a:t>PowerDown_s</a:t>
+            </a:r>
+            <a:r>
+              <a:rPr lang="en-GB" sz="2000" b="0" dirty="0">
+                <a:solidFill>
+                  <a:srgbClr val="D4D4D4"/>
+                </a:solidFill>
+                <a:effectLst/>
+                <a:latin typeface="Consolas" panose="020B0609020204030204" pitchFamily="49" charset="0"/>
+              </a:rPr>
+              <a:t>: </a:t>
+            </a:r>
+            <a:r>
+              <a:rPr lang="en-GB" sz="2000" b="0" dirty="0">
+                <a:solidFill>
+                  <a:srgbClr val="569CD6"/>
+                </a:solidFill>
+                <a:effectLst/>
+                <a:latin typeface="Consolas" panose="020B0609020204030204" pitchFamily="49" charset="0"/>
+              </a:rPr>
+              <a:t>out</a:t>
+            </a:r>
+            <a:r>
+              <a:rPr lang="en-GB" sz="2000" b="0" dirty="0">
+                <a:solidFill>
+                  <a:srgbClr val="D4D4D4"/>
+                </a:solidFill>
+                <a:effectLst/>
+                <a:latin typeface="Consolas" panose="020B0609020204030204" pitchFamily="49" charset="0"/>
+              </a:rPr>
+              <a:t> </a:t>
+            </a:r>
+            <a:r>
+              <a:rPr lang="en-GB" sz="2000" b="0" dirty="0" err="1">
+                <a:solidFill>
+                  <a:srgbClr val="4EC9B0"/>
+                </a:solidFill>
+                <a:effectLst/>
+                <a:latin typeface="Consolas" panose="020B0609020204030204" pitchFamily="49" charset="0"/>
+              </a:rPr>
+              <a:t>std_logic</a:t>
+            </a:r>
+            <a:r>
+              <a:rPr lang="en-GB" sz="2000" b="0" dirty="0">
+                <a:solidFill>
+                  <a:srgbClr val="D4D4D4"/>
+                </a:solidFill>
+                <a:effectLst/>
+                <a:latin typeface="Consolas" panose="020B0609020204030204" pitchFamily="49" charset="0"/>
+              </a:rPr>
+              <a:t>; </a:t>
+            </a:r>
+            <a:r>
+              <a:rPr lang="en-GB" sz="2000" b="0" dirty="0">
+                <a:solidFill>
+                  <a:srgbClr val="6A9955"/>
+                </a:solidFill>
+                <a:effectLst/>
+                <a:latin typeface="Consolas" panose="020B0609020204030204" pitchFamily="49" charset="0"/>
+              </a:rPr>
+              <a:t>-- D16</a:t>
+            </a:r>
+            <a:endParaRPr lang="en-GB" sz="2000" b="0" dirty="0">
+              <a:solidFill>
+                <a:srgbClr val="D4D4D4"/>
+              </a:solidFill>
+              <a:effectLst/>
+              <a:latin typeface="Consolas" panose="020B0609020204030204" pitchFamily="49" charset="0"/>
+            </a:endParaRPr>
+          </a:p>
+          <a:p>
+            <a:r>
+              <a:rPr lang="en-GB" sz="2000" b="0" dirty="0">
+                <a:solidFill>
+                  <a:srgbClr val="D4D4D4"/>
+                </a:solidFill>
+                <a:effectLst/>
+                <a:latin typeface="Consolas" panose="020B0609020204030204" pitchFamily="49" charset="0"/>
+              </a:rPr>
+              <a:t>      </a:t>
+            </a:r>
+            <a:r>
+              <a:rPr lang="en-GB" sz="2000" b="0" dirty="0" err="1">
+                <a:solidFill>
+                  <a:srgbClr val="D4D4D4"/>
+                </a:solidFill>
+                <a:effectLst/>
+                <a:latin typeface="Consolas" panose="020B0609020204030204" pitchFamily="49" charset="0"/>
+              </a:rPr>
+              <a:t>OffsetCorrect_s</a:t>
+            </a:r>
+            <a:r>
+              <a:rPr lang="en-GB" sz="2000" b="0" dirty="0">
+                <a:solidFill>
+                  <a:srgbClr val="D4D4D4"/>
+                </a:solidFill>
+                <a:effectLst/>
+                <a:latin typeface="Consolas" panose="020B0609020204030204" pitchFamily="49" charset="0"/>
+              </a:rPr>
+              <a:t>: </a:t>
+            </a:r>
+            <a:r>
+              <a:rPr lang="en-GB" sz="2000" b="0" dirty="0">
+                <a:solidFill>
+                  <a:srgbClr val="569CD6"/>
+                </a:solidFill>
+                <a:effectLst/>
+                <a:latin typeface="Consolas" panose="020B0609020204030204" pitchFamily="49" charset="0"/>
+              </a:rPr>
+              <a:t>out</a:t>
+            </a:r>
+            <a:r>
+              <a:rPr lang="en-GB" sz="2000" b="0" dirty="0">
+                <a:solidFill>
+                  <a:srgbClr val="D4D4D4"/>
+                </a:solidFill>
+                <a:effectLst/>
+                <a:latin typeface="Consolas" panose="020B0609020204030204" pitchFamily="49" charset="0"/>
+              </a:rPr>
+              <a:t> </a:t>
+            </a:r>
+            <a:r>
+              <a:rPr lang="en-GB" sz="2000" b="0" dirty="0" err="1">
+                <a:solidFill>
+                  <a:srgbClr val="4EC9B0"/>
+                </a:solidFill>
+                <a:effectLst/>
+                <a:latin typeface="Consolas" panose="020B0609020204030204" pitchFamily="49" charset="0"/>
+              </a:rPr>
+              <a:t>std_logic</a:t>
+            </a:r>
+            <a:r>
+              <a:rPr lang="en-GB" sz="2000" b="0" dirty="0">
+                <a:solidFill>
+                  <a:srgbClr val="D4D4D4"/>
+                </a:solidFill>
+                <a:effectLst/>
+                <a:latin typeface="Consolas" panose="020B0609020204030204" pitchFamily="49" charset="0"/>
+              </a:rPr>
+              <a:t>; </a:t>
+            </a:r>
+            <a:r>
+              <a:rPr lang="en-GB" sz="2000" b="0" dirty="0">
+                <a:solidFill>
+                  <a:srgbClr val="6A9955"/>
+                </a:solidFill>
+                <a:effectLst/>
+                <a:latin typeface="Consolas" panose="020B0609020204030204" pitchFamily="49" charset="0"/>
+              </a:rPr>
+              <a:t>-- P1</a:t>
+            </a:r>
+            <a:endParaRPr lang="en-GB" sz="2000" b="0" dirty="0">
+              <a:solidFill>
+                <a:srgbClr val="D4D4D4"/>
+              </a:solidFill>
+              <a:effectLst/>
+              <a:latin typeface="Consolas" panose="020B0609020204030204" pitchFamily="49" charset="0"/>
+            </a:endParaRPr>
+          </a:p>
+          <a:p>
+            <a:r>
+              <a:rPr lang="en-GB" sz="2000" b="0" dirty="0">
+                <a:solidFill>
+                  <a:srgbClr val="D4D4D4"/>
+                </a:solidFill>
+                <a:effectLst/>
+                <a:latin typeface="Consolas" panose="020B0609020204030204" pitchFamily="49" charset="0"/>
+              </a:rPr>
+              <a:t>      </a:t>
+            </a:r>
+            <a:r>
+              <a:rPr lang="en-GB" sz="2000" b="0" dirty="0" err="1">
+                <a:solidFill>
+                  <a:srgbClr val="D4D4D4"/>
+                </a:solidFill>
+                <a:effectLst/>
+                <a:latin typeface="Consolas" panose="020B0609020204030204" pitchFamily="49" charset="0"/>
+              </a:rPr>
+              <a:t>OutputFormat_s</a:t>
+            </a:r>
+            <a:r>
+              <a:rPr lang="en-GB" sz="2000" b="0" dirty="0">
+                <a:solidFill>
+                  <a:srgbClr val="D4D4D4"/>
+                </a:solidFill>
+                <a:effectLst/>
+                <a:latin typeface="Consolas" panose="020B0609020204030204" pitchFamily="49" charset="0"/>
+              </a:rPr>
+              <a:t>: </a:t>
+            </a:r>
+            <a:r>
+              <a:rPr lang="en-GB" sz="2000" b="0" dirty="0">
+                <a:solidFill>
+                  <a:srgbClr val="569CD6"/>
+                </a:solidFill>
+                <a:effectLst/>
+                <a:latin typeface="Consolas" panose="020B0609020204030204" pitchFamily="49" charset="0"/>
+              </a:rPr>
+              <a:t>out</a:t>
+            </a:r>
+            <a:r>
+              <a:rPr lang="en-GB" sz="2000" b="0" dirty="0">
+                <a:solidFill>
+                  <a:srgbClr val="D4D4D4"/>
+                </a:solidFill>
+                <a:effectLst/>
+                <a:latin typeface="Consolas" panose="020B0609020204030204" pitchFamily="49" charset="0"/>
+              </a:rPr>
+              <a:t> </a:t>
+            </a:r>
+            <a:r>
+              <a:rPr lang="en-GB" sz="2000" b="0" dirty="0" err="1">
+                <a:solidFill>
+                  <a:srgbClr val="4EC9B0"/>
+                </a:solidFill>
+                <a:effectLst/>
+                <a:latin typeface="Consolas" panose="020B0609020204030204" pitchFamily="49" charset="0"/>
+              </a:rPr>
+              <a:t>std_logic</a:t>
+            </a:r>
+            <a:r>
+              <a:rPr lang="en-GB" sz="2000" b="0" dirty="0">
+                <a:solidFill>
+                  <a:srgbClr val="D4D4D4"/>
+                </a:solidFill>
+                <a:effectLst/>
+                <a:latin typeface="Consolas" panose="020B0609020204030204" pitchFamily="49" charset="0"/>
+              </a:rPr>
+              <a:t> </a:t>
+            </a:r>
+            <a:r>
+              <a:rPr lang="en-GB" sz="2000" b="0" dirty="0">
+                <a:solidFill>
+                  <a:srgbClr val="6A9955"/>
+                </a:solidFill>
+                <a:effectLst/>
+                <a:latin typeface="Consolas" panose="020B0609020204030204" pitchFamily="49" charset="0"/>
+              </a:rPr>
+              <a:t>-- L2</a:t>
+            </a:r>
+            <a:endParaRPr lang="en-GB" sz="2000" b="0" dirty="0">
+              <a:solidFill>
+                <a:srgbClr val="D4D4D4"/>
+              </a:solidFill>
+              <a:effectLst/>
+              <a:latin typeface="Consolas" panose="020B0609020204030204" pitchFamily="49" charset="0"/>
+            </a:endParaRPr>
+          </a:p>
+          <a:p>
+            <a:r>
+              <a:rPr lang="en-GB" sz="2000" b="0" dirty="0">
+                <a:solidFill>
+                  <a:srgbClr val="D4D4D4"/>
+                </a:solidFill>
+                <a:effectLst/>
+                <a:latin typeface="Consolas" panose="020B0609020204030204" pitchFamily="49" charset="0"/>
+              </a:rPr>
+              <a:t>  );</a:t>
+            </a:r>
+          </a:p>
+          <a:p>
+            <a:r>
+              <a:rPr lang="en-GB" sz="2000" b="0" dirty="0">
+                <a:solidFill>
+                  <a:srgbClr val="569CD6"/>
+                </a:solidFill>
+                <a:effectLst/>
+                <a:latin typeface="Consolas" panose="020B0609020204030204" pitchFamily="49" charset="0"/>
+              </a:rPr>
+              <a:t>end</a:t>
+            </a:r>
+            <a:r>
+              <a:rPr lang="en-GB" sz="2000" b="0" dirty="0">
+                <a:solidFill>
+                  <a:srgbClr val="D4D4D4"/>
+                </a:solidFill>
+                <a:effectLst/>
+                <a:latin typeface="Consolas" panose="020B0609020204030204" pitchFamily="49" charset="0"/>
+              </a:rPr>
+              <a:t> </a:t>
+            </a:r>
+            <a:r>
+              <a:rPr lang="en-GB" sz="2000" b="0" dirty="0">
+                <a:solidFill>
+                  <a:srgbClr val="569CD6"/>
+                </a:solidFill>
+                <a:effectLst/>
+                <a:latin typeface="Consolas" panose="020B0609020204030204" pitchFamily="49" charset="0"/>
+              </a:rPr>
+              <a:t>entity</a:t>
+            </a:r>
+            <a:r>
+              <a:rPr lang="en-GB" sz="2000" b="0" dirty="0">
+                <a:solidFill>
+                  <a:srgbClr val="D4D4D4"/>
+                </a:solidFill>
+                <a:effectLst/>
+                <a:latin typeface="Consolas" panose="020B0609020204030204" pitchFamily="49" charset="0"/>
+              </a:rPr>
+              <a:t>;</a:t>
+            </a:r>
+          </a:p>
+        </p:txBody>
+      </p:sp>
+      <p:sp>
+        <p:nvSpPr>
+          <p:cNvPr id="9" name="TextBox 8">
+            <a:extLst>
+              <a:ext uri="{FF2B5EF4-FFF2-40B4-BE49-F238E27FC236}">
+                <a16:creationId xmlns:a16="http://schemas.microsoft.com/office/drawing/2014/main" id="{41893F3F-4DCC-CDAE-FB84-BDD434A7B7B7}"/>
+              </a:ext>
+            </a:extLst>
+          </p:cNvPr>
+          <p:cNvSpPr txBox="1"/>
+          <p:nvPr/>
+        </p:nvSpPr>
+        <p:spPr>
+          <a:xfrm>
+            <a:off x="6739129" y="244870"/>
+            <a:ext cx="5444020" cy="6463308"/>
+          </a:xfrm>
+          <a:prstGeom prst="rect">
+            <a:avLst/>
+          </a:prstGeom>
+          <a:noFill/>
+        </p:spPr>
+        <p:txBody>
+          <a:bodyPr wrap="square">
+            <a:spAutoFit/>
+          </a:bodyPr>
+          <a:lstStyle/>
+          <a:p>
+            <a:r>
+              <a:rPr lang="en-GB" b="0" dirty="0">
+                <a:solidFill>
+                  <a:srgbClr val="569CD6"/>
+                </a:solidFill>
+                <a:effectLst/>
+                <a:latin typeface="Consolas" panose="020B0609020204030204" pitchFamily="49" charset="0"/>
+              </a:rPr>
+              <a:t>architecture</a:t>
+            </a:r>
+            <a:r>
+              <a:rPr lang="en-GB" b="0" dirty="0">
+                <a:solidFill>
+                  <a:srgbClr val="D4D4D4"/>
+                </a:solidFill>
+                <a:effectLst/>
+                <a:latin typeface="Consolas" panose="020B0609020204030204" pitchFamily="49" charset="0"/>
+              </a:rPr>
+              <a:t> </a:t>
+            </a:r>
+            <a:r>
+              <a:rPr lang="en-GB" b="0" dirty="0" err="1">
+                <a:solidFill>
+                  <a:srgbClr val="4EC9B0"/>
+                </a:solidFill>
+                <a:effectLst/>
+                <a:latin typeface="Consolas" panose="020B0609020204030204" pitchFamily="49" charset="0"/>
+              </a:rPr>
+              <a:t>a_adc_control</a:t>
+            </a:r>
+            <a:r>
+              <a:rPr lang="en-GB" b="0" dirty="0">
+                <a:solidFill>
+                  <a:srgbClr val="D4D4D4"/>
+                </a:solidFill>
+                <a:effectLst/>
+                <a:latin typeface="Consolas" panose="020B0609020204030204" pitchFamily="49" charset="0"/>
+              </a:rPr>
+              <a:t> </a:t>
+            </a:r>
+            <a:r>
+              <a:rPr lang="en-GB" b="0" dirty="0">
+                <a:solidFill>
+                  <a:srgbClr val="569CD6"/>
+                </a:solidFill>
+                <a:effectLst/>
+                <a:latin typeface="Consolas" panose="020B0609020204030204" pitchFamily="49" charset="0"/>
+              </a:rPr>
+              <a:t>of</a:t>
+            </a:r>
+            <a:r>
+              <a:rPr lang="en-GB" b="0" dirty="0">
+                <a:solidFill>
+                  <a:srgbClr val="D4D4D4"/>
+                </a:solidFill>
+                <a:effectLst/>
+                <a:latin typeface="Consolas" panose="020B0609020204030204" pitchFamily="49" charset="0"/>
+              </a:rPr>
+              <a:t> </a:t>
+            </a:r>
+            <a:r>
+              <a:rPr lang="en-GB" b="0" dirty="0" err="1">
+                <a:solidFill>
+                  <a:srgbClr val="4EC9B0"/>
+                </a:solidFill>
+                <a:effectLst/>
+                <a:latin typeface="Consolas" panose="020B0609020204030204" pitchFamily="49" charset="0"/>
+              </a:rPr>
+              <a:t>adc_control</a:t>
+            </a:r>
+            <a:r>
+              <a:rPr lang="en-GB" b="0" dirty="0">
+                <a:solidFill>
+                  <a:srgbClr val="D4D4D4"/>
+                </a:solidFill>
+                <a:effectLst/>
+                <a:latin typeface="Consolas" panose="020B0609020204030204" pitchFamily="49" charset="0"/>
+              </a:rPr>
+              <a:t> </a:t>
+            </a:r>
+            <a:r>
+              <a:rPr lang="en-GB" b="0" dirty="0">
+                <a:solidFill>
+                  <a:srgbClr val="569CD6"/>
+                </a:solidFill>
+                <a:effectLst/>
+                <a:latin typeface="Consolas" panose="020B0609020204030204" pitchFamily="49" charset="0"/>
+              </a:rPr>
+              <a:t>is</a:t>
+            </a:r>
+            <a:endParaRPr lang="en-GB" b="0" dirty="0">
+              <a:solidFill>
+                <a:srgbClr val="D4D4D4"/>
+              </a:solidFill>
+              <a:effectLst/>
+              <a:latin typeface="Consolas" panose="020B0609020204030204" pitchFamily="49" charset="0"/>
+            </a:endParaRPr>
+          </a:p>
+          <a:p>
+            <a:r>
+              <a:rPr lang="en-GB" b="0" dirty="0">
+                <a:solidFill>
+                  <a:srgbClr val="569CD6"/>
+                </a:solidFill>
+                <a:effectLst/>
+                <a:latin typeface="Consolas" panose="020B0609020204030204" pitchFamily="49" charset="0"/>
+              </a:rPr>
+              <a:t>begin</a:t>
+            </a:r>
+            <a:endParaRPr lang="en-GB" b="0" dirty="0">
+              <a:solidFill>
+                <a:srgbClr val="D4D4D4"/>
+              </a:solidFill>
+              <a:effectLst/>
+              <a:latin typeface="Consolas" panose="020B0609020204030204" pitchFamily="49" charset="0"/>
+            </a:endParaRPr>
+          </a:p>
+          <a:p>
+            <a:r>
+              <a:rPr lang="en-GB" b="0" dirty="0">
+                <a:solidFill>
+                  <a:srgbClr val="D4D4D4"/>
+                </a:solidFill>
+                <a:effectLst/>
+                <a:latin typeface="Consolas" panose="020B0609020204030204" pitchFamily="49" charset="0"/>
+              </a:rPr>
+              <a:t>    </a:t>
+            </a:r>
+            <a:r>
+              <a:rPr lang="en-GB" b="0" dirty="0" err="1">
+                <a:solidFill>
+                  <a:srgbClr val="569CD6"/>
+                </a:solidFill>
+                <a:effectLst/>
+                <a:latin typeface="Consolas" panose="020B0609020204030204" pitchFamily="49" charset="0"/>
+              </a:rPr>
+              <a:t>Dataflow_p</a:t>
+            </a:r>
+            <a:r>
+              <a:rPr lang="en-GB" b="0" dirty="0">
+                <a:solidFill>
+                  <a:srgbClr val="D4D4D4"/>
+                </a:solidFill>
+                <a:effectLst/>
+                <a:latin typeface="Consolas" panose="020B0609020204030204" pitchFamily="49" charset="0"/>
+              </a:rPr>
+              <a:t>: </a:t>
+            </a:r>
+            <a:r>
+              <a:rPr lang="en-GB" b="0" dirty="0">
+                <a:solidFill>
+                  <a:srgbClr val="569CD6"/>
+                </a:solidFill>
+                <a:effectLst/>
+                <a:latin typeface="Consolas" panose="020B0609020204030204" pitchFamily="49" charset="0"/>
+              </a:rPr>
+              <a:t>process</a:t>
+            </a:r>
+            <a:r>
+              <a:rPr lang="en-GB" b="0" dirty="0">
+                <a:solidFill>
+                  <a:srgbClr val="D4D4D4"/>
+                </a:solidFill>
+                <a:effectLst/>
+                <a:latin typeface="Consolas" panose="020B0609020204030204" pitchFamily="49" charset="0"/>
+              </a:rPr>
+              <a:t> (</a:t>
+            </a:r>
+            <a:r>
+              <a:rPr lang="en-GB" b="0" dirty="0" err="1">
+                <a:solidFill>
+                  <a:srgbClr val="D4D4D4"/>
+                </a:solidFill>
+                <a:effectLst/>
+                <a:latin typeface="Consolas" panose="020B0609020204030204" pitchFamily="49" charset="0"/>
+              </a:rPr>
+              <a:t>nRst</a:t>
+            </a:r>
+            <a:r>
+              <a:rPr lang="en-GB" b="0" dirty="0">
+                <a:solidFill>
+                  <a:srgbClr val="D4D4D4"/>
+                </a:solidFill>
+                <a:effectLst/>
+                <a:latin typeface="Consolas" panose="020B0609020204030204" pitchFamily="49" charset="0"/>
+              </a:rPr>
+              <a:t>, </a:t>
+            </a:r>
+            <a:r>
+              <a:rPr lang="en-GB" b="0" dirty="0" err="1">
+                <a:solidFill>
+                  <a:srgbClr val="D4D4D4"/>
+                </a:solidFill>
+                <a:effectLst/>
+                <a:latin typeface="Consolas" panose="020B0609020204030204" pitchFamily="49" charset="0"/>
+              </a:rPr>
+              <a:t>Clk_DataFlow</a:t>
+            </a:r>
+            <a:r>
+              <a:rPr lang="en-GB" b="0" dirty="0">
+                <a:solidFill>
+                  <a:srgbClr val="D4D4D4"/>
+                </a:solidFill>
+                <a:effectLst/>
+                <a:latin typeface="Consolas" panose="020B0609020204030204" pitchFamily="49" charset="0"/>
+              </a:rPr>
+              <a:t>)</a:t>
+            </a:r>
+          </a:p>
+          <a:p>
+            <a:r>
+              <a:rPr lang="en-GB" b="0" dirty="0">
+                <a:solidFill>
+                  <a:srgbClr val="D4D4D4"/>
+                </a:solidFill>
+                <a:effectLst/>
+                <a:latin typeface="Consolas" panose="020B0609020204030204" pitchFamily="49" charset="0"/>
+              </a:rPr>
+              <a:t>    </a:t>
+            </a:r>
+            <a:r>
+              <a:rPr lang="en-GB" b="0" dirty="0">
+                <a:solidFill>
+                  <a:srgbClr val="569CD6"/>
+                </a:solidFill>
+                <a:effectLst/>
+                <a:latin typeface="Consolas" panose="020B0609020204030204" pitchFamily="49" charset="0"/>
+              </a:rPr>
+              <a:t>begin</a:t>
+            </a:r>
+            <a:endParaRPr lang="en-GB" b="0" dirty="0">
+              <a:solidFill>
+                <a:srgbClr val="D4D4D4"/>
+              </a:solidFill>
+              <a:effectLst/>
+              <a:latin typeface="Consolas" panose="020B0609020204030204" pitchFamily="49" charset="0"/>
+            </a:endParaRPr>
+          </a:p>
+          <a:p>
+            <a:r>
+              <a:rPr lang="en-GB" b="0" dirty="0">
+                <a:solidFill>
+                  <a:srgbClr val="D4D4D4"/>
+                </a:solidFill>
+                <a:effectLst/>
+                <a:latin typeface="Consolas" panose="020B0609020204030204" pitchFamily="49" charset="0"/>
+              </a:rPr>
+              <a:t>        </a:t>
+            </a:r>
+            <a:r>
+              <a:rPr lang="en-GB" b="0" dirty="0">
+                <a:solidFill>
+                  <a:srgbClr val="569CD6"/>
+                </a:solidFill>
+                <a:effectLst/>
+                <a:latin typeface="Consolas" panose="020B0609020204030204" pitchFamily="49" charset="0"/>
+              </a:rPr>
+              <a:t>if</a:t>
+            </a:r>
+            <a:r>
+              <a:rPr lang="en-GB" b="0" dirty="0">
+                <a:solidFill>
+                  <a:srgbClr val="D4D4D4"/>
+                </a:solidFill>
+                <a:effectLst/>
+                <a:latin typeface="Consolas" panose="020B0609020204030204" pitchFamily="49" charset="0"/>
+              </a:rPr>
+              <a:t> (</a:t>
+            </a:r>
+            <a:r>
+              <a:rPr lang="en-GB" b="0" dirty="0" err="1">
+                <a:solidFill>
+                  <a:srgbClr val="D4D4D4"/>
+                </a:solidFill>
+                <a:effectLst/>
+                <a:latin typeface="Consolas" panose="020B0609020204030204" pitchFamily="49" charset="0"/>
+              </a:rPr>
+              <a:t>nRst</a:t>
+            </a:r>
+            <a:r>
+              <a:rPr lang="en-GB" b="0" dirty="0">
+                <a:solidFill>
+                  <a:srgbClr val="D4D4D4"/>
+                </a:solidFill>
+                <a:effectLst/>
+                <a:latin typeface="Consolas" panose="020B0609020204030204" pitchFamily="49" charset="0"/>
+              </a:rPr>
+              <a:t> = </a:t>
+            </a:r>
+            <a:r>
+              <a:rPr lang="en-GB" b="0" dirty="0">
+                <a:solidFill>
+                  <a:srgbClr val="CE9178"/>
+                </a:solidFill>
+                <a:effectLst/>
+                <a:latin typeface="Consolas" panose="020B0609020204030204" pitchFamily="49" charset="0"/>
+              </a:rPr>
+              <a:t>'0'</a:t>
+            </a:r>
+            <a:r>
+              <a:rPr lang="en-GB" b="0" dirty="0">
+                <a:solidFill>
+                  <a:srgbClr val="D4D4D4"/>
+                </a:solidFill>
+                <a:effectLst/>
+                <a:latin typeface="Consolas" panose="020B0609020204030204" pitchFamily="49" charset="0"/>
+              </a:rPr>
+              <a:t>) </a:t>
+            </a:r>
+            <a:r>
+              <a:rPr lang="en-GB" b="0" dirty="0">
+                <a:solidFill>
+                  <a:srgbClr val="569CD6"/>
+                </a:solidFill>
+                <a:effectLst/>
+                <a:latin typeface="Consolas" panose="020B0609020204030204" pitchFamily="49" charset="0"/>
+              </a:rPr>
+              <a:t>then</a:t>
+            </a:r>
+            <a:endParaRPr lang="en-GB" b="0" dirty="0">
+              <a:solidFill>
+                <a:srgbClr val="D4D4D4"/>
+              </a:solidFill>
+              <a:effectLst/>
+              <a:latin typeface="Consolas" panose="020B0609020204030204" pitchFamily="49" charset="0"/>
+            </a:endParaRPr>
+          </a:p>
+          <a:p>
+            <a:r>
+              <a:rPr lang="en-GB" b="0" dirty="0">
+                <a:solidFill>
+                  <a:srgbClr val="D4D4D4"/>
+                </a:solidFill>
+                <a:effectLst/>
+                <a:latin typeface="Consolas" panose="020B0609020204030204" pitchFamily="49" charset="0"/>
+              </a:rPr>
+              <a:t>            </a:t>
+            </a:r>
+            <a:r>
+              <a:rPr lang="en-GB" b="0" dirty="0" err="1">
+                <a:solidFill>
+                  <a:srgbClr val="D4D4D4"/>
+                </a:solidFill>
+                <a:effectLst/>
+                <a:latin typeface="Consolas" panose="020B0609020204030204" pitchFamily="49" charset="0"/>
+              </a:rPr>
+              <a:t>Gain_s</a:t>
+            </a:r>
+            <a:r>
+              <a:rPr lang="en-GB" b="0" dirty="0">
+                <a:solidFill>
+                  <a:srgbClr val="D4D4D4"/>
+                </a:solidFill>
+                <a:effectLst/>
+                <a:latin typeface="Consolas" panose="020B0609020204030204" pitchFamily="49" charset="0"/>
+              </a:rPr>
+              <a:t> &lt;= </a:t>
+            </a:r>
+            <a:r>
+              <a:rPr lang="en-GB" b="0" dirty="0">
+                <a:solidFill>
+                  <a:srgbClr val="CE9178"/>
+                </a:solidFill>
+                <a:effectLst/>
+                <a:latin typeface="Consolas" panose="020B0609020204030204" pitchFamily="49" charset="0"/>
+              </a:rPr>
+              <a:t>'0'</a:t>
+            </a:r>
+            <a:r>
+              <a:rPr lang="en-GB" b="0" dirty="0">
+                <a:solidFill>
+                  <a:srgbClr val="D4D4D4"/>
+                </a:solidFill>
+                <a:effectLst/>
+                <a:latin typeface="Consolas" panose="020B0609020204030204" pitchFamily="49" charset="0"/>
+              </a:rPr>
+              <a:t>;</a:t>
+            </a:r>
+          </a:p>
+          <a:p>
+            <a:r>
+              <a:rPr lang="en-GB" b="0" dirty="0">
+                <a:solidFill>
+                  <a:srgbClr val="D4D4D4"/>
+                </a:solidFill>
+                <a:effectLst/>
+                <a:latin typeface="Consolas" panose="020B0609020204030204" pitchFamily="49" charset="0"/>
+              </a:rPr>
+              <a:t>            </a:t>
+            </a:r>
+            <a:r>
+              <a:rPr lang="en-GB" b="0" dirty="0" err="1">
+                <a:solidFill>
+                  <a:srgbClr val="D4D4D4"/>
+                </a:solidFill>
+                <a:effectLst/>
+                <a:latin typeface="Consolas" panose="020B0609020204030204" pitchFamily="49" charset="0"/>
+              </a:rPr>
+              <a:t>OutputBusSelect_s</a:t>
+            </a:r>
+            <a:r>
+              <a:rPr lang="en-GB" b="0" dirty="0">
+                <a:solidFill>
+                  <a:srgbClr val="D4D4D4"/>
+                </a:solidFill>
+                <a:effectLst/>
+                <a:latin typeface="Consolas" panose="020B0609020204030204" pitchFamily="49" charset="0"/>
+              </a:rPr>
+              <a:t> &lt;= </a:t>
+            </a:r>
+            <a:r>
+              <a:rPr lang="en-GB" b="0" dirty="0">
+                <a:solidFill>
+                  <a:srgbClr val="CE9178"/>
+                </a:solidFill>
+                <a:effectLst/>
+                <a:latin typeface="Consolas" panose="020B0609020204030204" pitchFamily="49" charset="0"/>
+              </a:rPr>
+              <a:t>'0'</a:t>
+            </a:r>
+            <a:r>
+              <a:rPr lang="en-GB" b="0" dirty="0">
+                <a:solidFill>
+                  <a:srgbClr val="D4D4D4"/>
+                </a:solidFill>
+                <a:effectLst/>
+                <a:latin typeface="Consolas" panose="020B0609020204030204" pitchFamily="49" charset="0"/>
+              </a:rPr>
+              <a:t>;</a:t>
+            </a:r>
+          </a:p>
+          <a:p>
+            <a:r>
+              <a:rPr lang="en-GB" b="0" dirty="0">
+                <a:solidFill>
+                  <a:srgbClr val="D4D4D4"/>
+                </a:solidFill>
+                <a:effectLst/>
+                <a:latin typeface="Consolas" panose="020B0609020204030204" pitchFamily="49" charset="0"/>
+              </a:rPr>
+              <a:t>            </a:t>
+            </a:r>
+            <a:r>
+              <a:rPr lang="en-GB" b="0" dirty="0" err="1">
+                <a:solidFill>
+                  <a:srgbClr val="D4D4D4"/>
+                </a:solidFill>
+                <a:effectLst/>
+                <a:latin typeface="Consolas" panose="020B0609020204030204" pitchFamily="49" charset="0"/>
+              </a:rPr>
+              <a:t>Standby_s</a:t>
+            </a:r>
+            <a:r>
+              <a:rPr lang="en-GB" b="0" dirty="0">
+                <a:solidFill>
+                  <a:srgbClr val="D4D4D4"/>
+                </a:solidFill>
+                <a:effectLst/>
+                <a:latin typeface="Consolas" panose="020B0609020204030204" pitchFamily="49" charset="0"/>
+              </a:rPr>
+              <a:t>  &lt;= </a:t>
+            </a:r>
+            <a:r>
+              <a:rPr lang="en-GB" b="0" dirty="0">
+                <a:solidFill>
+                  <a:srgbClr val="CE9178"/>
+                </a:solidFill>
+                <a:effectLst/>
+                <a:latin typeface="Consolas" panose="020B0609020204030204" pitchFamily="49" charset="0"/>
+              </a:rPr>
+              <a:t>'0'</a:t>
+            </a:r>
+            <a:r>
+              <a:rPr lang="en-GB" b="0" dirty="0">
+                <a:solidFill>
+                  <a:srgbClr val="D4D4D4"/>
+                </a:solidFill>
+                <a:effectLst/>
+                <a:latin typeface="Consolas" panose="020B0609020204030204" pitchFamily="49" charset="0"/>
+              </a:rPr>
+              <a:t>;</a:t>
+            </a:r>
+          </a:p>
+          <a:p>
+            <a:r>
+              <a:rPr lang="en-GB" b="0" dirty="0">
+                <a:solidFill>
+                  <a:srgbClr val="D4D4D4"/>
+                </a:solidFill>
+                <a:effectLst/>
+                <a:latin typeface="Consolas" panose="020B0609020204030204" pitchFamily="49" charset="0"/>
+              </a:rPr>
+              <a:t>            </a:t>
+            </a:r>
+            <a:r>
+              <a:rPr lang="en-GB" b="0" dirty="0" err="1">
+                <a:solidFill>
+                  <a:srgbClr val="D4D4D4"/>
+                </a:solidFill>
+                <a:effectLst/>
+                <a:latin typeface="Consolas" panose="020B0609020204030204" pitchFamily="49" charset="0"/>
+              </a:rPr>
+              <a:t>PowerDown_s</a:t>
+            </a:r>
+            <a:r>
+              <a:rPr lang="en-GB" b="0" dirty="0">
+                <a:solidFill>
+                  <a:srgbClr val="D4D4D4"/>
+                </a:solidFill>
+                <a:effectLst/>
+                <a:latin typeface="Consolas" panose="020B0609020204030204" pitchFamily="49" charset="0"/>
+              </a:rPr>
+              <a:t>  &lt;= </a:t>
+            </a:r>
+            <a:r>
+              <a:rPr lang="en-GB" b="0" dirty="0">
+                <a:solidFill>
+                  <a:srgbClr val="CE9178"/>
+                </a:solidFill>
+                <a:effectLst/>
+                <a:latin typeface="Consolas" panose="020B0609020204030204" pitchFamily="49" charset="0"/>
+              </a:rPr>
+              <a:t>'0'</a:t>
+            </a:r>
+            <a:r>
+              <a:rPr lang="en-GB" b="0" dirty="0">
+                <a:solidFill>
+                  <a:srgbClr val="D4D4D4"/>
+                </a:solidFill>
+                <a:effectLst/>
+                <a:latin typeface="Consolas" panose="020B0609020204030204" pitchFamily="49" charset="0"/>
+              </a:rPr>
+              <a:t>;</a:t>
+            </a:r>
+          </a:p>
+          <a:p>
+            <a:r>
+              <a:rPr lang="en-GB" b="0" dirty="0">
+                <a:solidFill>
+                  <a:srgbClr val="D4D4D4"/>
+                </a:solidFill>
+                <a:effectLst/>
+                <a:latin typeface="Consolas" panose="020B0609020204030204" pitchFamily="49" charset="0"/>
+              </a:rPr>
+              <a:t>            </a:t>
+            </a:r>
+            <a:r>
+              <a:rPr lang="en-GB" b="0" dirty="0" err="1">
+                <a:solidFill>
+                  <a:srgbClr val="D4D4D4"/>
+                </a:solidFill>
+                <a:effectLst/>
+                <a:latin typeface="Consolas" panose="020B0609020204030204" pitchFamily="49" charset="0"/>
+              </a:rPr>
+              <a:t>OffsetCorrect_s</a:t>
+            </a:r>
+            <a:r>
+              <a:rPr lang="en-GB" b="0" dirty="0">
+                <a:solidFill>
+                  <a:srgbClr val="D4D4D4"/>
+                </a:solidFill>
+                <a:effectLst/>
+                <a:latin typeface="Consolas" panose="020B0609020204030204" pitchFamily="49" charset="0"/>
+              </a:rPr>
+              <a:t>  &lt;= </a:t>
+            </a:r>
+            <a:r>
+              <a:rPr lang="en-GB" b="0" dirty="0">
+                <a:solidFill>
+                  <a:srgbClr val="CE9178"/>
+                </a:solidFill>
+                <a:effectLst/>
+                <a:latin typeface="Consolas" panose="020B0609020204030204" pitchFamily="49" charset="0"/>
+              </a:rPr>
+              <a:t>'0'</a:t>
+            </a:r>
+            <a:r>
+              <a:rPr lang="en-GB" b="0" dirty="0">
+                <a:solidFill>
+                  <a:srgbClr val="D4D4D4"/>
+                </a:solidFill>
+                <a:effectLst/>
+                <a:latin typeface="Consolas" panose="020B0609020204030204" pitchFamily="49" charset="0"/>
+              </a:rPr>
+              <a:t>;</a:t>
+            </a:r>
+          </a:p>
+          <a:p>
+            <a:r>
+              <a:rPr lang="en-GB" b="0" dirty="0">
+                <a:solidFill>
+                  <a:srgbClr val="D4D4D4"/>
+                </a:solidFill>
+                <a:effectLst/>
+                <a:latin typeface="Consolas" panose="020B0609020204030204" pitchFamily="49" charset="0"/>
+              </a:rPr>
+              <a:t>            </a:t>
+            </a:r>
+            <a:r>
+              <a:rPr lang="en-GB" b="0" dirty="0" err="1">
+                <a:solidFill>
+                  <a:srgbClr val="D4D4D4"/>
+                </a:solidFill>
+                <a:effectLst/>
+                <a:latin typeface="Consolas" panose="020B0609020204030204" pitchFamily="49" charset="0"/>
+              </a:rPr>
+              <a:t>OutputFormat_s</a:t>
+            </a:r>
+            <a:r>
+              <a:rPr lang="en-GB" b="0" dirty="0">
+                <a:solidFill>
+                  <a:srgbClr val="D4D4D4"/>
+                </a:solidFill>
+                <a:effectLst/>
+                <a:latin typeface="Consolas" panose="020B0609020204030204" pitchFamily="49" charset="0"/>
+              </a:rPr>
+              <a:t>  &lt;= </a:t>
+            </a:r>
+            <a:r>
+              <a:rPr lang="en-GB" b="0" dirty="0">
+                <a:solidFill>
+                  <a:srgbClr val="CE9178"/>
+                </a:solidFill>
+                <a:effectLst/>
+                <a:latin typeface="Consolas" panose="020B0609020204030204" pitchFamily="49" charset="0"/>
+              </a:rPr>
+              <a:t>'0'</a:t>
+            </a:r>
+            <a:r>
+              <a:rPr lang="en-GB" b="0" dirty="0">
+                <a:solidFill>
+                  <a:srgbClr val="D4D4D4"/>
+                </a:solidFill>
+                <a:effectLst/>
+                <a:latin typeface="Consolas" panose="020B0609020204030204" pitchFamily="49" charset="0"/>
+              </a:rPr>
+              <a:t>;</a:t>
+            </a:r>
+          </a:p>
+          <a:p>
+            <a:r>
+              <a:rPr lang="en-GB" b="0" dirty="0">
+                <a:solidFill>
+                  <a:srgbClr val="D4D4D4"/>
+                </a:solidFill>
+                <a:effectLst/>
+                <a:latin typeface="Consolas" panose="020B0609020204030204" pitchFamily="49" charset="0"/>
+              </a:rPr>
+              <a:t>        </a:t>
+            </a:r>
+            <a:r>
+              <a:rPr lang="en-GB" b="0" dirty="0">
+                <a:solidFill>
+                  <a:srgbClr val="6A9955"/>
+                </a:solidFill>
+                <a:effectLst/>
+                <a:latin typeface="Consolas" panose="020B0609020204030204" pitchFamily="49" charset="0"/>
+              </a:rPr>
+              <a:t>-- </a:t>
+            </a:r>
+            <a:r>
+              <a:rPr lang="en-GB" b="0" dirty="0" err="1">
+                <a:solidFill>
+                  <a:srgbClr val="6A9955"/>
+                </a:solidFill>
+                <a:effectLst/>
+                <a:latin typeface="Consolas" panose="020B0609020204030204" pitchFamily="49" charset="0"/>
+              </a:rPr>
+              <a:t>elsif</a:t>
+            </a:r>
+            <a:r>
+              <a:rPr lang="en-GB" b="0" dirty="0">
+                <a:solidFill>
+                  <a:srgbClr val="6A9955"/>
+                </a:solidFill>
+                <a:effectLst/>
+                <a:latin typeface="Consolas" panose="020B0609020204030204" pitchFamily="49" charset="0"/>
+              </a:rPr>
+              <a:t> </a:t>
+            </a:r>
+            <a:r>
+              <a:rPr lang="en-GB" b="0" dirty="0" err="1">
+                <a:solidFill>
+                  <a:srgbClr val="6A9955"/>
+                </a:solidFill>
+                <a:effectLst/>
+                <a:latin typeface="Consolas" panose="020B0609020204030204" pitchFamily="49" charset="0"/>
+              </a:rPr>
+              <a:t>rising_edge</a:t>
+            </a:r>
+            <a:r>
+              <a:rPr lang="en-GB" b="0" dirty="0">
+                <a:solidFill>
+                  <a:srgbClr val="6A9955"/>
+                </a:solidFill>
+                <a:effectLst/>
+                <a:latin typeface="Consolas" panose="020B0609020204030204" pitchFamily="49" charset="0"/>
+              </a:rPr>
+              <a:t>(</a:t>
+            </a:r>
+            <a:r>
+              <a:rPr lang="en-GB" b="0" dirty="0" err="1">
+                <a:solidFill>
+                  <a:srgbClr val="6A9955"/>
+                </a:solidFill>
+                <a:effectLst/>
+                <a:latin typeface="Consolas" panose="020B0609020204030204" pitchFamily="49" charset="0"/>
+              </a:rPr>
+              <a:t>Clk_DataFlow</a:t>
+            </a:r>
+            <a:r>
+              <a:rPr lang="en-GB" b="0" dirty="0">
+                <a:solidFill>
+                  <a:srgbClr val="6A9955"/>
+                </a:solidFill>
+                <a:effectLst/>
+                <a:latin typeface="Consolas" panose="020B0609020204030204" pitchFamily="49" charset="0"/>
+              </a:rPr>
+              <a:t>) then</a:t>
+            </a:r>
+            <a:endParaRPr lang="en-GB" b="0" dirty="0">
+              <a:solidFill>
+                <a:srgbClr val="D4D4D4"/>
+              </a:solidFill>
+              <a:effectLst/>
+              <a:latin typeface="Consolas" panose="020B0609020204030204" pitchFamily="49" charset="0"/>
+            </a:endParaRPr>
+          </a:p>
+          <a:p>
+            <a:r>
+              <a:rPr lang="en-GB" b="0" dirty="0">
+                <a:solidFill>
+                  <a:srgbClr val="D4D4D4"/>
+                </a:solidFill>
+                <a:effectLst/>
+                <a:latin typeface="Consolas" panose="020B0609020204030204" pitchFamily="49" charset="0"/>
+              </a:rPr>
+              <a:t>            </a:t>
+            </a:r>
+            <a:r>
+              <a:rPr lang="en-GB" b="0" dirty="0">
+                <a:solidFill>
+                  <a:srgbClr val="6A9955"/>
+                </a:solidFill>
+                <a:effectLst/>
+                <a:latin typeface="Consolas" panose="020B0609020204030204" pitchFamily="49" charset="0"/>
+              </a:rPr>
+              <a:t>-- </a:t>
+            </a:r>
+            <a:r>
+              <a:rPr lang="en-GB" b="0" dirty="0" err="1">
+                <a:solidFill>
+                  <a:srgbClr val="6A9955"/>
+                </a:solidFill>
+                <a:effectLst/>
+                <a:latin typeface="Consolas" panose="020B0609020204030204" pitchFamily="49" charset="0"/>
+              </a:rPr>
+              <a:t>OutputBusSelect_s</a:t>
+            </a:r>
+            <a:r>
+              <a:rPr lang="en-GB" b="0" dirty="0">
+                <a:solidFill>
+                  <a:srgbClr val="6A9955"/>
+                </a:solidFill>
+                <a:effectLst/>
+                <a:latin typeface="Consolas" panose="020B0609020204030204" pitchFamily="49" charset="0"/>
+              </a:rPr>
+              <a:t> &lt;= </a:t>
+            </a:r>
+            <a:r>
+              <a:rPr lang="en-GB" b="0" dirty="0" err="1">
+                <a:solidFill>
+                  <a:srgbClr val="6A9955"/>
+                </a:solidFill>
+                <a:effectLst/>
+                <a:latin typeface="Consolas" panose="020B0609020204030204" pitchFamily="49" charset="0"/>
+              </a:rPr>
+              <a:t>ReceiveDataMode</a:t>
+            </a:r>
+            <a:r>
+              <a:rPr lang="en-GB" b="0" dirty="0">
+                <a:solidFill>
+                  <a:srgbClr val="6A9955"/>
+                </a:solidFill>
+                <a:effectLst/>
+                <a:latin typeface="Consolas" panose="020B0609020204030204" pitchFamily="49" charset="0"/>
+              </a:rPr>
+              <a:t>;</a:t>
+            </a:r>
+            <a:endParaRPr lang="en-GB" b="0" dirty="0">
+              <a:solidFill>
+                <a:srgbClr val="D4D4D4"/>
+              </a:solidFill>
+              <a:effectLst/>
+              <a:latin typeface="Consolas" panose="020B0609020204030204" pitchFamily="49" charset="0"/>
+            </a:endParaRPr>
+          </a:p>
+          <a:p>
+            <a:br>
+              <a:rPr lang="en-GB" b="0" dirty="0">
+                <a:solidFill>
+                  <a:srgbClr val="D4D4D4"/>
+                </a:solidFill>
+                <a:effectLst/>
+                <a:latin typeface="Consolas" panose="020B0609020204030204" pitchFamily="49" charset="0"/>
+              </a:rPr>
+            </a:br>
+            <a:r>
+              <a:rPr lang="en-GB" b="0" dirty="0">
+                <a:solidFill>
+                  <a:srgbClr val="D4D4D4"/>
+                </a:solidFill>
+                <a:effectLst/>
+                <a:latin typeface="Consolas" panose="020B0609020204030204" pitchFamily="49" charset="0"/>
+              </a:rPr>
+              <a:t>            </a:t>
+            </a:r>
+            <a:r>
+              <a:rPr lang="en-GB" b="0" dirty="0">
+                <a:solidFill>
+                  <a:srgbClr val="6A9955"/>
+                </a:solidFill>
+                <a:effectLst/>
+                <a:latin typeface="Consolas" panose="020B0609020204030204" pitchFamily="49" charset="0"/>
+              </a:rPr>
+              <a:t>-- now we just ignore Q, not reconfigure ADC to parallel mode</a:t>
+            </a:r>
+            <a:endParaRPr lang="en-GB" b="0" dirty="0">
+              <a:solidFill>
+                <a:srgbClr val="D4D4D4"/>
+              </a:solidFill>
+              <a:effectLst/>
+              <a:latin typeface="Consolas" panose="020B0609020204030204" pitchFamily="49" charset="0"/>
+            </a:endParaRPr>
+          </a:p>
+          <a:p>
+            <a:r>
+              <a:rPr lang="en-GB" b="0" dirty="0">
+                <a:solidFill>
+                  <a:srgbClr val="D4D4D4"/>
+                </a:solidFill>
+                <a:effectLst/>
+                <a:latin typeface="Consolas" panose="020B0609020204030204" pitchFamily="49" charset="0"/>
+              </a:rPr>
+              <a:t>        </a:t>
+            </a:r>
+            <a:r>
+              <a:rPr lang="en-GB" b="0" dirty="0">
+                <a:solidFill>
+                  <a:srgbClr val="569CD6"/>
+                </a:solidFill>
+                <a:effectLst/>
+                <a:latin typeface="Consolas" panose="020B0609020204030204" pitchFamily="49" charset="0"/>
+              </a:rPr>
+              <a:t>end if</a:t>
+            </a:r>
+            <a:r>
+              <a:rPr lang="en-GB" b="0" dirty="0">
+                <a:solidFill>
+                  <a:srgbClr val="D4D4D4"/>
+                </a:solidFill>
+                <a:effectLst/>
+                <a:latin typeface="Consolas" panose="020B0609020204030204" pitchFamily="49" charset="0"/>
+              </a:rPr>
+              <a:t>;</a:t>
+            </a:r>
+          </a:p>
+          <a:p>
+            <a:r>
+              <a:rPr lang="en-GB" b="0" dirty="0">
+                <a:solidFill>
+                  <a:srgbClr val="D4D4D4"/>
+                </a:solidFill>
+                <a:effectLst/>
+                <a:latin typeface="Consolas" panose="020B0609020204030204" pitchFamily="49" charset="0"/>
+              </a:rPr>
+              <a:t>    </a:t>
+            </a:r>
+            <a:r>
+              <a:rPr lang="en-GB" b="0" dirty="0">
+                <a:solidFill>
+                  <a:srgbClr val="569CD6"/>
+                </a:solidFill>
+                <a:effectLst/>
+                <a:latin typeface="Consolas" panose="020B0609020204030204" pitchFamily="49" charset="0"/>
+              </a:rPr>
+              <a:t>end</a:t>
+            </a:r>
+            <a:r>
+              <a:rPr lang="en-GB" b="0" dirty="0">
+                <a:solidFill>
+                  <a:srgbClr val="D4D4D4"/>
+                </a:solidFill>
+                <a:effectLst/>
+                <a:latin typeface="Consolas" panose="020B0609020204030204" pitchFamily="49" charset="0"/>
+              </a:rPr>
+              <a:t> </a:t>
+            </a:r>
+            <a:r>
+              <a:rPr lang="en-GB" b="0" dirty="0">
+                <a:solidFill>
+                  <a:srgbClr val="569CD6"/>
+                </a:solidFill>
+                <a:effectLst/>
+                <a:latin typeface="Consolas" panose="020B0609020204030204" pitchFamily="49" charset="0"/>
+              </a:rPr>
+              <a:t>process</a:t>
+            </a:r>
+            <a:r>
+              <a:rPr lang="en-GB" b="0" dirty="0">
+                <a:solidFill>
+                  <a:srgbClr val="D4D4D4"/>
+                </a:solidFill>
+                <a:effectLst/>
+                <a:latin typeface="Consolas" panose="020B0609020204030204" pitchFamily="49" charset="0"/>
+              </a:rPr>
+              <a:t>;</a:t>
+            </a:r>
+          </a:p>
+          <a:p>
+            <a:r>
+              <a:rPr lang="en-GB" b="0" dirty="0">
+                <a:solidFill>
+                  <a:srgbClr val="569CD6"/>
+                </a:solidFill>
+                <a:effectLst/>
+                <a:latin typeface="Consolas" panose="020B0609020204030204" pitchFamily="49" charset="0"/>
+              </a:rPr>
+              <a:t>end</a:t>
+            </a:r>
+            <a:r>
+              <a:rPr lang="en-GB" b="0" dirty="0">
+                <a:solidFill>
+                  <a:srgbClr val="D4D4D4"/>
+                </a:solidFill>
+                <a:effectLst/>
+                <a:latin typeface="Consolas" panose="020B0609020204030204" pitchFamily="49" charset="0"/>
+              </a:rPr>
+              <a:t> </a:t>
+            </a:r>
+            <a:r>
+              <a:rPr lang="en-GB" b="0" dirty="0">
+                <a:solidFill>
+                  <a:srgbClr val="569CD6"/>
+                </a:solidFill>
+                <a:effectLst/>
+                <a:latin typeface="Consolas" panose="020B0609020204030204" pitchFamily="49" charset="0"/>
+              </a:rPr>
+              <a:t>architecture</a:t>
+            </a:r>
+            <a:r>
+              <a:rPr lang="en-GB" b="0" dirty="0">
+                <a:solidFill>
+                  <a:srgbClr val="D4D4D4"/>
+                </a:solidFill>
+                <a:effectLst/>
+                <a:latin typeface="Consolas" panose="020B0609020204030204" pitchFamily="49" charset="0"/>
+              </a:rPr>
+              <a:t>;</a:t>
+            </a:r>
+          </a:p>
+        </p:txBody>
+      </p:sp>
+    </p:spTree>
+    <p:extLst>
+      <p:ext uri="{BB962C8B-B14F-4D97-AF65-F5344CB8AC3E}">
+        <p14:creationId xmlns:p14="http://schemas.microsoft.com/office/powerpoint/2010/main" val="1997559889"/>
+      </p:ext>
+    </p:extLst>
+  </p:cSld>
+  <p:clrMapOvr>
+    <a:masterClrMapping/>
+  </p:clrMapOvr>
+</p:sld>
+</file>
+
+<file path=ppt/slides/slide11.xml><?xml version="1.0" encoding="utf-8"?>
+<p:sld xmlns:a="http://schemas.openxmlformats.org/drawingml/2006/main" xmlns:r="http://schemas.openxmlformats.org/officeDocument/2006/relationships" xmlns:p="http://schemas.openxmlformats.org/presentationml/2006/main">
+  <p:cSld>
+    <p:bg>
+      <p:bgPr>
+        <a:solidFill>
+          <a:schemeClr val="tx1"/>
+        </a:solidFill>
+        <a:effectLst/>
+      </p:bgPr>
+    </p:bg>
+    <p:spTree>
+      <p:nvGrpSpPr>
+        <p:cNvPr id="1" name=""/>
+        <p:cNvGrpSpPr/>
+        <p:nvPr/>
+      </p:nvGrpSpPr>
+      <p:grpSpPr>
+        <a:xfrm>
+          <a:off x="0" y="0"/>
+          <a:ext cx="0" cy="0"/>
+          <a:chOff x="0" y="0"/>
+          <a:chExt cx="0" cy="0"/>
+        </a:xfrm>
+      </p:grpSpPr>
+      <p:sp>
+        <p:nvSpPr>
+          <p:cNvPr id="7" name="TextBox 6">
+            <a:extLst>
+              <a:ext uri="{FF2B5EF4-FFF2-40B4-BE49-F238E27FC236}">
+                <a16:creationId xmlns:a16="http://schemas.microsoft.com/office/drawing/2014/main" id="{C09E9367-21F0-CD67-9921-E0F25EBCF266}"/>
+              </a:ext>
+            </a:extLst>
+          </p:cNvPr>
+          <p:cNvSpPr txBox="1"/>
+          <p:nvPr/>
+        </p:nvSpPr>
+        <p:spPr>
+          <a:xfrm>
+            <a:off x="267462" y="244870"/>
+            <a:ext cx="5941314" cy="6740307"/>
+          </a:xfrm>
+          <a:prstGeom prst="rect">
+            <a:avLst/>
+          </a:prstGeom>
+          <a:noFill/>
+        </p:spPr>
+        <p:txBody>
+          <a:bodyPr wrap="square">
+            <a:spAutoFit/>
+          </a:bodyPr>
+          <a:lstStyle/>
+          <a:p>
+            <a:r>
+              <a:rPr lang="en-GB" sz="800" b="0" dirty="0">
+                <a:solidFill>
+                  <a:srgbClr val="569CD6"/>
+                </a:solidFill>
+                <a:effectLst/>
+                <a:latin typeface="Consolas" panose="020B0609020204030204" pitchFamily="49" charset="0"/>
+              </a:rPr>
+              <a:t>begin</a:t>
+            </a:r>
+            <a:endParaRPr lang="en-GB" sz="800" b="0" dirty="0">
+              <a:solidFill>
+                <a:srgbClr val="D4D4D4"/>
+              </a:solidFill>
+              <a:effectLst/>
+              <a:latin typeface="Consolas" panose="020B0609020204030204" pitchFamily="49" charset="0"/>
+            </a:endParaRPr>
+          </a:p>
+          <a:p>
+            <a:r>
+              <a:rPr lang="en-GB" sz="800" b="0" dirty="0">
+                <a:solidFill>
+                  <a:srgbClr val="D4D4D4"/>
+                </a:solidFill>
+                <a:effectLst/>
+                <a:latin typeface="Consolas" panose="020B0609020204030204" pitchFamily="49" charset="0"/>
+              </a:rPr>
+              <a:t>    </a:t>
+            </a:r>
+            <a:r>
+              <a:rPr lang="en-GB" sz="800" b="0" dirty="0" err="1">
+                <a:solidFill>
+                  <a:srgbClr val="D4D4D4"/>
+                </a:solidFill>
+                <a:effectLst/>
+                <a:latin typeface="Consolas" panose="020B0609020204030204" pitchFamily="49" charset="0"/>
+              </a:rPr>
+              <a:t>Clk_ADC</a:t>
+            </a:r>
+            <a:r>
+              <a:rPr lang="en-GB" sz="800" b="0" dirty="0">
+                <a:solidFill>
+                  <a:srgbClr val="D4D4D4"/>
+                </a:solidFill>
+                <a:effectLst/>
+                <a:latin typeface="Consolas" panose="020B0609020204030204" pitchFamily="49" charset="0"/>
+              </a:rPr>
+              <a:t> &lt;= </a:t>
+            </a:r>
+            <a:r>
+              <a:rPr lang="en-GB" sz="800" b="0" dirty="0" err="1">
+                <a:solidFill>
+                  <a:srgbClr val="D4D4D4"/>
+                </a:solidFill>
+                <a:effectLst/>
+                <a:latin typeface="Consolas" panose="020B0609020204030204" pitchFamily="49" charset="0"/>
+              </a:rPr>
+              <a:t>Clk_ADC_r</a:t>
+            </a:r>
+            <a:r>
+              <a:rPr lang="en-GB" sz="800" b="0" dirty="0">
+                <a:solidFill>
+                  <a:srgbClr val="D4D4D4"/>
+                </a:solidFill>
+                <a:effectLst/>
+                <a:latin typeface="Consolas" panose="020B0609020204030204" pitchFamily="49" charset="0"/>
+              </a:rPr>
+              <a:t>;</a:t>
+            </a:r>
+          </a:p>
+          <a:p>
+            <a:r>
+              <a:rPr lang="en-GB" sz="800" b="0" dirty="0">
+                <a:solidFill>
+                  <a:srgbClr val="D4D4D4"/>
+                </a:solidFill>
+                <a:effectLst/>
+                <a:latin typeface="Consolas" panose="020B0609020204030204" pitchFamily="49" charset="0"/>
+              </a:rPr>
+              <a:t>    </a:t>
+            </a:r>
+            <a:r>
+              <a:rPr lang="en-GB" sz="800" b="0" dirty="0" err="1">
+                <a:solidFill>
+                  <a:srgbClr val="D4D4D4"/>
+                </a:solidFill>
+                <a:effectLst/>
+                <a:latin typeface="Consolas" panose="020B0609020204030204" pitchFamily="49" charset="0"/>
+              </a:rPr>
+              <a:t>Clk_DataFlow</a:t>
+            </a:r>
+            <a:r>
+              <a:rPr lang="en-GB" sz="800" b="0" dirty="0">
+                <a:solidFill>
+                  <a:srgbClr val="D4D4D4"/>
+                </a:solidFill>
+                <a:effectLst/>
+                <a:latin typeface="Consolas" panose="020B0609020204030204" pitchFamily="49" charset="0"/>
+              </a:rPr>
+              <a:t> &lt;= </a:t>
+            </a:r>
+            <a:r>
+              <a:rPr lang="en-GB" sz="800" b="0" dirty="0" err="1">
+                <a:solidFill>
+                  <a:srgbClr val="D4D4D4"/>
+                </a:solidFill>
+                <a:effectLst/>
+                <a:latin typeface="Consolas" panose="020B0609020204030204" pitchFamily="49" charset="0"/>
+              </a:rPr>
+              <a:t>Clk_Dataflow_r</a:t>
+            </a:r>
+            <a:r>
+              <a:rPr lang="en-GB" sz="800" b="0" dirty="0">
+                <a:solidFill>
+                  <a:srgbClr val="D4D4D4"/>
+                </a:solidFill>
+                <a:effectLst/>
+                <a:latin typeface="Consolas" panose="020B0609020204030204" pitchFamily="49" charset="0"/>
+              </a:rPr>
+              <a:t>;</a:t>
+            </a:r>
+          </a:p>
+          <a:p>
+            <a:r>
+              <a:rPr lang="en-GB" sz="800" b="0" dirty="0">
+                <a:solidFill>
+                  <a:srgbClr val="D4D4D4"/>
+                </a:solidFill>
+                <a:effectLst/>
+                <a:latin typeface="Consolas" panose="020B0609020204030204" pitchFamily="49" charset="0"/>
+              </a:rPr>
+              <a:t>    </a:t>
+            </a:r>
+          </a:p>
+          <a:p>
+            <a:r>
+              <a:rPr lang="en-GB" sz="800" b="0" dirty="0">
+                <a:solidFill>
+                  <a:srgbClr val="D4D4D4"/>
+                </a:solidFill>
+                <a:effectLst/>
+                <a:latin typeface="Consolas" panose="020B0609020204030204" pitchFamily="49" charset="0"/>
+              </a:rPr>
+              <a:t>    </a:t>
+            </a:r>
+            <a:r>
+              <a:rPr lang="en-GB" sz="800" b="0" dirty="0" err="1">
+                <a:solidFill>
+                  <a:srgbClr val="D4D4D4"/>
+                </a:solidFill>
+                <a:effectLst/>
+                <a:latin typeface="Consolas" panose="020B0609020204030204" pitchFamily="49" charset="0"/>
+              </a:rPr>
+              <a:t>Clk_ADC_r</a:t>
+            </a:r>
+            <a:r>
+              <a:rPr lang="en-GB" sz="800" b="0" dirty="0">
+                <a:solidFill>
+                  <a:srgbClr val="D4D4D4"/>
+                </a:solidFill>
+                <a:effectLst/>
+                <a:latin typeface="Consolas" panose="020B0609020204030204" pitchFamily="49" charset="0"/>
+              </a:rPr>
+              <a:t> &lt;= </a:t>
+            </a:r>
+            <a:r>
+              <a:rPr lang="en-GB" sz="800" b="0" dirty="0">
+                <a:solidFill>
+                  <a:srgbClr val="569CD6"/>
+                </a:solidFill>
+                <a:effectLst/>
+                <a:latin typeface="Consolas" panose="020B0609020204030204" pitchFamily="49" charset="0"/>
+              </a:rPr>
+              <a:t>not</a:t>
+            </a:r>
+            <a:r>
+              <a:rPr lang="en-GB" sz="800" b="0" dirty="0">
+                <a:solidFill>
+                  <a:srgbClr val="D4D4D4"/>
+                </a:solidFill>
+                <a:effectLst/>
+                <a:latin typeface="Consolas" panose="020B0609020204030204" pitchFamily="49" charset="0"/>
+              </a:rPr>
+              <a:t> </a:t>
+            </a:r>
+            <a:r>
+              <a:rPr lang="en-GB" sz="800" b="0" dirty="0" err="1">
+                <a:solidFill>
+                  <a:srgbClr val="D4D4D4"/>
+                </a:solidFill>
+                <a:effectLst/>
+                <a:latin typeface="Consolas" panose="020B0609020204030204" pitchFamily="49" charset="0"/>
+              </a:rPr>
+              <a:t>Clk_ADC_r</a:t>
+            </a:r>
+            <a:r>
+              <a:rPr lang="en-GB" sz="800" b="0" dirty="0">
+                <a:solidFill>
+                  <a:srgbClr val="D4D4D4"/>
+                </a:solidFill>
+                <a:effectLst/>
+                <a:latin typeface="Consolas" panose="020B0609020204030204" pitchFamily="49" charset="0"/>
+              </a:rPr>
+              <a:t> </a:t>
+            </a:r>
+            <a:r>
+              <a:rPr lang="en-GB" sz="800" b="0" dirty="0">
+                <a:solidFill>
+                  <a:srgbClr val="569CD6"/>
+                </a:solidFill>
+                <a:effectLst/>
+                <a:latin typeface="Consolas" panose="020B0609020204030204" pitchFamily="49" charset="0"/>
+              </a:rPr>
+              <a:t>after</a:t>
+            </a:r>
+            <a:r>
+              <a:rPr lang="en-GB" sz="800" b="0" dirty="0">
+                <a:solidFill>
+                  <a:srgbClr val="D4D4D4"/>
+                </a:solidFill>
+                <a:effectLst/>
+                <a:latin typeface="Consolas" panose="020B0609020204030204" pitchFamily="49" charset="0"/>
+              </a:rPr>
+              <a:t> </a:t>
+            </a:r>
+            <a:r>
+              <a:rPr lang="en-GB" sz="800" b="0" dirty="0">
+                <a:solidFill>
+                  <a:srgbClr val="B5CEA8"/>
+                </a:solidFill>
+                <a:effectLst/>
+                <a:latin typeface="Consolas" panose="020B0609020204030204" pitchFamily="49" charset="0"/>
+              </a:rPr>
+              <a:t>20</a:t>
+            </a:r>
+            <a:r>
+              <a:rPr lang="en-GB" sz="800" b="0" dirty="0">
+                <a:solidFill>
+                  <a:srgbClr val="D4D4D4"/>
+                </a:solidFill>
+                <a:effectLst/>
+                <a:latin typeface="Consolas" panose="020B0609020204030204" pitchFamily="49" charset="0"/>
+              </a:rPr>
+              <a:t> ns;</a:t>
+            </a:r>
+          </a:p>
+          <a:p>
+            <a:r>
+              <a:rPr lang="en-GB" sz="800" b="0" dirty="0">
+                <a:solidFill>
+                  <a:srgbClr val="D4D4D4"/>
+                </a:solidFill>
+                <a:effectLst/>
+                <a:latin typeface="Consolas" panose="020B0609020204030204" pitchFamily="49" charset="0"/>
+              </a:rPr>
+              <a:t>    </a:t>
+            </a:r>
+            <a:r>
+              <a:rPr lang="en-GB" sz="800" b="0" dirty="0" err="1">
+                <a:solidFill>
+                  <a:srgbClr val="D4D4D4"/>
+                </a:solidFill>
+                <a:effectLst/>
+                <a:latin typeface="Consolas" panose="020B0609020204030204" pitchFamily="49" charset="0"/>
+              </a:rPr>
+              <a:t>Clk_Dataflow_r</a:t>
+            </a:r>
+            <a:r>
+              <a:rPr lang="en-GB" sz="800" b="0" dirty="0">
+                <a:solidFill>
+                  <a:srgbClr val="D4D4D4"/>
+                </a:solidFill>
+                <a:effectLst/>
+                <a:latin typeface="Consolas" panose="020B0609020204030204" pitchFamily="49" charset="0"/>
+              </a:rPr>
+              <a:t> &lt;= </a:t>
+            </a:r>
+            <a:r>
+              <a:rPr lang="en-GB" sz="800" b="0" dirty="0">
+                <a:solidFill>
+                  <a:srgbClr val="569CD6"/>
+                </a:solidFill>
+                <a:effectLst/>
+                <a:latin typeface="Consolas" panose="020B0609020204030204" pitchFamily="49" charset="0"/>
+              </a:rPr>
+              <a:t>not</a:t>
+            </a:r>
+            <a:r>
+              <a:rPr lang="en-GB" sz="800" b="0" dirty="0">
+                <a:solidFill>
+                  <a:srgbClr val="D4D4D4"/>
+                </a:solidFill>
+                <a:effectLst/>
+                <a:latin typeface="Consolas" panose="020B0609020204030204" pitchFamily="49" charset="0"/>
+              </a:rPr>
+              <a:t> </a:t>
+            </a:r>
+            <a:r>
+              <a:rPr lang="en-GB" sz="800" b="0" dirty="0" err="1">
+                <a:solidFill>
+                  <a:srgbClr val="D4D4D4"/>
+                </a:solidFill>
+                <a:effectLst/>
+                <a:latin typeface="Consolas" panose="020B0609020204030204" pitchFamily="49" charset="0"/>
+              </a:rPr>
+              <a:t>Clk_Dataflow_r</a:t>
+            </a:r>
+            <a:r>
+              <a:rPr lang="en-GB" sz="800" b="0" dirty="0">
+                <a:solidFill>
+                  <a:srgbClr val="D4D4D4"/>
+                </a:solidFill>
+                <a:effectLst/>
+                <a:latin typeface="Consolas" panose="020B0609020204030204" pitchFamily="49" charset="0"/>
+              </a:rPr>
+              <a:t> </a:t>
+            </a:r>
+            <a:r>
+              <a:rPr lang="en-GB" sz="800" b="0" dirty="0">
+                <a:solidFill>
+                  <a:srgbClr val="569CD6"/>
+                </a:solidFill>
+                <a:effectLst/>
+                <a:latin typeface="Consolas" panose="020B0609020204030204" pitchFamily="49" charset="0"/>
+              </a:rPr>
+              <a:t>after</a:t>
+            </a:r>
+            <a:r>
+              <a:rPr lang="en-GB" sz="800" b="0" dirty="0">
+                <a:solidFill>
+                  <a:srgbClr val="D4D4D4"/>
+                </a:solidFill>
+                <a:effectLst/>
+                <a:latin typeface="Consolas" panose="020B0609020204030204" pitchFamily="49" charset="0"/>
+              </a:rPr>
+              <a:t> </a:t>
+            </a:r>
+            <a:r>
+              <a:rPr lang="en-GB" sz="800" b="0" dirty="0">
+                <a:solidFill>
+                  <a:srgbClr val="B5CEA8"/>
+                </a:solidFill>
+                <a:effectLst/>
+                <a:latin typeface="Consolas" panose="020B0609020204030204" pitchFamily="49" charset="0"/>
+              </a:rPr>
+              <a:t>10</a:t>
+            </a:r>
+            <a:r>
+              <a:rPr lang="en-GB" sz="800" b="0" dirty="0">
+                <a:solidFill>
+                  <a:srgbClr val="D4D4D4"/>
+                </a:solidFill>
+                <a:effectLst/>
+                <a:latin typeface="Consolas" panose="020B0609020204030204" pitchFamily="49" charset="0"/>
+              </a:rPr>
+              <a:t> ns;</a:t>
+            </a:r>
+          </a:p>
+          <a:p>
+            <a:br>
+              <a:rPr lang="en-GB" sz="800" b="0" dirty="0">
+                <a:solidFill>
+                  <a:srgbClr val="D4D4D4"/>
+                </a:solidFill>
+                <a:effectLst/>
+                <a:latin typeface="Consolas" panose="020B0609020204030204" pitchFamily="49" charset="0"/>
+              </a:rPr>
+            </a:br>
+            <a:r>
+              <a:rPr lang="en-GB" sz="800" b="0" dirty="0">
+                <a:solidFill>
+                  <a:srgbClr val="D4D4D4"/>
+                </a:solidFill>
+                <a:effectLst/>
+                <a:latin typeface="Consolas" panose="020B0609020204030204" pitchFamily="49" charset="0"/>
+              </a:rPr>
+              <a:t>    </a:t>
+            </a:r>
+            <a:r>
+              <a:rPr lang="en-GB" sz="800" b="0" dirty="0" err="1">
+                <a:solidFill>
+                  <a:srgbClr val="569CD6"/>
+                </a:solidFill>
+                <a:effectLst/>
+                <a:latin typeface="Consolas" panose="020B0609020204030204" pitchFamily="49" charset="0"/>
+              </a:rPr>
+              <a:t>tester_process</a:t>
+            </a:r>
+            <a:r>
+              <a:rPr lang="en-GB" sz="800" b="0" dirty="0">
+                <a:solidFill>
+                  <a:srgbClr val="D4D4D4"/>
+                </a:solidFill>
+                <a:effectLst/>
+                <a:latin typeface="Consolas" panose="020B0609020204030204" pitchFamily="49" charset="0"/>
+              </a:rPr>
+              <a:t>: </a:t>
+            </a:r>
+            <a:r>
+              <a:rPr lang="en-GB" sz="800" b="0" dirty="0">
+                <a:solidFill>
+                  <a:srgbClr val="569CD6"/>
+                </a:solidFill>
+                <a:effectLst/>
+                <a:latin typeface="Consolas" panose="020B0609020204030204" pitchFamily="49" charset="0"/>
+              </a:rPr>
+              <a:t>process</a:t>
+            </a:r>
+            <a:endParaRPr lang="en-GB" sz="800" b="0" dirty="0">
+              <a:solidFill>
+                <a:srgbClr val="D4D4D4"/>
+              </a:solidFill>
+              <a:effectLst/>
+              <a:latin typeface="Consolas" panose="020B0609020204030204" pitchFamily="49" charset="0"/>
+            </a:endParaRPr>
+          </a:p>
+          <a:p>
+            <a:r>
+              <a:rPr lang="en-GB" sz="800" b="0" dirty="0">
+                <a:solidFill>
+                  <a:srgbClr val="D4D4D4"/>
+                </a:solidFill>
+                <a:effectLst/>
+                <a:latin typeface="Consolas" panose="020B0609020204030204" pitchFamily="49" charset="0"/>
+              </a:rPr>
+              <a:t>    </a:t>
+            </a:r>
+            <a:r>
+              <a:rPr lang="en-GB" sz="800" b="0" dirty="0">
+                <a:solidFill>
+                  <a:srgbClr val="569CD6"/>
+                </a:solidFill>
+                <a:effectLst/>
+                <a:latin typeface="Consolas" panose="020B0609020204030204" pitchFamily="49" charset="0"/>
+              </a:rPr>
+              <a:t>begin</a:t>
+            </a:r>
+            <a:endParaRPr lang="en-GB" sz="800" b="0" dirty="0">
+              <a:solidFill>
+                <a:srgbClr val="D4D4D4"/>
+              </a:solidFill>
+              <a:effectLst/>
+              <a:latin typeface="Consolas" panose="020B0609020204030204" pitchFamily="49" charset="0"/>
+            </a:endParaRPr>
+          </a:p>
+          <a:p>
+            <a:r>
+              <a:rPr lang="en-GB" sz="800" b="0" dirty="0">
+                <a:solidFill>
+                  <a:srgbClr val="D4D4D4"/>
+                </a:solidFill>
+                <a:effectLst/>
+                <a:latin typeface="Consolas" panose="020B0609020204030204" pitchFamily="49" charset="0"/>
+              </a:rPr>
+              <a:t>        </a:t>
+            </a:r>
+            <a:r>
+              <a:rPr lang="en-GB" sz="800" b="0" dirty="0" err="1">
+                <a:solidFill>
+                  <a:srgbClr val="D4D4D4"/>
+                </a:solidFill>
+                <a:effectLst/>
+                <a:latin typeface="Consolas" panose="020B0609020204030204" pitchFamily="49" charset="0"/>
+              </a:rPr>
+              <a:t>ADC_SigIn</a:t>
+            </a:r>
+            <a:r>
+              <a:rPr lang="en-GB" sz="800" b="0" dirty="0">
+                <a:solidFill>
+                  <a:srgbClr val="D4D4D4"/>
+                </a:solidFill>
+                <a:effectLst/>
+                <a:latin typeface="Consolas" panose="020B0609020204030204" pitchFamily="49" charset="0"/>
+              </a:rPr>
+              <a:t> &lt;= </a:t>
+            </a:r>
+            <a:r>
+              <a:rPr lang="en-GB" sz="800" b="0" dirty="0">
+                <a:solidFill>
+                  <a:srgbClr val="CE9178"/>
+                </a:solidFill>
+                <a:effectLst/>
+                <a:latin typeface="Consolas" panose="020B0609020204030204" pitchFamily="49" charset="0"/>
+              </a:rPr>
+              <a:t>"0000000000"</a:t>
+            </a:r>
+            <a:r>
+              <a:rPr lang="en-GB" sz="800" b="0" dirty="0">
+                <a:solidFill>
+                  <a:srgbClr val="D4D4D4"/>
+                </a:solidFill>
+                <a:effectLst/>
+                <a:latin typeface="Consolas" panose="020B0609020204030204" pitchFamily="49" charset="0"/>
+              </a:rPr>
+              <a:t>;</a:t>
+            </a:r>
+          </a:p>
+          <a:p>
+            <a:r>
+              <a:rPr lang="en-GB" sz="800" b="0" dirty="0">
+                <a:solidFill>
+                  <a:srgbClr val="D4D4D4"/>
+                </a:solidFill>
+                <a:effectLst/>
+                <a:latin typeface="Consolas" panose="020B0609020204030204" pitchFamily="49" charset="0"/>
+              </a:rPr>
+              <a:t>        </a:t>
+            </a:r>
+            <a:r>
+              <a:rPr lang="en-GB" sz="800" b="0" dirty="0" err="1">
+                <a:solidFill>
+                  <a:srgbClr val="D4D4D4"/>
+                </a:solidFill>
+                <a:effectLst/>
+                <a:latin typeface="Consolas" panose="020B0609020204030204" pitchFamily="49" charset="0"/>
+              </a:rPr>
+              <a:t>ReceiveDataMode</a:t>
+            </a:r>
+            <a:r>
+              <a:rPr lang="en-GB" sz="800" b="0" dirty="0">
+                <a:solidFill>
+                  <a:srgbClr val="D4D4D4"/>
+                </a:solidFill>
+                <a:effectLst/>
+                <a:latin typeface="Consolas" panose="020B0609020204030204" pitchFamily="49" charset="0"/>
+              </a:rPr>
+              <a:t> &lt;= </a:t>
+            </a:r>
+            <a:r>
+              <a:rPr lang="en-GB" sz="800" b="0" dirty="0">
+                <a:solidFill>
+                  <a:srgbClr val="CE9178"/>
+                </a:solidFill>
+                <a:effectLst/>
+                <a:latin typeface="Consolas" panose="020B0609020204030204" pitchFamily="49" charset="0"/>
+              </a:rPr>
+              <a:t>'1'</a:t>
+            </a:r>
+            <a:r>
+              <a:rPr lang="en-GB" sz="800" b="0" dirty="0">
+                <a:solidFill>
+                  <a:srgbClr val="D4D4D4"/>
+                </a:solidFill>
+                <a:effectLst/>
+                <a:latin typeface="Consolas" panose="020B0609020204030204" pitchFamily="49" charset="0"/>
+              </a:rPr>
+              <a:t>;</a:t>
+            </a:r>
+          </a:p>
+          <a:p>
+            <a:r>
+              <a:rPr lang="en-GB" sz="800" b="0" dirty="0">
+                <a:solidFill>
+                  <a:srgbClr val="D4D4D4"/>
+                </a:solidFill>
+                <a:effectLst/>
+                <a:latin typeface="Consolas" panose="020B0609020204030204" pitchFamily="49" charset="0"/>
+              </a:rPr>
+              <a:t>        </a:t>
+            </a:r>
+            <a:r>
+              <a:rPr lang="en-GB" sz="800" b="0" dirty="0" err="1">
+                <a:solidFill>
+                  <a:srgbClr val="D4D4D4"/>
+                </a:solidFill>
+                <a:effectLst/>
+                <a:latin typeface="Consolas" panose="020B0609020204030204" pitchFamily="49" charset="0"/>
+              </a:rPr>
+              <a:t>nRst</a:t>
+            </a:r>
+            <a:r>
+              <a:rPr lang="en-GB" sz="800" b="0" dirty="0">
+                <a:solidFill>
+                  <a:srgbClr val="D4D4D4"/>
+                </a:solidFill>
+                <a:effectLst/>
+                <a:latin typeface="Consolas" panose="020B0609020204030204" pitchFamily="49" charset="0"/>
+              </a:rPr>
+              <a:t> &lt;= </a:t>
+            </a:r>
+            <a:r>
+              <a:rPr lang="en-GB" sz="800" b="0" dirty="0">
+                <a:solidFill>
+                  <a:srgbClr val="CE9178"/>
+                </a:solidFill>
+                <a:effectLst/>
+                <a:latin typeface="Consolas" panose="020B0609020204030204" pitchFamily="49" charset="0"/>
+              </a:rPr>
+              <a:t>'0'</a:t>
+            </a:r>
+            <a:r>
+              <a:rPr lang="en-GB" sz="800" b="0" dirty="0">
+                <a:solidFill>
+                  <a:srgbClr val="D4D4D4"/>
+                </a:solidFill>
+                <a:effectLst/>
+                <a:latin typeface="Consolas" panose="020B0609020204030204" pitchFamily="49" charset="0"/>
+              </a:rPr>
+              <a:t>;</a:t>
+            </a:r>
+          </a:p>
+          <a:p>
+            <a:br>
+              <a:rPr lang="en-GB" sz="800" b="0" dirty="0">
+                <a:solidFill>
+                  <a:srgbClr val="D4D4D4"/>
+                </a:solidFill>
+                <a:effectLst/>
+                <a:latin typeface="Consolas" panose="020B0609020204030204" pitchFamily="49" charset="0"/>
+              </a:rPr>
+            </a:br>
+            <a:r>
+              <a:rPr lang="en-GB" sz="800" b="0" dirty="0">
+                <a:solidFill>
+                  <a:srgbClr val="D4D4D4"/>
+                </a:solidFill>
+                <a:effectLst/>
+                <a:latin typeface="Consolas" panose="020B0609020204030204" pitchFamily="49" charset="0"/>
+              </a:rPr>
+              <a:t>        </a:t>
+            </a:r>
+            <a:r>
+              <a:rPr lang="en-GB" sz="800" b="0" dirty="0" err="1">
+                <a:solidFill>
+                  <a:srgbClr val="D4D4D4"/>
+                </a:solidFill>
+                <a:effectLst/>
+                <a:latin typeface="Consolas" panose="020B0609020204030204" pitchFamily="49" charset="0"/>
+              </a:rPr>
+              <a:t>skiptime_Dataflow</a:t>
+            </a:r>
+            <a:r>
+              <a:rPr lang="en-GB" sz="800" b="0" dirty="0">
+                <a:solidFill>
+                  <a:srgbClr val="D4D4D4"/>
+                </a:solidFill>
+                <a:effectLst/>
+                <a:latin typeface="Consolas" panose="020B0609020204030204" pitchFamily="49" charset="0"/>
+              </a:rPr>
+              <a:t>(</a:t>
+            </a:r>
+            <a:r>
+              <a:rPr lang="en-GB" sz="800" b="0" dirty="0">
+                <a:solidFill>
+                  <a:srgbClr val="B5CEA8"/>
+                </a:solidFill>
+                <a:effectLst/>
+                <a:latin typeface="Consolas" panose="020B0609020204030204" pitchFamily="49" charset="0"/>
+              </a:rPr>
+              <a:t>1</a:t>
+            </a:r>
+            <a:r>
+              <a:rPr lang="en-GB" sz="800" b="0" dirty="0">
+                <a:solidFill>
+                  <a:srgbClr val="D4D4D4"/>
+                </a:solidFill>
+                <a:effectLst/>
+                <a:latin typeface="Consolas" panose="020B0609020204030204" pitchFamily="49" charset="0"/>
+              </a:rPr>
+              <a:t>);</a:t>
+            </a:r>
+          </a:p>
+          <a:p>
+            <a:br>
+              <a:rPr lang="en-GB" sz="800" b="0" dirty="0">
+                <a:solidFill>
+                  <a:srgbClr val="D4D4D4"/>
+                </a:solidFill>
+                <a:effectLst/>
+                <a:latin typeface="Consolas" panose="020B0609020204030204" pitchFamily="49" charset="0"/>
+              </a:rPr>
+            </a:br>
+            <a:r>
+              <a:rPr lang="en-GB" sz="800" b="0" dirty="0">
+                <a:solidFill>
+                  <a:srgbClr val="D4D4D4"/>
+                </a:solidFill>
+                <a:effectLst/>
+                <a:latin typeface="Consolas" panose="020B0609020204030204" pitchFamily="49" charset="0"/>
+              </a:rPr>
+              <a:t>        </a:t>
+            </a:r>
+            <a:r>
+              <a:rPr lang="en-GB" sz="800" b="0" dirty="0" err="1">
+                <a:solidFill>
+                  <a:srgbClr val="D4D4D4"/>
+                </a:solidFill>
+                <a:effectLst/>
+                <a:latin typeface="Consolas" panose="020B0609020204030204" pitchFamily="49" charset="0"/>
+              </a:rPr>
+              <a:t>nRst</a:t>
+            </a:r>
+            <a:r>
+              <a:rPr lang="en-GB" sz="800" b="0" dirty="0">
+                <a:solidFill>
+                  <a:srgbClr val="D4D4D4"/>
+                </a:solidFill>
+                <a:effectLst/>
+                <a:latin typeface="Consolas" panose="020B0609020204030204" pitchFamily="49" charset="0"/>
+              </a:rPr>
+              <a:t> &lt;= </a:t>
+            </a:r>
+            <a:r>
+              <a:rPr lang="en-GB" sz="800" b="0" dirty="0">
+                <a:solidFill>
+                  <a:srgbClr val="CE9178"/>
+                </a:solidFill>
+                <a:effectLst/>
+                <a:latin typeface="Consolas" panose="020B0609020204030204" pitchFamily="49" charset="0"/>
+              </a:rPr>
+              <a:t>'1'</a:t>
+            </a:r>
+            <a:r>
+              <a:rPr lang="en-GB" sz="800" b="0" dirty="0">
+                <a:solidFill>
+                  <a:srgbClr val="D4D4D4"/>
+                </a:solidFill>
+                <a:effectLst/>
+                <a:latin typeface="Consolas" panose="020B0609020204030204" pitchFamily="49" charset="0"/>
+              </a:rPr>
+              <a:t>;</a:t>
+            </a:r>
+          </a:p>
+          <a:p>
+            <a:r>
+              <a:rPr lang="en-GB" sz="800" b="0" dirty="0">
+                <a:solidFill>
+                  <a:srgbClr val="D4D4D4"/>
+                </a:solidFill>
+                <a:effectLst/>
+                <a:latin typeface="Consolas" panose="020B0609020204030204" pitchFamily="49" charset="0"/>
+              </a:rPr>
+              <a:t>        </a:t>
+            </a:r>
+          </a:p>
+          <a:p>
+            <a:r>
+              <a:rPr lang="en-GB" sz="800" b="0" dirty="0">
+                <a:solidFill>
+                  <a:srgbClr val="D4D4D4"/>
+                </a:solidFill>
+                <a:effectLst/>
+                <a:latin typeface="Consolas" panose="020B0609020204030204" pitchFamily="49" charset="0"/>
+              </a:rPr>
+              <a:t>        </a:t>
+            </a:r>
+            <a:r>
+              <a:rPr lang="en-GB" sz="800" b="0" dirty="0">
+                <a:solidFill>
+                  <a:srgbClr val="569CD6"/>
+                </a:solidFill>
+                <a:effectLst/>
+                <a:latin typeface="Consolas" panose="020B0609020204030204" pitchFamily="49" charset="0"/>
+              </a:rPr>
+              <a:t>for</a:t>
+            </a:r>
+            <a:r>
+              <a:rPr lang="en-GB" sz="800" b="0" dirty="0">
+                <a:solidFill>
+                  <a:srgbClr val="D4D4D4"/>
+                </a:solidFill>
+                <a:effectLst/>
+                <a:latin typeface="Consolas" panose="020B0609020204030204" pitchFamily="49" charset="0"/>
+              </a:rPr>
+              <a:t> k </a:t>
+            </a:r>
+            <a:r>
+              <a:rPr lang="en-GB" sz="800" b="0" dirty="0">
+                <a:solidFill>
+                  <a:srgbClr val="569CD6"/>
+                </a:solidFill>
+                <a:effectLst/>
+                <a:latin typeface="Consolas" panose="020B0609020204030204" pitchFamily="49" charset="0"/>
+              </a:rPr>
+              <a:t>in</a:t>
+            </a:r>
+            <a:r>
+              <a:rPr lang="en-GB" sz="800" b="0" dirty="0">
+                <a:solidFill>
+                  <a:srgbClr val="D4D4D4"/>
+                </a:solidFill>
+                <a:effectLst/>
+                <a:latin typeface="Consolas" panose="020B0609020204030204" pitchFamily="49" charset="0"/>
+              </a:rPr>
+              <a:t> </a:t>
+            </a:r>
+            <a:r>
+              <a:rPr lang="en-GB" sz="800" b="0" dirty="0">
+                <a:solidFill>
+                  <a:srgbClr val="B5CEA8"/>
+                </a:solidFill>
+                <a:effectLst/>
+                <a:latin typeface="Consolas" panose="020B0609020204030204" pitchFamily="49" charset="0"/>
+              </a:rPr>
+              <a:t>1023</a:t>
+            </a:r>
+            <a:r>
+              <a:rPr lang="en-GB" sz="800" b="0" dirty="0">
+                <a:solidFill>
+                  <a:srgbClr val="D4D4D4"/>
+                </a:solidFill>
+                <a:effectLst/>
+                <a:latin typeface="Consolas" panose="020B0609020204030204" pitchFamily="49" charset="0"/>
+              </a:rPr>
+              <a:t> </a:t>
+            </a:r>
+            <a:r>
+              <a:rPr lang="en-GB" sz="800" b="0" dirty="0" err="1">
+                <a:solidFill>
+                  <a:srgbClr val="569CD6"/>
+                </a:solidFill>
+                <a:effectLst/>
+                <a:latin typeface="Consolas" panose="020B0609020204030204" pitchFamily="49" charset="0"/>
+              </a:rPr>
+              <a:t>downto</a:t>
+            </a:r>
+            <a:r>
+              <a:rPr lang="en-GB" sz="800" b="0" dirty="0">
+                <a:solidFill>
+                  <a:srgbClr val="D4D4D4"/>
+                </a:solidFill>
+                <a:effectLst/>
+                <a:latin typeface="Consolas" panose="020B0609020204030204" pitchFamily="49" charset="0"/>
+              </a:rPr>
+              <a:t> </a:t>
+            </a:r>
+            <a:r>
+              <a:rPr lang="en-GB" sz="800" b="0" dirty="0">
+                <a:solidFill>
+                  <a:srgbClr val="B5CEA8"/>
+                </a:solidFill>
+                <a:effectLst/>
+                <a:latin typeface="Consolas" panose="020B0609020204030204" pitchFamily="49" charset="0"/>
+              </a:rPr>
+              <a:t>1023-6</a:t>
+            </a:r>
+            <a:r>
+              <a:rPr lang="en-GB" sz="800" b="0" dirty="0">
+                <a:solidFill>
+                  <a:srgbClr val="D4D4D4"/>
+                </a:solidFill>
+                <a:effectLst/>
+                <a:latin typeface="Consolas" panose="020B0609020204030204" pitchFamily="49" charset="0"/>
+              </a:rPr>
+              <a:t> </a:t>
+            </a:r>
+            <a:r>
+              <a:rPr lang="en-GB" sz="800" b="0" dirty="0">
+                <a:solidFill>
+                  <a:srgbClr val="569CD6"/>
+                </a:solidFill>
+                <a:effectLst/>
+                <a:latin typeface="Consolas" panose="020B0609020204030204" pitchFamily="49" charset="0"/>
+              </a:rPr>
+              <a:t>loop</a:t>
+            </a:r>
+            <a:endParaRPr lang="en-GB" sz="800" b="0" dirty="0">
+              <a:solidFill>
+                <a:srgbClr val="D4D4D4"/>
+              </a:solidFill>
+              <a:effectLst/>
+              <a:latin typeface="Consolas" panose="020B0609020204030204" pitchFamily="49" charset="0"/>
+            </a:endParaRPr>
+          </a:p>
+          <a:p>
+            <a:r>
+              <a:rPr lang="en-GB" sz="800" b="0" dirty="0">
+                <a:solidFill>
+                  <a:srgbClr val="D4D4D4"/>
+                </a:solidFill>
+                <a:effectLst/>
+                <a:latin typeface="Consolas" panose="020B0609020204030204" pitchFamily="49" charset="0"/>
+              </a:rPr>
+              <a:t>            </a:t>
+            </a:r>
+            <a:r>
+              <a:rPr lang="en-GB" sz="800" b="0" dirty="0" err="1">
+                <a:solidFill>
+                  <a:srgbClr val="D4D4D4"/>
+                </a:solidFill>
+                <a:effectLst/>
+                <a:latin typeface="Consolas" panose="020B0609020204030204" pitchFamily="49" charset="0"/>
+              </a:rPr>
+              <a:t>skiptime_Dataflow</a:t>
+            </a:r>
+            <a:r>
+              <a:rPr lang="en-GB" sz="800" b="0" dirty="0">
+                <a:solidFill>
+                  <a:srgbClr val="D4D4D4"/>
+                </a:solidFill>
+                <a:effectLst/>
+                <a:latin typeface="Consolas" panose="020B0609020204030204" pitchFamily="49" charset="0"/>
+              </a:rPr>
+              <a:t>(</a:t>
+            </a:r>
+            <a:r>
+              <a:rPr lang="en-GB" sz="800" b="0" dirty="0">
+                <a:solidFill>
+                  <a:srgbClr val="B5CEA8"/>
+                </a:solidFill>
+                <a:effectLst/>
+                <a:latin typeface="Consolas" panose="020B0609020204030204" pitchFamily="49" charset="0"/>
+              </a:rPr>
+              <a:t>1</a:t>
+            </a:r>
+            <a:r>
+              <a:rPr lang="en-GB" sz="800" b="0" dirty="0">
+                <a:solidFill>
+                  <a:srgbClr val="D4D4D4"/>
+                </a:solidFill>
+                <a:effectLst/>
+                <a:latin typeface="Consolas" panose="020B0609020204030204" pitchFamily="49" charset="0"/>
+              </a:rPr>
+              <a:t>);</a:t>
+            </a:r>
+          </a:p>
+          <a:p>
+            <a:r>
+              <a:rPr lang="en-GB" sz="800" b="0" dirty="0">
+                <a:solidFill>
+                  <a:srgbClr val="D4D4D4"/>
+                </a:solidFill>
+                <a:effectLst/>
+                <a:latin typeface="Consolas" panose="020B0609020204030204" pitchFamily="49" charset="0"/>
+              </a:rPr>
+              <a:t>            </a:t>
+            </a:r>
+            <a:r>
+              <a:rPr lang="en-GB" sz="800" b="0" dirty="0" err="1">
+                <a:solidFill>
+                  <a:srgbClr val="D4D4D4"/>
+                </a:solidFill>
+                <a:effectLst/>
+                <a:latin typeface="Consolas" panose="020B0609020204030204" pitchFamily="49" charset="0"/>
+              </a:rPr>
+              <a:t>ADC_SigIn</a:t>
+            </a:r>
+            <a:r>
+              <a:rPr lang="en-GB" sz="800" b="0" dirty="0">
+                <a:solidFill>
+                  <a:srgbClr val="D4D4D4"/>
+                </a:solidFill>
+                <a:effectLst/>
+                <a:latin typeface="Consolas" panose="020B0609020204030204" pitchFamily="49" charset="0"/>
+              </a:rPr>
+              <a:t> &lt;= </a:t>
+            </a:r>
+            <a:r>
+              <a:rPr lang="en-GB" sz="800" b="0" dirty="0" err="1">
+                <a:solidFill>
+                  <a:srgbClr val="D4D4D4"/>
+                </a:solidFill>
+                <a:effectLst/>
+                <a:latin typeface="Consolas" panose="020B0609020204030204" pitchFamily="49" charset="0"/>
+              </a:rPr>
+              <a:t>conv_std_logic_vector</a:t>
+            </a:r>
+            <a:r>
+              <a:rPr lang="en-GB" sz="800" b="0" dirty="0">
+                <a:solidFill>
+                  <a:srgbClr val="D4D4D4"/>
+                </a:solidFill>
+                <a:effectLst/>
+                <a:latin typeface="Consolas" panose="020B0609020204030204" pitchFamily="49" charset="0"/>
+              </a:rPr>
+              <a:t>(k, </a:t>
+            </a:r>
+            <a:r>
+              <a:rPr lang="en-GB" sz="800" b="0" dirty="0" err="1">
+                <a:solidFill>
+                  <a:srgbClr val="D4D4D4"/>
+                </a:solidFill>
+                <a:effectLst/>
+                <a:latin typeface="Consolas" panose="020B0609020204030204" pitchFamily="49" charset="0"/>
+              </a:rPr>
+              <a:t>ADC_SigIn'</a:t>
+            </a:r>
+            <a:r>
+              <a:rPr lang="en-GB" sz="800" b="0" dirty="0" err="1">
+                <a:solidFill>
+                  <a:srgbClr val="9CDCFE"/>
+                </a:solidFill>
+                <a:effectLst/>
+                <a:latin typeface="Consolas" panose="020B0609020204030204" pitchFamily="49" charset="0"/>
+              </a:rPr>
+              <a:t>length</a:t>
+            </a:r>
+            <a:r>
+              <a:rPr lang="en-GB" sz="800" b="0" dirty="0">
+                <a:solidFill>
+                  <a:srgbClr val="D4D4D4"/>
+                </a:solidFill>
+                <a:effectLst/>
+                <a:latin typeface="Consolas" panose="020B0609020204030204" pitchFamily="49" charset="0"/>
+              </a:rPr>
+              <a:t>);</a:t>
+            </a:r>
+          </a:p>
+          <a:p>
+            <a:r>
+              <a:rPr lang="en-GB" sz="800" b="0" dirty="0">
+                <a:solidFill>
+                  <a:srgbClr val="D4D4D4"/>
+                </a:solidFill>
+                <a:effectLst/>
+                <a:latin typeface="Consolas" panose="020B0609020204030204" pitchFamily="49" charset="0"/>
+              </a:rPr>
+              <a:t>        </a:t>
+            </a:r>
+            <a:r>
+              <a:rPr lang="en-GB" sz="800" b="0" dirty="0">
+                <a:solidFill>
+                  <a:srgbClr val="569CD6"/>
+                </a:solidFill>
+                <a:effectLst/>
+                <a:latin typeface="Consolas" panose="020B0609020204030204" pitchFamily="49" charset="0"/>
+              </a:rPr>
+              <a:t>end loop</a:t>
+            </a:r>
+            <a:r>
+              <a:rPr lang="en-GB" sz="800" b="0" dirty="0">
+                <a:solidFill>
+                  <a:srgbClr val="D4D4D4"/>
+                </a:solidFill>
+                <a:effectLst/>
+                <a:latin typeface="Consolas" panose="020B0609020204030204" pitchFamily="49" charset="0"/>
+              </a:rPr>
+              <a:t>;</a:t>
+            </a:r>
+          </a:p>
+          <a:p>
+            <a:r>
+              <a:rPr lang="en-GB" sz="800" b="0" dirty="0">
+                <a:solidFill>
+                  <a:srgbClr val="D4D4D4"/>
+                </a:solidFill>
+                <a:effectLst/>
+                <a:latin typeface="Consolas" panose="020B0609020204030204" pitchFamily="49" charset="0"/>
+              </a:rPr>
+              <a:t>            </a:t>
+            </a:r>
+          </a:p>
+          <a:p>
+            <a:r>
+              <a:rPr lang="en-GB" sz="800" b="0" dirty="0">
+                <a:solidFill>
+                  <a:srgbClr val="D4D4D4"/>
+                </a:solidFill>
+                <a:effectLst/>
+                <a:latin typeface="Consolas" panose="020B0609020204030204" pitchFamily="49" charset="0"/>
+              </a:rPr>
+              <a:t>        </a:t>
+            </a:r>
+            <a:r>
+              <a:rPr lang="en-GB" sz="800" b="0" dirty="0" err="1">
+                <a:solidFill>
+                  <a:srgbClr val="D4D4D4"/>
+                </a:solidFill>
+                <a:effectLst/>
+                <a:latin typeface="Consolas" panose="020B0609020204030204" pitchFamily="49" charset="0"/>
+              </a:rPr>
+              <a:t>ReceiveDataMode</a:t>
+            </a:r>
+            <a:r>
+              <a:rPr lang="en-GB" sz="800" b="0" dirty="0">
+                <a:solidFill>
+                  <a:srgbClr val="D4D4D4"/>
+                </a:solidFill>
+                <a:effectLst/>
+                <a:latin typeface="Consolas" panose="020B0609020204030204" pitchFamily="49" charset="0"/>
+              </a:rPr>
+              <a:t> &lt;= </a:t>
+            </a:r>
+            <a:r>
+              <a:rPr lang="en-GB" sz="800" b="0" dirty="0">
+                <a:solidFill>
+                  <a:srgbClr val="CE9178"/>
+                </a:solidFill>
+                <a:effectLst/>
+                <a:latin typeface="Consolas" panose="020B0609020204030204" pitchFamily="49" charset="0"/>
+              </a:rPr>
+              <a:t>'0'</a:t>
+            </a:r>
+            <a:r>
+              <a:rPr lang="en-GB" sz="800" b="0" dirty="0">
+                <a:solidFill>
+                  <a:srgbClr val="D4D4D4"/>
+                </a:solidFill>
+                <a:effectLst/>
+                <a:latin typeface="Consolas" panose="020B0609020204030204" pitchFamily="49" charset="0"/>
+              </a:rPr>
+              <a:t>;</a:t>
+            </a:r>
+          </a:p>
+          <a:p>
+            <a:br>
+              <a:rPr lang="en-GB" sz="800" b="0" dirty="0">
+                <a:solidFill>
+                  <a:srgbClr val="D4D4D4"/>
+                </a:solidFill>
+                <a:effectLst/>
+                <a:latin typeface="Consolas" panose="020B0609020204030204" pitchFamily="49" charset="0"/>
+              </a:rPr>
+            </a:br>
+            <a:r>
+              <a:rPr lang="en-GB" sz="800" b="0" dirty="0">
+                <a:solidFill>
+                  <a:srgbClr val="D4D4D4"/>
+                </a:solidFill>
+                <a:effectLst/>
+                <a:latin typeface="Consolas" panose="020B0609020204030204" pitchFamily="49" charset="0"/>
+              </a:rPr>
+              <a:t>        </a:t>
+            </a:r>
+            <a:r>
+              <a:rPr lang="en-GB" sz="800" b="0" dirty="0">
+                <a:solidFill>
+                  <a:srgbClr val="569CD6"/>
+                </a:solidFill>
+                <a:effectLst/>
+                <a:latin typeface="Consolas" panose="020B0609020204030204" pitchFamily="49" charset="0"/>
+              </a:rPr>
+              <a:t>for</a:t>
+            </a:r>
+            <a:r>
+              <a:rPr lang="en-GB" sz="800" b="0" dirty="0">
+                <a:solidFill>
+                  <a:srgbClr val="D4D4D4"/>
+                </a:solidFill>
+                <a:effectLst/>
+                <a:latin typeface="Consolas" panose="020B0609020204030204" pitchFamily="49" charset="0"/>
+              </a:rPr>
+              <a:t> k </a:t>
+            </a:r>
+            <a:r>
+              <a:rPr lang="en-GB" sz="800" b="0" dirty="0">
+                <a:solidFill>
+                  <a:srgbClr val="569CD6"/>
+                </a:solidFill>
+                <a:effectLst/>
+                <a:latin typeface="Consolas" panose="020B0609020204030204" pitchFamily="49" charset="0"/>
+              </a:rPr>
+              <a:t>in</a:t>
+            </a:r>
+            <a:r>
+              <a:rPr lang="en-GB" sz="800" b="0" dirty="0">
+                <a:solidFill>
+                  <a:srgbClr val="D4D4D4"/>
+                </a:solidFill>
+                <a:effectLst/>
+                <a:latin typeface="Consolas" panose="020B0609020204030204" pitchFamily="49" charset="0"/>
+              </a:rPr>
+              <a:t> </a:t>
+            </a:r>
+            <a:r>
+              <a:rPr lang="en-GB" sz="800" b="0" dirty="0">
+                <a:solidFill>
+                  <a:srgbClr val="B5CEA8"/>
+                </a:solidFill>
+                <a:effectLst/>
+                <a:latin typeface="Consolas" panose="020B0609020204030204" pitchFamily="49" charset="0"/>
+              </a:rPr>
+              <a:t>1023</a:t>
+            </a:r>
+            <a:r>
+              <a:rPr lang="en-GB" sz="800" b="0" dirty="0">
+                <a:solidFill>
+                  <a:srgbClr val="D4D4D4"/>
+                </a:solidFill>
+                <a:effectLst/>
+                <a:latin typeface="Consolas" panose="020B0609020204030204" pitchFamily="49" charset="0"/>
+              </a:rPr>
+              <a:t> </a:t>
+            </a:r>
+            <a:r>
+              <a:rPr lang="en-GB" sz="800" b="0" dirty="0" err="1">
+                <a:solidFill>
+                  <a:srgbClr val="569CD6"/>
+                </a:solidFill>
+                <a:effectLst/>
+                <a:latin typeface="Consolas" panose="020B0609020204030204" pitchFamily="49" charset="0"/>
+              </a:rPr>
+              <a:t>downto</a:t>
+            </a:r>
+            <a:r>
+              <a:rPr lang="en-GB" sz="800" b="0" dirty="0">
+                <a:solidFill>
+                  <a:srgbClr val="D4D4D4"/>
+                </a:solidFill>
+                <a:effectLst/>
+                <a:latin typeface="Consolas" panose="020B0609020204030204" pitchFamily="49" charset="0"/>
+              </a:rPr>
+              <a:t> </a:t>
+            </a:r>
+            <a:r>
+              <a:rPr lang="en-GB" sz="800" b="0" dirty="0">
+                <a:solidFill>
+                  <a:srgbClr val="B5CEA8"/>
+                </a:solidFill>
+                <a:effectLst/>
+                <a:latin typeface="Consolas" panose="020B0609020204030204" pitchFamily="49" charset="0"/>
+              </a:rPr>
+              <a:t>1023-3</a:t>
+            </a:r>
+            <a:r>
+              <a:rPr lang="en-GB" sz="800" b="0" dirty="0">
+                <a:solidFill>
+                  <a:srgbClr val="D4D4D4"/>
+                </a:solidFill>
+                <a:effectLst/>
+                <a:latin typeface="Consolas" panose="020B0609020204030204" pitchFamily="49" charset="0"/>
+              </a:rPr>
+              <a:t> </a:t>
+            </a:r>
+            <a:r>
+              <a:rPr lang="en-GB" sz="800" b="0" dirty="0">
+                <a:solidFill>
+                  <a:srgbClr val="569CD6"/>
+                </a:solidFill>
+                <a:effectLst/>
+                <a:latin typeface="Consolas" panose="020B0609020204030204" pitchFamily="49" charset="0"/>
+              </a:rPr>
+              <a:t>loop</a:t>
+            </a:r>
+            <a:endParaRPr lang="en-GB" sz="800" b="0" dirty="0">
+              <a:solidFill>
+                <a:srgbClr val="D4D4D4"/>
+              </a:solidFill>
+              <a:effectLst/>
+              <a:latin typeface="Consolas" panose="020B0609020204030204" pitchFamily="49" charset="0"/>
+            </a:endParaRPr>
+          </a:p>
+          <a:p>
+            <a:r>
+              <a:rPr lang="en-GB" sz="800" b="0" dirty="0">
+                <a:solidFill>
+                  <a:srgbClr val="D4D4D4"/>
+                </a:solidFill>
+                <a:effectLst/>
+                <a:latin typeface="Consolas" panose="020B0609020204030204" pitchFamily="49" charset="0"/>
+              </a:rPr>
+              <a:t>            </a:t>
+            </a:r>
+            <a:r>
+              <a:rPr lang="en-GB" sz="800" b="0" dirty="0" err="1">
+                <a:solidFill>
+                  <a:srgbClr val="D4D4D4"/>
+                </a:solidFill>
+                <a:effectLst/>
+                <a:latin typeface="Consolas" panose="020B0609020204030204" pitchFamily="49" charset="0"/>
+              </a:rPr>
+              <a:t>skiptime_ADC</a:t>
+            </a:r>
+            <a:r>
+              <a:rPr lang="en-GB" sz="800" b="0" dirty="0">
+                <a:solidFill>
+                  <a:srgbClr val="D4D4D4"/>
+                </a:solidFill>
+                <a:effectLst/>
+                <a:latin typeface="Consolas" panose="020B0609020204030204" pitchFamily="49" charset="0"/>
+              </a:rPr>
+              <a:t>(</a:t>
+            </a:r>
+            <a:r>
+              <a:rPr lang="en-GB" sz="800" b="0" dirty="0">
+                <a:solidFill>
+                  <a:srgbClr val="B5CEA8"/>
+                </a:solidFill>
+                <a:effectLst/>
+                <a:latin typeface="Consolas" panose="020B0609020204030204" pitchFamily="49" charset="0"/>
+              </a:rPr>
+              <a:t>1</a:t>
+            </a:r>
+            <a:r>
+              <a:rPr lang="en-GB" sz="800" b="0" dirty="0">
+                <a:solidFill>
+                  <a:srgbClr val="D4D4D4"/>
+                </a:solidFill>
+                <a:effectLst/>
+                <a:latin typeface="Consolas" panose="020B0609020204030204" pitchFamily="49" charset="0"/>
+              </a:rPr>
+              <a:t>);</a:t>
+            </a:r>
+          </a:p>
+          <a:p>
+            <a:r>
+              <a:rPr lang="en-GB" sz="800" b="0" dirty="0">
+                <a:solidFill>
+                  <a:srgbClr val="D4D4D4"/>
+                </a:solidFill>
+                <a:effectLst/>
+                <a:latin typeface="Consolas" panose="020B0609020204030204" pitchFamily="49" charset="0"/>
+              </a:rPr>
+              <a:t>            </a:t>
+            </a:r>
+            <a:r>
+              <a:rPr lang="en-GB" sz="800" b="0" dirty="0" err="1">
+                <a:solidFill>
+                  <a:srgbClr val="D4D4D4"/>
+                </a:solidFill>
+                <a:effectLst/>
+                <a:latin typeface="Consolas" panose="020B0609020204030204" pitchFamily="49" charset="0"/>
+              </a:rPr>
+              <a:t>ADC_SigIn</a:t>
+            </a:r>
+            <a:r>
+              <a:rPr lang="en-GB" sz="800" b="0" dirty="0">
+                <a:solidFill>
+                  <a:srgbClr val="D4D4D4"/>
+                </a:solidFill>
+                <a:effectLst/>
+                <a:latin typeface="Consolas" panose="020B0609020204030204" pitchFamily="49" charset="0"/>
+              </a:rPr>
+              <a:t> &lt;= </a:t>
+            </a:r>
+            <a:r>
+              <a:rPr lang="en-GB" sz="800" b="0" dirty="0" err="1">
+                <a:solidFill>
+                  <a:srgbClr val="D4D4D4"/>
+                </a:solidFill>
+                <a:effectLst/>
+                <a:latin typeface="Consolas" panose="020B0609020204030204" pitchFamily="49" charset="0"/>
+              </a:rPr>
+              <a:t>conv_std_logic_vector</a:t>
+            </a:r>
+            <a:r>
+              <a:rPr lang="en-GB" sz="800" b="0" dirty="0">
+                <a:solidFill>
+                  <a:srgbClr val="D4D4D4"/>
+                </a:solidFill>
+                <a:effectLst/>
+                <a:latin typeface="Consolas" panose="020B0609020204030204" pitchFamily="49" charset="0"/>
+              </a:rPr>
+              <a:t>(k, </a:t>
+            </a:r>
+            <a:r>
+              <a:rPr lang="en-GB" sz="800" b="0" dirty="0" err="1">
+                <a:solidFill>
+                  <a:srgbClr val="D4D4D4"/>
+                </a:solidFill>
+                <a:effectLst/>
+                <a:latin typeface="Consolas" panose="020B0609020204030204" pitchFamily="49" charset="0"/>
+              </a:rPr>
+              <a:t>ADC_SigIn'</a:t>
+            </a:r>
+            <a:r>
+              <a:rPr lang="en-GB" sz="800" b="0" dirty="0" err="1">
+                <a:solidFill>
+                  <a:srgbClr val="9CDCFE"/>
+                </a:solidFill>
+                <a:effectLst/>
+                <a:latin typeface="Consolas" panose="020B0609020204030204" pitchFamily="49" charset="0"/>
+              </a:rPr>
+              <a:t>length</a:t>
+            </a:r>
+            <a:r>
+              <a:rPr lang="en-GB" sz="800" b="0" dirty="0">
+                <a:solidFill>
+                  <a:srgbClr val="D4D4D4"/>
+                </a:solidFill>
+                <a:effectLst/>
+                <a:latin typeface="Consolas" panose="020B0609020204030204" pitchFamily="49" charset="0"/>
+              </a:rPr>
+              <a:t>);</a:t>
+            </a:r>
+          </a:p>
+          <a:p>
+            <a:r>
+              <a:rPr lang="en-GB" sz="800" b="0" dirty="0">
+                <a:solidFill>
+                  <a:srgbClr val="D4D4D4"/>
+                </a:solidFill>
+                <a:effectLst/>
+                <a:latin typeface="Consolas" panose="020B0609020204030204" pitchFamily="49" charset="0"/>
+              </a:rPr>
+              <a:t>        </a:t>
+            </a:r>
+            <a:r>
+              <a:rPr lang="en-GB" sz="800" b="0" dirty="0">
+                <a:solidFill>
+                  <a:srgbClr val="569CD6"/>
+                </a:solidFill>
+                <a:effectLst/>
+                <a:latin typeface="Consolas" panose="020B0609020204030204" pitchFamily="49" charset="0"/>
+              </a:rPr>
+              <a:t>end loop</a:t>
+            </a:r>
+            <a:r>
+              <a:rPr lang="en-GB" sz="800" b="0" dirty="0">
+                <a:solidFill>
+                  <a:srgbClr val="D4D4D4"/>
+                </a:solidFill>
+                <a:effectLst/>
+                <a:latin typeface="Consolas" panose="020B0609020204030204" pitchFamily="49" charset="0"/>
+              </a:rPr>
+              <a:t>;</a:t>
+            </a:r>
+          </a:p>
+          <a:p>
+            <a:br>
+              <a:rPr lang="en-GB" sz="800" b="0" dirty="0">
+                <a:solidFill>
+                  <a:srgbClr val="D4D4D4"/>
+                </a:solidFill>
+                <a:effectLst/>
+                <a:latin typeface="Consolas" panose="020B0609020204030204" pitchFamily="49" charset="0"/>
+              </a:rPr>
+            </a:br>
+            <a:r>
+              <a:rPr lang="en-GB" sz="800" b="0" dirty="0">
+                <a:solidFill>
+                  <a:srgbClr val="D4D4D4"/>
+                </a:solidFill>
+                <a:effectLst/>
+                <a:latin typeface="Consolas" panose="020B0609020204030204" pitchFamily="49" charset="0"/>
+              </a:rPr>
+              <a:t>        </a:t>
+            </a:r>
+            <a:r>
+              <a:rPr lang="en-GB" sz="800" b="0" dirty="0" err="1">
+                <a:solidFill>
+                  <a:srgbClr val="D4D4D4"/>
+                </a:solidFill>
+                <a:effectLst/>
+                <a:latin typeface="Consolas" panose="020B0609020204030204" pitchFamily="49" charset="0"/>
+              </a:rPr>
+              <a:t>skiptime_ADC</a:t>
+            </a:r>
+            <a:r>
+              <a:rPr lang="en-GB" sz="800" b="0" dirty="0">
+                <a:solidFill>
+                  <a:srgbClr val="D4D4D4"/>
+                </a:solidFill>
+                <a:effectLst/>
+                <a:latin typeface="Consolas" panose="020B0609020204030204" pitchFamily="49" charset="0"/>
+              </a:rPr>
+              <a:t>(</a:t>
+            </a:r>
+            <a:r>
+              <a:rPr lang="en-GB" sz="800" b="0" dirty="0">
+                <a:solidFill>
+                  <a:srgbClr val="B5CEA8"/>
+                </a:solidFill>
+                <a:effectLst/>
+                <a:latin typeface="Consolas" panose="020B0609020204030204" pitchFamily="49" charset="0"/>
+              </a:rPr>
+              <a:t>1</a:t>
+            </a:r>
+            <a:r>
+              <a:rPr lang="en-GB" sz="800" b="0" dirty="0">
+                <a:solidFill>
+                  <a:srgbClr val="D4D4D4"/>
+                </a:solidFill>
+                <a:effectLst/>
+                <a:latin typeface="Consolas" panose="020B0609020204030204" pitchFamily="49" charset="0"/>
+              </a:rPr>
+              <a:t>);</a:t>
+            </a:r>
+          </a:p>
+          <a:p>
+            <a:r>
+              <a:rPr lang="en-GB" sz="800" b="0" dirty="0">
+                <a:solidFill>
+                  <a:srgbClr val="D4D4D4"/>
+                </a:solidFill>
+                <a:effectLst/>
+                <a:latin typeface="Consolas" panose="020B0609020204030204" pitchFamily="49" charset="0"/>
+              </a:rPr>
+              <a:t>        </a:t>
+            </a:r>
+            <a:r>
+              <a:rPr lang="en-GB" sz="800" b="0" dirty="0" err="1">
+                <a:solidFill>
+                  <a:srgbClr val="D4D4D4"/>
+                </a:solidFill>
+                <a:effectLst/>
+                <a:latin typeface="Consolas" panose="020B0609020204030204" pitchFamily="49" charset="0"/>
+              </a:rPr>
+              <a:t>nRst</a:t>
+            </a:r>
+            <a:r>
+              <a:rPr lang="en-GB" sz="800" b="0" dirty="0">
+                <a:solidFill>
+                  <a:srgbClr val="D4D4D4"/>
+                </a:solidFill>
+                <a:effectLst/>
+                <a:latin typeface="Consolas" panose="020B0609020204030204" pitchFamily="49" charset="0"/>
+              </a:rPr>
+              <a:t> &lt;= </a:t>
+            </a:r>
+            <a:r>
+              <a:rPr lang="en-GB" sz="800" b="0" dirty="0">
+                <a:solidFill>
+                  <a:srgbClr val="CE9178"/>
+                </a:solidFill>
+                <a:effectLst/>
+                <a:latin typeface="Consolas" panose="020B0609020204030204" pitchFamily="49" charset="0"/>
+              </a:rPr>
+              <a:t>'0'</a:t>
+            </a:r>
+            <a:r>
+              <a:rPr lang="en-GB" sz="800" b="0" dirty="0">
+                <a:solidFill>
+                  <a:srgbClr val="D4D4D4"/>
+                </a:solidFill>
+                <a:effectLst/>
+                <a:latin typeface="Consolas" panose="020B0609020204030204" pitchFamily="49" charset="0"/>
+              </a:rPr>
+              <a:t>;</a:t>
+            </a:r>
+          </a:p>
+          <a:p>
+            <a:r>
+              <a:rPr lang="en-GB" sz="800" b="0" dirty="0">
+                <a:solidFill>
+                  <a:srgbClr val="D4D4D4"/>
+                </a:solidFill>
+                <a:effectLst/>
+                <a:latin typeface="Consolas" panose="020B0609020204030204" pitchFamily="49" charset="0"/>
+              </a:rPr>
+              <a:t>        </a:t>
+            </a:r>
+            <a:r>
+              <a:rPr lang="en-GB" sz="800" b="0" dirty="0" err="1">
+                <a:solidFill>
+                  <a:srgbClr val="D4D4D4"/>
+                </a:solidFill>
+                <a:effectLst/>
+                <a:latin typeface="Consolas" panose="020B0609020204030204" pitchFamily="49" charset="0"/>
+              </a:rPr>
+              <a:t>ReceiveDataMode</a:t>
+            </a:r>
+            <a:r>
+              <a:rPr lang="en-GB" sz="800" b="0" dirty="0">
+                <a:solidFill>
+                  <a:srgbClr val="D4D4D4"/>
+                </a:solidFill>
+                <a:effectLst/>
+                <a:latin typeface="Consolas" panose="020B0609020204030204" pitchFamily="49" charset="0"/>
+              </a:rPr>
+              <a:t> &lt;= </a:t>
+            </a:r>
+            <a:r>
+              <a:rPr lang="en-GB" sz="800" b="0" dirty="0">
+                <a:solidFill>
+                  <a:srgbClr val="CE9178"/>
+                </a:solidFill>
+                <a:effectLst/>
+                <a:latin typeface="Consolas" panose="020B0609020204030204" pitchFamily="49" charset="0"/>
+              </a:rPr>
+              <a:t>'1'</a:t>
+            </a:r>
+            <a:r>
+              <a:rPr lang="en-GB" sz="800" b="0" dirty="0">
+                <a:solidFill>
+                  <a:srgbClr val="D4D4D4"/>
+                </a:solidFill>
+                <a:effectLst/>
+                <a:latin typeface="Consolas" panose="020B0609020204030204" pitchFamily="49" charset="0"/>
+              </a:rPr>
+              <a:t>;</a:t>
+            </a:r>
+          </a:p>
+          <a:p>
+            <a:br>
+              <a:rPr lang="en-GB" sz="800" b="0" dirty="0">
+                <a:solidFill>
+                  <a:srgbClr val="D4D4D4"/>
+                </a:solidFill>
+                <a:effectLst/>
+                <a:latin typeface="Consolas" panose="020B0609020204030204" pitchFamily="49" charset="0"/>
+              </a:rPr>
+            </a:br>
+            <a:r>
+              <a:rPr lang="en-GB" sz="800" b="0" dirty="0">
+                <a:solidFill>
+                  <a:srgbClr val="D4D4D4"/>
+                </a:solidFill>
+                <a:effectLst/>
+                <a:latin typeface="Consolas" panose="020B0609020204030204" pitchFamily="49" charset="0"/>
+              </a:rPr>
+              <a:t>        </a:t>
+            </a:r>
+            <a:r>
+              <a:rPr lang="en-GB" sz="800" b="0" dirty="0" err="1">
+                <a:solidFill>
+                  <a:srgbClr val="D4D4D4"/>
+                </a:solidFill>
+                <a:effectLst/>
+                <a:latin typeface="Consolas" panose="020B0609020204030204" pitchFamily="49" charset="0"/>
+              </a:rPr>
+              <a:t>skiptime_ADC</a:t>
+            </a:r>
+            <a:r>
+              <a:rPr lang="en-GB" sz="800" b="0" dirty="0">
+                <a:solidFill>
+                  <a:srgbClr val="D4D4D4"/>
+                </a:solidFill>
+                <a:effectLst/>
+                <a:latin typeface="Consolas" panose="020B0609020204030204" pitchFamily="49" charset="0"/>
+              </a:rPr>
+              <a:t>(</a:t>
+            </a:r>
+            <a:r>
+              <a:rPr lang="en-GB" sz="800" b="0" dirty="0">
+                <a:solidFill>
+                  <a:srgbClr val="B5CEA8"/>
+                </a:solidFill>
+                <a:effectLst/>
+                <a:latin typeface="Consolas" panose="020B0609020204030204" pitchFamily="49" charset="0"/>
+              </a:rPr>
+              <a:t>1</a:t>
+            </a:r>
+            <a:r>
+              <a:rPr lang="en-GB" sz="800" b="0" dirty="0">
+                <a:solidFill>
+                  <a:srgbClr val="D4D4D4"/>
+                </a:solidFill>
+                <a:effectLst/>
+                <a:latin typeface="Consolas" panose="020B0609020204030204" pitchFamily="49" charset="0"/>
+              </a:rPr>
+              <a:t>);</a:t>
+            </a:r>
+          </a:p>
+          <a:p>
+            <a:r>
+              <a:rPr lang="en-GB" sz="800" b="0" dirty="0">
+                <a:solidFill>
+                  <a:srgbClr val="D4D4D4"/>
+                </a:solidFill>
+                <a:effectLst/>
+                <a:latin typeface="Consolas" panose="020B0609020204030204" pitchFamily="49" charset="0"/>
+              </a:rPr>
+              <a:t>        </a:t>
+            </a:r>
+            <a:r>
+              <a:rPr lang="en-GB" sz="800" b="0" dirty="0" err="1">
+                <a:solidFill>
+                  <a:srgbClr val="D4D4D4"/>
+                </a:solidFill>
+                <a:effectLst/>
+                <a:latin typeface="Consolas" panose="020B0609020204030204" pitchFamily="49" charset="0"/>
+              </a:rPr>
+              <a:t>nRst</a:t>
+            </a:r>
+            <a:r>
+              <a:rPr lang="en-GB" sz="800" b="0" dirty="0">
+                <a:solidFill>
+                  <a:srgbClr val="D4D4D4"/>
+                </a:solidFill>
+                <a:effectLst/>
+                <a:latin typeface="Consolas" panose="020B0609020204030204" pitchFamily="49" charset="0"/>
+              </a:rPr>
+              <a:t> &lt;= </a:t>
+            </a:r>
+            <a:r>
+              <a:rPr lang="en-GB" sz="800" b="0" dirty="0">
+                <a:solidFill>
+                  <a:srgbClr val="CE9178"/>
+                </a:solidFill>
+                <a:effectLst/>
+                <a:latin typeface="Consolas" panose="020B0609020204030204" pitchFamily="49" charset="0"/>
+              </a:rPr>
+              <a:t>'1'</a:t>
+            </a:r>
+            <a:r>
+              <a:rPr lang="en-GB" sz="800" b="0" dirty="0">
+                <a:solidFill>
+                  <a:srgbClr val="D4D4D4"/>
+                </a:solidFill>
+                <a:effectLst/>
+                <a:latin typeface="Consolas" panose="020B0609020204030204" pitchFamily="49" charset="0"/>
+              </a:rPr>
+              <a:t>;</a:t>
+            </a:r>
+          </a:p>
+          <a:p>
+            <a:br>
+              <a:rPr lang="en-GB" sz="800" b="0" dirty="0">
+                <a:solidFill>
+                  <a:srgbClr val="D4D4D4"/>
+                </a:solidFill>
+                <a:effectLst/>
+                <a:latin typeface="Consolas" panose="020B0609020204030204" pitchFamily="49" charset="0"/>
+              </a:rPr>
+            </a:br>
+            <a:r>
+              <a:rPr lang="en-GB" sz="800" b="0" dirty="0">
+                <a:solidFill>
+                  <a:srgbClr val="D4D4D4"/>
+                </a:solidFill>
+                <a:effectLst/>
+                <a:latin typeface="Consolas" panose="020B0609020204030204" pitchFamily="49" charset="0"/>
+              </a:rPr>
+              <a:t>        </a:t>
+            </a:r>
+            <a:r>
+              <a:rPr lang="en-GB" sz="800" b="0" dirty="0">
+                <a:solidFill>
+                  <a:srgbClr val="569CD6"/>
+                </a:solidFill>
+                <a:effectLst/>
+                <a:latin typeface="Consolas" panose="020B0609020204030204" pitchFamily="49" charset="0"/>
+              </a:rPr>
+              <a:t>for</a:t>
+            </a:r>
+            <a:r>
+              <a:rPr lang="en-GB" sz="800" b="0" dirty="0">
+                <a:solidFill>
+                  <a:srgbClr val="D4D4D4"/>
+                </a:solidFill>
+                <a:effectLst/>
+                <a:latin typeface="Consolas" panose="020B0609020204030204" pitchFamily="49" charset="0"/>
+              </a:rPr>
+              <a:t> k </a:t>
+            </a:r>
+            <a:r>
+              <a:rPr lang="en-GB" sz="800" b="0" dirty="0">
+                <a:solidFill>
+                  <a:srgbClr val="569CD6"/>
+                </a:solidFill>
+                <a:effectLst/>
+                <a:latin typeface="Consolas" panose="020B0609020204030204" pitchFamily="49" charset="0"/>
+              </a:rPr>
+              <a:t>in</a:t>
+            </a:r>
+            <a:r>
+              <a:rPr lang="en-GB" sz="800" b="0" dirty="0">
+                <a:solidFill>
+                  <a:srgbClr val="D4D4D4"/>
+                </a:solidFill>
+                <a:effectLst/>
+                <a:latin typeface="Consolas" panose="020B0609020204030204" pitchFamily="49" charset="0"/>
+              </a:rPr>
+              <a:t> </a:t>
+            </a:r>
+            <a:r>
+              <a:rPr lang="en-GB" sz="800" b="0" dirty="0">
+                <a:solidFill>
+                  <a:srgbClr val="B5CEA8"/>
+                </a:solidFill>
+                <a:effectLst/>
+                <a:latin typeface="Consolas" panose="020B0609020204030204" pitchFamily="49" charset="0"/>
+              </a:rPr>
+              <a:t>1023</a:t>
+            </a:r>
+            <a:r>
+              <a:rPr lang="en-GB" sz="800" b="0" dirty="0">
+                <a:solidFill>
+                  <a:srgbClr val="D4D4D4"/>
+                </a:solidFill>
+                <a:effectLst/>
+                <a:latin typeface="Consolas" panose="020B0609020204030204" pitchFamily="49" charset="0"/>
+              </a:rPr>
+              <a:t> </a:t>
+            </a:r>
+            <a:r>
+              <a:rPr lang="en-GB" sz="800" b="0" dirty="0" err="1">
+                <a:solidFill>
+                  <a:srgbClr val="569CD6"/>
+                </a:solidFill>
+                <a:effectLst/>
+                <a:latin typeface="Consolas" panose="020B0609020204030204" pitchFamily="49" charset="0"/>
+              </a:rPr>
+              <a:t>downto</a:t>
+            </a:r>
+            <a:r>
+              <a:rPr lang="en-GB" sz="800" b="0" dirty="0">
+                <a:solidFill>
+                  <a:srgbClr val="D4D4D4"/>
+                </a:solidFill>
+                <a:effectLst/>
+                <a:latin typeface="Consolas" panose="020B0609020204030204" pitchFamily="49" charset="0"/>
+              </a:rPr>
+              <a:t> </a:t>
+            </a:r>
+            <a:r>
+              <a:rPr lang="en-GB" sz="800" b="0" dirty="0">
+                <a:solidFill>
+                  <a:srgbClr val="B5CEA8"/>
+                </a:solidFill>
+                <a:effectLst/>
+                <a:latin typeface="Consolas" panose="020B0609020204030204" pitchFamily="49" charset="0"/>
+              </a:rPr>
+              <a:t>1023-6</a:t>
+            </a:r>
+            <a:r>
+              <a:rPr lang="en-GB" sz="800" b="0" dirty="0">
+                <a:solidFill>
+                  <a:srgbClr val="D4D4D4"/>
+                </a:solidFill>
+                <a:effectLst/>
+                <a:latin typeface="Consolas" panose="020B0609020204030204" pitchFamily="49" charset="0"/>
+              </a:rPr>
+              <a:t> </a:t>
+            </a:r>
+            <a:r>
+              <a:rPr lang="en-GB" sz="800" b="0" dirty="0">
+                <a:solidFill>
+                  <a:srgbClr val="569CD6"/>
+                </a:solidFill>
+                <a:effectLst/>
+                <a:latin typeface="Consolas" panose="020B0609020204030204" pitchFamily="49" charset="0"/>
+              </a:rPr>
+              <a:t>loop</a:t>
+            </a:r>
+            <a:endParaRPr lang="en-GB" sz="800" b="0" dirty="0">
+              <a:solidFill>
+                <a:srgbClr val="D4D4D4"/>
+              </a:solidFill>
+              <a:effectLst/>
+              <a:latin typeface="Consolas" panose="020B0609020204030204" pitchFamily="49" charset="0"/>
+            </a:endParaRPr>
+          </a:p>
+          <a:p>
+            <a:r>
+              <a:rPr lang="en-GB" sz="800" b="0" dirty="0">
+                <a:solidFill>
+                  <a:srgbClr val="D4D4D4"/>
+                </a:solidFill>
+                <a:effectLst/>
+                <a:latin typeface="Consolas" panose="020B0609020204030204" pitchFamily="49" charset="0"/>
+              </a:rPr>
+              <a:t>            </a:t>
+            </a:r>
+            <a:r>
+              <a:rPr lang="en-GB" sz="800" b="0" dirty="0" err="1">
+                <a:solidFill>
+                  <a:srgbClr val="D4D4D4"/>
+                </a:solidFill>
+                <a:effectLst/>
+                <a:latin typeface="Consolas" panose="020B0609020204030204" pitchFamily="49" charset="0"/>
+              </a:rPr>
+              <a:t>skiptime_Dataflow</a:t>
+            </a:r>
+            <a:r>
+              <a:rPr lang="en-GB" sz="800" b="0" dirty="0">
+                <a:solidFill>
+                  <a:srgbClr val="D4D4D4"/>
+                </a:solidFill>
+                <a:effectLst/>
+                <a:latin typeface="Consolas" panose="020B0609020204030204" pitchFamily="49" charset="0"/>
+              </a:rPr>
+              <a:t>(</a:t>
+            </a:r>
+            <a:r>
+              <a:rPr lang="en-GB" sz="800" b="0" dirty="0">
+                <a:solidFill>
+                  <a:srgbClr val="B5CEA8"/>
+                </a:solidFill>
+                <a:effectLst/>
+                <a:latin typeface="Consolas" panose="020B0609020204030204" pitchFamily="49" charset="0"/>
+              </a:rPr>
+              <a:t>1</a:t>
+            </a:r>
+            <a:r>
+              <a:rPr lang="en-GB" sz="800" b="0" dirty="0">
+                <a:solidFill>
+                  <a:srgbClr val="D4D4D4"/>
+                </a:solidFill>
+                <a:effectLst/>
+                <a:latin typeface="Consolas" panose="020B0609020204030204" pitchFamily="49" charset="0"/>
+              </a:rPr>
+              <a:t>);</a:t>
+            </a:r>
+          </a:p>
+          <a:p>
+            <a:r>
+              <a:rPr lang="en-GB" sz="800" b="0" dirty="0">
+                <a:solidFill>
+                  <a:srgbClr val="D4D4D4"/>
+                </a:solidFill>
+                <a:effectLst/>
+                <a:latin typeface="Consolas" panose="020B0609020204030204" pitchFamily="49" charset="0"/>
+              </a:rPr>
+              <a:t>            </a:t>
+            </a:r>
+            <a:r>
+              <a:rPr lang="en-GB" sz="800" b="0" dirty="0" err="1">
+                <a:solidFill>
+                  <a:srgbClr val="D4D4D4"/>
+                </a:solidFill>
+                <a:effectLst/>
+                <a:latin typeface="Consolas" panose="020B0609020204030204" pitchFamily="49" charset="0"/>
+              </a:rPr>
+              <a:t>ADC_SigIn</a:t>
+            </a:r>
+            <a:r>
+              <a:rPr lang="en-GB" sz="800" b="0" dirty="0">
+                <a:solidFill>
+                  <a:srgbClr val="D4D4D4"/>
+                </a:solidFill>
+                <a:effectLst/>
+                <a:latin typeface="Consolas" panose="020B0609020204030204" pitchFamily="49" charset="0"/>
+              </a:rPr>
+              <a:t> &lt;= </a:t>
+            </a:r>
+            <a:r>
+              <a:rPr lang="en-GB" sz="800" b="0" dirty="0" err="1">
+                <a:solidFill>
+                  <a:srgbClr val="D4D4D4"/>
+                </a:solidFill>
+                <a:effectLst/>
+                <a:latin typeface="Consolas" panose="020B0609020204030204" pitchFamily="49" charset="0"/>
+              </a:rPr>
+              <a:t>conv_std_logic_vector</a:t>
+            </a:r>
+            <a:r>
+              <a:rPr lang="en-GB" sz="800" b="0" dirty="0">
+                <a:solidFill>
+                  <a:srgbClr val="D4D4D4"/>
+                </a:solidFill>
+                <a:effectLst/>
+                <a:latin typeface="Consolas" panose="020B0609020204030204" pitchFamily="49" charset="0"/>
+              </a:rPr>
+              <a:t>(k, </a:t>
+            </a:r>
+            <a:r>
+              <a:rPr lang="en-GB" sz="800" b="0" dirty="0" err="1">
+                <a:solidFill>
+                  <a:srgbClr val="D4D4D4"/>
+                </a:solidFill>
+                <a:effectLst/>
+                <a:latin typeface="Consolas" panose="020B0609020204030204" pitchFamily="49" charset="0"/>
+              </a:rPr>
+              <a:t>ADC_SigIn'</a:t>
+            </a:r>
+            <a:r>
+              <a:rPr lang="en-GB" sz="800" b="0" dirty="0" err="1">
+                <a:solidFill>
+                  <a:srgbClr val="9CDCFE"/>
+                </a:solidFill>
+                <a:effectLst/>
+                <a:latin typeface="Consolas" panose="020B0609020204030204" pitchFamily="49" charset="0"/>
+              </a:rPr>
+              <a:t>length</a:t>
+            </a:r>
+            <a:r>
+              <a:rPr lang="en-GB" sz="800" b="0" dirty="0">
+                <a:solidFill>
+                  <a:srgbClr val="D4D4D4"/>
+                </a:solidFill>
+                <a:effectLst/>
+                <a:latin typeface="Consolas" panose="020B0609020204030204" pitchFamily="49" charset="0"/>
+              </a:rPr>
+              <a:t>);</a:t>
+            </a:r>
+          </a:p>
+          <a:p>
+            <a:r>
+              <a:rPr lang="en-GB" sz="800" b="0" dirty="0">
+                <a:solidFill>
+                  <a:srgbClr val="D4D4D4"/>
+                </a:solidFill>
+                <a:effectLst/>
+                <a:latin typeface="Consolas" panose="020B0609020204030204" pitchFamily="49" charset="0"/>
+              </a:rPr>
+              <a:t>        </a:t>
+            </a:r>
+            <a:r>
+              <a:rPr lang="en-GB" sz="800" b="0" dirty="0">
+                <a:solidFill>
+                  <a:srgbClr val="569CD6"/>
+                </a:solidFill>
+                <a:effectLst/>
+                <a:latin typeface="Consolas" panose="020B0609020204030204" pitchFamily="49" charset="0"/>
+              </a:rPr>
+              <a:t>end loop</a:t>
+            </a:r>
+            <a:r>
+              <a:rPr lang="en-GB" sz="800" b="0" dirty="0">
+                <a:solidFill>
+                  <a:srgbClr val="D4D4D4"/>
+                </a:solidFill>
+                <a:effectLst/>
+                <a:latin typeface="Consolas" panose="020B0609020204030204" pitchFamily="49" charset="0"/>
+              </a:rPr>
+              <a:t>;</a:t>
+            </a:r>
+          </a:p>
+          <a:p>
+            <a:r>
+              <a:rPr lang="en-GB" sz="800" b="0" dirty="0">
+                <a:solidFill>
+                  <a:srgbClr val="D4D4D4"/>
+                </a:solidFill>
+                <a:effectLst/>
+                <a:latin typeface="Consolas" panose="020B0609020204030204" pitchFamily="49" charset="0"/>
+              </a:rPr>
+              <a:t>            </a:t>
+            </a:r>
+          </a:p>
+          <a:p>
+            <a:r>
+              <a:rPr lang="en-GB" sz="800" b="0" dirty="0">
+                <a:solidFill>
+                  <a:srgbClr val="D4D4D4"/>
+                </a:solidFill>
+                <a:effectLst/>
+                <a:latin typeface="Consolas" panose="020B0609020204030204" pitchFamily="49" charset="0"/>
+              </a:rPr>
+              <a:t>        </a:t>
+            </a:r>
+            <a:r>
+              <a:rPr lang="en-GB" sz="800" b="0" dirty="0" err="1">
+                <a:solidFill>
+                  <a:srgbClr val="D4D4D4"/>
+                </a:solidFill>
+                <a:effectLst/>
+                <a:latin typeface="Consolas" panose="020B0609020204030204" pitchFamily="49" charset="0"/>
+              </a:rPr>
+              <a:t>ReceiveDataMode</a:t>
+            </a:r>
+            <a:r>
+              <a:rPr lang="en-GB" sz="800" b="0" dirty="0">
+                <a:solidFill>
+                  <a:srgbClr val="D4D4D4"/>
+                </a:solidFill>
+                <a:effectLst/>
+                <a:latin typeface="Consolas" panose="020B0609020204030204" pitchFamily="49" charset="0"/>
+              </a:rPr>
+              <a:t> &lt;= </a:t>
+            </a:r>
+            <a:r>
+              <a:rPr lang="en-GB" sz="800" b="0" dirty="0">
+                <a:solidFill>
+                  <a:srgbClr val="CE9178"/>
+                </a:solidFill>
+                <a:effectLst/>
+                <a:latin typeface="Consolas" panose="020B0609020204030204" pitchFamily="49" charset="0"/>
+              </a:rPr>
+              <a:t>'0'</a:t>
+            </a:r>
+            <a:r>
+              <a:rPr lang="en-GB" sz="800" b="0" dirty="0">
+                <a:solidFill>
+                  <a:srgbClr val="D4D4D4"/>
+                </a:solidFill>
+                <a:effectLst/>
+                <a:latin typeface="Consolas" panose="020B0609020204030204" pitchFamily="49" charset="0"/>
+              </a:rPr>
+              <a:t>;</a:t>
+            </a:r>
+          </a:p>
+          <a:p>
+            <a:br>
+              <a:rPr lang="en-GB" sz="800" b="0" dirty="0">
+                <a:solidFill>
+                  <a:srgbClr val="D4D4D4"/>
+                </a:solidFill>
+                <a:effectLst/>
+                <a:latin typeface="Consolas" panose="020B0609020204030204" pitchFamily="49" charset="0"/>
+              </a:rPr>
+            </a:br>
+            <a:r>
+              <a:rPr lang="en-GB" sz="800" b="0" dirty="0">
+                <a:solidFill>
+                  <a:srgbClr val="D4D4D4"/>
+                </a:solidFill>
+                <a:effectLst/>
+                <a:latin typeface="Consolas" panose="020B0609020204030204" pitchFamily="49" charset="0"/>
+              </a:rPr>
+              <a:t>        </a:t>
+            </a:r>
+            <a:r>
+              <a:rPr lang="en-GB" sz="800" b="0" dirty="0">
+                <a:solidFill>
+                  <a:srgbClr val="569CD6"/>
+                </a:solidFill>
+                <a:effectLst/>
+                <a:latin typeface="Consolas" panose="020B0609020204030204" pitchFamily="49" charset="0"/>
+              </a:rPr>
+              <a:t>for</a:t>
+            </a:r>
+            <a:r>
+              <a:rPr lang="en-GB" sz="800" b="0" dirty="0">
+                <a:solidFill>
+                  <a:srgbClr val="D4D4D4"/>
+                </a:solidFill>
+                <a:effectLst/>
+                <a:latin typeface="Consolas" panose="020B0609020204030204" pitchFamily="49" charset="0"/>
+              </a:rPr>
+              <a:t> k </a:t>
+            </a:r>
+            <a:r>
+              <a:rPr lang="en-GB" sz="800" b="0" dirty="0">
+                <a:solidFill>
+                  <a:srgbClr val="569CD6"/>
+                </a:solidFill>
+                <a:effectLst/>
+                <a:latin typeface="Consolas" panose="020B0609020204030204" pitchFamily="49" charset="0"/>
+              </a:rPr>
+              <a:t>in</a:t>
+            </a:r>
+            <a:r>
+              <a:rPr lang="en-GB" sz="800" b="0" dirty="0">
+                <a:solidFill>
+                  <a:srgbClr val="D4D4D4"/>
+                </a:solidFill>
+                <a:effectLst/>
+                <a:latin typeface="Consolas" panose="020B0609020204030204" pitchFamily="49" charset="0"/>
+              </a:rPr>
+              <a:t> </a:t>
+            </a:r>
+            <a:r>
+              <a:rPr lang="en-GB" sz="800" b="0" dirty="0">
+                <a:solidFill>
+                  <a:srgbClr val="B5CEA8"/>
+                </a:solidFill>
+                <a:effectLst/>
+                <a:latin typeface="Consolas" panose="020B0609020204030204" pitchFamily="49" charset="0"/>
+              </a:rPr>
+              <a:t>1023</a:t>
+            </a:r>
+            <a:r>
+              <a:rPr lang="en-GB" sz="800" b="0" dirty="0">
+                <a:solidFill>
+                  <a:srgbClr val="D4D4D4"/>
+                </a:solidFill>
+                <a:effectLst/>
+                <a:latin typeface="Consolas" panose="020B0609020204030204" pitchFamily="49" charset="0"/>
+              </a:rPr>
+              <a:t> </a:t>
+            </a:r>
+            <a:r>
+              <a:rPr lang="en-GB" sz="800" b="0" dirty="0" err="1">
+                <a:solidFill>
+                  <a:srgbClr val="569CD6"/>
+                </a:solidFill>
+                <a:effectLst/>
+                <a:latin typeface="Consolas" panose="020B0609020204030204" pitchFamily="49" charset="0"/>
+              </a:rPr>
+              <a:t>downto</a:t>
+            </a:r>
+            <a:r>
+              <a:rPr lang="en-GB" sz="800" b="0" dirty="0">
+                <a:solidFill>
+                  <a:srgbClr val="D4D4D4"/>
+                </a:solidFill>
+                <a:effectLst/>
+                <a:latin typeface="Consolas" panose="020B0609020204030204" pitchFamily="49" charset="0"/>
+              </a:rPr>
+              <a:t> </a:t>
+            </a:r>
+            <a:r>
+              <a:rPr lang="en-GB" sz="800" b="0" dirty="0">
+                <a:solidFill>
+                  <a:srgbClr val="B5CEA8"/>
+                </a:solidFill>
+                <a:effectLst/>
+                <a:latin typeface="Consolas" panose="020B0609020204030204" pitchFamily="49" charset="0"/>
+              </a:rPr>
+              <a:t>1023-3</a:t>
+            </a:r>
+            <a:r>
+              <a:rPr lang="en-GB" sz="800" b="0" dirty="0">
+                <a:solidFill>
+                  <a:srgbClr val="D4D4D4"/>
+                </a:solidFill>
+                <a:effectLst/>
+                <a:latin typeface="Consolas" panose="020B0609020204030204" pitchFamily="49" charset="0"/>
+              </a:rPr>
+              <a:t> </a:t>
+            </a:r>
+            <a:r>
+              <a:rPr lang="en-GB" sz="800" b="0" dirty="0">
+                <a:solidFill>
+                  <a:srgbClr val="569CD6"/>
+                </a:solidFill>
+                <a:effectLst/>
+                <a:latin typeface="Consolas" panose="020B0609020204030204" pitchFamily="49" charset="0"/>
+              </a:rPr>
+              <a:t>loop</a:t>
+            </a:r>
+            <a:endParaRPr lang="en-GB" sz="800" b="0" dirty="0">
+              <a:solidFill>
+                <a:srgbClr val="D4D4D4"/>
+              </a:solidFill>
+              <a:effectLst/>
+              <a:latin typeface="Consolas" panose="020B0609020204030204" pitchFamily="49" charset="0"/>
+            </a:endParaRPr>
+          </a:p>
+          <a:p>
+            <a:r>
+              <a:rPr lang="en-GB" sz="800" b="0" dirty="0">
+                <a:solidFill>
+                  <a:srgbClr val="D4D4D4"/>
+                </a:solidFill>
+                <a:effectLst/>
+                <a:latin typeface="Consolas" panose="020B0609020204030204" pitchFamily="49" charset="0"/>
+              </a:rPr>
+              <a:t>            </a:t>
+            </a:r>
+            <a:r>
+              <a:rPr lang="en-GB" sz="800" b="0" dirty="0" err="1">
+                <a:solidFill>
+                  <a:srgbClr val="D4D4D4"/>
+                </a:solidFill>
+                <a:effectLst/>
+                <a:latin typeface="Consolas" panose="020B0609020204030204" pitchFamily="49" charset="0"/>
+              </a:rPr>
+              <a:t>skiptime_ADC</a:t>
+            </a:r>
+            <a:r>
+              <a:rPr lang="en-GB" sz="800" b="0" dirty="0">
+                <a:solidFill>
+                  <a:srgbClr val="D4D4D4"/>
+                </a:solidFill>
+                <a:effectLst/>
+                <a:latin typeface="Consolas" panose="020B0609020204030204" pitchFamily="49" charset="0"/>
+              </a:rPr>
+              <a:t>(</a:t>
+            </a:r>
+            <a:r>
+              <a:rPr lang="en-GB" sz="800" b="0" dirty="0">
+                <a:solidFill>
+                  <a:srgbClr val="B5CEA8"/>
+                </a:solidFill>
+                <a:effectLst/>
+                <a:latin typeface="Consolas" panose="020B0609020204030204" pitchFamily="49" charset="0"/>
+              </a:rPr>
+              <a:t>1</a:t>
+            </a:r>
+            <a:r>
+              <a:rPr lang="en-GB" sz="800" b="0" dirty="0">
+                <a:solidFill>
+                  <a:srgbClr val="D4D4D4"/>
+                </a:solidFill>
+                <a:effectLst/>
+                <a:latin typeface="Consolas" panose="020B0609020204030204" pitchFamily="49" charset="0"/>
+              </a:rPr>
+              <a:t>);</a:t>
+            </a:r>
+          </a:p>
+          <a:p>
+            <a:r>
+              <a:rPr lang="en-GB" sz="800" b="0" dirty="0">
+                <a:solidFill>
+                  <a:srgbClr val="D4D4D4"/>
+                </a:solidFill>
+                <a:effectLst/>
+                <a:latin typeface="Consolas" panose="020B0609020204030204" pitchFamily="49" charset="0"/>
+              </a:rPr>
+              <a:t>            </a:t>
+            </a:r>
+            <a:r>
+              <a:rPr lang="en-GB" sz="800" b="0" dirty="0" err="1">
+                <a:solidFill>
+                  <a:srgbClr val="D4D4D4"/>
+                </a:solidFill>
+                <a:effectLst/>
+                <a:latin typeface="Consolas" panose="020B0609020204030204" pitchFamily="49" charset="0"/>
+              </a:rPr>
+              <a:t>ADC_SigIn</a:t>
+            </a:r>
+            <a:r>
+              <a:rPr lang="en-GB" sz="800" b="0" dirty="0">
+                <a:solidFill>
+                  <a:srgbClr val="D4D4D4"/>
+                </a:solidFill>
+                <a:effectLst/>
+                <a:latin typeface="Consolas" panose="020B0609020204030204" pitchFamily="49" charset="0"/>
+              </a:rPr>
+              <a:t> &lt;= </a:t>
+            </a:r>
+            <a:r>
+              <a:rPr lang="en-GB" sz="800" b="0" dirty="0" err="1">
+                <a:solidFill>
+                  <a:srgbClr val="D4D4D4"/>
+                </a:solidFill>
+                <a:effectLst/>
+                <a:latin typeface="Consolas" panose="020B0609020204030204" pitchFamily="49" charset="0"/>
+              </a:rPr>
+              <a:t>conv_std_logic_vector</a:t>
+            </a:r>
+            <a:r>
+              <a:rPr lang="en-GB" sz="800" b="0" dirty="0">
+                <a:solidFill>
+                  <a:srgbClr val="D4D4D4"/>
+                </a:solidFill>
+                <a:effectLst/>
+                <a:latin typeface="Consolas" panose="020B0609020204030204" pitchFamily="49" charset="0"/>
+              </a:rPr>
+              <a:t>(k, </a:t>
+            </a:r>
+            <a:r>
+              <a:rPr lang="en-GB" sz="800" b="0" dirty="0" err="1">
+                <a:solidFill>
+                  <a:srgbClr val="D4D4D4"/>
+                </a:solidFill>
+                <a:effectLst/>
+                <a:latin typeface="Consolas" panose="020B0609020204030204" pitchFamily="49" charset="0"/>
+              </a:rPr>
+              <a:t>ADC_SigIn'</a:t>
+            </a:r>
+            <a:r>
+              <a:rPr lang="en-GB" sz="800" b="0" dirty="0" err="1">
+                <a:solidFill>
+                  <a:srgbClr val="9CDCFE"/>
+                </a:solidFill>
+                <a:effectLst/>
+                <a:latin typeface="Consolas" panose="020B0609020204030204" pitchFamily="49" charset="0"/>
+              </a:rPr>
+              <a:t>length</a:t>
+            </a:r>
+            <a:r>
+              <a:rPr lang="en-GB" sz="800" b="0" dirty="0">
+                <a:solidFill>
+                  <a:srgbClr val="D4D4D4"/>
+                </a:solidFill>
+                <a:effectLst/>
+                <a:latin typeface="Consolas" panose="020B0609020204030204" pitchFamily="49" charset="0"/>
+              </a:rPr>
+              <a:t>);</a:t>
+            </a:r>
+          </a:p>
+          <a:p>
+            <a:r>
+              <a:rPr lang="en-GB" sz="800" b="0" dirty="0">
+                <a:solidFill>
+                  <a:srgbClr val="D4D4D4"/>
+                </a:solidFill>
+                <a:effectLst/>
+                <a:latin typeface="Consolas" panose="020B0609020204030204" pitchFamily="49" charset="0"/>
+              </a:rPr>
+              <a:t>        </a:t>
+            </a:r>
+            <a:r>
+              <a:rPr lang="en-GB" sz="800" b="0" dirty="0">
+                <a:solidFill>
+                  <a:srgbClr val="569CD6"/>
+                </a:solidFill>
+                <a:effectLst/>
+                <a:latin typeface="Consolas" panose="020B0609020204030204" pitchFamily="49" charset="0"/>
+              </a:rPr>
+              <a:t>end loop</a:t>
+            </a:r>
+            <a:r>
+              <a:rPr lang="en-GB" sz="800" b="0" dirty="0">
+                <a:solidFill>
+                  <a:srgbClr val="D4D4D4"/>
+                </a:solidFill>
+                <a:effectLst/>
+                <a:latin typeface="Consolas" panose="020B0609020204030204" pitchFamily="49" charset="0"/>
+              </a:rPr>
+              <a:t>;</a:t>
+            </a:r>
+          </a:p>
+          <a:p>
+            <a:br>
+              <a:rPr lang="en-GB" sz="800" b="0" dirty="0">
+                <a:solidFill>
+                  <a:srgbClr val="D4D4D4"/>
+                </a:solidFill>
+                <a:effectLst/>
+                <a:latin typeface="Consolas" panose="020B0609020204030204" pitchFamily="49" charset="0"/>
+              </a:rPr>
+            </a:br>
+            <a:br>
+              <a:rPr lang="en-GB" sz="800" b="0" dirty="0">
+                <a:solidFill>
+                  <a:srgbClr val="D4D4D4"/>
+                </a:solidFill>
+                <a:effectLst/>
+                <a:latin typeface="Consolas" panose="020B0609020204030204" pitchFamily="49" charset="0"/>
+              </a:rPr>
+            </a:br>
+            <a:r>
+              <a:rPr lang="en-GB" sz="800" b="0" dirty="0">
+                <a:solidFill>
+                  <a:srgbClr val="D4D4D4"/>
+                </a:solidFill>
+                <a:effectLst/>
+                <a:latin typeface="Consolas" panose="020B0609020204030204" pitchFamily="49" charset="0"/>
+              </a:rPr>
+              <a:t>        </a:t>
+            </a:r>
+            <a:r>
+              <a:rPr lang="en-GB" sz="800" b="0" dirty="0">
+                <a:solidFill>
+                  <a:srgbClr val="6A9955"/>
+                </a:solidFill>
+                <a:effectLst/>
+                <a:latin typeface="Consolas" panose="020B0609020204030204" pitchFamily="49" charset="0"/>
+              </a:rPr>
+              <a:t>-- wait for 70 ns;</a:t>
+            </a:r>
+            <a:endParaRPr lang="en-GB" sz="800" b="0" dirty="0">
+              <a:solidFill>
+                <a:srgbClr val="D4D4D4"/>
+              </a:solidFill>
+              <a:effectLst/>
+              <a:latin typeface="Consolas" panose="020B0609020204030204" pitchFamily="49" charset="0"/>
+            </a:endParaRPr>
+          </a:p>
+          <a:p>
+            <a:r>
+              <a:rPr lang="en-GB" sz="800" b="0" dirty="0">
+                <a:solidFill>
+                  <a:srgbClr val="D4D4D4"/>
+                </a:solidFill>
+                <a:effectLst/>
+                <a:latin typeface="Consolas" panose="020B0609020204030204" pitchFamily="49" charset="0"/>
+              </a:rPr>
+              <a:t>        </a:t>
+            </a:r>
+            <a:r>
+              <a:rPr lang="en-GB" sz="800" b="0" dirty="0">
+                <a:solidFill>
+                  <a:srgbClr val="569CD6"/>
+                </a:solidFill>
+                <a:effectLst/>
+                <a:latin typeface="Consolas" panose="020B0609020204030204" pitchFamily="49" charset="0"/>
+              </a:rPr>
+              <a:t>report</a:t>
+            </a:r>
+            <a:r>
+              <a:rPr lang="en-GB" sz="800" b="0" dirty="0">
+                <a:solidFill>
+                  <a:srgbClr val="D4D4D4"/>
+                </a:solidFill>
+                <a:effectLst/>
+                <a:latin typeface="Consolas" panose="020B0609020204030204" pitchFamily="49" charset="0"/>
+              </a:rPr>
+              <a:t> </a:t>
+            </a:r>
+            <a:r>
+              <a:rPr lang="en-GB" sz="800" b="0" dirty="0">
+                <a:solidFill>
+                  <a:srgbClr val="CE9178"/>
+                </a:solidFill>
+                <a:effectLst/>
+                <a:latin typeface="Consolas" panose="020B0609020204030204" pitchFamily="49" charset="0"/>
+              </a:rPr>
+              <a:t>"Calling 'finish'"</a:t>
+            </a:r>
+            <a:r>
+              <a:rPr lang="en-GB" sz="800" b="0" dirty="0">
+                <a:solidFill>
+                  <a:srgbClr val="D4D4D4"/>
+                </a:solidFill>
+                <a:effectLst/>
+                <a:latin typeface="Consolas" panose="020B0609020204030204" pitchFamily="49" charset="0"/>
+              </a:rPr>
+              <a:t>;</a:t>
+            </a:r>
+          </a:p>
+          <a:p>
+            <a:r>
+              <a:rPr lang="en-GB" sz="800" b="0" dirty="0">
+                <a:solidFill>
+                  <a:srgbClr val="D4D4D4"/>
+                </a:solidFill>
+                <a:effectLst/>
+                <a:latin typeface="Consolas" panose="020B0609020204030204" pitchFamily="49" charset="0"/>
+              </a:rPr>
+              <a:t>        </a:t>
+            </a:r>
+            <a:r>
+              <a:rPr lang="en-GB" sz="800" b="0" dirty="0">
+                <a:solidFill>
+                  <a:srgbClr val="DCDCAA"/>
+                </a:solidFill>
+                <a:effectLst/>
+                <a:latin typeface="Consolas" panose="020B0609020204030204" pitchFamily="49" charset="0"/>
+              </a:rPr>
+              <a:t>finish</a:t>
+            </a:r>
+            <a:r>
+              <a:rPr lang="en-GB" sz="800" b="0" dirty="0">
+                <a:solidFill>
+                  <a:srgbClr val="D4D4D4"/>
+                </a:solidFill>
+                <a:effectLst/>
+                <a:latin typeface="Consolas" panose="020B0609020204030204" pitchFamily="49" charset="0"/>
+              </a:rPr>
+              <a:t>;</a:t>
+            </a:r>
+          </a:p>
+          <a:p>
+            <a:r>
+              <a:rPr lang="en-GB" sz="800" b="0" dirty="0">
+                <a:solidFill>
+                  <a:srgbClr val="D4D4D4"/>
+                </a:solidFill>
+                <a:effectLst/>
+                <a:latin typeface="Consolas" panose="020B0609020204030204" pitchFamily="49" charset="0"/>
+              </a:rPr>
+              <a:t>    </a:t>
+            </a:r>
+            <a:r>
+              <a:rPr lang="en-GB" sz="800" b="0" dirty="0">
+                <a:solidFill>
+                  <a:srgbClr val="569CD6"/>
+                </a:solidFill>
+                <a:effectLst/>
+                <a:latin typeface="Consolas" panose="020B0609020204030204" pitchFamily="49" charset="0"/>
+              </a:rPr>
+              <a:t>end</a:t>
+            </a:r>
+            <a:r>
+              <a:rPr lang="en-GB" sz="800" b="0" dirty="0">
+                <a:solidFill>
+                  <a:srgbClr val="D4D4D4"/>
+                </a:solidFill>
+                <a:effectLst/>
+                <a:latin typeface="Consolas" panose="020B0609020204030204" pitchFamily="49" charset="0"/>
+              </a:rPr>
+              <a:t> </a:t>
+            </a:r>
+            <a:r>
+              <a:rPr lang="en-GB" sz="800" b="0" dirty="0">
+                <a:solidFill>
+                  <a:srgbClr val="569CD6"/>
+                </a:solidFill>
+                <a:effectLst/>
+                <a:latin typeface="Consolas" panose="020B0609020204030204" pitchFamily="49" charset="0"/>
+              </a:rPr>
+              <a:t>process</a:t>
+            </a:r>
+            <a:r>
+              <a:rPr lang="en-GB" sz="800" b="0" dirty="0">
+                <a:solidFill>
+                  <a:srgbClr val="D4D4D4"/>
+                </a:solidFill>
+                <a:effectLst/>
+                <a:latin typeface="Consolas" panose="020B0609020204030204" pitchFamily="49" charset="0"/>
+              </a:rPr>
+              <a:t>;</a:t>
+            </a:r>
+          </a:p>
+          <a:p>
+            <a:r>
+              <a:rPr lang="en-GB" sz="800" b="0" dirty="0">
+                <a:solidFill>
+                  <a:srgbClr val="569CD6"/>
+                </a:solidFill>
+                <a:effectLst/>
+                <a:latin typeface="Consolas" panose="020B0609020204030204" pitchFamily="49" charset="0"/>
+              </a:rPr>
+              <a:t>end</a:t>
+            </a:r>
+            <a:r>
+              <a:rPr lang="en-GB" sz="800" b="0" dirty="0">
+                <a:solidFill>
+                  <a:srgbClr val="D4D4D4"/>
+                </a:solidFill>
+                <a:effectLst/>
+                <a:latin typeface="Consolas" panose="020B0609020204030204" pitchFamily="49" charset="0"/>
+              </a:rPr>
+              <a:t> </a:t>
+            </a:r>
+            <a:r>
+              <a:rPr lang="en-GB" sz="800" b="0" dirty="0">
+                <a:solidFill>
+                  <a:srgbClr val="569CD6"/>
+                </a:solidFill>
+                <a:effectLst/>
+                <a:latin typeface="Consolas" panose="020B0609020204030204" pitchFamily="49" charset="0"/>
+              </a:rPr>
+              <a:t>architecture</a:t>
+            </a:r>
+            <a:r>
+              <a:rPr lang="en-GB" sz="800" b="0" dirty="0">
+                <a:solidFill>
+                  <a:srgbClr val="D4D4D4"/>
+                </a:solidFill>
+                <a:effectLst/>
+                <a:latin typeface="Consolas" panose="020B0609020204030204" pitchFamily="49" charset="0"/>
+              </a:rPr>
+              <a:t>;</a:t>
+            </a:r>
+          </a:p>
+        </p:txBody>
+      </p:sp>
+    </p:spTree>
+    <p:extLst>
+      <p:ext uri="{BB962C8B-B14F-4D97-AF65-F5344CB8AC3E}">
+        <p14:creationId xmlns:p14="http://schemas.microsoft.com/office/powerpoint/2010/main" val="2146081991"/>
+      </p:ext>
+    </p:extLst>
+  </p:cSld>
+  <p:clrMapOvr>
+    <a:masterClrMapping/>
+  </p:clrMapOvr>
+</p:sld>
+</file>
+
 <file path=ppt/slides/slide2.xml><?xml version="1.0" encoding="utf-8"?>
 <p:sld xmlns:a="http://schemas.openxmlformats.org/drawingml/2006/main" xmlns:r="http://schemas.openxmlformats.org/officeDocument/2006/relationships" xmlns:p="http://schemas.openxmlformats.org/presentationml/2006/main">
   <p:cSld>
@@ -4456,6 +9152,1420 @@
       </p:grpSpPr>
       <p:pic>
         <p:nvPicPr>
+          <p:cNvPr id="2" name="Picture 1">
+            <a:extLst>
+              <a:ext uri="{FF2B5EF4-FFF2-40B4-BE49-F238E27FC236}">
+                <a16:creationId xmlns:a16="http://schemas.microsoft.com/office/drawing/2014/main" id="{0CCF1C4B-178C-561C-C8E7-BF0996036E4C}"/>
+              </a:ext>
+            </a:extLst>
+          </p:cNvPr>
+          <p:cNvPicPr>
+            <a:picLocks noChangeAspect="1"/>
+          </p:cNvPicPr>
+          <p:nvPr/>
+        </p:nvPicPr>
+        <p:blipFill>
+          <a:blip r:embed="rId2"/>
+          <a:stretch>
+            <a:fillRect/>
+          </a:stretch>
+        </p:blipFill>
+        <p:spPr>
+          <a:xfrm>
+            <a:off x="0" y="0"/>
+            <a:ext cx="5731510" cy="2970530"/>
+          </a:xfrm>
+          <a:prstGeom prst="rect">
+            <a:avLst/>
+          </a:prstGeom>
+        </p:spPr>
+      </p:pic>
+      <p:graphicFrame>
+        <p:nvGraphicFramePr>
+          <p:cNvPr id="3" name="Table 2">
+            <a:extLst>
+              <a:ext uri="{FF2B5EF4-FFF2-40B4-BE49-F238E27FC236}">
+                <a16:creationId xmlns:a16="http://schemas.microsoft.com/office/drawing/2014/main" id="{CA3D81AE-4191-C204-9AE1-F961DAA0A8F1}"/>
+              </a:ext>
+            </a:extLst>
+          </p:cNvPr>
+          <p:cNvGraphicFramePr>
+            <a:graphicFrameLocks noGrp="1"/>
+          </p:cNvGraphicFramePr>
+          <p:nvPr>
+            <p:extLst>
+              <p:ext uri="{D42A27DB-BD31-4B8C-83A1-F6EECF244321}">
+                <p14:modId xmlns:p14="http://schemas.microsoft.com/office/powerpoint/2010/main" val="1358502176"/>
+              </p:ext>
+            </p:extLst>
+          </p:nvPr>
+        </p:nvGraphicFramePr>
+        <p:xfrm>
+          <a:off x="6029325" y="1"/>
+          <a:ext cx="6162674" cy="7002315"/>
+        </p:xfrm>
+        <a:graphic>
+          <a:graphicData uri="http://schemas.openxmlformats.org/drawingml/2006/table">
+            <a:tbl>
+              <a:tblPr firstRow="1" firstCol="1" bandRow="1">
+                <a:tableStyleId>{5C22544A-7EE6-4342-B048-85BDC9FD1C3A}</a:tableStyleId>
+              </a:tblPr>
+              <a:tblGrid>
+                <a:gridCol w="667990">
+                  <a:extLst>
+                    <a:ext uri="{9D8B030D-6E8A-4147-A177-3AD203B41FA5}">
+                      <a16:colId xmlns:a16="http://schemas.microsoft.com/office/drawing/2014/main" val="3691224793"/>
+                    </a:ext>
+                  </a:extLst>
+                </a:gridCol>
+                <a:gridCol w="1225096">
+                  <a:extLst>
+                    <a:ext uri="{9D8B030D-6E8A-4147-A177-3AD203B41FA5}">
+                      <a16:colId xmlns:a16="http://schemas.microsoft.com/office/drawing/2014/main" val="4264975046"/>
+                    </a:ext>
+                  </a:extLst>
+                </a:gridCol>
+                <a:gridCol w="574687">
+                  <a:extLst>
+                    <a:ext uri="{9D8B030D-6E8A-4147-A177-3AD203B41FA5}">
+                      <a16:colId xmlns:a16="http://schemas.microsoft.com/office/drawing/2014/main" val="2881252813"/>
+                    </a:ext>
+                  </a:extLst>
+                </a:gridCol>
+                <a:gridCol w="3694901">
+                  <a:extLst>
+                    <a:ext uri="{9D8B030D-6E8A-4147-A177-3AD203B41FA5}">
+                      <a16:colId xmlns:a16="http://schemas.microsoft.com/office/drawing/2014/main" val="156011609"/>
+                    </a:ext>
+                  </a:extLst>
+                </a:gridCol>
+              </a:tblGrid>
+              <a:tr h="143790">
+                <a:tc>
+                  <a:txBody>
+                    <a:bodyPr/>
+                    <a:lstStyle/>
+                    <a:p>
+                      <a:pPr algn="ctr">
+                        <a:lnSpc>
+                          <a:spcPct val="107000"/>
+                        </a:lnSpc>
+                        <a:spcAft>
+                          <a:spcPts val="800"/>
+                        </a:spcAft>
+                      </a:pPr>
+                      <a:r>
+                        <a:rPr lang="ru-RU" sz="900">
+                          <a:effectLst/>
+                        </a:rPr>
+                        <a:t>№ п.п.</a:t>
+                      </a:r>
+                      <a:endParaRPr lang="en-GB" sz="900">
+                        <a:effectLst/>
+                        <a:latin typeface="Calibri" panose="020F0502020204030204" pitchFamily="34" charset="0"/>
+                        <a:ea typeface="Calibri" panose="020F0502020204030204" pitchFamily="34" charset="0"/>
+                        <a:cs typeface="Arial" panose="020B0604020202020204" pitchFamily="34" charset="0"/>
+                      </a:endParaRPr>
+                    </a:p>
+                  </a:txBody>
+                  <a:tcPr marL="24147" marR="24147" marT="0" marB="0" anchor="ctr"/>
+                </a:tc>
+                <a:tc>
+                  <a:txBody>
+                    <a:bodyPr/>
+                    <a:lstStyle/>
+                    <a:p>
+                      <a:pPr algn="ctr">
+                        <a:lnSpc>
+                          <a:spcPct val="107000"/>
+                        </a:lnSpc>
+                        <a:spcAft>
+                          <a:spcPts val="800"/>
+                        </a:spcAft>
+                      </a:pPr>
+                      <a:r>
+                        <a:rPr lang="ru-RU" sz="900">
+                          <a:effectLst/>
+                        </a:rPr>
+                        <a:t>Сигнал</a:t>
+                      </a:r>
+                      <a:endParaRPr lang="en-GB" sz="900">
+                        <a:effectLst/>
+                        <a:latin typeface="Calibri" panose="020F0502020204030204" pitchFamily="34" charset="0"/>
+                        <a:ea typeface="Calibri" panose="020F0502020204030204" pitchFamily="34" charset="0"/>
+                        <a:cs typeface="Arial" panose="020B0604020202020204" pitchFamily="34" charset="0"/>
+                      </a:endParaRPr>
+                    </a:p>
+                  </a:txBody>
+                  <a:tcPr marL="24147" marR="24147" marT="0" marB="0" anchor="ctr"/>
+                </a:tc>
+                <a:tc>
+                  <a:txBody>
+                    <a:bodyPr/>
+                    <a:lstStyle/>
+                    <a:p>
+                      <a:pPr algn="ctr">
+                        <a:lnSpc>
+                          <a:spcPct val="107000"/>
+                        </a:lnSpc>
+                        <a:spcAft>
+                          <a:spcPts val="800"/>
+                        </a:spcAft>
+                      </a:pPr>
+                      <a:r>
+                        <a:rPr lang="ru-RU" sz="900" dirty="0">
+                          <a:effectLst/>
+                        </a:rPr>
+                        <a:t>Напр.</a:t>
+                      </a:r>
+                      <a:endParaRPr lang="en-GB" sz="900" dirty="0">
+                        <a:effectLst/>
+                        <a:latin typeface="Calibri" panose="020F0502020204030204" pitchFamily="34" charset="0"/>
+                        <a:ea typeface="Calibri" panose="020F0502020204030204" pitchFamily="34" charset="0"/>
+                        <a:cs typeface="Arial" panose="020B0604020202020204" pitchFamily="34" charset="0"/>
+                      </a:endParaRPr>
+                    </a:p>
+                  </a:txBody>
+                  <a:tcPr marL="24147" marR="24147" marT="0" marB="0" anchor="ctr"/>
+                </a:tc>
+                <a:tc>
+                  <a:txBody>
+                    <a:bodyPr/>
+                    <a:lstStyle/>
+                    <a:p>
+                      <a:pPr algn="ctr">
+                        <a:lnSpc>
+                          <a:spcPct val="107000"/>
+                        </a:lnSpc>
+                        <a:spcAft>
+                          <a:spcPts val="800"/>
+                        </a:spcAft>
+                      </a:pPr>
+                      <a:r>
+                        <a:rPr lang="ru-RU" sz="900">
+                          <a:effectLst/>
+                        </a:rPr>
+                        <a:t>Описание</a:t>
+                      </a:r>
+                      <a:endParaRPr lang="en-GB" sz="900">
+                        <a:effectLst/>
+                        <a:latin typeface="Calibri" panose="020F0502020204030204" pitchFamily="34" charset="0"/>
+                        <a:ea typeface="Calibri" panose="020F0502020204030204" pitchFamily="34" charset="0"/>
+                        <a:cs typeface="Arial" panose="020B0604020202020204" pitchFamily="34" charset="0"/>
+                      </a:endParaRPr>
+                    </a:p>
+                  </a:txBody>
+                  <a:tcPr marL="24147" marR="24147" marT="0" marB="0" anchor="ctr"/>
+                </a:tc>
+                <a:extLst>
+                  <a:ext uri="{0D108BD9-81ED-4DB2-BD59-A6C34878D82A}">
+                    <a16:rowId xmlns:a16="http://schemas.microsoft.com/office/drawing/2014/main" val="2944662258"/>
+                  </a:ext>
+                </a:extLst>
+              </a:tr>
+              <a:tr h="143790">
+                <a:tc gridSpan="4">
+                  <a:txBody>
+                    <a:bodyPr/>
+                    <a:lstStyle/>
+                    <a:p>
+                      <a:pPr algn="ctr">
+                        <a:lnSpc>
+                          <a:spcPct val="107000"/>
+                        </a:lnSpc>
+                        <a:spcAft>
+                          <a:spcPts val="800"/>
+                        </a:spcAft>
+                      </a:pPr>
+                      <a:r>
+                        <a:rPr lang="ru-RU" sz="900" dirty="0">
+                          <a:effectLst/>
+                        </a:rPr>
+                        <a:t>Сигнал аналого-цифрового преобразователя</a:t>
+                      </a:r>
+                      <a:endParaRPr lang="en-GB" sz="900" dirty="0">
+                        <a:effectLst/>
+                        <a:latin typeface="Calibri" panose="020F0502020204030204" pitchFamily="34" charset="0"/>
+                        <a:ea typeface="Calibri" panose="020F0502020204030204" pitchFamily="34" charset="0"/>
+                        <a:cs typeface="Arial" panose="020B0604020202020204" pitchFamily="34" charset="0"/>
+                      </a:endParaRPr>
+                    </a:p>
+                  </a:txBody>
+                  <a:tcPr marL="24147" marR="24147" marT="0" marB="0" anchor="ctr"/>
+                </a:tc>
+                <a:tc hMerge="1">
+                  <a:txBody>
+                    <a:bodyPr/>
+                    <a:lstStyle/>
+                    <a:p>
+                      <a:endParaRPr lang="en-GB"/>
+                    </a:p>
+                  </a:txBody>
+                  <a:tcPr/>
+                </a:tc>
+                <a:tc hMerge="1">
+                  <a:txBody>
+                    <a:bodyPr/>
+                    <a:lstStyle/>
+                    <a:p>
+                      <a:endParaRPr lang="en-GB"/>
+                    </a:p>
+                  </a:txBody>
+                  <a:tcPr/>
+                </a:tc>
+                <a:tc hMerge="1">
+                  <a:txBody>
+                    <a:bodyPr/>
+                    <a:lstStyle/>
+                    <a:p>
+                      <a:endParaRPr lang="en-GB"/>
+                    </a:p>
+                  </a:txBody>
+                  <a:tcPr/>
+                </a:tc>
+                <a:extLst>
+                  <a:ext uri="{0D108BD9-81ED-4DB2-BD59-A6C34878D82A}">
+                    <a16:rowId xmlns:a16="http://schemas.microsoft.com/office/drawing/2014/main" val="20103133"/>
+                  </a:ext>
+                </a:extLst>
+              </a:tr>
+              <a:tr h="204539">
+                <a:tc>
+                  <a:txBody>
+                    <a:bodyPr/>
+                    <a:lstStyle/>
+                    <a:p>
+                      <a:pPr algn="ctr">
+                        <a:lnSpc>
+                          <a:spcPct val="107000"/>
+                        </a:lnSpc>
+                        <a:spcAft>
+                          <a:spcPts val="800"/>
+                        </a:spcAft>
+                      </a:pPr>
+                      <a:r>
+                        <a:rPr lang="en-US" sz="900">
+                          <a:effectLst/>
+                        </a:rPr>
+                        <a:t>5</a:t>
+                      </a:r>
+                      <a:endParaRPr lang="en-GB" sz="900">
+                        <a:effectLst/>
+                        <a:latin typeface="Calibri" panose="020F0502020204030204" pitchFamily="34" charset="0"/>
+                        <a:ea typeface="Calibri" panose="020F0502020204030204" pitchFamily="34" charset="0"/>
+                        <a:cs typeface="Arial" panose="020B0604020202020204" pitchFamily="34" charset="0"/>
+                      </a:endParaRPr>
+                    </a:p>
+                  </a:txBody>
+                  <a:tcPr marL="24147" marR="24147" marT="0" marB="0" anchor="ctr"/>
+                </a:tc>
+                <a:tc>
+                  <a:txBody>
+                    <a:bodyPr/>
+                    <a:lstStyle/>
+                    <a:p>
+                      <a:pPr algn="ctr">
+                        <a:lnSpc>
+                          <a:spcPct val="107000"/>
+                        </a:lnSpc>
+                        <a:spcAft>
+                          <a:spcPts val="800"/>
+                        </a:spcAft>
+                      </a:pPr>
+                      <a:r>
+                        <a:rPr lang="en-US" sz="900">
+                          <a:effectLst/>
+                        </a:rPr>
+                        <a:t>ADC_SigIn (9:0)</a:t>
+                      </a:r>
+                      <a:endParaRPr lang="en-GB" sz="900">
+                        <a:effectLst/>
+                        <a:latin typeface="Calibri" panose="020F0502020204030204" pitchFamily="34" charset="0"/>
+                        <a:ea typeface="Calibri" panose="020F0502020204030204" pitchFamily="34" charset="0"/>
+                        <a:cs typeface="Arial" panose="020B0604020202020204" pitchFamily="34" charset="0"/>
+                      </a:endParaRPr>
+                    </a:p>
+                  </a:txBody>
+                  <a:tcPr marL="24147" marR="24147" marT="0" marB="0" anchor="ctr"/>
+                </a:tc>
+                <a:tc>
+                  <a:txBody>
+                    <a:bodyPr/>
+                    <a:lstStyle/>
+                    <a:p>
+                      <a:pPr algn="ctr">
+                        <a:lnSpc>
+                          <a:spcPct val="107000"/>
+                        </a:lnSpc>
+                        <a:spcAft>
+                          <a:spcPts val="800"/>
+                        </a:spcAft>
+                      </a:pPr>
+                      <a:r>
+                        <a:rPr lang="en-US" sz="900">
+                          <a:effectLst/>
+                        </a:rPr>
+                        <a:t>in</a:t>
+                      </a:r>
+                      <a:endParaRPr lang="en-GB" sz="900">
+                        <a:effectLst/>
+                        <a:latin typeface="Calibri" panose="020F0502020204030204" pitchFamily="34" charset="0"/>
+                        <a:ea typeface="Calibri" panose="020F0502020204030204" pitchFamily="34" charset="0"/>
+                        <a:cs typeface="Arial" panose="020B0604020202020204" pitchFamily="34" charset="0"/>
+                      </a:endParaRPr>
+                    </a:p>
+                  </a:txBody>
+                  <a:tcPr marL="24147" marR="24147" marT="0" marB="0" anchor="ctr"/>
+                </a:tc>
+                <a:tc>
+                  <a:txBody>
+                    <a:bodyPr/>
+                    <a:lstStyle/>
+                    <a:p>
+                      <a:pPr>
+                        <a:lnSpc>
+                          <a:spcPct val="107000"/>
+                        </a:lnSpc>
+                        <a:spcAft>
+                          <a:spcPts val="800"/>
+                        </a:spcAft>
+                      </a:pPr>
+                      <a:r>
+                        <a:rPr lang="ru-RU" sz="900">
+                          <a:effectLst/>
+                        </a:rPr>
+                        <a:t>Данные, поступающие с АЦП. </a:t>
+                      </a:r>
+                      <a:endParaRPr lang="en-GB" sz="900">
+                        <a:effectLst/>
+                        <a:latin typeface="Calibri" panose="020F0502020204030204" pitchFamily="34" charset="0"/>
+                        <a:ea typeface="Calibri" panose="020F0502020204030204" pitchFamily="34" charset="0"/>
+                        <a:cs typeface="Arial" panose="020B0604020202020204" pitchFamily="34" charset="0"/>
+                      </a:endParaRPr>
+                    </a:p>
+                  </a:txBody>
+                  <a:tcPr marL="24147" marR="24147" marT="0" marB="0" anchor="ctr"/>
+                </a:tc>
+                <a:extLst>
+                  <a:ext uri="{0D108BD9-81ED-4DB2-BD59-A6C34878D82A}">
+                    <a16:rowId xmlns:a16="http://schemas.microsoft.com/office/drawing/2014/main" val="3976756730"/>
+                  </a:ext>
+                </a:extLst>
+              </a:tr>
+              <a:tr h="1043687">
+                <a:tc>
+                  <a:txBody>
+                    <a:bodyPr/>
+                    <a:lstStyle/>
+                    <a:p>
+                      <a:pPr algn="ctr">
+                        <a:lnSpc>
+                          <a:spcPct val="107000"/>
+                        </a:lnSpc>
+                        <a:spcAft>
+                          <a:spcPts val="800"/>
+                        </a:spcAft>
+                      </a:pPr>
+                      <a:r>
+                        <a:rPr lang="en-US" sz="900">
+                          <a:effectLst/>
+                        </a:rPr>
+                        <a:t>F13</a:t>
+                      </a:r>
+                      <a:endParaRPr lang="en-GB" sz="900">
+                        <a:effectLst/>
+                        <a:latin typeface="Calibri" panose="020F0502020204030204" pitchFamily="34" charset="0"/>
+                        <a:ea typeface="Calibri" panose="020F0502020204030204" pitchFamily="34" charset="0"/>
+                        <a:cs typeface="Arial" panose="020B0604020202020204" pitchFamily="34" charset="0"/>
+                      </a:endParaRPr>
+                    </a:p>
+                  </a:txBody>
+                  <a:tcPr marL="24147" marR="24147" marT="0" marB="0" anchor="ctr"/>
+                </a:tc>
+                <a:tc>
+                  <a:txBody>
+                    <a:bodyPr/>
+                    <a:lstStyle/>
+                    <a:p>
+                      <a:pPr algn="ctr">
+                        <a:lnSpc>
+                          <a:spcPct val="107000"/>
+                        </a:lnSpc>
+                        <a:spcAft>
+                          <a:spcPts val="800"/>
+                        </a:spcAft>
+                      </a:pPr>
+                      <a:r>
+                        <a:rPr lang="ru-RU" sz="900" dirty="0" err="1">
+                          <a:effectLst/>
+                        </a:rPr>
+                        <a:t>Gain_s</a:t>
+                      </a:r>
+                      <a:endParaRPr lang="en-GB" sz="900" dirty="0">
+                        <a:effectLst/>
+                        <a:latin typeface="Calibri" panose="020F0502020204030204" pitchFamily="34" charset="0"/>
+                        <a:ea typeface="Calibri" panose="020F0502020204030204" pitchFamily="34" charset="0"/>
+                        <a:cs typeface="Arial" panose="020B0604020202020204" pitchFamily="34" charset="0"/>
+                      </a:endParaRPr>
+                    </a:p>
+                  </a:txBody>
+                  <a:tcPr marL="24147" marR="24147" marT="0" marB="0" anchor="ctr"/>
+                </a:tc>
+                <a:tc>
+                  <a:txBody>
+                    <a:bodyPr/>
+                    <a:lstStyle/>
+                    <a:p>
+                      <a:pPr algn="ctr">
+                        <a:lnSpc>
+                          <a:spcPct val="107000"/>
+                        </a:lnSpc>
+                        <a:spcAft>
+                          <a:spcPts val="800"/>
+                        </a:spcAft>
+                      </a:pPr>
+                      <a:r>
+                        <a:rPr lang="en-US" sz="900" dirty="0">
+                          <a:effectLst/>
+                        </a:rPr>
+                        <a:t>out</a:t>
+                      </a:r>
+                      <a:endParaRPr lang="en-GB" sz="900" dirty="0">
+                        <a:effectLst/>
+                        <a:latin typeface="Calibri" panose="020F0502020204030204" pitchFamily="34" charset="0"/>
+                        <a:ea typeface="Calibri" panose="020F0502020204030204" pitchFamily="34" charset="0"/>
+                        <a:cs typeface="Arial" panose="020B0604020202020204" pitchFamily="34" charset="0"/>
+                      </a:endParaRPr>
+                    </a:p>
+                  </a:txBody>
+                  <a:tcPr marL="24147" marR="24147" marT="0" marB="0" anchor="ctr"/>
+                </a:tc>
+                <a:tc>
+                  <a:txBody>
+                    <a:bodyPr/>
+                    <a:lstStyle/>
+                    <a:p>
+                      <a:pPr>
+                        <a:lnSpc>
+                          <a:spcPct val="107000"/>
+                        </a:lnSpc>
+                        <a:spcAft>
+                          <a:spcPts val="800"/>
+                        </a:spcAft>
+                      </a:pPr>
+                      <a:r>
+                        <a:rPr lang="ru-RU" sz="900" dirty="0">
+                          <a:effectLst/>
+                        </a:rPr>
+                        <a:t>Этот вывод задает внутреннее усиление сигнала на входах АЦП.</a:t>
+                      </a:r>
+                      <a:endParaRPr lang="en-GB" sz="900" dirty="0">
+                        <a:effectLst/>
+                      </a:endParaRPr>
+                    </a:p>
+                    <a:p>
+                      <a:pPr>
+                        <a:lnSpc>
+                          <a:spcPct val="107000"/>
+                        </a:lnSpc>
+                        <a:spcAft>
+                          <a:spcPts val="800"/>
+                        </a:spcAft>
+                      </a:pPr>
+                      <a:r>
+                        <a:rPr lang="ru-RU" sz="900" dirty="0">
+                          <a:effectLst/>
+                        </a:rPr>
+                        <a:t>При низком значении этого вывода коэффициент усиления полномасштабного дифференциального входного сигнала от пика к пику равен VREF.</a:t>
+                      </a:r>
+                      <a:endParaRPr lang="en-GB" sz="900" dirty="0">
+                        <a:effectLst/>
+                      </a:endParaRPr>
+                    </a:p>
+                    <a:p>
+                      <a:pPr>
+                        <a:lnSpc>
+                          <a:spcPct val="107000"/>
+                        </a:lnSpc>
+                        <a:spcAft>
+                          <a:spcPts val="800"/>
+                        </a:spcAft>
+                      </a:pPr>
+                      <a:r>
+                        <a:rPr lang="ru-RU" sz="900" dirty="0">
+                          <a:effectLst/>
+                        </a:rPr>
+                        <a:t>При высоком значении этого вывода полномасштабный дифференциальный входной сигнал от фронта к фронту равен 2 x VREF.</a:t>
+                      </a:r>
+                      <a:endParaRPr lang="en-GB" sz="900" dirty="0">
+                        <a:effectLst/>
+                        <a:latin typeface="Calibri" panose="020F0502020204030204" pitchFamily="34" charset="0"/>
+                        <a:ea typeface="Calibri" panose="020F0502020204030204" pitchFamily="34" charset="0"/>
+                        <a:cs typeface="Arial" panose="020B0604020202020204" pitchFamily="34" charset="0"/>
+                      </a:endParaRPr>
+                    </a:p>
+                  </a:txBody>
+                  <a:tcPr marL="24147" marR="24147" marT="0" marB="0" anchor="ctr"/>
+                </a:tc>
+                <a:extLst>
+                  <a:ext uri="{0D108BD9-81ED-4DB2-BD59-A6C34878D82A}">
+                    <a16:rowId xmlns:a16="http://schemas.microsoft.com/office/drawing/2014/main" val="3300077620"/>
+                  </a:ext>
+                </a:extLst>
+              </a:tr>
+              <a:tr h="204539">
+                <a:tc>
+                  <a:txBody>
+                    <a:bodyPr/>
+                    <a:lstStyle/>
+                    <a:p>
+                      <a:pPr algn="ctr">
+                        <a:lnSpc>
+                          <a:spcPct val="107000"/>
+                        </a:lnSpc>
+                        <a:spcAft>
+                          <a:spcPts val="800"/>
+                        </a:spcAft>
+                      </a:pPr>
+                      <a:r>
+                        <a:rPr lang="en-US" sz="900">
+                          <a:effectLst/>
+                        </a:rPr>
+                        <a:t>F15</a:t>
+                      </a:r>
+                      <a:endParaRPr lang="en-GB" sz="900">
+                        <a:effectLst/>
+                        <a:latin typeface="Calibri" panose="020F0502020204030204" pitchFamily="34" charset="0"/>
+                        <a:ea typeface="Calibri" panose="020F0502020204030204" pitchFamily="34" charset="0"/>
+                        <a:cs typeface="Arial" panose="020B0604020202020204" pitchFamily="34" charset="0"/>
+                      </a:endParaRPr>
+                    </a:p>
+                  </a:txBody>
+                  <a:tcPr marL="24147" marR="24147" marT="0" marB="0" anchor="ctr"/>
+                </a:tc>
+                <a:tc>
+                  <a:txBody>
+                    <a:bodyPr/>
+                    <a:lstStyle/>
+                    <a:p>
+                      <a:pPr algn="ctr">
+                        <a:lnSpc>
+                          <a:spcPct val="107000"/>
+                        </a:lnSpc>
+                        <a:spcAft>
+                          <a:spcPts val="800"/>
+                        </a:spcAft>
+                      </a:pPr>
+                      <a:r>
+                        <a:rPr lang="ru-RU" sz="900">
+                          <a:effectLst/>
+                        </a:rPr>
+                        <a:t>OutputBusSelect_s</a:t>
+                      </a:r>
+                      <a:endParaRPr lang="en-GB" sz="900">
+                        <a:effectLst/>
+                        <a:latin typeface="Calibri" panose="020F0502020204030204" pitchFamily="34" charset="0"/>
+                        <a:ea typeface="Calibri" panose="020F0502020204030204" pitchFamily="34" charset="0"/>
+                        <a:cs typeface="Arial" panose="020B0604020202020204" pitchFamily="34" charset="0"/>
+                      </a:endParaRPr>
+                    </a:p>
+                  </a:txBody>
+                  <a:tcPr marL="24147" marR="24147" marT="0" marB="0" anchor="ctr"/>
+                </a:tc>
+                <a:tc>
+                  <a:txBody>
+                    <a:bodyPr/>
+                    <a:lstStyle/>
+                    <a:p>
+                      <a:pPr algn="ctr">
+                        <a:lnSpc>
+                          <a:spcPct val="107000"/>
+                        </a:lnSpc>
+                        <a:spcAft>
+                          <a:spcPts val="800"/>
+                        </a:spcAft>
+                      </a:pPr>
+                      <a:r>
+                        <a:rPr lang="en-US" sz="900">
+                          <a:effectLst/>
+                        </a:rPr>
+                        <a:t>out</a:t>
+                      </a:r>
+                      <a:endParaRPr lang="en-GB" sz="900">
+                        <a:effectLst/>
+                        <a:latin typeface="Calibri" panose="020F0502020204030204" pitchFamily="34" charset="0"/>
+                        <a:ea typeface="Calibri" panose="020F0502020204030204" pitchFamily="34" charset="0"/>
+                        <a:cs typeface="Arial" panose="020B0604020202020204" pitchFamily="34" charset="0"/>
+                      </a:endParaRPr>
+                    </a:p>
+                  </a:txBody>
+                  <a:tcPr marL="24147" marR="24147" marT="0" marB="0" anchor="ctr"/>
+                </a:tc>
+                <a:tc>
+                  <a:txBody>
+                    <a:bodyPr/>
+                    <a:lstStyle/>
+                    <a:p>
+                      <a:pPr>
+                        <a:lnSpc>
+                          <a:spcPct val="107000"/>
+                        </a:lnSpc>
+                        <a:spcAft>
+                          <a:spcPts val="800"/>
+                        </a:spcAft>
+                      </a:pPr>
+                      <a:r>
+                        <a:rPr lang="ru-RU" sz="900">
+                          <a:effectLst/>
+                        </a:rPr>
+                        <a:t>-- '1' параллельный '0' мультиплексированный на I</a:t>
+                      </a:r>
+                      <a:endParaRPr lang="en-GB" sz="900">
+                        <a:effectLst/>
+                        <a:latin typeface="Calibri" panose="020F0502020204030204" pitchFamily="34" charset="0"/>
+                        <a:ea typeface="Calibri" panose="020F0502020204030204" pitchFamily="34" charset="0"/>
+                        <a:cs typeface="Arial" panose="020B0604020202020204" pitchFamily="34" charset="0"/>
+                      </a:endParaRPr>
+                    </a:p>
+                  </a:txBody>
+                  <a:tcPr marL="24147" marR="24147" marT="0" marB="0" anchor="ctr"/>
+                </a:tc>
+                <a:extLst>
+                  <a:ext uri="{0D108BD9-81ED-4DB2-BD59-A6C34878D82A}">
+                    <a16:rowId xmlns:a16="http://schemas.microsoft.com/office/drawing/2014/main" val="2777658805"/>
+                  </a:ext>
+                </a:extLst>
+              </a:tr>
+              <a:tr h="1185869">
+                <a:tc>
+                  <a:txBody>
+                    <a:bodyPr/>
+                    <a:lstStyle/>
+                    <a:p>
+                      <a:pPr algn="ctr">
+                        <a:lnSpc>
+                          <a:spcPct val="107000"/>
+                        </a:lnSpc>
+                        <a:spcAft>
+                          <a:spcPts val="800"/>
+                        </a:spcAft>
+                      </a:pPr>
+                      <a:r>
+                        <a:rPr lang="en-US" sz="900">
+                          <a:effectLst/>
+                        </a:rPr>
+                        <a:t>F16</a:t>
+                      </a:r>
+                      <a:endParaRPr lang="en-GB" sz="900">
+                        <a:effectLst/>
+                        <a:latin typeface="Calibri" panose="020F0502020204030204" pitchFamily="34" charset="0"/>
+                        <a:ea typeface="Calibri" panose="020F0502020204030204" pitchFamily="34" charset="0"/>
+                        <a:cs typeface="Arial" panose="020B0604020202020204" pitchFamily="34" charset="0"/>
+                      </a:endParaRPr>
+                    </a:p>
+                  </a:txBody>
+                  <a:tcPr marL="24147" marR="24147" marT="0" marB="0" anchor="ctr"/>
+                </a:tc>
+                <a:tc>
+                  <a:txBody>
+                    <a:bodyPr/>
+                    <a:lstStyle/>
+                    <a:p>
+                      <a:pPr algn="ctr">
+                        <a:lnSpc>
+                          <a:spcPct val="107000"/>
+                        </a:lnSpc>
+                        <a:spcAft>
+                          <a:spcPts val="800"/>
+                        </a:spcAft>
+                      </a:pPr>
+                      <a:r>
+                        <a:rPr lang="ru-RU" sz="900">
+                          <a:effectLst/>
+                        </a:rPr>
+                        <a:t>        Standby_s</a:t>
+                      </a:r>
+                      <a:endParaRPr lang="en-GB" sz="900">
+                        <a:effectLst/>
+                        <a:latin typeface="Calibri" panose="020F0502020204030204" pitchFamily="34" charset="0"/>
+                        <a:ea typeface="Calibri" panose="020F0502020204030204" pitchFamily="34" charset="0"/>
+                        <a:cs typeface="Arial" panose="020B0604020202020204" pitchFamily="34" charset="0"/>
+                      </a:endParaRPr>
+                    </a:p>
+                  </a:txBody>
+                  <a:tcPr marL="24147" marR="24147" marT="0" marB="0" anchor="ctr"/>
+                </a:tc>
+                <a:tc>
+                  <a:txBody>
+                    <a:bodyPr/>
+                    <a:lstStyle/>
+                    <a:p>
+                      <a:pPr algn="ctr">
+                        <a:lnSpc>
+                          <a:spcPct val="107000"/>
+                        </a:lnSpc>
+                        <a:spcAft>
+                          <a:spcPts val="800"/>
+                        </a:spcAft>
+                      </a:pPr>
+                      <a:r>
+                        <a:rPr lang="en-US" sz="900">
+                          <a:effectLst/>
+                        </a:rPr>
+                        <a:t>out</a:t>
+                      </a:r>
+                      <a:endParaRPr lang="en-GB" sz="900">
+                        <a:effectLst/>
+                        <a:latin typeface="Calibri" panose="020F0502020204030204" pitchFamily="34" charset="0"/>
+                        <a:ea typeface="Calibri" panose="020F0502020204030204" pitchFamily="34" charset="0"/>
+                        <a:cs typeface="Arial" panose="020B0604020202020204" pitchFamily="34" charset="0"/>
+                      </a:endParaRPr>
+                    </a:p>
+                  </a:txBody>
+                  <a:tcPr marL="24147" marR="24147" marT="0" marB="0" anchor="ctr"/>
+                </a:tc>
+                <a:tc>
+                  <a:txBody>
+                    <a:bodyPr/>
+                    <a:lstStyle/>
+                    <a:p>
+                      <a:pPr>
+                        <a:lnSpc>
+                          <a:spcPct val="107000"/>
+                        </a:lnSpc>
+                        <a:spcAft>
+                          <a:spcPts val="800"/>
+                        </a:spcAft>
+                      </a:pPr>
+                      <a:r>
+                        <a:rPr lang="ru-RU" sz="900" dirty="0">
+                          <a:effectLst/>
+                        </a:rPr>
+                        <a:t>Сигнал режима ожидания. Устройство работает нормально при низком уровне логики на этом и выводе PD (Power Down).</a:t>
+                      </a:r>
+                      <a:endParaRPr lang="en-GB" sz="900" dirty="0">
+                        <a:effectLst/>
+                      </a:endParaRPr>
+                    </a:p>
+                    <a:p>
+                      <a:pPr>
+                        <a:lnSpc>
+                          <a:spcPct val="107000"/>
+                        </a:lnSpc>
+                        <a:spcAft>
+                          <a:spcPts val="800"/>
+                        </a:spcAft>
+                      </a:pPr>
+                      <a:r>
+                        <a:rPr lang="ru-RU" sz="900" dirty="0">
+                          <a:effectLst/>
+                        </a:rPr>
+                        <a:t>-- При этом выводе на логическом максимуме и выводе PD на логическом минимуме устройство находится в режиме ожидания, где оно потребляет всего 30 МВт мощности.</a:t>
+                      </a:r>
+                      <a:endParaRPr lang="en-GB" sz="900" dirty="0">
+                        <a:effectLst/>
+                      </a:endParaRPr>
+                    </a:p>
+                    <a:p>
+                      <a:pPr>
+                        <a:lnSpc>
+                          <a:spcPct val="107000"/>
+                        </a:lnSpc>
+                        <a:spcAft>
+                          <a:spcPts val="800"/>
+                        </a:spcAft>
+                      </a:pPr>
+                      <a:r>
+                        <a:rPr lang="ru-RU" sz="900" dirty="0">
+                          <a:effectLst/>
+                        </a:rPr>
+                        <a:t>-- Для выхода из этого режима требуется всего 800 </a:t>
+                      </a:r>
+                      <a:r>
+                        <a:rPr lang="ru-RU" sz="900" dirty="0" err="1">
+                          <a:effectLst/>
+                        </a:rPr>
+                        <a:t>нс</a:t>
+                      </a:r>
+                      <a:r>
+                        <a:rPr lang="ru-RU" sz="900" dirty="0">
+                          <a:effectLst/>
+                        </a:rPr>
+                        <a:t> после того, как вывод STBY подтянут к земле.</a:t>
+                      </a:r>
+                      <a:endParaRPr lang="en-GB" sz="900" dirty="0">
+                        <a:effectLst/>
+                        <a:latin typeface="Calibri" panose="020F0502020204030204" pitchFamily="34" charset="0"/>
+                        <a:ea typeface="Calibri" panose="020F0502020204030204" pitchFamily="34" charset="0"/>
+                        <a:cs typeface="Arial" panose="020B0604020202020204" pitchFamily="34" charset="0"/>
+                      </a:endParaRPr>
+                    </a:p>
+                  </a:txBody>
+                  <a:tcPr marL="24147" marR="24147" marT="0" marB="0" anchor="ctr"/>
+                </a:tc>
+                <a:extLst>
+                  <a:ext uri="{0D108BD9-81ED-4DB2-BD59-A6C34878D82A}">
+                    <a16:rowId xmlns:a16="http://schemas.microsoft.com/office/drawing/2014/main" val="2080237091"/>
+                  </a:ext>
+                </a:extLst>
+              </a:tr>
+              <a:tr h="1185869">
+                <a:tc>
+                  <a:txBody>
+                    <a:bodyPr/>
+                    <a:lstStyle/>
+                    <a:p>
+                      <a:pPr algn="ctr">
+                        <a:lnSpc>
+                          <a:spcPct val="107000"/>
+                        </a:lnSpc>
+                        <a:spcAft>
+                          <a:spcPts val="800"/>
+                        </a:spcAft>
+                      </a:pPr>
+                      <a:r>
+                        <a:rPr lang="en-US" sz="900">
+                          <a:effectLst/>
+                        </a:rPr>
+                        <a:t>D16</a:t>
+                      </a:r>
+                      <a:endParaRPr lang="en-GB" sz="900">
+                        <a:effectLst/>
+                        <a:latin typeface="Calibri" panose="020F0502020204030204" pitchFamily="34" charset="0"/>
+                        <a:ea typeface="Calibri" panose="020F0502020204030204" pitchFamily="34" charset="0"/>
+                        <a:cs typeface="Arial" panose="020B0604020202020204" pitchFamily="34" charset="0"/>
+                      </a:endParaRPr>
+                    </a:p>
+                  </a:txBody>
+                  <a:tcPr marL="24147" marR="24147" marT="0" marB="0" anchor="ctr"/>
+                </a:tc>
+                <a:tc>
+                  <a:txBody>
+                    <a:bodyPr/>
+                    <a:lstStyle/>
+                    <a:p>
+                      <a:pPr algn="ctr">
+                        <a:lnSpc>
+                          <a:spcPct val="107000"/>
+                        </a:lnSpc>
+                        <a:spcAft>
+                          <a:spcPts val="800"/>
+                        </a:spcAft>
+                      </a:pPr>
+                      <a:r>
+                        <a:rPr lang="ru-RU" sz="900">
+                          <a:effectLst/>
+                        </a:rPr>
+                        <a:t>PowerDown_s</a:t>
+                      </a:r>
+                      <a:endParaRPr lang="en-GB" sz="900">
+                        <a:effectLst/>
+                        <a:latin typeface="Calibri" panose="020F0502020204030204" pitchFamily="34" charset="0"/>
+                        <a:ea typeface="Calibri" panose="020F0502020204030204" pitchFamily="34" charset="0"/>
+                        <a:cs typeface="Arial" panose="020B0604020202020204" pitchFamily="34" charset="0"/>
+                      </a:endParaRPr>
+                    </a:p>
+                  </a:txBody>
+                  <a:tcPr marL="24147" marR="24147" marT="0" marB="0" anchor="ctr"/>
+                </a:tc>
+                <a:tc>
+                  <a:txBody>
+                    <a:bodyPr/>
+                    <a:lstStyle/>
+                    <a:p>
+                      <a:pPr algn="ctr">
+                        <a:lnSpc>
+                          <a:spcPct val="107000"/>
+                        </a:lnSpc>
+                        <a:spcAft>
+                          <a:spcPts val="800"/>
+                        </a:spcAft>
+                      </a:pPr>
+                      <a:r>
+                        <a:rPr lang="en-US" sz="900">
+                          <a:effectLst/>
+                        </a:rPr>
+                        <a:t>out</a:t>
+                      </a:r>
+                      <a:endParaRPr lang="en-GB" sz="900">
+                        <a:effectLst/>
+                        <a:latin typeface="Calibri" panose="020F0502020204030204" pitchFamily="34" charset="0"/>
+                        <a:ea typeface="Calibri" panose="020F0502020204030204" pitchFamily="34" charset="0"/>
+                        <a:cs typeface="Arial" panose="020B0604020202020204" pitchFamily="34" charset="0"/>
+                      </a:endParaRPr>
+                    </a:p>
+                  </a:txBody>
+                  <a:tcPr marL="24147" marR="24147" marT="0" marB="0" anchor="ctr"/>
+                </a:tc>
+                <a:tc>
+                  <a:txBody>
+                    <a:bodyPr/>
+                    <a:lstStyle/>
+                    <a:p>
+                      <a:pPr>
+                        <a:lnSpc>
+                          <a:spcPct val="107000"/>
+                        </a:lnSpc>
+                        <a:spcAft>
+                          <a:spcPts val="800"/>
+                        </a:spcAft>
+                      </a:pPr>
+                      <a:r>
+                        <a:rPr lang="ru-RU" sz="900" dirty="0">
+                          <a:effectLst/>
+                        </a:rPr>
+                        <a:t>-- Вывод отключения питания, который при высоком значении переводит преобразователь в режим отключения питания, при котором он потребляет всего 1 МВт мощности.</a:t>
+                      </a:r>
+                      <a:endParaRPr lang="en-GB" sz="900" dirty="0">
+                        <a:effectLst/>
+                      </a:endParaRPr>
+                    </a:p>
+                    <a:p>
+                      <a:pPr>
+                        <a:lnSpc>
+                          <a:spcPct val="107000"/>
+                        </a:lnSpc>
+                        <a:spcAft>
+                          <a:spcPts val="800"/>
+                        </a:spcAft>
+                      </a:pPr>
+                      <a:r>
+                        <a:rPr lang="ru-RU" sz="900" dirty="0">
+                          <a:effectLst/>
+                        </a:rPr>
+                        <a:t>-- Восстановление из этого режима после разряжения PIN-кода PD занимает менее 1 мс.</a:t>
+                      </a:r>
+                      <a:endParaRPr lang="en-GB" sz="900" dirty="0">
+                        <a:effectLst/>
+                      </a:endParaRPr>
+                    </a:p>
+                    <a:p>
+                      <a:pPr>
+                        <a:lnSpc>
+                          <a:spcPct val="107000"/>
+                        </a:lnSpc>
+                        <a:spcAft>
+                          <a:spcPts val="800"/>
+                        </a:spcAft>
+                      </a:pPr>
+                      <a:r>
+                        <a:rPr lang="ru-RU" sz="900" dirty="0">
+                          <a:effectLst/>
+                        </a:rPr>
+                        <a:t>-- Если оба вывода STBY и PD одновременно являются высокими, вывод PD доминирует.</a:t>
+                      </a:r>
+                      <a:endParaRPr lang="en-GB" sz="900" dirty="0">
+                        <a:effectLst/>
+                        <a:latin typeface="Calibri" panose="020F0502020204030204" pitchFamily="34" charset="0"/>
+                        <a:ea typeface="Calibri" panose="020F0502020204030204" pitchFamily="34" charset="0"/>
+                        <a:cs typeface="Arial" panose="020B0604020202020204" pitchFamily="34" charset="0"/>
+                      </a:endParaRPr>
+                    </a:p>
+                  </a:txBody>
+                  <a:tcPr marL="24147" marR="24147" marT="0" marB="0" anchor="ctr"/>
+                </a:tc>
+                <a:extLst>
+                  <a:ext uri="{0D108BD9-81ED-4DB2-BD59-A6C34878D82A}">
+                    <a16:rowId xmlns:a16="http://schemas.microsoft.com/office/drawing/2014/main" val="4071801235"/>
+                  </a:ext>
+                </a:extLst>
+              </a:tr>
+              <a:tr h="1832808">
+                <a:tc>
+                  <a:txBody>
+                    <a:bodyPr/>
+                    <a:lstStyle/>
+                    <a:p>
+                      <a:pPr algn="ctr">
+                        <a:lnSpc>
+                          <a:spcPct val="107000"/>
+                        </a:lnSpc>
+                        <a:spcAft>
+                          <a:spcPts val="800"/>
+                        </a:spcAft>
+                      </a:pPr>
+                      <a:r>
+                        <a:rPr lang="en-US" sz="900">
+                          <a:effectLst/>
+                        </a:rPr>
+                        <a:t>P1</a:t>
+                      </a:r>
+                      <a:endParaRPr lang="en-GB" sz="900">
+                        <a:effectLst/>
+                        <a:latin typeface="Calibri" panose="020F0502020204030204" pitchFamily="34" charset="0"/>
+                        <a:ea typeface="Calibri" panose="020F0502020204030204" pitchFamily="34" charset="0"/>
+                        <a:cs typeface="Arial" panose="020B0604020202020204" pitchFamily="34" charset="0"/>
+                      </a:endParaRPr>
+                    </a:p>
+                  </a:txBody>
+                  <a:tcPr marL="24147" marR="24147" marT="0" marB="0" anchor="ctr"/>
+                </a:tc>
+                <a:tc>
+                  <a:txBody>
+                    <a:bodyPr/>
+                    <a:lstStyle/>
+                    <a:p>
+                      <a:pPr algn="ctr">
+                        <a:lnSpc>
+                          <a:spcPct val="107000"/>
+                        </a:lnSpc>
+                        <a:spcAft>
+                          <a:spcPts val="800"/>
+                        </a:spcAft>
+                      </a:pPr>
+                      <a:r>
+                        <a:rPr lang="ru-RU" sz="900">
+                          <a:effectLst/>
+                        </a:rPr>
+                        <a:t>        OffsetCorrect_s</a:t>
+                      </a:r>
+                      <a:endParaRPr lang="en-GB" sz="900">
+                        <a:effectLst/>
+                        <a:latin typeface="Calibri" panose="020F0502020204030204" pitchFamily="34" charset="0"/>
+                        <a:ea typeface="Calibri" panose="020F0502020204030204" pitchFamily="34" charset="0"/>
+                        <a:cs typeface="Arial" panose="020B0604020202020204" pitchFamily="34" charset="0"/>
+                      </a:endParaRPr>
+                    </a:p>
+                  </a:txBody>
+                  <a:tcPr marL="24147" marR="24147" marT="0" marB="0" anchor="ctr"/>
+                </a:tc>
+                <a:tc>
+                  <a:txBody>
+                    <a:bodyPr/>
+                    <a:lstStyle/>
+                    <a:p>
+                      <a:pPr algn="ctr">
+                        <a:lnSpc>
+                          <a:spcPct val="107000"/>
+                        </a:lnSpc>
+                        <a:spcAft>
+                          <a:spcPts val="800"/>
+                        </a:spcAft>
+                      </a:pPr>
+                      <a:r>
+                        <a:rPr lang="en-US" sz="900" dirty="0">
+                          <a:effectLst/>
+                        </a:rPr>
+                        <a:t>out</a:t>
+                      </a:r>
+                      <a:endParaRPr lang="en-GB" sz="900" dirty="0">
+                        <a:effectLst/>
+                        <a:latin typeface="Calibri" panose="020F0502020204030204" pitchFamily="34" charset="0"/>
+                        <a:ea typeface="Calibri" panose="020F0502020204030204" pitchFamily="34" charset="0"/>
+                        <a:cs typeface="Arial" panose="020B0604020202020204" pitchFamily="34" charset="0"/>
+                      </a:endParaRPr>
+                    </a:p>
+                  </a:txBody>
+                  <a:tcPr marL="24147" marR="24147" marT="0" marB="0" anchor="ctr"/>
+                </a:tc>
+                <a:tc>
+                  <a:txBody>
+                    <a:bodyPr/>
+                    <a:lstStyle/>
+                    <a:p>
+                      <a:pPr>
+                        <a:lnSpc>
+                          <a:spcPct val="107000"/>
+                        </a:lnSpc>
+                        <a:spcAft>
+                          <a:spcPts val="800"/>
+                        </a:spcAft>
+                      </a:pPr>
+                      <a:r>
+                        <a:rPr lang="ru-RU" sz="900">
+                          <a:effectLst/>
+                        </a:rPr>
+                        <a:t>-- ADC_OC = сброс '0', '1' в нормальном режиме для калибровки на 0 В в течение 34 тактовых сигналов. Но без использования  - 0.</a:t>
+                      </a:r>
+                      <a:endParaRPr lang="en-GB" sz="900">
+                        <a:effectLst/>
+                      </a:endParaRPr>
+                    </a:p>
+                    <a:p>
+                      <a:pPr>
+                        <a:lnSpc>
+                          <a:spcPct val="107000"/>
+                        </a:lnSpc>
+                        <a:spcAft>
+                          <a:spcPts val="800"/>
+                        </a:spcAft>
+                      </a:pPr>
+                      <a:r>
+                        <a:rPr lang="ru-RU" sz="900">
+                          <a:effectLst/>
+                        </a:rPr>
+                        <a:t>-- Переход от низкого к высокому на этом выводе инициирует независимую последовательность коррекции смещения для каждого преобразователя, которая</a:t>
+                      </a:r>
+                      <a:endParaRPr lang="en-GB" sz="900">
+                        <a:effectLst/>
+                      </a:endParaRPr>
+                    </a:p>
+                    <a:p>
+                      <a:pPr>
+                        <a:lnSpc>
+                          <a:spcPct val="107000"/>
+                        </a:lnSpc>
+                        <a:spcAft>
+                          <a:spcPts val="800"/>
+                        </a:spcAft>
+                      </a:pPr>
+                      <a:r>
+                        <a:rPr lang="ru-RU" sz="900">
+                          <a:effectLst/>
+                        </a:rPr>
+                        <a:t>-- для завершения требуется 34 такта.</a:t>
+                      </a:r>
+                      <a:endParaRPr lang="en-GB" sz="900">
+                        <a:effectLst/>
+                      </a:endParaRPr>
+                    </a:p>
+                    <a:p>
+                      <a:pPr>
+                        <a:lnSpc>
+                          <a:spcPct val="107000"/>
+                        </a:lnSpc>
+                        <a:spcAft>
+                          <a:spcPts val="800"/>
+                        </a:spcAft>
+                      </a:pPr>
+                      <a:r>
+                        <a:rPr lang="ru-RU" sz="900">
+                          <a:effectLst/>
+                        </a:rPr>
+                        <a:t>-- За это время берется и усредняется 32 конверсии. Результат вычитается из последующих преобразований.</a:t>
+                      </a:r>
+                      <a:endParaRPr lang="en-GB" sz="900">
+                        <a:effectLst/>
+                      </a:endParaRPr>
+                    </a:p>
+                    <a:p>
+                      <a:pPr>
+                        <a:lnSpc>
+                          <a:spcPct val="107000"/>
+                        </a:lnSpc>
+                        <a:spcAft>
+                          <a:spcPts val="800"/>
+                        </a:spcAft>
+                      </a:pPr>
+                      <a:r>
+                        <a:rPr lang="ru-RU" sz="900">
+                          <a:effectLst/>
+                        </a:rPr>
+                        <a:t>-- Каждая входная пара должна иметь дифференциальное значение 0 В в течение всего этого 34-тактового периода.</a:t>
+                      </a:r>
+                      <a:endParaRPr lang="en-GB" sz="900">
+                        <a:effectLst/>
+                        <a:latin typeface="Calibri" panose="020F0502020204030204" pitchFamily="34" charset="0"/>
+                        <a:ea typeface="Calibri" panose="020F0502020204030204" pitchFamily="34" charset="0"/>
+                        <a:cs typeface="Arial" panose="020B0604020202020204" pitchFamily="34" charset="0"/>
+                      </a:endParaRPr>
+                    </a:p>
+                  </a:txBody>
+                  <a:tcPr marL="24147" marR="24147" marT="0" marB="0" anchor="ctr"/>
+                </a:tc>
+                <a:extLst>
+                  <a:ext uri="{0D108BD9-81ED-4DB2-BD59-A6C34878D82A}">
+                    <a16:rowId xmlns:a16="http://schemas.microsoft.com/office/drawing/2014/main" val="2782998944"/>
+                  </a:ext>
+                </a:extLst>
+              </a:tr>
+              <a:tr h="913109">
+                <a:tc>
+                  <a:txBody>
+                    <a:bodyPr/>
+                    <a:lstStyle/>
+                    <a:p>
+                      <a:pPr algn="ctr">
+                        <a:lnSpc>
+                          <a:spcPct val="107000"/>
+                        </a:lnSpc>
+                        <a:spcAft>
+                          <a:spcPts val="800"/>
+                        </a:spcAft>
+                      </a:pPr>
+                      <a:r>
+                        <a:rPr lang="en-US" sz="900">
+                          <a:effectLst/>
+                        </a:rPr>
+                        <a:t>L2</a:t>
+                      </a:r>
+                      <a:endParaRPr lang="en-GB" sz="900">
+                        <a:effectLst/>
+                        <a:latin typeface="Calibri" panose="020F0502020204030204" pitchFamily="34" charset="0"/>
+                        <a:ea typeface="Calibri" panose="020F0502020204030204" pitchFamily="34" charset="0"/>
+                        <a:cs typeface="Arial" panose="020B0604020202020204" pitchFamily="34" charset="0"/>
+                      </a:endParaRPr>
+                    </a:p>
+                  </a:txBody>
+                  <a:tcPr marL="24147" marR="24147" marT="0" marB="0" anchor="ctr"/>
+                </a:tc>
+                <a:tc>
+                  <a:txBody>
+                    <a:bodyPr/>
+                    <a:lstStyle/>
+                    <a:p>
+                      <a:pPr algn="ctr">
+                        <a:lnSpc>
+                          <a:spcPct val="107000"/>
+                        </a:lnSpc>
+                        <a:spcAft>
+                          <a:spcPts val="800"/>
+                        </a:spcAft>
+                      </a:pPr>
+                      <a:r>
+                        <a:rPr lang="ru-RU" sz="900">
+                          <a:effectLst/>
+                        </a:rPr>
+                        <a:t>        OutputFormat_s</a:t>
+                      </a:r>
+                      <a:endParaRPr lang="en-GB" sz="900">
+                        <a:effectLst/>
+                        <a:latin typeface="Calibri" panose="020F0502020204030204" pitchFamily="34" charset="0"/>
+                        <a:ea typeface="Calibri" panose="020F0502020204030204" pitchFamily="34" charset="0"/>
+                        <a:cs typeface="Arial" panose="020B0604020202020204" pitchFamily="34" charset="0"/>
+                      </a:endParaRPr>
+                    </a:p>
+                  </a:txBody>
+                  <a:tcPr marL="24147" marR="24147" marT="0" marB="0" anchor="ctr"/>
+                </a:tc>
+                <a:tc>
+                  <a:txBody>
+                    <a:bodyPr/>
+                    <a:lstStyle/>
+                    <a:p>
+                      <a:pPr algn="ctr">
+                        <a:lnSpc>
+                          <a:spcPct val="107000"/>
+                        </a:lnSpc>
+                        <a:spcAft>
+                          <a:spcPts val="800"/>
+                        </a:spcAft>
+                      </a:pPr>
+                      <a:r>
+                        <a:rPr lang="en-US" sz="900">
+                          <a:effectLst/>
+                        </a:rPr>
+                        <a:t>out</a:t>
+                      </a:r>
+                      <a:endParaRPr lang="en-GB" sz="900">
+                        <a:effectLst/>
+                        <a:latin typeface="Calibri" panose="020F0502020204030204" pitchFamily="34" charset="0"/>
+                        <a:ea typeface="Calibri" panose="020F0502020204030204" pitchFamily="34" charset="0"/>
+                        <a:cs typeface="Arial" panose="020B0604020202020204" pitchFamily="34" charset="0"/>
+                      </a:endParaRPr>
+                    </a:p>
+                  </a:txBody>
+                  <a:tcPr marL="24147" marR="24147" marT="0" marB="0" anchor="ctr"/>
+                </a:tc>
+                <a:tc>
+                  <a:txBody>
+                    <a:bodyPr/>
+                    <a:lstStyle/>
+                    <a:p>
+                      <a:pPr>
+                        <a:lnSpc>
+                          <a:spcPct val="107000"/>
+                        </a:lnSpc>
+                        <a:spcAft>
+                          <a:spcPts val="800"/>
+                        </a:spcAft>
+                      </a:pPr>
+                      <a:r>
+                        <a:rPr lang="ru-RU" sz="900" dirty="0">
+                          <a:effectLst/>
+                        </a:rPr>
+                        <a:t>-- Когда этот вывод равен 0, формат вывода является смещенным двоичным.</a:t>
+                      </a:r>
+                      <a:endParaRPr lang="en-GB" sz="900" dirty="0">
+                        <a:effectLst/>
+                      </a:endParaRPr>
+                    </a:p>
+                    <a:p>
+                      <a:pPr>
+                        <a:lnSpc>
+                          <a:spcPct val="107000"/>
+                        </a:lnSpc>
+                        <a:spcAft>
+                          <a:spcPts val="800"/>
+                        </a:spcAft>
+                      </a:pPr>
+                      <a:r>
+                        <a:rPr lang="ru-RU" sz="900" dirty="0">
+                          <a:effectLst/>
+                        </a:rPr>
+                        <a:t>-- Когда этот вывод равен 1, формат вывода является дополнением 2.</a:t>
+                      </a:r>
+                      <a:endParaRPr lang="en-GB" sz="900" dirty="0">
+                        <a:effectLst/>
+                      </a:endParaRPr>
+                    </a:p>
+                    <a:p>
+                      <a:pPr>
+                        <a:lnSpc>
+                          <a:spcPct val="107000"/>
+                        </a:lnSpc>
+                        <a:spcAft>
+                          <a:spcPts val="800"/>
+                        </a:spcAft>
+                      </a:pPr>
+                      <a:r>
+                        <a:rPr lang="ru-RU" sz="900" dirty="0">
+                          <a:effectLst/>
+                        </a:rPr>
+                        <a:t> </a:t>
+                      </a:r>
+                      <a:endParaRPr lang="en-GB" sz="900" dirty="0">
+                        <a:effectLst/>
+                        <a:latin typeface="Calibri" panose="020F0502020204030204" pitchFamily="34" charset="0"/>
+                        <a:ea typeface="Calibri" panose="020F0502020204030204" pitchFamily="34" charset="0"/>
+                        <a:cs typeface="Arial" panose="020B0604020202020204" pitchFamily="34" charset="0"/>
+                      </a:endParaRPr>
+                    </a:p>
+                  </a:txBody>
+                  <a:tcPr marL="24147" marR="24147" marT="0" marB="0" anchor="ctr"/>
+                </a:tc>
+                <a:extLst>
+                  <a:ext uri="{0D108BD9-81ED-4DB2-BD59-A6C34878D82A}">
+                    <a16:rowId xmlns:a16="http://schemas.microsoft.com/office/drawing/2014/main" val="2676264910"/>
+                  </a:ext>
+                </a:extLst>
+              </a:tr>
+            </a:tbl>
+          </a:graphicData>
+        </a:graphic>
+      </p:graphicFrame>
+    </p:spTree>
+    <p:extLst>
+      <p:ext uri="{BB962C8B-B14F-4D97-AF65-F5344CB8AC3E}">
+        <p14:creationId xmlns:p14="http://schemas.microsoft.com/office/powerpoint/2010/main" val="2634991674"/>
+      </p:ext>
+    </p:extLst>
+  </p:cSld>
+  <p:clrMapOvr>
+    <a:masterClrMapping/>
+  </p:clrMapOvr>
+</p:sld>
+</file>
+
+<file path=ppt/slides/slide6.xml><?xml version="1.0" encoding="utf-8"?>
+<p:sld xmlns:a="http://schemas.openxmlformats.org/drawingml/2006/main" xmlns:r="http://schemas.openxmlformats.org/officeDocument/2006/relationships" xmlns:p="http://schemas.openxmlformats.org/presentationml/2006/main">
+  <p:cSld>
+    <p:spTree>
+      <p:nvGrpSpPr>
+        <p:cNvPr id="1" name=""/>
+        <p:cNvGrpSpPr/>
+        <p:nvPr/>
+      </p:nvGrpSpPr>
+      <p:grpSpPr>
+        <a:xfrm>
+          <a:off x="0" y="0"/>
+          <a:ext cx="0" cy="0"/>
+          <a:chOff x="0" y="0"/>
+          <a:chExt cx="0" cy="0"/>
+        </a:xfrm>
+      </p:grpSpPr>
+      <p:pic>
+        <p:nvPicPr>
           <p:cNvPr id="3" name="Picture 2">
             <a:extLst>
               <a:ext uri="{FF2B5EF4-FFF2-40B4-BE49-F238E27FC236}">
@@ -4497,7 +10607,7 @@
 </p:sld>
 </file>
 
-<file path=ppt/slides/slide6.xml><?xml version="1.0" encoding="utf-8"?>
+<file path=ppt/slides/slide7.xml><?xml version="1.0" encoding="utf-8"?>
 <p:sld xmlns:a="http://schemas.openxmlformats.org/drawingml/2006/main" xmlns:r="http://schemas.openxmlformats.org/officeDocument/2006/relationships" xmlns:p="http://schemas.openxmlformats.org/presentationml/2006/main" show="0">
   <p:cSld>
     <p:spTree>
@@ -4557,7 +10667,2121 @@
 </p:sld>
 </file>
 
-<file path=ppt/slides/slide7.xml><?xml version="1.0" encoding="utf-8"?>
+<file path=ppt/slides/slide8.xml><?xml version="1.0" encoding="utf-8"?>
+<p:sld xmlns:a="http://schemas.openxmlformats.org/drawingml/2006/main" xmlns:r="http://schemas.openxmlformats.org/officeDocument/2006/relationships" xmlns:p="http://schemas.openxmlformats.org/presentationml/2006/main" show="0">
+  <p:cSld>
+    <p:bg>
+      <p:bgPr>
+        <a:solidFill>
+          <a:schemeClr val="tx1"/>
+        </a:solidFill>
+        <a:effectLst/>
+      </p:bgPr>
+    </p:bg>
+    <p:spTree>
+      <p:nvGrpSpPr>
+        <p:cNvPr id="1" name=""/>
+        <p:cNvGrpSpPr/>
+        <p:nvPr/>
+      </p:nvGrpSpPr>
+      <p:grpSpPr>
+        <a:xfrm>
+          <a:off x="0" y="0"/>
+          <a:ext cx="0" cy="0"/>
+          <a:chOff x="0" y="0"/>
+          <a:chExt cx="0" cy="0"/>
+        </a:xfrm>
+      </p:grpSpPr>
+      <p:sp>
+        <p:nvSpPr>
+          <p:cNvPr id="7" name="TextBox 6">
+            <a:extLst>
+              <a:ext uri="{FF2B5EF4-FFF2-40B4-BE49-F238E27FC236}">
+                <a16:creationId xmlns:a16="http://schemas.microsoft.com/office/drawing/2014/main" id="{C09E9367-21F0-CD67-9921-E0F25EBCF266}"/>
+              </a:ext>
+            </a:extLst>
+          </p:cNvPr>
+          <p:cNvSpPr txBox="1"/>
+          <p:nvPr/>
+        </p:nvSpPr>
+        <p:spPr>
+          <a:xfrm>
+            <a:off x="267462" y="244870"/>
+            <a:ext cx="6094476" cy="2308324"/>
+          </a:xfrm>
+          <a:prstGeom prst="rect">
+            <a:avLst/>
+          </a:prstGeom>
+          <a:noFill/>
+        </p:spPr>
+        <p:txBody>
+          <a:bodyPr wrap="square">
+            <a:spAutoFit/>
+          </a:bodyPr>
+          <a:lstStyle/>
+          <a:p>
+            <a:r>
+              <a:rPr lang="en-GB" b="0" dirty="0" err="1">
+                <a:solidFill>
+                  <a:srgbClr val="569CD6"/>
+                </a:solidFill>
+                <a:effectLst/>
+                <a:latin typeface="Consolas" panose="020B0609020204030204" pitchFamily="49" charset="0"/>
+              </a:rPr>
+              <a:t>ADC_coversion_start_p</a:t>
+            </a:r>
+            <a:r>
+              <a:rPr lang="en-GB" b="0" dirty="0">
+                <a:solidFill>
+                  <a:srgbClr val="D4D4D4"/>
+                </a:solidFill>
+                <a:effectLst/>
+                <a:latin typeface="Consolas" panose="020B0609020204030204" pitchFamily="49" charset="0"/>
+              </a:rPr>
+              <a:t>: </a:t>
+            </a:r>
+            <a:r>
+              <a:rPr lang="en-GB" b="0" dirty="0">
+                <a:solidFill>
+                  <a:srgbClr val="569CD6"/>
+                </a:solidFill>
+                <a:effectLst/>
+                <a:latin typeface="Consolas" panose="020B0609020204030204" pitchFamily="49" charset="0"/>
+              </a:rPr>
+              <a:t>process</a:t>
+            </a:r>
+            <a:r>
+              <a:rPr lang="en-GB" b="0" dirty="0">
+                <a:solidFill>
+                  <a:srgbClr val="D4D4D4"/>
+                </a:solidFill>
+                <a:effectLst/>
+                <a:latin typeface="Consolas" panose="020B0609020204030204" pitchFamily="49" charset="0"/>
+              </a:rPr>
+              <a:t> (</a:t>
+            </a:r>
+            <a:r>
+              <a:rPr lang="en-GB" b="0" dirty="0" err="1">
+                <a:solidFill>
+                  <a:srgbClr val="D4D4D4"/>
+                </a:solidFill>
+                <a:effectLst/>
+                <a:latin typeface="Consolas" panose="020B0609020204030204" pitchFamily="49" charset="0"/>
+              </a:rPr>
+              <a:t>nRst</a:t>
+            </a:r>
+            <a:r>
+              <a:rPr lang="en-GB" b="0" dirty="0">
+                <a:solidFill>
+                  <a:srgbClr val="D4D4D4"/>
+                </a:solidFill>
+                <a:effectLst/>
+                <a:latin typeface="Consolas" panose="020B0609020204030204" pitchFamily="49" charset="0"/>
+              </a:rPr>
+              <a:t>, </a:t>
+            </a:r>
+            <a:r>
+              <a:rPr lang="en-GB" b="0" dirty="0" err="1">
+                <a:solidFill>
+                  <a:srgbClr val="D4D4D4"/>
+                </a:solidFill>
+                <a:effectLst/>
+                <a:latin typeface="Consolas" panose="020B0609020204030204" pitchFamily="49" charset="0"/>
+              </a:rPr>
+              <a:t>Clk_ADC</a:t>
+            </a:r>
+            <a:r>
+              <a:rPr lang="en-GB" b="0" dirty="0">
+                <a:solidFill>
+                  <a:srgbClr val="D4D4D4"/>
+                </a:solidFill>
+                <a:effectLst/>
+                <a:latin typeface="Consolas" panose="020B0609020204030204" pitchFamily="49" charset="0"/>
+              </a:rPr>
+              <a:t>)</a:t>
+            </a:r>
+          </a:p>
+          <a:p>
+            <a:r>
+              <a:rPr lang="en-GB" b="0" dirty="0">
+                <a:solidFill>
+                  <a:srgbClr val="D4D4D4"/>
+                </a:solidFill>
+                <a:effectLst/>
+                <a:latin typeface="Consolas" panose="020B0609020204030204" pitchFamily="49" charset="0"/>
+              </a:rPr>
+              <a:t>    </a:t>
+            </a:r>
+            <a:r>
+              <a:rPr lang="en-GB" b="0" dirty="0">
+                <a:solidFill>
+                  <a:srgbClr val="569CD6"/>
+                </a:solidFill>
+                <a:effectLst/>
+                <a:latin typeface="Consolas" panose="020B0609020204030204" pitchFamily="49" charset="0"/>
+              </a:rPr>
+              <a:t>begin</a:t>
+            </a:r>
+            <a:endParaRPr lang="en-GB" b="0" dirty="0">
+              <a:solidFill>
+                <a:srgbClr val="D4D4D4"/>
+              </a:solidFill>
+              <a:effectLst/>
+              <a:latin typeface="Consolas" panose="020B0609020204030204" pitchFamily="49" charset="0"/>
+            </a:endParaRPr>
+          </a:p>
+          <a:p>
+            <a:r>
+              <a:rPr lang="en-GB" b="0" dirty="0">
+                <a:solidFill>
+                  <a:srgbClr val="D4D4D4"/>
+                </a:solidFill>
+                <a:effectLst/>
+                <a:latin typeface="Consolas" panose="020B0609020204030204" pitchFamily="49" charset="0"/>
+              </a:rPr>
+              <a:t>        </a:t>
+            </a:r>
+            <a:r>
+              <a:rPr lang="en-GB" b="0" dirty="0">
+                <a:solidFill>
+                  <a:srgbClr val="569CD6"/>
+                </a:solidFill>
+                <a:effectLst/>
+                <a:latin typeface="Consolas" panose="020B0609020204030204" pitchFamily="49" charset="0"/>
+              </a:rPr>
+              <a:t>if</a:t>
+            </a:r>
+            <a:r>
+              <a:rPr lang="en-GB" b="0" dirty="0">
+                <a:solidFill>
+                  <a:srgbClr val="D4D4D4"/>
+                </a:solidFill>
+                <a:effectLst/>
+                <a:latin typeface="Consolas" panose="020B0609020204030204" pitchFamily="49" charset="0"/>
+              </a:rPr>
+              <a:t> (</a:t>
+            </a:r>
+            <a:r>
+              <a:rPr lang="en-GB" b="0" dirty="0" err="1">
+                <a:solidFill>
+                  <a:srgbClr val="D4D4D4"/>
+                </a:solidFill>
+                <a:effectLst/>
+                <a:latin typeface="Consolas" panose="020B0609020204030204" pitchFamily="49" charset="0"/>
+              </a:rPr>
+              <a:t>nRst</a:t>
+            </a:r>
+            <a:r>
+              <a:rPr lang="en-GB" b="0" dirty="0">
+                <a:solidFill>
+                  <a:srgbClr val="D4D4D4"/>
+                </a:solidFill>
+                <a:effectLst/>
+                <a:latin typeface="Consolas" panose="020B0609020204030204" pitchFamily="49" charset="0"/>
+              </a:rPr>
+              <a:t> = </a:t>
+            </a:r>
+            <a:r>
+              <a:rPr lang="en-GB" b="0" dirty="0">
+                <a:solidFill>
+                  <a:srgbClr val="CE9178"/>
+                </a:solidFill>
+                <a:effectLst/>
+                <a:latin typeface="Consolas" panose="020B0609020204030204" pitchFamily="49" charset="0"/>
+              </a:rPr>
+              <a:t>'0'</a:t>
+            </a:r>
+            <a:r>
+              <a:rPr lang="en-GB" b="0" dirty="0">
+                <a:solidFill>
+                  <a:srgbClr val="D4D4D4"/>
+                </a:solidFill>
+                <a:effectLst/>
+                <a:latin typeface="Consolas" panose="020B0609020204030204" pitchFamily="49" charset="0"/>
+              </a:rPr>
+              <a:t>) </a:t>
+            </a:r>
+            <a:r>
+              <a:rPr lang="en-GB" b="0" dirty="0">
+                <a:solidFill>
+                  <a:srgbClr val="569CD6"/>
+                </a:solidFill>
+                <a:effectLst/>
+                <a:latin typeface="Consolas" panose="020B0609020204030204" pitchFamily="49" charset="0"/>
+              </a:rPr>
+              <a:t>then</a:t>
+            </a:r>
+            <a:endParaRPr lang="en-GB" b="0" dirty="0">
+              <a:solidFill>
+                <a:srgbClr val="D4D4D4"/>
+              </a:solidFill>
+              <a:effectLst/>
+              <a:latin typeface="Consolas" panose="020B0609020204030204" pitchFamily="49" charset="0"/>
+            </a:endParaRPr>
+          </a:p>
+          <a:p>
+            <a:r>
+              <a:rPr lang="en-GB" b="0" dirty="0">
+                <a:solidFill>
+                  <a:srgbClr val="D4D4D4"/>
+                </a:solidFill>
+                <a:effectLst/>
+                <a:latin typeface="Consolas" panose="020B0609020204030204" pitchFamily="49" charset="0"/>
+              </a:rPr>
+              <a:t>            </a:t>
+            </a:r>
+            <a:r>
+              <a:rPr lang="en-GB" b="0" dirty="0" err="1">
+                <a:solidFill>
+                  <a:srgbClr val="D4D4D4"/>
+                </a:solidFill>
+                <a:effectLst/>
+                <a:latin typeface="Consolas" panose="020B0609020204030204" pitchFamily="49" charset="0"/>
+              </a:rPr>
+              <a:t>ConversionStarted_r</a:t>
+            </a:r>
+            <a:r>
+              <a:rPr lang="en-GB" b="0" dirty="0">
+                <a:solidFill>
+                  <a:srgbClr val="D4D4D4"/>
+                </a:solidFill>
+                <a:effectLst/>
+                <a:latin typeface="Consolas" panose="020B0609020204030204" pitchFamily="49" charset="0"/>
+              </a:rPr>
+              <a:t> &lt;= </a:t>
+            </a:r>
+            <a:r>
+              <a:rPr lang="en-GB" b="0" dirty="0">
+                <a:solidFill>
+                  <a:srgbClr val="CE9178"/>
+                </a:solidFill>
+                <a:effectLst/>
+                <a:latin typeface="Consolas" panose="020B0609020204030204" pitchFamily="49" charset="0"/>
+              </a:rPr>
+              <a:t>'0'</a:t>
+            </a:r>
+            <a:r>
+              <a:rPr lang="en-GB" b="0" dirty="0">
+                <a:solidFill>
+                  <a:srgbClr val="D4D4D4"/>
+                </a:solidFill>
+                <a:effectLst/>
+                <a:latin typeface="Consolas" panose="020B0609020204030204" pitchFamily="49" charset="0"/>
+              </a:rPr>
+              <a:t>;</a:t>
+            </a:r>
+          </a:p>
+          <a:p>
+            <a:r>
+              <a:rPr lang="en-GB" b="0" dirty="0">
+                <a:solidFill>
+                  <a:srgbClr val="D4D4D4"/>
+                </a:solidFill>
+                <a:effectLst/>
+                <a:latin typeface="Consolas" panose="020B0609020204030204" pitchFamily="49" charset="0"/>
+              </a:rPr>
+              <a:t>        </a:t>
+            </a:r>
+            <a:r>
+              <a:rPr lang="en-GB" b="0" dirty="0" err="1">
+                <a:solidFill>
+                  <a:srgbClr val="569CD6"/>
+                </a:solidFill>
+                <a:effectLst/>
+                <a:latin typeface="Consolas" panose="020B0609020204030204" pitchFamily="49" charset="0"/>
+              </a:rPr>
+              <a:t>elsif</a:t>
+            </a:r>
+            <a:r>
+              <a:rPr lang="en-GB" b="0" dirty="0">
+                <a:solidFill>
+                  <a:srgbClr val="D4D4D4"/>
+                </a:solidFill>
+                <a:effectLst/>
+                <a:latin typeface="Consolas" panose="020B0609020204030204" pitchFamily="49" charset="0"/>
+              </a:rPr>
+              <a:t> </a:t>
+            </a:r>
+            <a:r>
+              <a:rPr lang="en-GB" b="0" dirty="0" err="1">
+                <a:solidFill>
+                  <a:srgbClr val="DCDCAA"/>
+                </a:solidFill>
+                <a:effectLst/>
+                <a:latin typeface="Consolas" panose="020B0609020204030204" pitchFamily="49" charset="0"/>
+              </a:rPr>
+              <a:t>falling_edge</a:t>
+            </a:r>
+            <a:r>
+              <a:rPr lang="en-GB" b="0" dirty="0">
+                <a:solidFill>
+                  <a:srgbClr val="D4D4D4"/>
+                </a:solidFill>
+                <a:effectLst/>
+                <a:latin typeface="Consolas" panose="020B0609020204030204" pitchFamily="49" charset="0"/>
+              </a:rPr>
+              <a:t>(</a:t>
+            </a:r>
+            <a:r>
+              <a:rPr lang="en-GB" b="0" dirty="0" err="1">
+                <a:solidFill>
+                  <a:srgbClr val="D4D4D4"/>
+                </a:solidFill>
+                <a:effectLst/>
+                <a:latin typeface="Consolas" panose="020B0609020204030204" pitchFamily="49" charset="0"/>
+              </a:rPr>
+              <a:t>Clk_ADC</a:t>
+            </a:r>
+            <a:r>
+              <a:rPr lang="en-GB" b="0" dirty="0">
+                <a:solidFill>
+                  <a:srgbClr val="D4D4D4"/>
+                </a:solidFill>
+                <a:effectLst/>
+                <a:latin typeface="Consolas" panose="020B0609020204030204" pitchFamily="49" charset="0"/>
+              </a:rPr>
+              <a:t>) </a:t>
+            </a:r>
+            <a:r>
+              <a:rPr lang="en-GB" b="0" dirty="0">
+                <a:solidFill>
+                  <a:srgbClr val="569CD6"/>
+                </a:solidFill>
+                <a:effectLst/>
+                <a:latin typeface="Consolas" panose="020B0609020204030204" pitchFamily="49" charset="0"/>
+              </a:rPr>
+              <a:t>then</a:t>
+            </a:r>
+            <a:endParaRPr lang="en-GB" b="0" dirty="0">
+              <a:solidFill>
+                <a:srgbClr val="D4D4D4"/>
+              </a:solidFill>
+              <a:effectLst/>
+              <a:latin typeface="Consolas" panose="020B0609020204030204" pitchFamily="49" charset="0"/>
+            </a:endParaRPr>
+          </a:p>
+          <a:p>
+            <a:r>
+              <a:rPr lang="en-GB" b="0" dirty="0">
+                <a:solidFill>
+                  <a:srgbClr val="D4D4D4"/>
+                </a:solidFill>
+                <a:effectLst/>
+                <a:latin typeface="Consolas" panose="020B0609020204030204" pitchFamily="49" charset="0"/>
+              </a:rPr>
+              <a:t>            </a:t>
+            </a:r>
+            <a:r>
+              <a:rPr lang="en-GB" b="0" dirty="0" err="1">
+                <a:solidFill>
+                  <a:srgbClr val="D4D4D4"/>
+                </a:solidFill>
+                <a:effectLst/>
+                <a:latin typeface="Consolas" panose="020B0609020204030204" pitchFamily="49" charset="0"/>
+              </a:rPr>
+              <a:t>ConversionStarted_r</a:t>
+            </a:r>
+            <a:r>
+              <a:rPr lang="en-GB" b="0" dirty="0">
+                <a:solidFill>
+                  <a:srgbClr val="D4D4D4"/>
+                </a:solidFill>
+                <a:effectLst/>
+                <a:latin typeface="Consolas" panose="020B0609020204030204" pitchFamily="49" charset="0"/>
+              </a:rPr>
+              <a:t> &lt;= </a:t>
+            </a:r>
+            <a:r>
+              <a:rPr lang="en-GB" b="0" dirty="0">
+                <a:solidFill>
+                  <a:srgbClr val="CE9178"/>
+                </a:solidFill>
+                <a:effectLst/>
+                <a:latin typeface="Consolas" panose="020B0609020204030204" pitchFamily="49" charset="0"/>
+              </a:rPr>
+              <a:t>'1'</a:t>
+            </a:r>
+            <a:r>
+              <a:rPr lang="en-GB" b="0" dirty="0">
+                <a:solidFill>
+                  <a:srgbClr val="D4D4D4"/>
+                </a:solidFill>
+                <a:effectLst/>
+                <a:latin typeface="Consolas" panose="020B0609020204030204" pitchFamily="49" charset="0"/>
+              </a:rPr>
+              <a:t>;        </a:t>
+            </a:r>
+          </a:p>
+          <a:p>
+            <a:r>
+              <a:rPr lang="en-GB" b="0" dirty="0">
+                <a:solidFill>
+                  <a:srgbClr val="D4D4D4"/>
+                </a:solidFill>
+                <a:effectLst/>
+                <a:latin typeface="Consolas" panose="020B0609020204030204" pitchFamily="49" charset="0"/>
+              </a:rPr>
+              <a:t>        </a:t>
+            </a:r>
+            <a:r>
+              <a:rPr lang="en-GB" b="0" dirty="0">
+                <a:solidFill>
+                  <a:srgbClr val="569CD6"/>
+                </a:solidFill>
+                <a:effectLst/>
+                <a:latin typeface="Consolas" panose="020B0609020204030204" pitchFamily="49" charset="0"/>
+              </a:rPr>
+              <a:t>end if</a:t>
+            </a:r>
+            <a:r>
+              <a:rPr lang="en-GB" b="0" dirty="0">
+                <a:solidFill>
+                  <a:srgbClr val="D4D4D4"/>
+                </a:solidFill>
+                <a:effectLst/>
+                <a:latin typeface="Consolas" panose="020B0609020204030204" pitchFamily="49" charset="0"/>
+              </a:rPr>
+              <a:t>;    </a:t>
+            </a:r>
+          </a:p>
+          <a:p>
+            <a:r>
+              <a:rPr lang="en-GB" b="0" dirty="0">
+                <a:solidFill>
+                  <a:srgbClr val="D4D4D4"/>
+                </a:solidFill>
+                <a:effectLst/>
+                <a:latin typeface="Consolas" panose="020B0609020204030204" pitchFamily="49" charset="0"/>
+              </a:rPr>
+              <a:t>    </a:t>
+            </a:r>
+            <a:r>
+              <a:rPr lang="en-GB" b="0" dirty="0">
+                <a:solidFill>
+                  <a:srgbClr val="569CD6"/>
+                </a:solidFill>
+                <a:effectLst/>
+                <a:latin typeface="Consolas" panose="020B0609020204030204" pitchFamily="49" charset="0"/>
+              </a:rPr>
+              <a:t>end</a:t>
+            </a:r>
+            <a:r>
+              <a:rPr lang="en-GB" b="0" dirty="0">
+                <a:solidFill>
+                  <a:srgbClr val="D4D4D4"/>
+                </a:solidFill>
+                <a:effectLst/>
+                <a:latin typeface="Consolas" panose="020B0609020204030204" pitchFamily="49" charset="0"/>
+              </a:rPr>
+              <a:t> </a:t>
+            </a:r>
+            <a:r>
+              <a:rPr lang="en-GB" b="0" dirty="0">
+                <a:solidFill>
+                  <a:srgbClr val="569CD6"/>
+                </a:solidFill>
+                <a:effectLst/>
+                <a:latin typeface="Consolas" panose="020B0609020204030204" pitchFamily="49" charset="0"/>
+              </a:rPr>
+              <a:t>process</a:t>
+            </a:r>
+            <a:r>
+              <a:rPr lang="en-GB" b="0" dirty="0">
+                <a:solidFill>
+                  <a:srgbClr val="D4D4D4"/>
+                </a:solidFill>
+                <a:effectLst/>
+                <a:latin typeface="Consolas" panose="020B0609020204030204" pitchFamily="49" charset="0"/>
+              </a:rPr>
+              <a:t>;</a:t>
+            </a:r>
+          </a:p>
+        </p:txBody>
+      </p:sp>
+      <p:sp>
+        <p:nvSpPr>
+          <p:cNvPr id="9" name="TextBox 8">
+            <a:extLst>
+              <a:ext uri="{FF2B5EF4-FFF2-40B4-BE49-F238E27FC236}">
+                <a16:creationId xmlns:a16="http://schemas.microsoft.com/office/drawing/2014/main" id="{41893F3F-4DCC-CDAE-FB84-BDD434A7B7B7}"/>
+              </a:ext>
+            </a:extLst>
+          </p:cNvPr>
+          <p:cNvSpPr txBox="1"/>
+          <p:nvPr/>
+        </p:nvSpPr>
+        <p:spPr>
+          <a:xfrm>
+            <a:off x="7526771" y="244871"/>
+            <a:ext cx="4656377" cy="4893647"/>
+          </a:xfrm>
+          <a:prstGeom prst="rect">
+            <a:avLst/>
+          </a:prstGeom>
+          <a:noFill/>
+        </p:spPr>
+        <p:txBody>
+          <a:bodyPr wrap="square">
+            <a:spAutoFit/>
+          </a:bodyPr>
+          <a:lstStyle/>
+          <a:p>
+            <a:r>
+              <a:rPr lang="en-GB" sz="1200" b="0" dirty="0" err="1">
+                <a:solidFill>
+                  <a:srgbClr val="569CD6"/>
+                </a:solidFill>
+                <a:effectLst/>
+                <a:latin typeface="Consolas" panose="020B0609020204030204" pitchFamily="49" charset="0"/>
+              </a:rPr>
+              <a:t>Dataflow_p</a:t>
+            </a:r>
+            <a:r>
+              <a:rPr lang="en-GB" sz="1200" b="0" dirty="0">
+                <a:solidFill>
+                  <a:srgbClr val="D4D4D4"/>
+                </a:solidFill>
+                <a:effectLst/>
+                <a:latin typeface="Consolas" panose="020B0609020204030204" pitchFamily="49" charset="0"/>
+              </a:rPr>
+              <a:t>: </a:t>
+            </a:r>
+            <a:r>
+              <a:rPr lang="en-GB" sz="1200" b="0" dirty="0">
+                <a:solidFill>
+                  <a:srgbClr val="569CD6"/>
+                </a:solidFill>
+                <a:effectLst/>
+                <a:latin typeface="Consolas" panose="020B0609020204030204" pitchFamily="49" charset="0"/>
+              </a:rPr>
+              <a:t>process</a:t>
+            </a:r>
+            <a:r>
+              <a:rPr lang="en-GB" sz="1200" b="0" dirty="0">
+                <a:solidFill>
+                  <a:srgbClr val="D4D4D4"/>
+                </a:solidFill>
+                <a:effectLst/>
+                <a:latin typeface="Consolas" panose="020B0609020204030204" pitchFamily="49" charset="0"/>
+              </a:rPr>
+              <a:t> (</a:t>
+            </a:r>
+            <a:r>
+              <a:rPr lang="en-GB" sz="1200" b="0" dirty="0" err="1">
+                <a:solidFill>
+                  <a:srgbClr val="D4D4D4"/>
+                </a:solidFill>
+                <a:effectLst/>
+                <a:latin typeface="Consolas" panose="020B0609020204030204" pitchFamily="49" charset="0"/>
+              </a:rPr>
+              <a:t>nRst</a:t>
+            </a:r>
+            <a:r>
+              <a:rPr lang="en-GB" sz="1200" b="0" dirty="0">
+                <a:solidFill>
+                  <a:srgbClr val="D4D4D4"/>
+                </a:solidFill>
+                <a:effectLst/>
+                <a:latin typeface="Consolas" panose="020B0609020204030204" pitchFamily="49" charset="0"/>
+              </a:rPr>
+              <a:t>, </a:t>
+            </a:r>
+            <a:r>
+              <a:rPr lang="en-GB" sz="1200" b="0" dirty="0" err="1">
+                <a:solidFill>
+                  <a:srgbClr val="D4D4D4"/>
+                </a:solidFill>
+                <a:effectLst/>
+                <a:latin typeface="Consolas" panose="020B0609020204030204" pitchFamily="49" charset="0"/>
+              </a:rPr>
+              <a:t>Clk_DataFlow</a:t>
+            </a:r>
+            <a:r>
+              <a:rPr lang="en-GB" sz="1200" b="0" dirty="0">
+                <a:solidFill>
+                  <a:srgbClr val="D4D4D4"/>
+                </a:solidFill>
+                <a:effectLst/>
+                <a:latin typeface="Consolas" panose="020B0609020204030204" pitchFamily="49" charset="0"/>
+              </a:rPr>
+              <a:t>)</a:t>
+            </a:r>
+          </a:p>
+          <a:p>
+            <a:r>
+              <a:rPr lang="en-GB" sz="1200" b="0" dirty="0">
+                <a:solidFill>
+                  <a:srgbClr val="D4D4D4"/>
+                </a:solidFill>
+                <a:effectLst/>
+                <a:latin typeface="Consolas" panose="020B0609020204030204" pitchFamily="49" charset="0"/>
+              </a:rPr>
+              <a:t>    </a:t>
+            </a:r>
+            <a:r>
+              <a:rPr lang="en-GB" sz="1200" b="0" dirty="0">
+                <a:solidFill>
+                  <a:srgbClr val="569CD6"/>
+                </a:solidFill>
+                <a:effectLst/>
+                <a:latin typeface="Consolas" panose="020B0609020204030204" pitchFamily="49" charset="0"/>
+              </a:rPr>
+              <a:t>begin</a:t>
+            </a:r>
+            <a:endParaRPr lang="en-GB" sz="1200" b="0" dirty="0">
+              <a:solidFill>
+                <a:srgbClr val="D4D4D4"/>
+              </a:solidFill>
+              <a:effectLst/>
+              <a:latin typeface="Consolas" panose="020B0609020204030204" pitchFamily="49" charset="0"/>
+            </a:endParaRPr>
+          </a:p>
+          <a:p>
+            <a:r>
+              <a:rPr lang="en-GB" sz="1200" b="0" dirty="0">
+                <a:solidFill>
+                  <a:srgbClr val="D4D4D4"/>
+                </a:solidFill>
+                <a:effectLst/>
+                <a:latin typeface="Consolas" panose="020B0609020204030204" pitchFamily="49" charset="0"/>
+              </a:rPr>
+              <a:t>        </a:t>
+            </a:r>
+            <a:r>
+              <a:rPr lang="en-GB" sz="1200" b="0" dirty="0">
+                <a:solidFill>
+                  <a:srgbClr val="569CD6"/>
+                </a:solidFill>
+                <a:effectLst/>
+                <a:latin typeface="Consolas" panose="020B0609020204030204" pitchFamily="49" charset="0"/>
+              </a:rPr>
+              <a:t>if</a:t>
+            </a:r>
+            <a:r>
+              <a:rPr lang="en-GB" sz="1200" b="0" dirty="0">
+                <a:solidFill>
+                  <a:srgbClr val="D4D4D4"/>
+                </a:solidFill>
+                <a:effectLst/>
+                <a:latin typeface="Consolas" panose="020B0609020204030204" pitchFamily="49" charset="0"/>
+              </a:rPr>
+              <a:t> (</a:t>
+            </a:r>
+            <a:r>
+              <a:rPr lang="en-GB" sz="1200" b="0" dirty="0" err="1">
+                <a:solidFill>
+                  <a:srgbClr val="D4D4D4"/>
+                </a:solidFill>
+                <a:effectLst/>
+                <a:latin typeface="Consolas" panose="020B0609020204030204" pitchFamily="49" charset="0"/>
+              </a:rPr>
+              <a:t>nRst</a:t>
+            </a:r>
+            <a:r>
+              <a:rPr lang="en-GB" sz="1200" b="0" dirty="0">
+                <a:solidFill>
+                  <a:srgbClr val="D4D4D4"/>
+                </a:solidFill>
+                <a:effectLst/>
+                <a:latin typeface="Consolas" panose="020B0609020204030204" pitchFamily="49" charset="0"/>
+              </a:rPr>
+              <a:t> = </a:t>
+            </a:r>
+            <a:r>
+              <a:rPr lang="en-GB" sz="1200" b="0" dirty="0">
+                <a:solidFill>
+                  <a:srgbClr val="CE9178"/>
+                </a:solidFill>
+                <a:effectLst/>
+                <a:latin typeface="Consolas" panose="020B0609020204030204" pitchFamily="49" charset="0"/>
+              </a:rPr>
+              <a:t>'0'</a:t>
+            </a:r>
+            <a:r>
+              <a:rPr lang="en-GB" sz="1200" b="0" dirty="0">
+                <a:solidFill>
+                  <a:srgbClr val="D4D4D4"/>
+                </a:solidFill>
+                <a:effectLst/>
+                <a:latin typeface="Consolas" panose="020B0609020204030204" pitchFamily="49" charset="0"/>
+              </a:rPr>
+              <a:t>) </a:t>
+            </a:r>
+            <a:r>
+              <a:rPr lang="en-GB" sz="1200" b="0" dirty="0">
+                <a:solidFill>
+                  <a:srgbClr val="569CD6"/>
+                </a:solidFill>
+                <a:effectLst/>
+                <a:latin typeface="Consolas" panose="020B0609020204030204" pitchFamily="49" charset="0"/>
+              </a:rPr>
+              <a:t>then</a:t>
+            </a:r>
+            <a:endParaRPr lang="en-GB" sz="1200" b="0" dirty="0">
+              <a:solidFill>
+                <a:srgbClr val="D4D4D4"/>
+              </a:solidFill>
+              <a:effectLst/>
+              <a:latin typeface="Consolas" panose="020B0609020204030204" pitchFamily="49" charset="0"/>
+            </a:endParaRPr>
+          </a:p>
+          <a:p>
+            <a:r>
+              <a:rPr lang="en-GB" sz="1200" b="0" dirty="0">
+                <a:solidFill>
+                  <a:srgbClr val="D4D4D4"/>
+                </a:solidFill>
+                <a:effectLst/>
+                <a:latin typeface="Consolas" panose="020B0609020204030204" pitchFamily="49" charset="0"/>
+              </a:rPr>
+              <a:t>            </a:t>
+            </a:r>
+            <a:r>
+              <a:rPr lang="en-GB" sz="1200" b="0" dirty="0" err="1">
+                <a:solidFill>
+                  <a:srgbClr val="D4D4D4"/>
+                </a:solidFill>
+                <a:effectLst/>
+                <a:latin typeface="Consolas" panose="020B0609020204030204" pitchFamily="49" charset="0"/>
+              </a:rPr>
+              <a:t>I_v</a:t>
+            </a:r>
+            <a:r>
+              <a:rPr lang="en-GB" sz="1200" b="0" dirty="0">
+                <a:solidFill>
+                  <a:srgbClr val="D4D4D4"/>
+                </a:solidFill>
+                <a:effectLst/>
+                <a:latin typeface="Consolas" panose="020B0609020204030204" pitchFamily="49" charset="0"/>
+              </a:rPr>
+              <a:t> &lt;= (</a:t>
+            </a:r>
+            <a:r>
+              <a:rPr lang="en-GB" sz="1200" b="0" dirty="0">
+                <a:solidFill>
+                  <a:srgbClr val="569CD6"/>
+                </a:solidFill>
+                <a:effectLst/>
+                <a:latin typeface="Consolas" panose="020B0609020204030204" pitchFamily="49" charset="0"/>
+              </a:rPr>
+              <a:t>others</a:t>
+            </a:r>
+            <a:r>
+              <a:rPr lang="en-GB" sz="1200" b="0" dirty="0">
+                <a:solidFill>
+                  <a:srgbClr val="D4D4D4"/>
+                </a:solidFill>
+                <a:effectLst/>
+                <a:latin typeface="Consolas" panose="020B0609020204030204" pitchFamily="49" charset="0"/>
+              </a:rPr>
+              <a:t> =&gt; </a:t>
+            </a:r>
+            <a:r>
+              <a:rPr lang="en-GB" sz="1200" b="0" dirty="0">
+                <a:solidFill>
+                  <a:srgbClr val="CE9178"/>
+                </a:solidFill>
+                <a:effectLst/>
+                <a:latin typeface="Consolas" panose="020B0609020204030204" pitchFamily="49" charset="0"/>
+              </a:rPr>
+              <a:t>'-'</a:t>
+            </a:r>
+            <a:r>
+              <a:rPr lang="en-GB" sz="1200" b="0" dirty="0">
+                <a:solidFill>
+                  <a:srgbClr val="D4D4D4"/>
+                </a:solidFill>
+                <a:effectLst/>
+                <a:latin typeface="Consolas" panose="020B0609020204030204" pitchFamily="49" charset="0"/>
+              </a:rPr>
+              <a:t>);</a:t>
+            </a:r>
+          </a:p>
+          <a:p>
+            <a:r>
+              <a:rPr lang="en-GB" sz="1200" b="0" dirty="0">
+                <a:solidFill>
+                  <a:srgbClr val="D4D4D4"/>
+                </a:solidFill>
+                <a:effectLst/>
+                <a:latin typeface="Consolas" panose="020B0609020204030204" pitchFamily="49" charset="0"/>
+              </a:rPr>
+              <a:t>            </a:t>
+            </a:r>
+            <a:r>
+              <a:rPr lang="en-GB" sz="1200" b="0" dirty="0" err="1">
+                <a:solidFill>
+                  <a:srgbClr val="D4D4D4"/>
+                </a:solidFill>
+                <a:effectLst/>
+                <a:latin typeface="Consolas" panose="020B0609020204030204" pitchFamily="49" charset="0"/>
+              </a:rPr>
+              <a:t>Q_v</a:t>
+            </a:r>
+            <a:r>
+              <a:rPr lang="en-GB" sz="1200" b="0" dirty="0">
+                <a:solidFill>
+                  <a:srgbClr val="D4D4D4"/>
+                </a:solidFill>
+                <a:effectLst/>
+                <a:latin typeface="Consolas" panose="020B0609020204030204" pitchFamily="49" charset="0"/>
+              </a:rPr>
+              <a:t> &lt;= (</a:t>
+            </a:r>
+            <a:r>
+              <a:rPr lang="en-GB" sz="1200" b="0" dirty="0">
+                <a:solidFill>
+                  <a:srgbClr val="569CD6"/>
+                </a:solidFill>
+                <a:effectLst/>
+                <a:latin typeface="Consolas" panose="020B0609020204030204" pitchFamily="49" charset="0"/>
+              </a:rPr>
+              <a:t>others</a:t>
+            </a:r>
+            <a:r>
+              <a:rPr lang="en-GB" sz="1200" b="0" dirty="0">
+                <a:solidFill>
+                  <a:srgbClr val="D4D4D4"/>
+                </a:solidFill>
+                <a:effectLst/>
+                <a:latin typeface="Consolas" panose="020B0609020204030204" pitchFamily="49" charset="0"/>
+              </a:rPr>
+              <a:t> =&gt; </a:t>
+            </a:r>
+            <a:r>
+              <a:rPr lang="en-GB" sz="1200" b="0" dirty="0">
+                <a:solidFill>
+                  <a:srgbClr val="CE9178"/>
+                </a:solidFill>
+                <a:effectLst/>
+                <a:latin typeface="Consolas" panose="020B0609020204030204" pitchFamily="49" charset="0"/>
+              </a:rPr>
+              <a:t>'-'</a:t>
+            </a:r>
+            <a:r>
+              <a:rPr lang="en-GB" sz="1200" b="0" dirty="0">
+                <a:solidFill>
+                  <a:srgbClr val="D4D4D4"/>
+                </a:solidFill>
+                <a:effectLst/>
+                <a:latin typeface="Consolas" panose="020B0609020204030204" pitchFamily="49" charset="0"/>
+              </a:rPr>
+              <a:t>);</a:t>
+            </a:r>
+          </a:p>
+          <a:p>
+            <a:br>
+              <a:rPr lang="en-GB" sz="1200" b="0" dirty="0">
+                <a:solidFill>
+                  <a:srgbClr val="D4D4D4"/>
+                </a:solidFill>
+                <a:effectLst/>
+                <a:latin typeface="Consolas" panose="020B0609020204030204" pitchFamily="49" charset="0"/>
+              </a:rPr>
+            </a:br>
+            <a:r>
+              <a:rPr lang="en-GB" sz="1200" b="0" dirty="0">
+                <a:solidFill>
+                  <a:srgbClr val="D4D4D4"/>
+                </a:solidFill>
+                <a:effectLst/>
+                <a:latin typeface="Consolas" panose="020B0609020204030204" pitchFamily="49" charset="0"/>
+              </a:rPr>
+              <a:t>            </a:t>
+            </a:r>
+            <a:r>
+              <a:rPr lang="en-GB" sz="1200" b="0" dirty="0" err="1">
+                <a:solidFill>
+                  <a:srgbClr val="D4D4D4"/>
+                </a:solidFill>
+                <a:effectLst/>
+                <a:latin typeface="Consolas" panose="020B0609020204030204" pitchFamily="49" charset="0"/>
+              </a:rPr>
+              <a:t>DataStrobe_r</a:t>
+            </a:r>
+            <a:r>
+              <a:rPr lang="en-GB" sz="1200" b="0" dirty="0">
+                <a:solidFill>
+                  <a:srgbClr val="D4D4D4"/>
+                </a:solidFill>
+                <a:effectLst/>
+                <a:latin typeface="Consolas" panose="020B0609020204030204" pitchFamily="49" charset="0"/>
+              </a:rPr>
+              <a:t> &lt;= </a:t>
+            </a:r>
+            <a:r>
+              <a:rPr lang="en-GB" sz="1200" b="0" dirty="0">
+                <a:solidFill>
+                  <a:srgbClr val="CE9178"/>
+                </a:solidFill>
+                <a:effectLst/>
+                <a:latin typeface="Consolas" panose="020B0609020204030204" pitchFamily="49" charset="0"/>
+              </a:rPr>
+              <a:t>'0'</a:t>
+            </a:r>
+            <a:r>
+              <a:rPr lang="en-GB" sz="1200" b="0" dirty="0">
+                <a:solidFill>
+                  <a:srgbClr val="D4D4D4"/>
+                </a:solidFill>
+                <a:effectLst/>
+                <a:latin typeface="Consolas" panose="020B0609020204030204" pitchFamily="49" charset="0"/>
+              </a:rPr>
+              <a:t>;</a:t>
+            </a:r>
+          </a:p>
+          <a:p>
+            <a:r>
+              <a:rPr lang="en-GB" sz="1200" b="0" dirty="0">
+                <a:solidFill>
+                  <a:srgbClr val="D4D4D4"/>
+                </a:solidFill>
+                <a:effectLst/>
+                <a:latin typeface="Consolas" panose="020B0609020204030204" pitchFamily="49" charset="0"/>
+              </a:rPr>
+              <a:t>            </a:t>
+            </a:r>
+            <a:r>
+              <a:rPr lang="en-GB" sz="1200" b="0" dirty="0" err="1">
+                <a:solidFill>
+                  <a:srgbClr val="D4D4D4"/>
+                </a:solidFill>
+                <a:effectLst/>
+                <a:latin typeface="Consolas" panose="020B0609020204030204" pitchFamily="49" charset="0"/>
+              </a:rPr>
+              <a:t>IReceived_r</a:t>
+            </a:r>
+            <a:r>
+              <a:rPr lang="en-GB" sz="1200" b="0" dirty="0">
+                <a:solidFill>
+                  <a:srgbClr val="D4D4D4"/>
+                </a:solidFill>
+                <a:effectLst/>
+                <a:latin typeface="Consolas" panose="020B0609020204030204" pitchFamily="49" charset="0"/>
+              </a:rPr>
+              <a:t> &lt;= </a:t>
+            </a:r>
+            <a:r>
+              <a:rPr lang="en-GB" sz="1200" b="0" dirty="0">
+                <a:solidFill>
+                  <a:srgbClr val="CE9178"/>
+                </a:solidFill>
+                <a:effectLst/>
+                <a:latin typeface="Consolas" panose="020B0609020204030204" pitchFamily="49" charset="0"/>
+              </a:rPr>
+              <a:t>'0'</a:t>
+            </a:r>
+            <a:r>
+              <a:rPr lang="en-GB" sz="1200" b="0" dirty="0">
+                <a:solidFill>
+                  <a:srgbClr val="D4D4D4"/>
+                </a:solidFill>
+                <a:effectLst/>
+                <a:latin typeface="Consolas" panose="020B0609020204030204" pitchFamily="49" charset="0"/>
+              </a:rPr>
+              <a:t>;</a:t>
+            </a:r>
+          </a:p>
+          <a:p>
+            <a:r>
+              <a:rPr lang="en-GB" sz="1200" b="0" dirty="0">
+                <a:solidFill>
+                  <a:srgbClr val="D4D4D4"/>
+                </a:solidFill>
+                <a:effectLst/>
+                <a:latin typeface="Consolas" panose="020B0609020204030204" pitchFamily="49" charset="0"/>
+              </a:rPr>
+              <a:t>        </a:t>
+            </a:r>
+            <a:r>
+              <a:rPr lang="en-GB" sz="1200" b="0" dirty="0" err="1">
+                <a:solidFill>
+                  <a:srgbClr val="569CD6"/>
+                </a:solidFill>
+                <a:effectLst/>
+                <a:latin typeface="Consolas" panose="020B0609020204030204" pitchFamily="49" charset="0"/>
+              </a:rPr>
+              <a:t>elsif</a:t>
+            </a:r>
+            <a:r>
+              <a:rPr lang="en-GB" sz="1200" b="0" dirty="0">
+                <a:solidFill>
+                  <a:srgbClr val="D4D4D4"/>
+                </a:solidFill>
+                <a:effectLst/>
+                <a:latin typeface="Consolas" panose="020B0609020204030204" pitchFamily="49" charset="0"/>
+              </a:rPr>
+              <a:t> </a:t>
+            </a:r>
+            <a:r>
+              <a:rPr lang="en-GB" sz="1200" b="0" dirty="0" err="1">
+                <a:solidFill>
+                  <a:srgbClr val="DCDCAA"/>
+                </a:solidFill>
+                <a:effectLst/>
+                <a:latin typeface="Consolas" panose="020B0609020204030204" pitchFamily="49" charset="0"/>
+              </a:rPr>
+              <a:t>rising_edge</a:t>
+            </a:r>
+            <a:r>
+              <a:rPr lang="en-GB" sz="1200" b="0" dirty="0">
+                <a:solidFill>
+                  <a:srgbClr val="D4D4D4"/>
+                </a:solidFill>
+                <a:effectLst/>
+                <a:latin typeface="Consolas" panose="020B0609020204030204" pitchFamily="49" charset="0"/>
+              </a:rPr>
+              <a:t>(</a:t>
+            </a:r>
+            <a:r>
+              <a:rPr lang="en-GB" sz="1200" b="0" dirty="0" err="1">
+                <a:solidFill>
+                  <a:srgbClr val="D4D4D4"/>
+                </a:solidFill>
+                <a:effectLst/>
+                <a:latin typeface="Consolas" panose="020B0609020204030204" pitchFamily="49" charset="0"/>
+              </a:rPr>
+              <a:t>Clk_DataFlow</a:t>
+            </a:r>
+            <a:r>
+              <a:rPr lang="en-GB" sz="1200" b="0" dirty="0">
+                <a:solidFill>
+                  <a:srgbClr val="D4D4D4"/>
+                </a:solidFill>
+                <a:effectLst/>
+                <a:latin typeface="Consolas" panose="020B0609020204030204" pitchFamily="49" charset="0"/>
+              </a:rPr>
+              <a:t>) </a:t>
+            </a:r>
+            <a:r>
+              <a:rPr lang="en-GB" sz="1200" b="0" dirty="0">
+                <a:solidFill>
+                  <a:srgbClr val="569CD6"/>
+                </a:solidFill>
+                <a:effectLst/>
+                <a:latin typeface="Consolas" panose="020B0609020204030204" pitchFamily="49" charset="0"/>
+              </a:rPr>
+              <a:t>then</a:t>
+            </a:r>
+            <a:endParaRPr lang="en-GB" sz="1200" b="0" dirty="0">
+              <a:solidFill>
+                <a:srgbClr val="D4D4D4"/>
+              </a:solidFill>
+              <a:effectLst/>
+              <a:latin typeface="Consolas" panose="020B0609020204030204" pitchFamily="49" charset="0"/>
+            </a:endParaRPr>
+          </a:p>
+          <a:p>
+            <a:r>
+              <a:rPr lang="en-GB" sz="1200" b="0" dirty="0">
+                <a:solidFill>
+                  <a:srgbClr val="D4D4D4"/>
+                </a:solidFill>
+                <a:effectLst/>
+                <a:latin typeface="Consolas" panose="020B0609020204030204" pitchFamily="49" charset="0"/>
+              </a:rPr>
+              <a:t>            </a:t>
+            </a:r>
+            <a:r>
+              <a:rPr lang="en-GB" sz="1200" b="0" dirty="0">
+                <a:solidFill>
+                  <a:srgbClr val="569CD6"/>
+                </a:solidFill>
+                <a:effectLst/>
+                <a:latin typeface="Consolas" panose="020B0609020204030204" pitchFamily="49" charset="0"/>
+              </a:rPr>
+              <a:t>if</a:t>
+            </a:r>
+            <a:r>
+              <a:rPr lang="en-GB" sz="1200" b="0" dirty="0">
+                <a:solidFill>
+                  <a:srgbClr val="D4D4D4"/>
+                </a:solidFill>
+                <a:effectLst/>
+                <a:latin typeface="Consolas" panose="020B0609020204030204" pitchFamily="49" charset="0"/>
+              </a:rPr>
+              <a:t> (</a:t>
+            </a:r>
+            <a:r>
+              <a:rPr lang="en-GB" sz="1200" b="0" dirty="0" err="1">
+                <a:solidFill>
+                  <a:srgbClr val="D4D4D4"/>
+                </a:solidFill>
+                <a:effectLst/>
+                <a:latin typeface="Consolas" panose="020B0609020204030204" pitchFamily="49" charset="0"/>
+              </a:rPr>
+              <a:t>ConversionStarted_r</a:t>
+            </a:r>
+            <a:r>
+              <a:rPr lang="en-GB" sz="1200" b="0" dirty="0">
+                <a:solidFill>
+                  <a:srgbClr val="D4D4D4"/>
+                </a:solidFill>
+                <a:effectLst/>
+                <a:latin typeface="Consolas" panose="020B0609020204030204" pitchFamily="49" charset="0"/>
+              </a:rPr>
+              <a:t> = </a:t>
+            </a:r>
+            <a:r>
+              <a:rPr lang="en-GB" sz="1200" b="0" dirty="0">
+                <a:solidFill>
+                  <a:srgbClr val="CE9178"/>
+                </a:solidFill>
+                <a:effectLst/>
+                <a:latin typeface="Consolas" panose="020B0609020204030204" pitchFamily="49" charset="0"/>
+              </a:rPr>
+              <a:t>'0'</a:t>
+            </a:r>
+            <a:r>
+              <a:rPr lang="en-GB" sz="1200" b="0" dirty="0">
+                <a:solidFill>
+                  <a:srgbClr val="D4D4D4"/>
+                </a:solidFill>
+                <a:effectLst/>
+                <a:latin typeface="Consolas" panose="020B0609020204030204" pitchFamily="49" charset="0"/>
+              </a:rPr>
+              <a:t>) </a:t>
+            </a:r>
+            <a:r>
+              <a:rPr lang="en-GB" sz="1200" b="0" dirty="0">
+                <a:solidFill>
+                  <a:srgbClr val="569CD6"/>
+                </a:solidFill>
+                <a:effectLst/>
+                <a:latin typeface="Consolas" panose="020B0609020204030204" pitchFamily="49" charset="0"/>
+              </a:rPr>
+              <a:t>then</a:t>
+            </a:r>
+            <a:endParaRPr lang="en-GB" sz="1200" b="0" dirty="0">
+              <a:solidFill>
+                <a:srgbClr val="D4D4D4"/>
+              </a:solidFill>
+              <a:effectLst/>
+              <a:latin typeface="Consolas" panose="020B0609020204030204" pitchFamily="49" charset="0"/>
+            </a:endParaRPr>
+          </a:p>
+          <a:p>
+            <a:r>
+              <a:rPr lang="en-GB" sz="1200" b="0" dirty="0">
+                <a:solidFill>
+                  <a:srgbClr val="D4D4D4"/>
+                </a:solidFill>
+                <a:effectLst/>
+                <a:latin typeface="Consolas" panose="020B0609020204030204" pitchFamily="49" charset="0"/>
+              </a:rPr>
+              <a:t>                </a:t>
+            </a:r>
+            <a:r>
+              <a:rPr lang="en-GB" sz="1200" b="0" dirty="0" err="1">
+                <a:solidFill>
+                  <a:srgbClr val="D4D4D4"/>
+                </a:solidFill>
+                <a:effectLst/>
+                <a:latin typeface="Consolas" panose="020B0609020204030204" pitchFamily="49" charset="0"/>
+              </a:rPr>
+              <a:t>DataStrobe_r</a:t>
+            </a:r>
+            <a:r>
+              <a:rPr lang="en-GB" sz="1200" b="0" dirty="0">
+                <a:solidFill>
+                  <a:srgbClr val="D4D4D4"/>
+                </a:solidFill>
+                <a:effectLst/>
+                <a:latin typeface="Consolas" panose="020B0609020204030204" pitchFamily="49" charset="0"/>
+              </a:rPr>
+              <a:t> &lt;= </a:t>
+            </a:r>
+            <a:r>
+              <a:rPr lang="en-GB" sz="1200" b="0" dirty="0">
+                <a:solidFill>
+                  <a:srgbClr val="CE9178"/>
+                </a:solidFill>
+                <a:effectLst/>
+                <a:latin typeface="Consolas" panose="020B0609020204030204" pitchFamily="49" charset="0"/>
+              </a:rPr>
+              <a:t>'0'</a:t>
+            </a:r>
+            <a:r>
+              <a:rPr lang="en-GB" sz="1200" b="0" dirty="0">
+                <a:solidFill>
+                  <a:srgbClr val="D4D4D4"/>
+                </a:solidFill>
+                <a:effectLst/>
+                <a:latin typeface="Consolas" panose="020B0609020204030204" pitchFamily="49" charset="0"/>
+              </a:rPr>
+              <a:t>;                </a:t>
+            </a:r>
+          </a:p>
+          <a:p>
+            <a:r>
+              <a:rPr lang="en-GB" sz="1200" b="0" dirty="0">
+                <a:solidFill>
+                  <a:srgbClr val="D4D4D4"/>
+                </a:solidFill>
+                <a:effectLst/>
+                <a:latin typeface="Consolas" panose="020B0609020204030204" pitchFamily="49" charset="0"/>
+              </a:rPr>
+              <a:t>                </a:t>
+            </a:r>
+            <a:r>
+              <a:rPr lang="en-GB" sz="1200" b="0" dirty="0" err="1">
+                <a:solidFill>
+                  <a:srgbClr val="D4D4D4"/>
+                </a:solidFill>
+                <a:effectLst/>
+                <a:latin typeface="Consolas" panose="020B0609020204030204" pitchFamily="49" charset="0"/>
+              </a:rPr>
+              <a:t>IReceived_r</a:t>
+            </a:r>
+            <a:r>
+              <a:rPr lang="en-GB" sz="1200" b="0" dirty="0">
+                <a:solidFill>
+                  <a:srgbClr val="D4D4D4"/>
+                </a:solidFill>
+                <a:effectLst/>
+                <a:latin typeface="Consolas" panose="020B0609020204030204" pitchFamily="49" charset="0"/>
+              </a:rPr>
+              <a:t> &lt;= </a:t>
+            </a:r>
+            <a:r>
+              <a:rPr lang="en-GB" sz="1200" b="0" dirty="0">
+                <a:solidFill>
+                  <a:srgbClr val="CE9178"/>
+                </a:solidFill>
+                <a:effectLst/>
+                <a:latin typeface="Consolas" panose="020B0609020204030204" pitchFamily="49" charset="0"/>
+              </a:rPr>
+              <a:t>'0'</a:t>
+            </a:r>
+            <a:r>
+              <a:rPr lang="en-GB" sz="1200" b="0" dirty="0">
+                <a:solidFill>
+                  <a:srgbClr val="D4D4D4"/>
+                </a:solidFill>
+                <a:effectLst/>
+                <a:latin typeface="Consolas" panose="020B0609020204030204" pitchFamily="49" charset="0"/>
+              </a:rPr>
+              <a:t>;  </a:t>
+            </a:r>
+          </a:p>
+          <a:p>
+            <a:r>
+              <a:rPr lang="en-GB" sz="1200" b="0" dirty="0">
+                <a:solidFill>
+                  <a:srgbClr val="D4D4D4"/>
+                </a:solidFill>
+                <a:effectLst/>
+                <a:latin typeface="Consolas" panose="020B0609020204030204" pitchFamily="49" charset="0"/>
+              </a:rPr>
+              <a:t>            </a:t>
+            </a:r>
+            <a:r>
+              <a:rPr lang="en-GB" sz="1200" b="0" dirty="0" err="1">
+                <a:solidFill>
+                  <a:srgbClr val="569CD6"/>
+                </a:solidFill>
+                <a:effectLst/>
+                <a:latin typeface="Consolas" panose="020B0609020204030204" pitchFamily="49" charset="0"/>
+              </a:rPr>
+              <a:t>elsif</a:t>
+            </a:r>
+            <a:r>
+              <a:rPr lang="en-GB" sz="1200" b="0" dirty="0">
+                <a:solidFill>
+                  <a:srgbClr val="D4D4D4"/>
+                </a:solidFill>
+                <a:effectLst/>
+                <a:latin typeface="Consolas" panose="020B0609020204030204" pitchFamily="49" charset="0"/>
+              </a:rPr>
+              <a:t> (</a:t>
+            </a:r>
+            <a:r>
+              <a:rPr lang="en-GB" sz="1200" b="0" dirty="0" err="1">
+                <a:solidFill>
+                  <a:srgbClr val="D4D4D4"/>
+                </a:solidFill>
+                <a:effectLst/>
+                <a:latin typeface="Consolas" panose="020B0609020204030204" pitchFamily="49" charset="0"/>
+              </a:rPr>
+              <a:t>ReceiveDataMode</a:t>
+            </a:r>
+            <a:r>
+              <a:rPr lang="en-GB" sz="1200" b="0" dirty="0">
+                <a:solidFill>
+                  <a:srgbClr val="D4D4D4"/>
+                </a:solidFill>
+                <a:effectLst/>
+                <a:latin typeface="Consolas" panose="020B0609020204030204" pitchFamily="49" charset="0"/>
+              </a:rPr>
+              <a:t> = </a:t>
+            </a:r>
+            <a:r>
+              <a:rPr lang="en-GB" sz="1200" b="0" dirty="0">
+                <a:solidFill>
+                  <a:srgbClr val="CE9178"/>
+                </a:solidFill>
+                <a:effectLst/>
+                <a:latin typeface="Consolas" panose="020B0609020204030204" pitchFamily="49" charset="0"/>
+              </a:rPr>
+              <a:t>'0'</a:t>
+            </a:r>
+            <a:r>
+              <a:rPr lang="en-GB" sz="1200" b="0" dirty="0">
+                <a:solidFill>
+                  <a:srgbClr val="D4D4D4"/>
+                </a:solidFill>
+                <a:effectLst/>
+                <a:latin typeface="Consolas" panose="020B0609020204030204" pitchFamily="49" charset="0"/>
+              </a:rPr>
+              <a:t>) </a:t>
+            </a:r>
+            <a:r>
+              <a:rPr lang="en-GB" sz="1200" b="0" dirty="0">
+                <a:solidFill>
+                  <a:srgbClr val="569CD6"/>
+                </a:solidFill>
+                <a:effectLst/>
+                <a:latin typeface="Consolas" panose="020B0609020204030204" pitchFamily="49" charset="0"/>
+              </a:rPr>
+              <a:t>then</a:t>
+            </a:r>
+            <a:endParaRPr lang="en-GB" sz="1200" b="0" dirty="0">
+              <a:solidFill>
+                <a:srgbClr val="D4D4D4"/>
+              </a:solidFill>
+              <a:effectLst/>
+              <a:latin typeface="Consolas" panose="020B0609020204030204" pitchFamily="49" charset="0"/>
+            </a:endParaRPr>
+          </a:p>
+          <a:p>
+            <a:r>
+              <a:rPr lang="en-GB" sz="1200" b="0" dirty="0">
+                <a:solidFill>
+                  <a:srgbClr val="D4D4D4"/>
+                </a:solidFill>
+                <a:effectLst/>
+                <a:latin typeface="Consolas" panose="020B0609020204030204" pitchFamily="49" charset="0"/>
+              </a:rPr>
+              <a:t>                </a:t>
+            </a:r>
+            <a:r>
+              <a:rPr lang="en-GB" sz="1200" b="0" dirty="0" err="1">
+                <a:solidFill>
+                  <a:srgbClr val="D4D4D4"/>
+                </a:solidFill>
+                <a:effectLst/>
+                <a:latin typeface="Consolas" panose="020B0609020204030204" pitchFamily="49" charset="0"/>
+              </a:rPr>
+              <a:t>Q_v</a:t>
+            </a:r>
+            <a:r>
+              <a:rPr lang="en-GB" sz="1200" b="0" dirty="0">
+                <a:solidFill>
+                  <a:srgbClr val="D4D4D4"/>
+                </a:solidFill>
+                <a:effectLst/>
+                <a:latin typeface="Consolas" panose="020B0609020204030204" pitchFamily="49" charset="0"/>
+              </a:rPr>
+              <a:t> &lt;= </a:t>
+            </a:r>
+            <a:r>
+              <a:rPr lang="en-GB" sz="1200" b="0" dirty="0" err="1">
+                <a:solidFill>
+                  <a:srgbClr val="D4D4D4"/>
+                </a:solidFill>
+                <a:effectLst/>
+                <a:latin typeface="Consolas" panose="020B0609020204030204" pitchFamily="49" charset="0"/>
+              </a:rPr>
+              <a:t>ADC_SigIn</a:t>
+            </a:r>
+            <a:r>
+              <a:rPr lang="en-GB" sz="1200" b="0" dirty="0">
+                <a:solidFill>
+                  <a:srgbClr val="D4D4D4"/>
+                </a:solidFill>
+                <a:effectLst/>
+                <a:latin typeface="Consolas" panose="020B0609020204030204" pitchFamily="49" charset="0"/>
+              </a:rPr>
+              <a:t>;</a:t>
+            </a:r>
+          </a:p>
+          <a:p>
+            <a:r>
+              <a:rPr lang="en-GB" sz="1200" b="0" dirty="0">
+                <a:solidFill>
+                  <a:srgbClr val="D4D4D4"/>
+                </a:solidFill>
+                <a:effectLst/>
+                <a:latin typeface="Consolas" panose="020B0609020204030204" pitchFamily="49" charset="0"/>
+              </a:rPr>
+              <a:t>                </a:t>
+            </a:r>
+            <a:r>
+              <a:rPr lang="en-GB" sz="1200" b="0" dirty="0" err="1">
+                <a:solidFill>
+                  <a:srgbClr val="D4D4D4"/>
+                </a:solidFill>
+                <a:effectLst/>
+                <a:latin typeface="Consolas" panose="020B0609020204030204" pitchFamily="49" charset="0"/>
+              </a:rPr>
+              <a:t>DataStrobe_r</a:t>
+            </a:r>
+            <a:r>
+              <a:rPr lang="en-GB" sz="1200" b="0" dirty="0">
+                <a:solidFill>
+                  <a:srgbClr val="D4D4D4"/>
+                </a:solidFill>
+                <a:effectLst/>
+                <a:latin typeface="Consolas" panose="020B0609020204030204" pitchFamily="49" charset="0"/>
+              </a:rPr>
+              <a:t> &lt;= </a:t>
+            </a:r>
+            <a:r>
+              <a:rPr lang="en-GB" sz="1200" b="0" dirty="0">
+                <a:solidFill>
+                  <a:srgbClr val="CE9178"/>
+                </a:solidFill>
+                <a:effectLst/>
+                <a:latin typeface="Consolas" panose="020B0609020204030204" pitchFamily="49" charset="0"/>
+              </a:rPr>
+              <a:t>'1'</a:t>
+            </a:r>
+            <a:r>
+              <a:rPr lang="en-GB" sz="1200" b="0" dirty="0">
+                <a:solidFill>
+                  <a:srgbClr val="D4D4D4"/>
+                </a:solidFill>
+                <a:effectLst/>
+                <a:latin typeface="Consolas" panose="020B0609020204030204" pitchFamily="49" charset="0"/>
+              </a:rPr>
+              <a:t>;</a:t>
+            </a:r>
+          </a:p>
+          <a:p>
+            <a:r>
+              <a:rPr lang="en-GB" sz="1200" b="0" dirty="0">
+                <a:solidFill>
+                  <a:srgbClr val="D4D4D4"/>
+                </a:solidFill>
+                <a:effectLst/>
+                <a:latin typeface="Consolas" panose="020B0609020204030204" pitchFamily="49" charset="0"/>
+              </a:rPr>
+              <a:t>            </a:t>
+            </a:r>
+            <a:r>
+              <a:rPr lang="en-GB" sz="1200" b="0" dirty="0" err="1">
+                <a:solidFill>
+                  <a:srgbClr val="569CD6"/>
+                </a:solidFill>
+                <a:effectLst/>
+                <a:latin typeface="Consolas" panose="020B0609020204030204" pitchFamily="49" charset="0"/>
+              </a:rPr>
+              <a:t>elsif</a:t>
+            </a:r>
+            <a:r>
+              <a:rPr lang="en-GB" sz="1200" b="0" dirty="0">
+                <a:solidFill>
+                  <a:srgbClr val="D4D4D4"/>
+                </a:solidFill>
+                <a:effectLst/>
+                <a:latin typeface="Consolas" panose="020B0609020204030204" pitchFamily="49" charset="0"/>
+              </a:rPr>
+              <a:t> (</a:t>
+            </a:r>
+            <a:r>
+              <a:rPr lang="en-GB" sz="1200" b="0" dirty="0" err="1">
+                <a:solidFill>
+                  <a:srgbClr val="D4D4D4"/>
+                </a:solidFill>
+                <a:effectLst/>
+                <a:latin typeface="Consolas" panose="020B0609020204030204" pitchFamily="49" charset="0"/>
+              </a:rPr>
+              <a:t>IReceived_r</a:t>
+            </a:r>
+            <a:r>
+              <a:rPr lang="en-GB" sz="1200" b="0" dirty="0">
+                <a:solidFill>
+                  <a:srgbClr val="D4D4D4"/>
+                </a:solidFill>
+                <a:effectLst/>
+                <a:latin typeface="Consolas" panose="020B0609020204030204" pitchFamily="49" charset="0"/>
+              </a:rPr>
+              <a:t> = </a:t>
+            </a:r>
+            <a:r>
+              <a:rPr lang="en-GB" sz="1200" b="0" dirty="0">
+                <a:solidFill>
+                  <a:srgbClr val="CE9178"/>
+                </a:solidFill>
+                <a:effectLst/>
+                <a:latin typeface="Consolas" panose="020B0609020204030204" pitchFamily="49" charset="0"/>
+              </a:rPr>
+              <a:t>'0'</a:t>
+            </a:r>
+            <a:r>
+              <a:rPr lang="en-GB" sz="1200" b="0" dirty="0">
+                <a:solidFill>
+                  <a:srgbClr val="D4D4D4"/>
+                </a:solidFill>
+                <a:effectLst/>
+                <a:latin typeface="Consolas" panose="020B0609020204030204" pitchFamily="49" charset="0"/>
+              </a:rPr>
+              <a:t>) </a:t>
+            </a:r>
+            <a:r>
+              <a:rPr lang="en-GB" sz="1200" b="0" dirty="0">
+                <a:solidFill>
+                  <a:srgbClr val="569CD6"/>
+                </a:solidFill>
+                <a:effectLst/>
+                <a:latin typeface="Consolas" panose="020B0609020204030204" pitchFamily="49" charset="0"/>
+              </a:rPr>
+              <a:t>then</a:t>
+            </a:r>
+            <a:endParaRPr lang="en-GB" sz="1200" b="0" dirty="0">
+              <a:solidFill>
+                <a:srgbClr val="D4D4D4"/>
+              </a:solidFill>
+              <a:effectLst/>
+              <a:latin typeface="Consolas" panose="020B0609020204030204" pitchFamily="49" charset="0"/>
+            </a:endParaRPr>
+          </a:p>
+          <a:p>
+            <a:r>
+              <a:rPr lang="en-GB" sz="1200" b="0" dirty="0">
+                <a:solidFill>
+                  <a:srgbClr val="D4D4D4"/>
+                </a:solidFill>
+                <a:effectLst/>
+                <a:latin typeface="Consolas" panose="020B0609020204030204" pitchFamily="49" charset="0"/>
+              </a:rPr>
+              <a:t>                </a:t>
+            </a:r>
+            <a:r>
+              <a:rPr lang="en-GB" sz="1200" b="0" dirty="0" err="1">
+                <a:solidFill>
+                  <a:srgbClr val="D4D4D4"/>
+                </a:solidFill>
+                <a:effectLst/>
+                <a:latin typeface="Consolas" panose="020B0609020204030204" pitchFamily="49" charset="0"/>
+              </a:rPr>
+              <a:t>I_v</a:t>
+            </a:r>
+            <a:r>
+              <a:rPr lang="en-GB" sz="1200" b="0" dirty="0">
+                <a:solidFill>
+                  <a:srgbClr val="D4D4D4"/>
+                </a:solidFill>
+                <a:effectLst/>
+                <a:latin typeface="Consolas" panose="020B0609020204030204" pitchFamily="49" charset="0"/>
+              </a:rPr>
+              <a:t> &lt;= </a:t>
+            </a:r>
+            <a:r>
+              <a:rPr lang="en-GB" sz="1200" b="0" dirty="0" err="1">
+                <a:solidFill>
+                  <a:srgbClr val="D4D4D4"/>
+                </a:solidFill>
+                <a:effectLst/>
+                <a:latin typeface="Consolas" panose="020B0609020204030204" pitchFamily="49" charset="0"/>
+              </a:rPr>
+              <a:t>ADC_SigIn</a:t>
+            </a:r>
+            <a:r>
+              <a:rPr lang="en-GB" sz="1200" b="0" dirty="0">
+                <a:solidFill>
+                  <a:srgbClr val="D4D4D4"/>
+                </a:solidFill>
+                <a:effectLst/>
+                <a:latin typeface="Consolas" panose="020B0609020204030204" pitchFamily="49" charset="0"/>
+              </a:rPr>
+              <a:t>;</a:t>
+            </a:r>
+          </a:p>
+          <a:p>
+            <a:r>
+              <a:rPr lang="en-GB" sz="1200" b="0" dirty="0">
+                <a:solidFill>
+                  <a:srgbClr val="D4D4D4"/>
+                </a:solidFill>
+                <a:effectLst/>
+                <a:latin typeface="Consolas" panose="020B0609020204030204" pitchFamily="49" charset="0"/>
+              </a:rPr>
+              <a:t>                </a:t>
+            </a:r>
+            <a:r>
+              <a:rPr lang="en-GB" sz="1200" b="0" dirty="0" err="1">
+                <a:solidFill>
+                  <a:srgbClr val="D4D4D4"/>
+                </a:solidFill>
+                <a:effectLst/>
+                <a:latin typeface="Consolas" panose="020B0609020204030204" pitchFamily="49" charset="0"/>
+              </a:rPr>
+              <a:t>DataStrobe_r</a:t>
+            </a:r>
+            <a:r>
+              <a:rPr lang="en-GB" sz="1200" b="0" dirty="0">
+                <a:solidFill>
+                  <a:srgbClr val="D4D4D4"/>
+                </a:solidFill>
+                <a:effectLst/>
+                <a:latin typeface="Consolas" panose="020B0609020204030204" pitchFamily="49" charset="0"/>
+              </a:rPr>
+              <a:t> &lt;= </a:t>
+            </a:r>
+            <a:r>
+              <a:rPr lang="en-GB" sz="1200" b="0" dirty="0">
+                <a:solidFill>
+                  <a:srgbClr val="CE9178"/>
+                </a:solidFill>
+                <a:effectLst/>
+                <a:latin typeface="Consolas" panose="020B0609020204030204" pitchFamily="49" charset="0"/>
+              </a:rPr>
+              <a:t>'0'</a:t>
+            </a:r>
+            <a:r>
+              <a:rPr lang="en-GB" sz="1200" b="0" dirty="0">
+                <a:solidFill>
+                  <a:srgbClr val="D4D4D4"/>
+                </a:solidFill>
+                <a:effectLst/>
+                <a:latin typeface="Consolas" panose="020B0609020204030204" pitchFamily="49" charset="0"/>
+              </a:rPr>
+              <a:t>;</a:t>
+            </a:r>
+          </a:p>
+          <a:p>
+            <a:r>
+              <a:rPr lang="en-GB" sz="1200" b="0" dirty="0">
+                <a:solidFill>
+                  <a:srgbClr val="D4D4D4"/>
+                </a:solidFill>
+                <a:effectLst/>
+                <a:latin typeface="Consolas" panose="020B0609020204030204" pitchFamily="49" charset="0"/>
+              </a:rPr>
+              <a:t>                </a:t>
+            </a:r>
+            <a:r>
+              <a:rPr lang="en-GB" sz="1200" b="0" dirty="0" err="1">
+                <a:solidFill>
+                  <a:srgbClr val="D4D4D4"/>
+                </a:solidFill>
+                <a:effectLst/>
+                <a:latin typeface="Consolas" panose="020B0609020204030204" pitchFamily="49" charset="0"/>
+              </a:rPr>
+              <a:t>IReceived_r</a:t>
+            </a:r>
+            <a:r>
+              <a:rPr lang="en-GB" sz="1200" b="0" dirty="0">
+                <a:solidFill>
+                  <a:srgbClr val="D4D4D4"/>
+                </a:solidFill>
+                <a:effectLst/>
+                <a:latin typeface="Consolas" panose="020B0609020204030204" pitchFamily="49" charset="0"/>
+              </a:rPr>
+              <a:t> &lt;= </a:t>
+            </a:r>
+            <a:r>
+              <a:rPr lang="en-GB" sz="1200" b="0" dirty="0">
+                <a:solidFill>
+                  <a:srgbClr val="CE9178"/>
+                </a:solidFill>
+                <a:effectLst/>
+                <a:latin typeface="Consolas" panose="020B0609020204030204" pitchFamily="49" charset="0"/>
+              </a:rPr>
+              <a:t>'1'</a:t>
+            </a:r>
+            <a:r>
+              <a:rPr lang="en-GB" sz="1200" b="0" dirty="0">
+                <a:solidFill>
+                  <a:srgbClr val="D4D4D4"/>
+                </a:solidFill>
+                <a:effectLst/>
+                <a:latin typeface="Consolas" panose="020B0609020204030204" pitchFamily="49" charset="0"/>
+              </a:rPr>
+              <a:t>;</a:t>
+            </a:r>
+          </a:p>
+          <a:p>
+            <a:r>
+              <a:rPr lang="en-GB" sz="1200" b="0" dirty="0">
+                <a:solidFill>
+                  <a:srgbClr val="D4D4D4"/>
+                </a:solidFill>
+                <a:effectLst/>
+                <a:latin typeface="Consolas" panose="020B0609020204030204" pitchFamily="49" charset="0"/>
+              </a:rPr>
+              <a:t>            </a:t>
+            </a:r>
+            <a:r>
+              <a:rPr lang="en-GB" sz="1200" b="0" dirty="0">
+                <a:solidFill>
+                  <a:srgbClr val="569CD6"/>
+                </a:solidFill>
+                <a:effectLst/>
+                <a:latin typeface="Consolas" panose="020B0609020204030204" pitchFamily="49" charset="0"/>
+              </a:rPr>
+              <a:t>else</a:t>
+            </a:r>
+            <a:r>
+              <a:rPr lang="en-GB" sz="1200" b="0" dirty="0">
+                <a:solidFill>
+                  <a:srgbClr val="D4D4D4"/>
+                </a:solidFill>
+                <a:effectLst/>
+                <a:latin typeface="Consolas" panose="020B0609020204030204" pitchFamily="49" charset="0"/>
+              </a:rPr>
+              <a:t> </a:t>
+            </a:r>
+          </a:p>
+          <a:p>
+            <a:r>
+              <a:rPr lang="en-GB" sz="1200" b="0" dirty="0">
+                <a:solidFill>
+                  <a:srgbClr val="D4D4D4"/>
+                </a:solidFill>
+                <a:effectLst/>
+                <a:latin typeface="Consolas" panose="020B0609020204030204" pitchFamily="49" charset="0"/>
+              </a:rPr>
+              <a:t>                </a:t>
+            </a:r>
+            <a:r>
+              <a:rPr lang="en-GB" sz="1200" b="0" dirty="0" err="1">
+                <a:solidFill>
+                  <a:srgbClr val="D4D4D4"/>
+                </a:solidFill>
+                <a:effectLst/>
+                <a:latin typeface="Consolas" panose="020B0609020204030204" pitchFamily="49" charset="0"/>
+              </a:rPr>
+              <a:t>Q_v</a:t>
+            </a:r>
+            <a:r>
+              <a:rPr lang="en-GB" sz="1200" b="0" dirty="0">
+                <a:solidFill>
+                  <a:srgbClr val="D4D4D4"/>
+                </a:solidFill>
+                <a:effectLst/>
+                <a:latin typeface="Consolas" panose="020B0609020204030204" pitchFamily="49" charset="0"/>
+              </a:rPr>
+              <a:t> &lt;= </a:t>
+            </a:r>
+            <a:r>
+              <a:rPr lang="en-GB" sz="1200" b="0" dirty="0" err="1">
+                <a:solidFill>
+                  <a:srgbClr val="D4D4D4"/>
+                </a:solidFill>
+                <a:effectLst/>
+                <a:latin typeface="Consolas" panose="020B0609020204030204" pitchFamily="49" charset="0"/>
+              </a:rPr>
+              <a:t>ADC_SigIn</a:t>
+            </a:r>
+            <a:r>
+              <a:rPr lang="en-GB" sz="1200" b="0" dirty="0">
+                <a:solidFill>
+                  <a:srgbClr val="D4D4D4"/>
+                </a:solidFill>
+                <a:effectLst/>
+                <a:latin typeface="Consolas" panose="020B0609020204030204" pitchFamily="49" charset="0"/>
+              </a:rPr>
+              <a:t>;</a:t>
+            </a:r>
+          </a:p>
+          <a:p>
+            <a:r>
+              <a:rPr lang="en-GB" sz="1200" b="0" dirty="0">
+                <a:solidFill>
+                  <a:srgbClr val="D4D4D4"/>
+                </a:solidFill>
+                <a:effectLst/>
+                <a:latin typeface="Consolas" panose="020B0609020204030204" pitchFamily="49" charset="0"/>
+              </a:rPr>
+              <a:t>                </a:t>
+            </a:r>
+            <a:r>
+              <a:rPr lang="en-GB" sz="1200" b="0" dirty="0" err="1">
+                <a:solidFill>
+                  <a:srgbClr val="D4D4D4"/>
+                </a:solidFill>
+                <a:effectLst/>
+                <a:latin typeface="Consolas" panose="020B0609020204030204" pitchFamily="49" charset="0"/>
+              </a:rPr>
+              <a:t>DataStrobe_r</a:t>
+            </a:r>
+            <a:r>
+              <a:rPr lang="en-GB" sz="1200" b="0" dirty="0">
+                <a:solidFill>
+                  <a:srgbClr val="D4D4D4"/>
+                </a:solidFill>
+                <a:effectLst/>
+                <a:latin typeface="Consolas" panose="020B0609020204030204" pitchFamily="49" charset="0"/>
+              </a:rPr>
+              <a:t> &lt;= </a:t>
+            </a:r>
+            <a:r>
+              <a:rPr lang="en-GB" sz="1200" b="0" dirty="0">
+                <a:solidFill>
+                  <a:srgbClr val="CE9178"/>
+                </a:solidFill>
+                <a:effectLst/>
+                <a:latin typeface="Consolas" panose="020B0609020204030204" pitchFamily="49" charset="0"/>
+              </a:rPr>
+              <a:t>'1'</a:t>
+            </a:r>
+            <a:r>
+              <a:rPr lang="en-GB" sz="1200" b="0" dirty="0">
+                <a:solidFill>
+                  <a:srgbClr val="D4D4D4"/>
+                </a:solidFill>
+                <a:effectLst/>
+                <a:latin typeface="Consolas" panose="020B0609020204030204" pitchFamily="49" charset="0"/>
+              </a:rPr>
+              <a:t>;</a:t>
+            </a:r>
+          </a:p>
+          <a:p>
+            <a:r>
+              <a:rPr lang="en-GB" sz="1200" b="0" dirty="0">
+                <a:solidFill>
+                  <a:srgbClr val="D4D4D4"/>
+                </a:solidFill>
+                <a:effectLst/>
+                <a:latin typeface="Consolas" panose="020B0609020204030204" pitchFamily="49" charset="0"/>
+              </a:rPr>
+              <a:t>                </a:t>
+            </a:r>
+            <a:r>
+              <a:rPr lang="en-GB" sz="1200" b="0" dirty="0" err="1">
+                <a:solidFill>
+                  <a:srgbClr val="D4D4D4"/>
+                </a:solidFill>
+                <a:effectLst/>
+                <a:latin typeface="Consolas" panose="020B0609020204030204" pitchFamily="49" charset="0"/>
+              </a:rPr>
+              <a:t>IReceived_r</a:t>
+            </a:r>
+            <a:r>
+              <a:rPr lang="en-GB" sz="1200" b="0" dirty="0">
+                <a:solidFill>
+                  <a:srgbClr val="D4D4D4"/>
+                </a:solidFill>
+                <a:effectLst/>
+                <a:latin typeface="Consolas" panose="020B0609020204030204" pitchFamily="49" charset="0"/>
+              </a:rPr>
+              <a:t> &lt;= </a:t>
+            </a:r>
+            <a:r>
+              <a:rPr lang="en-GB" sz="1200" b="0" dirty="0">
+                <a:solidFill>
+                  <a:srgbClr val="CE9178"/>
+                </a:solidFill>
+                <a:effectLst/>
+                <a:latin typeface="Consolas" panose="020B0609020204030204" pitchFamily="49" charset="0"/>
+              </a:rPr>
+              <a:t>'0'</a:t>
+            </a:r>
+            <a:r>
+              <a:rPr lang="en-GB" sz="1200" b="0" dirty="0">
+                <a:solidFill>
+                  <a:srgbClr val="D4D4D4"/>
+                </a:solidFill>
+                <a:effectLst/>
+                <a:latin typeface="Consolas" panose="020B0609020204030204" pitchFamily="49" charset="0"/>
+              </a:rPr>
+              <a:t>;</a:t>
+            </a:r>
+          </a:p>
+          <a:p>
+            <a:r>
+              <a:rPr lang="en-GB" sz="1200" b="0" dirty="0">
+                <a:solidFill>
+                  <a:srgbClr val="D4D4D4"/>
+                </a:solidFill>
+                <a:effectLst/>
+                <a:latin typeface="Consolas" panose="020B0609020204030204" pitchFamily="49" charset="0"/>
+              </a:rPr>
+              <a:t>            </a:t>
+            </a:r>
+            <a:r>
+              <a:rPr lang="en-GB" sz="1200" b="0" dirty="0">
+                <a:solidFill>
+                  <a:srgbClr val="569CD6"/>
+                </a:solidFill>
+                <a:effectLst/>
+                <a:latin typeface="Consolas" panose="020B0609020204030204" pitchFamily="49" charset="0"/>
+              </a:rPr>
+              <a:t>end if</a:t>
+            </a:r>
+            <a:r>
+              <a:rPr lang="en-GB" sz="1200" b="0" dirty="0">
+                <a:solidFill>
+                  <a:srgbClr val="D4D4D4"/>
+                </a:solidFill>
+                <a:effectLst/>
+                <a:latin typeface="Consolas" panose="020B0609020204030204" pitchFamily="49" charset="0"/>
+              </a:rPr>
+              <a:t>;</a:t>
+            </a:r>
+          </a:p>
+          <a:p>
+            <a:r>
+              <a:rPr lang="en-GB" sz="1200" b="0" dirty="0">
+                <a:solidFill>
+                  <a:srgbClr val="D4D4D4"/>
+                </a:solidFill>
+                <a:effectLst/>
+                <a:latin typeface="Consolas" panose="020B0609020204030204" pitchFamily="49" charset="0"/>
+              </a:rPr>
+              <a:t>        </a:t>
+            </a:r>
+            <a:r>
+              <a:rPr lang="en-GB" sz="1200" b="0" dirty="0">
+                <a:solidFill>
+                  <a:srgbClr val="569CD6"/>
+                </a:solidFill>
+                <a:effectLst/>
+                <a:latin typeface="Consolas" panose="020B0609020204030204" pitchFamily="49" charset="0"/>
+              </a:rPr>
+              <a:t>end if</a:t>
+            </a:r>
+            <a:r>
+              <a:rPr lang="en-GB" sz="1200" b="0" dirty="0">
+                <a:solidFill>
+                  <a:srgbClr val="D4D4D4"/>
+                </a:solidFill>
+                <a:effectLst/>
+                <a:latin typeface="Consolas" panose="020B0609020204030204" pitchFamily="49" charset="0"/>
+              </a:rPr>
+              <a:t>;</a:t>
+            </a:r>
+          </a:p>
+          <a:p>
+            <a:r>
+              <a:rPr lang="en-GB" sz="1200" b="0" dirty="0">
+                <a:solidFill>
+                  <a:srgbClr val="D4D4D4"/>
+                </a:solidFill>
+                <a:effectLst/>
+                <a:latin typeface="Consolas" panose="020B0609020204030204" pitchFamily="49" charset="0"/>
+              </a:rPr>
+              <a:t>    </a:t>
+            </a:r>
+            <a:r>
+              <a:rPr lang="en-GB" sz="1200" b="0" dirty="0">
+                <a:solidFill>
+                  <a:srgbClr val="569CD6"/>
+                </a:solidFill>
+                <a:effectLst/>
+                <a:latin typeface="Consolas" panose="020B0609020204030204" pitchFamily="49" charset="0"/>
+              </a:rPr>
+              <a:t>end</a:t>
+            </a:r>
+            <a:r>
+              <a:rPr lang="en-GB" sz="1200" b="0" dirty="0">
+                <a:solidFill>
+                  <a:srgbClr val="D4D4D4"/>
+                </a:solidFill>
+                <a:effectLst/>
+                <a:latin typeface="Consolas" panose="020B0609020204030204" pitchFamily="49" charset="0"/>
+              </a:rPr>
+              <a:t> </a:t>
+            </a:r>
+            <a:r>
+              <a:rPr lang="en-GB" sz="1200" b="0" dirty="0">
+                <a:solidFill>
+                  <a:srgbClr val="569CD6"/>
+                </a:solidFill>
+                <a:effectLst/>
+                <a:latin typeface="Consolas" panose="020B0609020204030204" pitchFamily="49" charset="0"/>
+              </a:rPr>
+              <a:t>process</a:t>
+            </a:r>
+            <a:r>
+              <a:rPr lang="en-GB" sz="1200" b="0" dirty="0">
+                <a:solidFill>
+                  <a:srgbClr val="D4D4D4"/>
+                </a:solidFill>
+                <a:effectLst/>
+                <a:latin typeface="Consolas" panose="020B0609020204030204" pitchFamily="49" charset="0"/>
+              </a:rPr>
+              <a:t>;</a:t>
+            </a:r>
+          </a:p>
+        </p:txBody>
+      </p:sp>
+      <p:pic>
+        <p:nvPicPr>
+          <p:cNvPr id="5" name="Picture 4">
+            <a:extLst>
+              <a:ext uri="{FF2B5EF4-FFF2-40B4-BE49-F238E27FC236}">
+                <a16:creationId xmlns:a16="http://schemas.microsoft.com/office/drawing/2014/main" id="{F98F7702-B35D-EF29-2C0B-B1192340C37D}"/>
+              </a:ext>
+            </a:extLst>
+          </p:cNvPr>
+          <p:cNvPicPr>
+            <a:picLocks noChangeAspect="1"/>
+          </p:cNvPicPr>
+          <p:nvPr/>
+        </p:nvPicPr>
+        <p:blipFill>
+          <a:blip r:embed="rId2"/>
+          <a:stretch>
+            <a:fillRect/>
+          </a:stretch>
+        </p:blipFill>
+        <p:spPr>
+          <a:xfrm>
+            <a:off x="8852" y="4304807"/>
+            <a:ext cx="7854988" cy="1073970"/>
+          </a:xfrm>
+          <a:prstGeom prst="rect">
+            <a:avLst/>
+          </a:prstGeom>
+        </p:spPr>
+      </p:pic>
+      <p:pic>
+        <p:nvPicPr>
+          <p:cNvPr id="8" name="Picture 7">
+            <a:extLst>
+              <a:ext uri="{FF2B5EF4-FFF2-40B4-BE49-F238E27FC236}">
+                <a16:creationId xmlns:a16="http://schemas.microsoft.com/office/drawing/2014/main" id="{723FAD84-FE7D-AB53-645B-40DB56937809}"/>
+              </a:ext>
+            </a:extLst>
+          </p:cNvPr>
+          <p:cNvPicPr>
+            <a:picLocks noChangeAspect="1"/>
+          </p:cNvPicPr>
+          <p:nvPr/>
+        </p:nvPicPr>
+        <p:blipFill>
+          <a:blip r:embed="rId3"/>
+          <a:stretch>
+            <a:fillRect/>
+          </a:stretch>
+        </p:blipFill>
+        <p:spPr>
+          <a:xfrm>
+            <a:off x="0" y="5392604"/>
+            <a:ext cx="12192000" cy="1431176"/>
+          </a:xfrm>
+          <a:prstGeom prst="rect">
+            <a:avLst/>
+          </a:prstGeom>
+        </p:spPr>
+      </p:pic>
+    </p:spTree>
+    <p:extLst>
+      <p:ext uri="{BB962C8B-B14F-4D97-AF65-F5344CB8AC3E}">
+        <p14:creationId xmlns:p14="http://schemas.microsoft.com/office/powerpoint/2010/main" val="2582917046"/>
+      </p:ext>
+    </p:extLst>
+  </p:cSld>
+  <p:clrMapOvr>
+    <a:masterClrMapping/>
+  </p:clrMapOvr>
+</p:sld>
+</file>
+
+<file path=ppt/slides/slide9.xml><?xml version="1.0" encoding="utf-8"?>
 <p:sld xmlns:a="http://schemas.openxmlformats.org/drawingml/2006/main" xmlns:r="http://schemas.openxmlformats.org/officeDocument/2006/relationships" xmlns:p="http://schemas.openxmlformats.org/presentationml/2006/main">
   <p:cSld>
     <p:bg>
@@ -5103,7 +13327,7 @@
         <p:spPr>
           <a:xfrm>
             <a:off x="7526771" y="244871"/>
-            <a:ext cx="4656377" cy="4893647"/>
+            <a:ext cx="4656377" cy="5262979"/>
           </a:xfrm>
           <a:prstGeom prst="rect">
             <a:avLst/>
@@ -5334,7 +13558,7 @@
                 <a:effectLst/>
                 <a:latin typeface="Consolas" panose="020B0609020204030204" pitchFamily="49" charset="0"/>
               </a:rPr>
-              <a:t>I_v</a:t>
+              <a:t>I_r</a:t>
             </a:r>
             <a:r>
               <a:rPr lang="en-GB" sz="1200" b="0" dirty="0">
@@ -5374,7 +13598,7 @@
                 <a:effectLst/>
                 <a:latin typeface="Consolas" panose="020B0609020204030204" pitchFamily="49" charset="0"/>
               </a:rPr>
-              <a:t>'-'</a:t>
+              <a:t>'0'</a:t>
             </a:r>
             <a:r>
               <a:rPr lang="en-GB" sz="1200" b="0" dirty="0">
@@ -5406,7 +13630,7 @@
                 <a:effectLst/>
                 <a:latin typeface="Consolas" panose="020B0609020204030204" pitchFamily="49" charset="0"/>
               </a:rPr>
-              <a:t>Q_v</a:t>
+              <a:t>Q_r</a:t>
             </a:r>
             <a:r>
               <a:rPr lang="en-GB" sz="1200" b="0" dirty="0">
@@ -5446,7 +13670,7 @@
                 <a:effectLst/>
                 <a:latin typeface="Consolas" panose="020B0609020204030204" pitchFamily="49" charset="0"/>
               </a:rPr>
-              <a:t>'-'</a:t>
+              <a:t>'0'</a:t>
             </a:r>
             <a:r>
               <a:rPr lang="en-GB" sz="1200" b="0" dirty="0">
@@ -5893,7 +14117,7 @@
                 <a:effectLst/>
                 <a:latin typeface="Consolas" panose="020B0609020204030204" pitchFamily="49" charset="0"/>
               </a:rPr>
-              <a:t>ReceiveDataMode</a:t>
+              <a:t>IReceived_r</a:t>
             </a:r>
             <a:r>
               <a:rPr lang="en-GB" sz="1200" b="0" dirty="0">
@@ -5962,7 +14186,7 @@
                 <a:effectLst/>
                 <a:latin typeface="Consolas" panose="020B0609020204030204" pitchFamily="49" charset="0"/>
               </a:rPr>
-              <a:t>Q_v</a:t>
+              <a:t>I_r</a:t>
             </a:r>
             <a:r>
               <a:rPr lang="en-GB" sz="1200" b="0" dirty="0">
@@ -6034,6 +14258,58 @@
                 <a:effectLst/>
                 <a:latin typeface="Consolas" panose="020B0609020204030204" pitchFamily="49" charset="0"/>
               </a:rPr>
+              <a:t>'0'</a:t>
+            </a:r>
+            <a:r>
+              <a:rPr lang="en-GB" sz="1200" b="0" dirty="0">
+                <a:solidFill>
+                  <a:srgbClr val="D4D4D4"/>
+                </a:solidFill>
+                <a:effectLst/>
+                <a:latin typeface="Consolas" panose="020B0609020204030204" pitchFamily="49" charset="0"/>
+              </a:rPr>
+              <a:t>;</a:t>
+            </a:r>
+          </a:p>
+          <a:p>
+            <a:r>
+              <a:rPr lang="en-GB" sz="1200" b="0" dirty="0">
+                <a:solidFill>
+                  <a:srgbClr val="D4D4D4"/>
+                </a:solidFill>
+                <a:effectLst/>
+                <a:latin typeface="Consolas" panose="020B0609020204030204" pitchFamily="49" charset="0"/>
+              </a:rPr>
+              <a:t>                </a:t>
+            </a:r>
+            <a:r>
+              <a:rPr lang="en-GB" sz="1200" b="0" dirty="0" err="1">
+                <a:solidFill>
+                  <a:srgbClr val="D4D4D4"/>
+                </a:solidFill>
+                <a:effectLst/>
+                <a:latin typeface="Consolas" panose="020B0609020204030204" pitchFamily="49" charset="0"/>
+              </a:rPr>
+              <a:t>IReceived_r</a:t>
+            </a:r>
+            <a:r>
+              <a:rPr lang="en-GB" sz="1200" b="0" dirty="0">
+                <a:solidFill>
+                  <a:srgbClr val="D4D4D4"/>
+                </a:solidFill>
+                <a:effectLst/>
+                <a:latin typeface="Consolas" panose="020B0609020204030204" pitchFamily="49" charset="0"/>
+              </a:rPr>
+              <a:t> &lt;= </a:t>
+            </a:r>
+            <a:r>
+              <a:rPr lang="en-GB" sz="1200" b="0" dirty="0">
+                <a:solidFill>
+                  <a:srgbClr val="CE9178"/>
+                </a:solidFill>
+                <a:effectLst/>
+                <a:latin typeface="Consolas" panose="020B0609020204030204" pitchFamily="49" charset="0"/>
+              </a:rPr>
               <a:t>'1'</a:t>
             </a:r>
             <a:r>
@@ -6086,7 +14362,7 @@
                 <a:effectLst/>
                 <a:latin typeface="Consolas" panose="020B0609020204030204" pitchFamily="49" charset="0"/>
               </a:rPr>
-              <a:t>IReceived_r</a:t>
+              <a:t>ReceiveDataMode</a:t>
             </a:r>
             <a:r>
               <a:rPr lang="en-GB" sz="1200" b="0" dirty="0">
@@ -6155,7 +14431,79 @@
                 <a:effectLst/>
                 <a:latin typeface="Consolas" panose="020B0609020204030204" pitchFamily="49" charset="0"/>
               </a:rPr>
-              <a:t>I_v</a:t>
+              <a:t>Q_r</a:t>
+            </a:r>
+            <a:r>
+              <a:rPr lang="en-GB" sz="1200" b="0" dirty="0">
+                <a:solidFill>
+                  <a:srgbClr val="D4D4D4"/>
+                </a:solidFill>
+                <a:effectLst/>
+                <a:latin typeface="Consolas" panose="020B0609020204030204" pitchFamily="49" charset="0"/>
+              </a:rPr>
+              <a:t> &lt;= (</a:t>
+            </a:r>
+            <a:r>
+              <a:rPr lang="en-GB" sz="1200" b="0" dirty="0">
+                <a:solidFill>
+                  <a:srgbClr val="569CD6"/>
+                </a:solidFill>
+                <a:effectLst/>
+                <a:latin typeface="Consolas" panose="020B0609020204030204" pitchFamily="49" charset="0"/>
+              </a:rPr>
+              <a:t>others</a:t>
+            </a:r>
+            <a:r>
+              <a:rPr lang="en-GB" sz="1200" b="0" dirty="0">
+                <a:solidFill>
+                  <a:srgbClr val="D4D4D4"/>
+                </a:solidFill>
+                <a:effectLst/>
+                <a:latin typeface="Consolas" panose="020B0609020204030204" pitchFamily="49" charset="0"/>
+              </a:rPr>
+              <a:t> =&gt; </a:t>
+            </a:r>
+            <a:r>
+              <a:rPr lang="en-GB" sz="1200" b="0" dirty="0">
+                <a:solidFill>
+                  <a:srgbClr val="CE9178"/>
+                </a:solidFill>
+                <a:effectLst/>
+                <a:latin typeface="Consolas" panose="020B0609020204030204" pitchFamily="49" charset="0"/>
+              </a:rPr>
+              <a:t>'0'</a:t>
+            </a:r>
+            <a:r>
+              <a:rPr lang="en-GB" sz="1200" b="0" dirty="0">
+                <a:solidFill>
+                  <a:srgbClr val="D4D4D4"/>
+                </a:solidFill>
+                <a:effectLst/>
+                <a:latin typeface="Consolas" panose="020B0609020204030204" pitchFamily="49" charset="0"/>
+              </a:rPr>
+              <a:t>);</a:t>
+            </a:r>
+          </a:p>
+          <a:p>
+            <a:r>
+              <a:rPr lang="en-GB" sz="1200" b="0" dirty="0">
+                <a:solidFill>
+                  <a:srgbClr val="D4D4D4"/>
+                </a:solidFill>
+                <a:effectLst/>
+                <a:latin typeface="Consolas" panose="020B0609020204030204" pitchFamily="49" charset="0"/>
+              </a:rPr>
+              <a:t>                </a:t>
+            </a:r>
+            <a:r>
+              <a:rPr lang="en-GB" sz="1200" b="0" dirty="0" err="1">
+                <a:solidFill>
+                  <a:srgbClr val="D4D4D4"/>
+                </a:solidFill>
+                <a:effectLst/>
+                <a:latin typeface="Consolas" panose="020B0609020204030204" pitchFamily="49" charset="0"/>
+              </a:rPr>
+              <a:t>DataStrobe_r</a:t>
             </a:r>
             <a:r>
               <a:rPr lang="en-GB" sz="1200" b="0" dirty="0">
@@ -6168,6 +14516,38 @@
               <a:t> &lt;= </a:t>
             </a:r>
             <a:r>
+              <a:rPr lang="en-GB" sz="1200" b="0" dirty="0">
+                <a:solidFill>
+                  <a:srgbClr val="CE9178"/>
+                </a:solidFill>
+                <a:effectLst/>
+                <a:latin typeface="Consolas" panose="020B0609020204030204" pitchFamily="49" charset="0"/>
+              </a:rPr>
+              <a:t>'1'</a:t>
+            </a:r>
+            <a:r>
+              <a:rPr lang="en-GB" sz="1200" b="0" dirty="0">
+                <a:solidFill>
+                  <a:srgbClr val="D4D4D4"/>
+                </a:solidFill>
+                <a:effectLst/>
+                <a:latin typeface="Consolas" panose="020B0609020204030204" pitchFamily="49" charset="0"/>
+              </a:rPr>
+              <a:t>;</a:t>
+            </a:r>
+          </a:p>
+          <a:p>
+            <a:r>
+              <a:rPr lang="en-GB" sz="1200" b="0" dirty="0">
+                <a:solidFill>
+                  <a:srgbClr val="D4D4D4"/>
+                </a:solidFill>
+                <a:effectLst/>
+                <a:latin typeface="Consolas" panose="020B0609020204030204" pitchFamily="49" charset="0"/>
+              </a:rPr>
+              <a:t>                </a:t>
+            </a:r>
+            <a:r>
               <a:rPr lang="en-GB" sz="1200" b="0" dirty="0" err="1">
                 <a:solidFill>
                   <a:srgbClr val="D4D4D4"/>
@@ -6175,6 +14555,107 @@
                 <a:effectLst/>
                 <a:latin typeface="Consolas" panose="020B0609020204030204" pitchFamily="49" charset="0"/>
               </a:rPr>
+              <a:t>IReceived_r</a:t>
+            </a:r>
+            <a:r>
+              <a:rPr lang="en-GB" sz="1200" b="0" dirty="0">
+                <a:solidFill>
+                  <a:srgbClr val="D4D4D4"/>
+                </a:solidFill>
+                <a:effectLst/>
+                <a:latin typeface="Consolas" panose="020B0609020204030204" pitchFamily="49" charset="0"/>
+              </a:rPr>
+              <a:t> &lt;= </a:t>
+            </a:r>
+            <a:r>
+              <a:rPr lang="en-GB" sz="1200" b="0" dirty="0">
+                <a:solidFill>
+                  <a:srgbClr val="CE9178"/>
+                </a:solidFill>
+                <a:effectLst/>
+                <a:latin typeface="Consolas" panose="020B0609020204030204" pitchFamily="49" charset="0"/>
+              </a:rPr>
+              <a:t>'0'</a:t>
+            </a:r>
+            <a:r>
+              <a:rPr lang="en-GB" sz="1200" b="0" dirty="0">
+                <a:solidFill>
+                  <a:srgbClr val="D4D4D4"/>
+                </a:solidFill>
+                <a:effectLst/>
+                <a:latin typeface="Consolas" panose="020B0609020204030204" pitchFamily="49" charset="0"/>
+              </a:rPr>
+              <a:t>;</a:t>
+            </a:r>
+          </a:p>
+          <a:p>
+            <a:r>
+              <a:rPr lang="en-GB" sz="1200" b="0" dirty="0">
+                <a:solidFill>
+                  <a:srgbClr val="D4D4D4"/>
+                </a:solidFill>
+                <a:effectLst/>
+                <a:latin typeface="Consolas" panose="020B0609020204030204" pitchFamily="49" charset="0"/>
+              </a:rPr>
+              <a:t>            </a:t>
+            </a:r>
+            <a:r>
+              <a:rPr lang="en-GB" sz="1200" b="0" dirty="0">
+                <a:solidFill>
+                  <a:srgbClr val="569CD6"/>
+                </a:solidFill>
+                <a:effectLst/>
+                <a:latin typeface="Consolas" panose="020B0609020204030204" pitchFamily="49" charset="0"/>
+              </a:rPr>
+              <a:t>else</a:t>
+            </a:r>
+            <a:endParaRPr lang="en-GB" sz="1200" b="0" dirty="0">
+              <a:solidFill>
+                <a:srgbClr val="D4D4D4"/>
+              </a:solidFill>
+              <a:effectLst/>
+              <a:latin typeface="Consolas" panose="020B0609020204030204" pitchFamily="49" charset="0"/>
+            </a:endParaRPr>
+          </a:p>
+          <a:p>
+            <a:r>
+              <a:rPr lang="en-GB" sz="1200" b="0" dirty="0">
+                <a:solidFill>
+                  <a:srgbClr val="D4D4D4"/>
+                </a:solidFill>
+                <a:effectLst/>
+                <a:latin typeface="Consolas" panose="020B0609020204030204" pitchFamily="49" charset="0"/>
+              </a:rPr>
+              <a:t>                </a:t>
+            </a:r>
+            <a:r>
+              <a:rPr lang="en-GB" sz="1200" b="0" dirty="0" err="1">
+                <a:solidFill>
+                  <a:srgbClr val="D4D4D4"/>
+                </a:solidFill>
+                <a:effectLst/>
+                <a:latin typeface="Consolas" panose="020B0609020204030204" pitchFamily="49" charset="0"/>
+              </a:rPr>
+              <a:t>Q_r</a:t>
+            </a:r>
+            <a:r>
+              <a:rPr lang="en-GB" sz="1200" b="0" dirty="0">
+                <a:solidFill>
+                  <a:srgbClr val="D4D4D4"/>
+                </a:solidFill>
+                <a:effectLst/>
+                <a:latin typeface="Consolas" panose="020B0609020204030204" pitchFamily="49" charset="0"/>
+              </a:rPr>
+              <a:t> &lt;= </a:t>
+            </a:r>
+            <a:r>
+              <a:rPr lang="en-GB" sz="1200" b="0" dirty="0" err="1">
+                <a:solidFill>
+                  <a:srgbClr val="D4D4D4"/>
+                </a:solidFill>
+                <a:effectLst/>
+                <a:latin typeface="Consolas" panose="020B0609020204030204" pitchFamily="49" charset="0"/>
+              </a:rPr>
               <a:t>ADC_SigIn</a:t>
             </a:r>
             <a:r>
@@ -6227,6 +14708,58 @@
                 <a:effectLst/>
                 <a:latin typeface="Consolas" panose="020B0609020204030204" pitchFamily="49" charset="0"/>
               </a:rPr>
+              <a:t>'1'</a:t>
+            </a:r>
+            <a:r>
+              <a:rPr lang="en-GB" sz="1200" b="0" dirty="0">
+                <a:solidFill>
+                  <a:srgbClr val="D4D4D4"/>
+                </a:solidFill>
+                <a:effectLst/>
+                <a:latin typeface="Consolas" panose="020B0609020204030204" pitchFamily="49" charset="0"/>
+              </a:rPr>
+              <a:t>;</a:t>
+            </a:r>
+          </a:p>
+          <a:p>
+            <a:r>
+              <a:rPr lang="en-GB" sz="1200" b="0" dirty="0">
+                <a:solidFill>
+                  <a:srgbClr val="D4D4D4"/>
+                </a:solidFill>
+                <a:effectLst/>
+                <a:latin typeface="Consolas" panose="020B0609020204030204" pitchFamily="49" charset="0"/>
+              </a:rPr>
+              <a:t>                </a:t>
+            </a:r>
+            <a:r>
+              <a:rPr lang="en-GB" sz="1200" b="0" dirty="0" err="1">
+                <a:solidFill>
+                  <a:srgbClr val="D4D4D4"/>
+                </a:solidFill>
+                <a:effectLst/>
+                <a:latin typeface="Consolas" panose="020B0609020204030204" pitchFamily="49" charset="0"/>
+              </a:rPr>
+              <a:t>IReceived_r</a:t>
+            </a:r>
+            <a:r>
+              <a:rPr lang="en-GB" sz="1200" b="0" dirty="0">
+                <a:solidFill>
+                  <a:srgbClr val="D4D4D4"/>
+                </a:solidFill>
+                <a:effectLst/>
+                <a:latin typeface="Consolas" panose="020B0609020204030204" pitchFamily="49" charset="0"/>
+              </a:rPr>
+              <a:t> &lt;= </a:t>
+            </a:r>
+            <a:r>
+              <a:rPr lang="en-GB" sz="1200" b="0" dirty="0">
+                <a:solidFill>
+                  <a:srgbClr val="CE9178"/>
+                </a:solidFill>
+                <a:effectLst/>
+                <a:latin typeface="Consolas" panose="020B0609020204030204" pitchFamily="49" charset="0"/>
+              </a:rPr>
               <a:t>'0'</a:t>
             </a:r>
             <a:r>
@@ -6249,37 +14782,17 @@
                 <a:effectLst/>
                 <a:latin typeface="Consolas" panose="020B0609020204030204" pitchFamily="49" charset="0"/>
               </a:rPr>
-              <a:t>                </a:t>
-            </a:r>
-            <a:r>
-              <a:rPr lang="en-GB" sz="1200" b="0" dirty="0" err="1">
-                <a:solidFill>
-                  <a:srgbClr val="D4D4D4"/>
-                </a:solidFill>
-                <a:effectLst/>
-                <a:latin typeface="Consolas" panose="020B0609020204030204" pitchFamily="49" charset="0"/>
-              </a:rPr>
-              <a:t>IReceived_r</a:t>
-            </a:r>
-            <a:r>
-              <a:rPr lang="en-GB" sz="1200" b="0" dirty="0">
-                <a:solidFill>
-                  <a:srgbClr val="D4D4D4"/>
-                </a:solidFill>
-                <a:effectLst/>
-                <a:latin typeface="Consolas" panose="020B0609020204030204" pitchFamily="49" charset="0"/>
-              </a:rPr>
-              <a:t> &lt;= </a:t>
-            </a:r>
-            <a:r>
-              <a:rPr lang="en-GB" sz="1200" b="0" dirty="0">
-                <a:solidFill>
-                  <a:srgbClr val="CE9178"/>
-                </a:solidFill>
-                <a:effectLst/>
-                <a:latin typeface="Consolas" panose="020B0609020204030204" pitchFamily="49" charset="0"/>
-              </a:rPr>
-              <a:t>'1'</a:t>
+              <a:t>            </a:t>
+            </a:r>
+            <a:r>
+              <a:rPr lang="en-GB" sz="1200" b="0" dirty="0">
+                <a:solidFill>
+                  <a:srgbClr val="569CD6"/>
+                </a:solidFill>
+                <a:effectLst/>
+                <a:latin typeface="Consolas" panose="020B0609020204030204" pitchFamily="49" charset="0"/>
+              </a:rPr>
+              <a:t>end if</a:t>
             </a:r>
             <a:r>
               <a:rPr lang="en-GB" sz="1200" b="0" dirty="0">
@@ -6301,7 +14814,7 @@
                 <a:effectLst/>
                 <a:latin typeface="Consolas" panose="020B0609020204030204" pitchFamily="49" charset="0"/>
               </a:rPr>
-              <a:t>            </a:t>
+              <a:t>        </a:t>
             </a:r>
             <a:r>
               <a:rPr lang="en-GB" sz="1200" b="0" dirty="0">
@@ -6311,7 +14824,39 @@
                 <a:effectLst/>
                 <a:latin typeface="Consolas" panose="020B0609020204030204" pitchFamily="49" charset="0"/>
               </a:rPr>
-              <a:t>else</a:t>
+              <a:t>end if</a:t>
+            </a:r>
+            <a:r>
+              <a:rPr lang="en-GB" sz="1200" b="0" dirty="0">
+                <a:solidFill>
+                  <a:srgbClr val="D4D4D4"/>
+                </a:solidFill>
+                <a:effectLst/>
+                <a:latin typeface="Consolas" panose="020B0609020204030204" pitchFamily="49" charset="0"/>
+              </a:rPr>
+              <a:t>;</a:t>
+            </a:r>
+          </a:p>
+          <a:p>
+            <a:r>
+              <a:rPr lang="en-GB" sz="1200" b="0" dirty="0">
+                <a:solidFill>
+                  <a:srgbClr val="D4D4D4"/>
+                </a:solidFill>
+                <a:effectLst/>
+                <a:latin typeface="Consolas" panose="020B0609020204030204" pitchFamily="49" charset="0"/>
+              </a:rPr>
+              <a:t>    </a:t>
+            </a:r>
+            <a:r>
+              <a:rPr lang="en-GB" sz="1200" b="0" dirty="0">
+                <a:solidFill>
+                  <a:srgbClr val="569CD6"/>
+                </a:solidFill>
+                <a:effectLst/>
+                <a:latin typeface="Consolas" panose="020B0609020204030204" pitchFamily="49" charset="0"/>
+              </a:rPr>
+              <a:t>end</a:t>
             </a:r>
             <a:r>
               <a:rPr lang="en-GB" sz="1200" b="0" dirty="0">
@@ -6323,47 +14868,15 @@
               </a:rPr>
               <a:t> </a:t>
             </a:r>
-          </a:p>
-          <a:p>
-            <a:r>
-              <a:rPr lang="en-GB" sz="1200" b="0" dirty="0">
-                <a:solidFill>
-                  <a:srgbClr val="D4D4D4"/>
-                </a:solidFill>
-                <a:effectLst/>
-                <a:latin typeface="Consolas" panose="020B0609020204030204" pitchFamily="49" charset="0"/>
-              </a:rPr>
-              <a:t>                </a:t>
-            </a:r>
-            <a:r>
-              <a:rPr lang="en-GB" sz="1200" b="0" dirty="0" err="1">
-                <a:solidFill>
-                  <a:srgbClr val="D4D4D4"/>
-                </a:solidFill>
-                <a:effectLst/>
-                <a:latin typeface="Consolas" panose="020B0609020204030204" pitchFamily="49" charset="0"/>
-              </a:rPr>
-              <a:t>Q_v</a:t>
-            </a:r>
-            <a:r>
-              <a:rPr lang="en-GB" sz="1200" b="0" dirty="0">
-                <a:solidFill>
-                  <a:srgbClr val="D4D4D4"/>
-                </a:solidFill>
-                <a:effectLst/>
-                <a:latin typeface="Consolas" panose="020B0609020204030204" pitchFamily="49" charset="0"/>
-              </a:rPr>
-              <a:t> &lt;= </a:t>
-            </a:r>
-            <a:r>
-              <a:rPr lang="en-GB" sz="1200" b="0" dirty="0" err="1">
-                <a:solidFill>
-                  <a:srgbClr val="D4D4D4"/>
-                </a:solidFill>
-                <a:effectLst/>
-                <a:latin typeface="Consolas" panose="020B0609020204030204" pitchFamily="49" charset="0"/>
-              </a:rPr>
-              <a:t>ADC_SigIn</a:t>
+            <a:r>
+              <a:rPr lang="en-GB" sz="1200" b="0" dirty="0">
+                <a:solidFill>
+                  <a:srgbClr val="569CD6"/>
+                </a:solidFill>
+                <a:effectLst/>
+                <a:latin typeface="Consolas" panose="020B0609020204030204" pitchFamily="49" charset="0"/>
+              </a:rPr>
+              <a:t>process</a:t>
             </a:r>
             <a:r>
               <a:rPr lang="en-GB" sz="1200" b="0" dirty="0">
@@ -6377,233 +14890,22 @@
             </a:r>
           </a:p>
           <a:p>
-            <a:r>
-              <a:rPr lang="en-GB" sz="1200" b="0" dirty="0">
-                <a:solidFill>
-                  <a:srgbClr val="D4D4D4"/>
-                </a:solidFill>
-                <a:effectLst/>
-                <a:latin typeface="Consolas" panose="020B0609020204030204" pitchFamily="49" charset="0"/>
-              </a:rPr>
-              <a:t>                </a:t>
-            </a:r>
-            <a:r>
-              <a:rPr lang="en-GB" sz="1200" b="0" dirty="0" err="1">
-                <a:solidFill>
-                  <a:srgbClr val="D4D4D4"/>
-                </a:solidFill>
-                <a:effectLst/>
-                <a:latin typeface="Consolas" panose="020B0609020204030204" pitchFamily="49" charset="0"/>
-              </a:rPr>
-              <a:t>DataStrobe_r</a:t>
-            </a:r>
-            <a:r>
-              <a:rPr lang="en-GB" sz="1200" b="0" dirty="0">
-                <a:solidFill>
-                  <a:srgbClr val="D4D4D4"/>
-                </a:solidFill>
-                <a:effectLst/>
-                <a:latin typeface="Consolas" panose="020B0609020204030204" pitchFamily="49" charset="0"/>
-              </a:rPr>
-              <a:t> &lt;= </a:t>
-            </a:r>
-            <a:r>
-              <a:rPr lang="en-GB" sz="1200" b="0" dirty="0">
-                <a:solidFill>
-                  <a:srgbClr val="CE9178"/>
-                </a:solidFill>
-                <a:effectLst/>
-                <a:latin typeface="Consolas" panose="020B0609020204030204" pitchFamily="49" charset="0"/>
-              </a:rPr>
-              <a:t>'1'</a:t>
-            </a:r>
-            <a:r>
-              <a:rPr lang="en-GB" sz="1200" b="0" dirty="0">
-                <a:solidFill>
-                  <a:srgbClr val="D4D4D4"/>
-                </a:solidFill>
-                <a:effectLst/>
-                <a:latin typeface="Consolas" panose="020B0609020204030204" pitchFamily="49" charset="0"/>
-              </a:rPr>
-              <a:t>;</a:t>
-            </a:r>
-          </a:p>
-          <a:p>
-            <a:r>
-              <a:rPr lang="en-GB" sz="1200" b="0" dirty="0">
-                <a:solidFill>
-                  <a:srgbClr val="D4D4D4"/>
-                </a:solidFill>
-                <a:effectLst/>
-                <a:latin typeface="Consolas" panose="020B0609020204030204" pitchFamily="49" charset="0"/>
-              </a:rPr>
-              <a:t>                </a:t>
-            </a:r>
-            <a:r>
-              <a:rPr lang="en-GB" sz="1200" b="0" dirty="0" err="1">
-                <a:solidFill>
-                  <a:srgbClr val="D4D4D4"/>
-                </a:solidFill>
-                <a:effectLst/>
-                <a:latin typeface="Consolas" panose="020B0609020204030204" pitchFamily="49" charset="0"/>
-              </a:rPr>
-              <a:t>IReceived_r</a:t>
-            </a:r>
-            <a:r>
-              <a:rPr lang="en-GB" sz="1200" b="0" dirty="0">
-                <a:solidFill>
-                  <a:srgbClr val="D4D4D4"/>
-                </a:solidFill>
-                <a:effectLst/>
-                <a:latin typeface="Consolas" panose="020B0609020204030204" pitchFamily="49" charset="0"/>
-              </a:rPr>
-              <a:t> &lt;= </a:t>
-            </a:r>
-            <a:r>
-              <a:rPr lang="en-GB" sz="1200" b="0" dirty="0">
-                <a:solidFill>
-                  <a:srgbClr val="CE9178"/>
-                </a:solidFill>
-                <a:effectLst/>
-                <a:latin typeface="Consolas" panose="020B0609020204030204" pitchFamily="49" charset="0"/>
-              </a:rPr>
-              <a:t>'0'</a:t>
-            </a:r>
-            <a:r>
-              <a:rPr lang="en-GB" sz="1200" b="0" dirty="0">
-                <a:solidFill>
-                  <a:srgbClr val="D4D4D4"/>
-                </a:solidFill>
-                <a:effectLst/>
-                <a:latin typeface="Consolas" panose="020B0609020204030204" pitchFamily="49" charset="0"/>
-              </a:rPr>
-              <a:t>;</a:t>
-            </a:r>
-          </a:p>
-          <a:p>
-            <a:r>
-              <a:rPr lang="en-GB" sz="1200" b="0" dirty="0">
-                <a:solidFill>
-                  <a:srgbClr val="D4D4D4"/>
-                </a:solidFill>
-                <a:effectLst/>
-                <a:latin typeface="Consolas" panose="020B0609020204030204" pitchFamily="49" charset="0"/>
-              </a:rPr>
-              <a:t>            </a:t>
-            </a:r>
-            <a:r>
-              <a:rPr lang="en-GB" sz="1200" b="0" dirty="0">
-                <a:solidFill>
-                  <a:srgbClr val="569CD6"/>
-                </a:solidFill>
-                <a:effectLst/>
-                <a:latin typeface="Consolas" panose="020B0609020204030204" pitchFamily="49" charset="0"/>
-              </a:rPr>
-              <a:t>end if</a:t>
-            </a:r>
-            <a:r>
-              <a:rPr lang="en-GB" sz="1200" b="0" dirty="0">
-                <a:solidFill>
-                  <a:srgbClr val="D4D4D4"/>
-                </a:solidFill>
-                <a:effectLst/>
-                <a:latin typeface="Consolas" panose="020B0609020204030204" pitchFamily="49" charset="0"/>
-              </a:rPr>
-              <a:t>;</a:t>
-            </a:r>
-          </a:p>
-          <a:p>
-            <a:r>
-              <a:rPr lang="en-GB" sz="1200" b="0" dirty="0">
-                <a:solidFill>
-                  <a:srgbClr val="D4D4D4"/>
-                </a:solidFill>
-                <a:effectLst/>
-                <a:latin typeface="Consolas" panose="020B0609020204030204" pitchFamily="49" charset="0"/>
-              </a:rPr>
-              <a:t>        </a:t>
-            </a:r>
-            <a:r>
-              <a:rPr lang="en-GB" sz="1200" b="0" dirty="0">
-                <a:solidFill>
-                  <a:srgbClr val="569CD6"/>
-                </a:solidFill>
-                <a:effectLst/>
-                <a:latin typeface="Consolas" panose="020B0609020204030204" pitchFamily="49" charset="0"/>
-              </a:rPr>
-              <a:t>end if</a:t>
-            </a:r>
-            <a:r>
-              <a:rPr lang="en-GB" sz="1200" b="0" dirty="0">
-                <a:solidFill>
-                  <a:srgbClr val="D4D4D4"/>
-                </a:solidFill>
-                <a:effectLst/>
-                <a:latin typeface="Consolas" panose="020B0609020204030204" pitchFamily="49" charset="0"/>
-              </a:rPr>
-              <a:t>;</a:t>
-            </a:r>
-          </a:p>
-          <a:p>
-            <a:r>
-              <a:rPr lang="en-GB" sz="1200" b="0" dirty="0">
-                <a:solidFill>
-                  <a:srgbClr val="D4D4D4"/>
-                </a:solidFill>
-                <a:effectLst/>
-                <a:latin typeface="Consolas" panose="020B0609020204030204" pitchFamily="49" charset="0"/>
-              </a:rPr>
-              <a:t>    </a:t>
-            </a:r>
-            <a:r>
-              <a:rPr lang="en-GB" sz="1200" b="0" dirty="0">
-                <a:solidFill>
-                  <a:srgbClr val="569CD6"/>
-                </a:solidFill>
-                <a:effectLst/>
-                <a:latin typeface="Consolas" panose="020B0609020204030204" pitchFamily="49" charset="0"/>
-              </a:rPr>
-              <a:t>end</a:t>
-            </a:r>
-            <a:r>
-              <a:rPr lang="en-GB" sz="1200" b="0" dirty="0">
-                <a:solidFill>
-                  <a:srgbClr val="D4D4D4"/>
-                </a:solidFill>
-                <a:effectLst/>
-                <a:latin typeface="Consolas" panose="020B0609020204030204" pitchFamily="49" charset="0"/>
-              </a:rPr>
-              <a:t> </a:t>
-            </a:r>
-            <a:r>
-              <a:rPr lang="en-GB" sz="1200" b="0" dirty="0">
-                <a:solidFill>
-                  <a:srgbClr val="569CD6"/>
-                </a:solidFill>
-                <a:effectLst/>
-                <a:latin typeface="Consolas" panose="020B0609020204030204" pitchFamily="49" charset="0"/>
-              </a:rPr>
-              <a:t>process</a:t>
-            </a:r>
-            <a:r>
-              <a:rPr lang="en-GB" sz="1200" b="0" dirty="0">
-                <a:solidFill>
-                  <a:srgbClr val="D4D4D4"/>
-                </a:solidFill>
-                <a:effectLst/>
-                <a:latin typeface="Consolas" panose="020B0609020204030204" pitchFamily="49" charset="0"/>
-              </a:rPr>
-              <a:t>;</a:t>
-            </a:r>
+            <a:endParaRPr lang="en-GB" sz="1200" b="0" dirty="0">
+              <a:solidFill>
+                <a:srgbClr val="D4D4D4"/>
+              </a:solidFill>
+              <a:effectLst/>
+              <a:latin typeface="Consolas" panose="020B0609020204030204" pitchFamily="49" charset="0"/>
+            </a:endParaRPr>
           </a:p>
         </p:txBody>
       </p:sp>
       <p:pic>
         <p:nvPicPr>
-          <p:cNvPr id="5" name="Picture 4">
+          <p:cNvPr id="2" name="Picture 1" descr="A screenshot of a computer&#10;&#10;Description automatically generated">
             <a:extLst>
               <a:ext uri="{FF2B5EF4-FFF2-40B4-BE49-F238E27FC236}">
-                <a16:creationId xmlns:a16="http://schemas.microsoft.com/office/drawing/2014/main" id="{F98F7702-B35D-EF29-2C0B-B1192340C37D}"/>
+                <a16:creationId xmlns:a16="http://schemas.microsoft.com/office/drawing/2014/main" id="{251EC126-1146-4A5F-18A4-8CDCA215733E}"/>
               </a:ext>
             </a:extLst>
           </p:cNvPr>
@@ -6620,8 +14922,8 @@
         </p:blipFill>
         <p:spPr>
           <a:xfrm>
-            <a:off x="8852" y="3972770"/>
-            <a:ext cx="7854988" cy="1406007"/>
+            <a:off x="0" y="3779224"/>
+            <a:ext cx="7864132" cy="1534816"/>
           </a:xfrm>
           <a:prstGeom prst="rect">
             <a:avLst/>
@@ -6630,10 +14932,10 @@
       </p:pic>
       <p:pic>
         <p:nvPicPr>
-          <p:cNvPr id="8" name="Picture 7">
+          <p:cNvPr id="3" name="Picture 2" descr="A screenshot of a computer&#10;&#10;Description automatically generated with medium confidence">
             <a:extLst>
               <a:ext uri="{FF2B5EF4-FFF2-40B4-BE49-F238E27FC236}">
-                <a16:creationId xmlns:a16="http://schemas.microsoft.com/office/drawing/2014/main" id="{723FAD84-FE7D-AB53-645B-40DB56937809}"/>
+                <a16:creationId xmlns:a16="http://schemas.microsoft.com/office/drawing/2014/main" id="{ED430569-962C-3F63-BBAC-984881EF0AA2}"/>
               </a:ext>
             </a:extLst>
           </p:cNvPr>
@@ -6650,8 +14952,8 @@
         </p:blipFill>
         <p:spPr>
           <a:xfrm>
-            <a:off x="0" y="5392604"/>
-            <a:ext cx="12192000" cy="1431176"/>
+            <a:off x="8852" y="5323184"/>
+            <a:ext cx="12183148" cy="1534816"/>
           </a:xfrm>
           <a:prstGeom prst="rect">
             <a:avLst/>
@@ -6661,7 +14963,7 @@
     </p:spTree>
     <p:extLst>
       <p:ext uri="{BB962C8B-B14F-4D97-AF65-F5344CB8AC3E}">
-        <p14:creationId xmlns:p14="http://schemas.microsoft.com/office/powerpoint/2010/main" val="2582917046"/>
+        <p14:creationId xmlns:p14="http://schemas.microsoft.com/office/powerpoint/2010/main" val="2290564620"/>
       </p:ext>
     </p:extLst>
   </p:cSld>
